--- a/Project Presentation Template.pptx
+++ b/Project Presentation Template.pptx
@@ -1667,10 +1667,10 @@
       </p:sp>
       <p:pic>
         <p:nvPicPr>
-          <p:cNvPr id="5" name="Picture 4">
+          <p:cNvPr id="4" name="Picture 3">
             <a:extLst>
               <a:ext uri="{FF2B5EF4-FFF2-40B4-BE49-F238E27FC236}">
-                <a16:creationId xmlns:a16="http://schemas.microsoft.com/office/drawing/2014/main" id="{624310E6-E9AB-E154-CEA4-7C1988333240}"/>
+                <a16:creationId xmlns:a16="http://schemas.microsoft.com/office/drawing/2014/main" id="{C540EC94-23BF-39C7-5011-415DFE289EB6}"/>
               </a:ext>
             </a:extLst>
           </p:cNvPr>
@@ -1679,16 +1679,15 @@
           </p:cNvPicPr>
           <p:nvPr/>
         </p:nvPicPr>
-        <p:blipFill>
+        <p:blipFill rotWithShape="1">
           <a:blip r:embed="rId2"/>
-          <a:stretch>
-            <a:fillRect/>
-          </a:stretch>
+          <a:srcRect t="11022" b="16326"/>
+          <a:stretch/>
         </p:blipFill>
         <p:spPr>
           <a:xfrm>
-            <a:off x="1772816" y="833401"/>
-            <a:ext cx="8929396" cy="5850777"/>
+            <a:off x="893158" y="939338"/>
+            <a:ext cx="10405684" cy="5670036"/>
           </a:xfrm>
           <a:prstGeom prst="rect">
             <a:avLst/>
@@ -1775,10 +1774,10 @@
       </p:sp>
       <p:pic>
         <p:nvPicPr>
-          <p:cNvPr id="7" name="Picture 6">
+          <p:cNvPr id="4" name="Picture 3">
             <a:extLst>
               <a:ext uri="{FF2B5EF4-FFF2-40B4-BE49-F238E27FC236}">
-                <a16:creationId xmlns:a16="http://schemas.microsoft.com/office/drawing/2014/main" id="{F2E3F45E-C7F6-A8ED-344E-F2C4F6B7B16C}"/>
+                <a16:creationId xmlns:a16="http://schemas.microsoft.com/office/drawing/2014/main" id="{90EF7053-085C-895A-8F1F-BE67993F8B78}"/>
               </a:ext>
             </a:extLst>
           </p:cNvPr>
@@ -1789,13 +1788,13 @@
         </p:nvPicPr>
         <p:blipFill rotWithShape="1">
           <a:blip r:embed="rId2"/>
-          <a:srcRect t="14150" b="10476"/>
+          <a:srcRect t="14421" b="14830"/>
           <a:stretch/>
         </p:blipFill>
         <p:spPr>
           <a:xfrm>
-            <a:off x="1138335" y="926815"/>
-            <a:ext cx="10052180" cy="5682559"/>
+            <a:off x="865864" y="923731"/>
+            <a:ext cx="10460272" cy="5550349"/>
           </a:xfrm>
           <a:prstGeom prst="rect">
             <a:avLst/>

--- a/Project Presentation Template.pptx
+++ b/Project Presentation Template.pptx
@@ -232,7 +232,7 @@
           <a:p>
             <a:fld id="{73E9D15D-1C13-CC45-BE09-4D54E9A973B4}" type="datetimeFigureOut">
               <a:rPr lang="en-US" smtClean="0"/>
-              <a:t>8/28/2024</a:t>
+              <a:t>9/10/2024</a:t>
             </a:fld>
             <a:endParaRPr lang="en-US" dirty="0"/>
           </a:p>
@@ -662,7 +662,7 @@
           <a:p>
             <a:fld id="{FD3D9895-3AFC-9E49-BB6B-D5AF81433D95}" type="datetimeFigureOut">
               <a:rPr lang="en-US" smtClean="0"/>
-              <a:t>8/28/2024</a:t>
+              <a:t>9/10/2024</a:t>
             </a:fld>
             <a:endParaRPr lang="en-US" dirty="0"/>
           </a:p>
@@ -823,7 +823,7 @@
           <a:p>
             <a:fld id="{1703F520-AAB7-4D20-958E-A456239933B0}" type="datetimeFigureOut">
               <a:rPr lang="en-US" smtClean="0"/>
-              <a:t>8/28/2024</a:t>
+              <a:t>9/10/2024</a:t>
             </a:fld>
             <a:endParaRPr lang="en-US" dirty="0"/>
           </a:p>
@@ -1686,12 +1686,25 @@
         </p:blipFill>
         <p:spPr>
           <a:xfrm>
-            <a:off x="893158" y="939338"/>
-            <a:ext cx="10405684" cy="5670036"/>
-          </a:xfrm>
-          <a:prstGeom prst="rect">
-            <a:avLst/>
-          </a:prstGeom>
+            <a:off x="1014355" y="949498"/>
+            <a:ext cx="10163290" cy="5537956"/>
+          </a:xfrm>
+          <a:prstGeom prst="rect">
+            <a:avLst/>
+          </a:prstGeom>
+          <a:ln w="127000" cap="sq">
+            <a:solidFill>
+              <a:srgbClr val="000000"/>
+            </a:solidFill>
+            <a:miter lim="800000"/>
+          </a:ln>
+          <a:effectLst>
+            <a:outerShdw blurRad="57150" dist="50800" dir="2700000" algn="tl" rotWithShape="0">
+              <a:srgbClr val="000000">
+                <a:alpha val="40000"/>
+              </a:srgbClr>
+            </a:outerShdw>
+          </a:effectLst>
         </p:spPr>
       </p:pic>
     </p:spTree>
@@ -1793,12 +1806,25 @@
         </p:blipFill>
         <p:spPr>
           <a:xfrm>
-            <a:off x="865864" y="923731"/>
+            <a:off x="977624" y="923731"/>
             <a:ext cx="10460272" cy="5550349"/>
           </a:xfrm>
           <a:prstGeom prst="rect">
             <a:avLst/>
           </a:prstGeom>
+          <a:ln w="127000" cap="sq">
+            <a:solidFill>
+              <a:srgbClr val="000000"/>
+            </a:solidFill>
+            <a:miter lim="800000"/>
+          </a:ln>
+          <a:effectLst>
+            <a:outerShdw blurRad="57150" dist="50800" dir="2700000" algn="tl" rotWithShape="0">
+              <a:srgbClr val="000000">
+                <a:alpha val="40000"/>
+              </a:srgbClr>
+            </a:outerShdw>
+          </a:effectLst>
         </p:spPr>
       </p:pic>
     </p:spTree>
@@ -2406,8 +2432,8 @@
         </p:nvSpPr>
         <p:spPr>
           <a:xfrm>
-            <a:off x="966651" y="1286539"/>
-            <a:ext cx="9901002" cy="400110"/>
+            <a:off x="447847" y="1228397"/>
+            <a:ext cx="10880553" cy="4401205"/>
           </a:xfrm>
           <a:prstGeom prst="rect">
             <a:avLst/>
@@ -2429,6 +2455,101 @@
                 <a:cs typeface="Arial" panose="020B0604020202020204" pitchFamily="34" charset="0"/>
               </a:rPr>
               <a:t>Technical Concepts (Algorithms):</a:t>
+            </a:r>
+          </a:p>
+          <a:p>
+            <a:r>
+              <a:rPr lang="en-US" sz="2000" dirty="0">
+                <a:latin typeface="Arial" panose="020B0604020202020204" pitchFamily="34" charset="0"/>
+                <a:cs typeface="Arial" panose="020B0604020202020204" pitchFamily="34" charset="0"/>
+              </a:rPr>
+              <a:t>The technical concepts used are:</a:t>
+            </a:r>
+          </a:p>
+          <a:p>
+            <a:endParaRPr lang="en-US" sz="2000" dirty="0">
+              <a:latin typeface="Arial" panose="020B0604020202020204" pitchFamily="34" charset="0"/>
+              <a:cs typeface="Arial" panose="020B0604020202020204" pitchFamily="34" charset="0"/>
+            </a:endParaRPr>
+          </a:p>
+          <a:p>
+            <a:pPr marL="342900" indent="-342900">
+              <a:buFont typeface="Arial" panose="020B0604020202020204" pitchFamily="34" charset="0"/>
+              <a:buChar char="•"/>
+            </a:pPr>
+            <a:r>
+              <a:rPr lang="en-US" sz="2000" b="1" dirty="0">
+                <a:latin typeface="Arial" panose="020B0604020202020204" pitchFamily="34" charset="0"/>
+                <a:cs typeface="Arial" panose="020B0604020202020204" pitchFamily="34" charset="0"/>
+              </a:rPr>
+              <a:t>LSTM (Long Short-Term Memory):</a:t>
+            </a:r>
+            <a:r>
+              <a:rPr lang="en-US" sz="2000" dirty="0">
+                <a:latin typeface="Arial" panose="020B0604020202020204" pitchFamily="34" charset="0"/>
+                <a:cs typeface="Arial" panose="020B0604020202020204" pitchFamily="34" charset="0"/>
+              </a:rPr>
+              <a:t> A type of recurrent neural network (RNN) specialized for time series forecasting. LSTMs excel at capturing long-term dependencies and nonlinear relationships in sequential data, making them ideal for climate forecasting.</a:t>
+            </a:r>
+          </a:p>
+          <a:p>
+            <a:pPr marL="342900" indent="-342900">
+              <a:buFont typeface="Arial" panose="020B0604020202020204" pitchFamily="34" charset="0"/>
+              <a:buChar char="•"/>
+            </a:pPr>
+            <a:endParaRPr lang="en-US" sz="2000" dirty="0">
+              <a:latin typeface="Arial" panose="020B0604020202020204" pitchFamily="34" charset="0"/>
+              <a:cs typeface="Arial" panose="020B0604020202020204" pitchFamily="34" charset="0"/>
+            </a:endParaRPr>
+          </a:p>
+          <a:p>
+            <a:pPr marL="342900" indent="-342900">
+              <a:buFont typeface="Arial" panose="020B0604020202020204" pitchFamily="34" charset="0"/>
+              <a:buChar char="•"/>
+            </a:pPr>
+            <a:r>
+              <a:rPr lang="en-US" sz="2000" b="1" dirty="0">
+                <a:latin typeface="Arial" panose="020B0604020202020204" pitchFamily="34" charset="0"/>
+                <a:cs typeface="Arial" panose="020B0604020202020204" pitchFamily="34" charset="0"/>
+              </a:rPr>
+              <a:t>ARIMA (Auto Regressive Integrated Moving Average): </a:t>
+            </a:r>
+            <a:r>
+              <a:rPr lang="en-US" sz="2000" dirty="0">
+                <a:latin typeface="Arial" panose="020B0604020202020204" pitchFamily="34" charset="0"/>
+                <a:cs typeface="Arial" panose="020B0604020202020204" pitchFamily="34" charset="0"/>
+              </a:rPr>
+              <a:t>A traditional statistical method used for time series analysis. ARIMA models are effective for univariate time series data with linear trends and seasonality, providing robust forecasts based on past values.</a:t>
+            </a:r>
+          </a:p>
+          <a:p>
+            <a:pPr marL="342900" indent="-342900">
+              <a:buFont typeface="Arial" panose="020B0604020202020204" pitchFamily="34" charset="0"/>
+              <a:buChar char="•"/>
+            </a:pPr>
+            <a:endParaRPr lang="en-US" sz="2000" dirty="0">
+              <a:latin typeface="Arial" panose="020B0604020202020204" pitchFamily="34" charset="0"/>
+              <a:cs typeface="Arial" panose="020B0604020202020204" pitchFamily="34" charset="0"/>
+            </a:endParaRPr>
+          </a:p>
+          <a:p>
+            <a:pPr marL="342900" indent="-342900">
+              <a:buFont typeface="Arial" panose="020B0604020202020204" pitchFamily="34" charset="0"/>
+              <a:buChar char="•"/>
+            </a:pPr>
+            <a:r>
+              <a:rPr lang="en-US" sz="2000" b="1" dirty="0">
+                <a:latin typeface="Arial" panose="020B0604020202020204" pitchFamily="34" charset="0"/>
+                <a:cs typeface="Arial" panose="020B0604020202020204" pitchFamily="34" charset="0"/>
+              </a:rPr>
+              <a:t>Monte Carlo Simulation: </a:t>
+            </a:r>
+            <a:r>
+              <a:rPr lang="en-US" sz="2000" dirty="0">
+                <a:latin typeface="Arial" panose="020B0604020202020204" pitchFamily="34" charset="0"/>
+                <a:cs typeface="Arial" panose="020B0604020202020204" pitchFamily="34" charset="0"/>
+              </a:rPr>
+              <a:t>A stochastic technique that generates a range of possible outcomes by running repeated random simulations. This method is used to understand uncertainties and risks, providing probabilistic climate forecasts.</a:t>
             </a:r>
           </a:p>
         </p:txBody>
@@ -2526,7 +2647,7 @@
         <p:spPr>
           <a:xfrm>
             <a:off x="983276" y="1286539"/>
-            <a:ext cx="9901002" cy="400110"/>
+            <a:ext cx="9901002" cy="2246769"/>
           </a:xfrm>
           <a:prstGeom prst="rect">
             <a:avLst/>
@@ -2559,6 +2680,19 @@
               </a:rPr>
               <a:t>:</a:t>
             </a:r>
+          </a:p>
+          <a:p>
+            <a:r>
+              <a:rPr lang="en-US" sz="2000" dirty="0">
+                <a:latin typeface="Arial" panose="020B0604020202020204" pitchFamily="34" charset="0"/>
+                <a:cs typeface="Arial" panose="020B0604020202020204" pitchFamily="34" charset="0"/>
+              </a:rPr>
+              <a:t>The increasing severity and frequency of climate events require reliable tools to predict future climate conditions and their impact on various regions and industries. This project aims to enhance decision-making in climate adaptation by identifying the most accurate and reliable forecasting model for climate scenarios. By comparing LSTM, ARIMA, and Monte Carlo simulation, the project will offer a tool that will help the user to make informed decisions.</a:t>
+            </a:r>
+            <a:endParaRPr lang="en-IN" sz="2000" dirty="0">
+              <a:latin typeface="Arial" panose="020B0604020202020204" pitchFamily="34" charset="0"/>
+              <a:cs typeface="Arial" panose="020B0604020202020204" pitchFamily="34" charset="0"/>
+            </a:endParaRPr>
           </a:p>
         </p:txBody>
       </p:sp>
@@ -2576,8 +2710,8 @@
         </p:nvSpPr>
         <p:spPr>
           <a:xfrm>
-            <a:off x="983276" y="3617822"/>
-            <a:ext cx="6093228" cy="369332"/>
+            <a:off x="983275" y="3617822"/>
+            <a:ext cx="10438411" cy="2308324"/>
           </a:xfrm>
           <a:prstGeom prst="rect">
             <a:avLst/>
@@ -2598,8 +2732,54 @@
                 <a:latin typeface="Arial" panose="020B0604020202020204" pitchFamily="34" charset="0"/>
                 <a:cs typeface="Arial" panose="020B0604020202020204" pitchFamily="34" charset="0"/>
               </a:rPr>
-              <a:t>Problem Statement</a:t>
-            </a:r>
+              <a:t>Problem Statement:</a:t>
+            </a:r>
+          </a:p>
+          <a:p>
+            <a:endParaRPr lang="en-US" sz="1800" dirty="0">
+              <a:solidFill>
+                <a:srgbClr val="FF0000"/>
+              </a:solidFill>
+              <a:latin typeface="Arial" panose="020B0604020202020204" pitchFamily="34" charset="0"/>
+              <a:cs typeface="Arial" panose="020B0604020202020204" pitchFamily="34" charset="0"/>
+            </a:endParaRPr>
+          </a:p>
+          <a:p>
+            <a:r>
+              <a:rPr lang="en-US" dirty="0"/>
+              <a:t>The goal of this project is to predict future climate scenarios and assess potential risks using advanced machine learning and statistical methods. Specifically, we aim to compare three models </a:t>
+            </a:r>
+            <a:r>
+              <a:rPr lang="en-US" b="1" dirty="0"/>
+              <a:t>LSTM</a:t>
+            </a:r>
+            <a:r>
+              <a:rPr lang="en-US" dirty="0"/>
+              <a:t>, </a:t>
+            </a:r>
+            <a:r>
+              <a:rPr lang="en-US" b="1" dirty="0"/>
+              <a:t>ARIMA</a:t>
+            </a:r>
+            <a:r>
+              <a:rPr lang="en-US" dirty="0"/>
+              <a:t>, and </a:t>
+            </a:r>
+            <a:r>
+              <a:rPr lang="en-US" b="1" dirty="0"/>
+              <a:t>Monte Carlo simulation </a:t>
+            </a:r>
+            <a:r>
+              <a:rPr lang="en-US" dirty="0"/>
+              <a:t>to determine which one provides the most reliable and accurate predictions using time series climate data. The selected model will then be used to develop a web application that allows users to simulate and analyze climate scenarios, helping them make informed decisions for climate adaptation and risk management.</a:t>
+            </a:r>
+            <a:endParaRPr lang="en-US" sz="1800" dirty="0">
+              <a:solidFill>
+                <a:srgbClr val="FF0000"/>
+              </a:solidFill>
+              <a:latin typeface="Arial" panose="020B0604020202020204" pitchFamily="34" charset="0"/>
+              <a:cs typeface="Arial" panose="020B0604020202020204" pitchFamily="34" charset="0"/>
+            </a:endParaRPr>
           </a:p>
         </p:txBody>
       </p:sp>
@@ -2696,7 +2876,7 @@
         <p:spPr>
           <a:xfrm>
             <a:off x="966651" y="1286539"/>
-            <a:ext cx="9901002" cy="400110"/>
+            <a:ext cx="9901002" cy="2554545"/>
           </a:xfrm>
           <a:prstGeom prst="rect">
             <a:avLst/>
@@ -2718,6 +2898,45 @@
                 <a:cs typeface="Arial" panose="020B0604020202020204" pitchFamily="34" charset="0"/>
               </a:rPr>
               <a:t>Area of application: </a:t>
+            </a:r>
+          </a:p>
+          <a:p>
+            <a:pPr marL="342900" indent="-342900">
+              <a:buFont typeface="Arial" panose="020B0604020202020204" pitchFamily="34" charset="0"/>
+              <a:buChar char="•"/>
+            </a:pPr>
+            <a:r>
+              <a:rPr lang="en-US" sz="2000" dirty="0">
+                <a:latin typeface="Arial" panose="020B0604020202020204" pitchFamily="34" charset="0"/>
+                <a:cs typeface="Arial" panose="020B0604020202020204" pitchFamily="34" charset="0"/>
+              </a:rPr>
+              <a:t>Policy Making: Government agencies can use the tool to develop climate change mitigation and adaptation strategies.</a:t>
+            </a:r>
+          </a:p>
+          <a:p>
+            <a:pPr marL="342900" indent="-342900">
+              <a:buFont typeface="Arial" panose="020B0604020202020204" pitchFamily="34" charset="0"/>
+              <a:buChar char="•"/>
+            </a:pPr>
+            <a:r>
+              <a:rPr lang="en-US" sz="2000" dirty="0">
+                <a:latin typeface="Arial" panose="020B0604020202020204" pitchFamily="34" charset="0"/>
+                <a:cs typeface="Arial" panose="020B0604020202020204" pitchFamily="34" charset="0"/>
+              </a:rPr>
+              <a:t>Business Strategy: Industries, particularly those in agriculture, energy, and insurance, can use climate scenario forecasts to manage risks and optimize operations.</a:t>
+            </a:r>
+          </a:p>
+          <a:p>
+            <a:pPr marL="342900" indent="-342900">
+              <a:buFont typeface="Arial" panose="020B0604020202020204" pitchFamily="34" charset="0"/>
+              <a:buChar char="•"/>
+            </a:pPr>
+            <a:r>
+              <a:rPr lang="en-US" sz="2000" dirty="0">
+                <a:latin typeface="Arial" panose="020B0604020202020204" pitchFamily="34" charset="0"/>
+                <a:cs typeface="Arial" panose="020B0604020202020204" pitchFamily="34" charset="0"/>
+              </a:rPr>
+              <a:t>Environmental Research: Researchers can apply the tool to study long-term climate patterns and evaluate the effectiveness of adaptation measures.</a:t>
             </a:r>
           </a:p>
         </p:txBody>
@@ -2736,8 +2955,8 @@
         </p:nvSpPr>
         <p:spPr>
           <a:xfrm>
-            <a:off x="966651" y="3294657"/>
-            <a:ext cx="6093228" cy="369332"/>
+            <a:off x="966651" y="3988033"/>
+            <a:ext cx="10105902" cy="1754326"/>
           </a:xfrm>
           <a:prstGeom prst="rect">
             <a:avLst/>
@@ -2758,8 +2977,94 @@
                 <a:latin typeface="Arial" panose="020B0604020202020204" pitchFamily="34" charset="0"/>
                 <a:cs typeface="Arial" panose="020B0604020202020204" pitchFamily="34" charset="0"/>
               </a:rPr>
-              <a:t>Dataset and input format</a:t>
-            </a:r>
+              <a:t>Dataset and input format:</a:t>
+            </a:r>
+          </a:p>
+          <a:p>
+            <a:endParaRPr lang="en-US" sz="1800" dirty="0">
+              <a:solidFill>
+                <a:srgbClr val="FF0000"/>
+              </a:solidFill>
+              <a:latin typeface="Arial" panose="020B0604020202020204" pitchFamily="34" charset="0"/>
+              <a:cs typeface="Arial" panose="020B0604020202020204" pitchFamily="34" charset="0"/>
+            </a:endParaRPr>
+          </a:p>
+          <a:p>
+            <a:r>
+              <a:rPr lang="en-US" sz="1800" dirty="0">
+                <a:solidFill>
+                  <a:srgbClr val="FF0000"/>
+                </a:solidFill>
+                <a:latin typeface="Arial" panose="020B0604020202020204" pitchFamily="34" charset="0"/>
+                <a:cs typeface="Arial" panose="020B0604020202020204" pitchFamily="34" charset="0"/>
+                <a:hlinkClick r:id="rId2"/>
+              </a:rPr>
+              <a:t>DATASET</a:t>
+            </a:r>
+            <a:endParaRPr lang="en-US" sz="1800" dirty="0">
+              <a:solidFill>
+                <a:srgbClr val="FF0000"/>
+              </a:solidFill>
+              <a:latin typeface="Arial" panose="020B0604020202020204" pitchFamily="34" charset="0"/>
+              <a:cs typeface="Arial" panose="020B0604020202020204" pitchFamily="34" charset="0"/>
+            </a:endParaRPr>
+          </a:p>
+          <a:p>
+            <a:endParaRPr lang="en-US" sz="1800" dirty="0">
+              <a:solidFill>
+                <a:srgbClr val="FF0000"/>
+              </a:solidFill>
+              <a:latin typeface="Arial" panose="020B0604020202020204" pitchFamily="34" charset="0"/>
+              <a:cs typeface="Arial" panose="020B0604020202020204" pitchFamily="34" charset="0"/>
+            </a:endParaRPr>
+          </a:p>
+          <a:p>
+            <a:r>
+              <a:rPr lang="en-US" dirty="0">
+                <a:latin typeface="Arial" panose="020B0604020202020204" pitchFamily="34" charset="0"/>
+                <a:cs typeface="Arial" panose="020B0604020202020204" pitchFamily="34" charset="0"/>
+              </a:rPr>
+              <a:t>The dataset is fetched using CDS API in .</a:t>
+            </a:r>
+            <a:r>
+              <a:rPr lang="en-US" dirty="0" err="1">
+                <a:latin typeface="Arial" panose="020B0604020202020204" pitchFamily="34" charset="0"/>
+                <a:cs typeface="Arial" panose="020B0604020202020204" pitchFamily="34" charset="0"/>
+              </a:rPr>
+              <a:t>grb</a:t>
+            </a:r>
+            <a:r>
+              <a:rPr lang="en-US" dirty="0">
+                <a:latin typeface="Arial" panose="020B0604020202020204" pitchFamily="34" charset="0"/>
+                <a:cs typeface="Arial" panose="020B0604020202020204" pitchFamily="34" charset="0"/>
+              </a:rPr>
+              <a:t> and .</a:t>
+            </a:r>
+            <a:r>
+              <a:rPr lang="en-US" dirty="0" err="1">
+                <a:latin typeface="Arial" panose="020B0604020202020204" pitchFamily="34" charset="0"/>
+                <a:cs typeface="Arial" panose="020B0604020202020204" pitchFamily="34" charset="0"/>
+              </a:rPr>
+              <a:t>nc</a:t>
+            </a:r>
+            <a:r>
+              <a:rPr lang="en-US" dirty="0">
+                <a:latin typeface="Arial" panose="020B0604020202020204" pitchFamily="34" charset="0"/>
+                <a:cs typeface="Arial" panose="020B0604020202020204" pitchFamily="34" charset="0"/>
+              </a:rPr>
+              <a:t> format which will then be converted into manipulatable form using libraries like </a:t>
+            </a:r>
+            <a:r>
+              <a:rPr lang="en-US" dirty="0" err="1">
+                <a:latin typeface="Arial" panose="020B0604020202020204" pitchFamily="34" charset="0"/>
+                <a:cs typeface="Arial" panose="020B0604020202020204" pitchFamily="34" charset="0"/>
+              </a:rPr>
+              <a:t>xarray</a:t>
+            </a:r>
+            <a:endParaRPr lang="en-US" sz="1800" dirty="0">
+              <a:latin typeface="Arial" panose="020B0604020202020204" pitchFamily="34" charset="0"/>
+              <a:cs typeface="Arial" panose="020B0604020202020204" pitchFamily="34" charset="0"/>
+            </a:endParaRPr>
           </a:p>
         </p:txBody>
       </p:sp>
@@ -3015,12 +3320,25 @@
         </p:blipFill>
         <p:spPr>
           <a:xfrm>
-            <a:off x="1804920" y="833401"/>
-            <a:ext cx="8863079" cy="5887617"/>
-          </a:xfrm>
-          <a:prstGeom prst="rect">
-            <a:avLst/>
-          </a:prstGeom>
+            <a:off x="1804920" y="914400"/>
+            <a:ext cx="8863079" cy="5455920"/>
+          </a:xfrm>
+          <a:prstGeom prst="rect">
+            <a:avLst/>
+          </a:prstGeom>
+          <a:ln w="127000" cap="sq">
+            <a:solidFill>
+              <a:srgbClr val="000000"/>
+            </a:solidFill>
+            <a:miter lim="800000"/>
+          </a:ln>
+          <a:effectLst>
+            <a:outerShdw blurRad="57150" dist="50800" dir="2700000" algn="tl" rotWithShape="0">
+              <a:srgbClr val="000000">
+                <a:alpha val="40000"/>
+              </a:srgbClr>
+            </a:outerShdw>
+          </a:effectLst>
         </p:spPr>
       </p:pic>
     </p:spTree>
@@ -3176,7 +3494,7 @@
         <p:spPr>
           <a:xfrm>
             <a:off x="418011" y="1754955"/>
-            <a:ext cx="10788054" cy="1938992"/>
+            <a:ext cx="10788054" cy="646331"/>
           </a:xfrm>
           <a:prstGeom prst="rect">
             <a:avLst/>
@@ -3190,27 +3508,127 @@
           <a:lstStyle/>
           <a:p>
             <a:r>
-              <a:rPr lang="en-US" sz="2400" dirty="0"/>
-              <a:t>The primary goals are: </a:t>
-            </a:r>
-          </a:p>
-          <a:p>
-            <a:endParaRPr lang="en-US" sz="2400" dirty="0"/>
-          </a:p>
+              <a:rPr lang="en-US" dirty="0"/>
+              <a:t>The core objective of this project is to develop a predictive model for climate change impacts and integrate it into an interactive web application to assist users in making informed decisions for climate adaptation.</a:t>
+            </a:r>
+            <a:endParaRPr lang="en-IN" dirty="0"/>
+          </a:p>
+        </p:txBody>
+      </p:sp>
+      <p:sp>
+        <p:nvSpPr>
+          <p:cNvPr id="6" name="TextBox 5">
+            <a:extLst>
+              <a:ext uri="{FF2B5EF4-FFF2-40B4-BE49-F238E27FC236}">
+                <a16:creationId xmlns:a16="http://schemas.microsoft.com/office/drawing/2014/main" id="{B5DF5CAD-00B3-18A3-66EE-F586468B3352}"/>
+              </a:ext>
+            </a:extLst>
+          </p:cNvPr>
+          <p:cNvSpPr txBox="1"/>
+          <p:nvPr/>
+        </p:nvSpPr>
+        <p:spPr>
+          <a:xfrm>
+            <a:off x="325927" y="2937195"/>
+            <a:ext cx="6093500" cy="923330"/>
+          </a:xfrm>
+          <a:prstGeom prst="rect">
+            <a:avLst/>
+          </a:prstGeom>
+          <a:noFill/>
+        </p:spPr>
+        <p:txBody>
+          <a:bodyPr wrap="square">
+            <a:spAutoFit/>
+          </a:bodyPr>
+          <a:lstStyle/>
+          <a:p>
+            <a:r>
+              <a:rPr lang="en-US" dirty="0">
+                <a:solidFill>
+                  <a:srgbClr val="FF0000"/>
+                </a:solidFill>
+                <a:latin typeface="Arial" panose="020B0604020202020204" pitchFamily="34" charset="0"/>
+                <a:cs typeface="Arial" panose="020B0604020202020204" pitchFamily="34" charset="0"/>
+              </a:rPr>
+              <a:t>Sub </a:t>
+            </a:r>
+            <a:r>
+              <a:rPr lang="en-US" sz="1800" dirty="0">
+                <a:solidFill>
+                  <a:srgbClr val="FF0000"/>
+                </a:solidFill>
+                <a:latin typeface="Arial" panose="020B0604020202020204" pitchFamily="34" charset="0"/>
+                <a:cs typeface="Arial" panose="020B0604020202020204" pitchFamily="34" charset="0"/>
+              </a:rPr>
+              <a:t>Objective</a:t>
+            </a:r>
+            <a:r>
+              <a:rPr lang="en-IN" sz="1800" dirty="0">
+                <a:solidFill>
+                  <a:srgbClr val="FF0000"/>
+                </a:solidFill>
+                <a:latin typeface="Arial" panose="020B0604020202020204" pitchFamily="34" charset="0"/>
+                <a:cs typeface="Arial" panose="020B0604020202020204" pitchFamily="34" charset="0"/>
+              </a:rPr>
+              <a:t>:</a:t>
+            </a:r>
+          </a:p>
+          <a:p>
+            <a:endParaRPr lang="en-IN" sz="1800" dirty="0">
+              <a:solidFill>
+                <a:srgbClr val="FF0000"/>
+              </a:solidFill>
+              <a:latin typeface="Arial" panose="020B0604020202020204" pitchFamily="34" charset="0"/>
+              <a:cs typeface="Arial" panose="020B0604020202020204" pitchFamily="34" charset="0"/>
+            </a:endParaRPr>
+          </a:p>
+          <a:p>
+            <a:endParaRPr lang="en-US" sz="1800" dirty="0">
+              <a:solidFill>
+                <a:srgbClr val="FF0000"/>
+              </a:solidFill>
+              <a:latin typeface="Arial" panose="020B0604020202020204" pitchFamily="34" charset="0"/>
+              <a:cs typeface="Arial" panose="020B0604020202020204" pitchFamily="34" charset="0"/>
+            </a:endParaRPr>
+          </a:p>
+        </p:txBody>
+      </p:sp>
+      <p:sp>
+        <p:nvSpPr>
+          <p:cNvPr id="10" name="TextBox 9">
+            <a:extLst>
+              <a:ext uri="{FF2B5EF4-FFF2-40B4-BE49-F238E27FC236}">
+                <a16:creationId xmlns:a16="http://schemas.microsoft.com/office/drawing/2014/main" id="{A14D15F0-6CAD-CFD6-6FEF-20A66B731ED1}"/>
+              </a:ext>
+            </a:extLst>
+          </p:cNvPr>
+          <p:cNvSpPr txBox="1"/>
+          <p:nvPr/>
+        </p:nvSpPr>
+        <p:spPr>
+          <a:xfrm>
+            <a:off x="418011" y="3398860"/>
+            <a:ext cx="10283253" cy="1200329"/>
+          </a:xfrm>
+          <a:prstGeom prst="rect">
+            <a:avLst/>
+          </a:prstGeom>
+          <a:noFill/>
+        </p:spPr>
+        <p:txBody>
+          <a:bodyPr wrap="square">
+            <a:spAutoFit/>
+          </a:bodyPr>
+          <a:lstStyle/>
           <a:p>
             <a:pPr marL="285750" indent="-285750">
               <a:buFont typeface="Arial" panose="020B0604020202020204" pitchFamily="34" charset="0"/>
               <a:buChar char="•"/>
             </a:pPr>
             <a:r>
-              <a:rPr lang="en-US" sz="2400" dirty="0"/>
-              <a:t>To determine the most effective model for predicting climate change impacts.</a:t>
-            </a:r>
-          </a:p>
-          <a:p>
-            <a:r>
-              <a:rPr lang="en-US" sz="2400" dirty="0"/>
-              <a:t>  </a:t>
+              <a:rPr lang="en-IN" dirty="0"/>
+              <a:t>Finding the dataset</a:t>
             </a:r>
           </a:p>
           <a:p>
@@ -3219,10 +3637,29 @@
               <a:buChar char="•"/>
             </a:pPr>
             <a:r>
-              <a:rPr lang="en-US" sz="2400" dirty="0"/>
-              <a:t>Using it to develop an interactive web application for users.</a:t>
-            </a:r>
-            <a:endParaRPr lang="en-IN" dirty="0"/>
+              <a:rPr lang="en-IN" dirty="0"/>
+              <a:t>Implementing the models</a:t>
+            </a:r>
+          </a:p>
+          <a:p>
+            <a:pPr marL="285750" indent="-285750">
+              <a:buFont typeface="Arial" panose="020B0604020202020204" pitchFamily="34" charset="0"/>
+              <a:buChar char="•"/>
+            </a:pPr>
+            <a:r>
+              <a:rPr lang="en-IN" dirty="0"/>
+              <a:t>Evaluating and performing comparative analysis</a:t>
+            </a:r>
+          </a:p>
+          <a:p>
+            <a:pPr marL="285750" indent="-285750">
+              <a:buFont typeface="Arial" panose="020B0604020202020204" pitchFamily="34" charset="0"/>
+              <a:buChar char="•"/>
+            </a:pPr>
+            <a:r>
+              <a:rPr lang="en-IN" dirty="0"/>
+              <a:t>Building the web application using the best model</a:t>
+            </a:r>
           </a:p>
         </p:txBody>
       </p:sp>
@@ -3318,8 +3755,8 @@
         </p:nvSpPr>
         <p:spPr>
           <a:xfrm>
-            <a:off x="1161801" y="1226823"/>
-            <a:ext cx="9900900" cy="1693200"/>
+            <a:off x="325926" y="1048254"/>
+            <a:ext cx="11490153" cy="1384954"/>
           </a:xfrm>
           <a:prstGeom prst="rect">
             <a:avLst/>
@@ -3633,7 +4070,7 @@
         </p:blipFill>
         <p:spPr>
           <a:xfrm>
-            <a:off x="3323784" y="2956307"/>
+            <a:off x="3282534" y="2722627"/>
             <a:ext cx="5576935" cy="3671749"/>
           </a:xfrm>
           <a:prstGeom prst="rect">

--- a/Project Presentation Template.pptx
+++ b/Project Presentation Template.pptx
@@ -5,7 +5,7 @@
     <p:sldMasterId id="2147483648" r:id="rId1"/>
   </p:sldMasterIdLst>
   <p:notesMasterIdLst>
-    <p:notesMasterId r:id="rId15"/>
+    <p:notesMasterId r:id="rId17"/>
   </p:notesMasterIdLst>
   <p:sldIdLst>
     <p:sldId id="3640" r:id="rId2"/>
@@ -14,13 +14,15 @@
     <p:sldId id="3707" r:id="rId5"/>
     <p:sldId id="3708" r:id="rId6"/>
     <p:sldId id="3700" r:id="rId7"/>
-    <p:sldId id="3709" r:id="rId8"/>
-    <p:sldId id="3701" r:id="rId9"/>
-    <p:sldId id="3702" r:id="rId10"/>
-    <p:sldId id="3710" r:id="rId11"/>
-    <p:sldId id="3711" r:id="rId12"/>
-    <p:sldId id="3706" r:id="rId13"/>
-    <p:sldId id="3641" r:id="rId14"/>
+    <p:sldId id="3714" r:id="rId8"/>
+    <p:sldId id="3713" r:id="rId9"/>
+    <p:sldId id="3709" r:id="rId10"/>
+    <p:sldId id="3701" r:id="rId11"/>
+    <p:sldId id="3702" r:id="rId12"/>
+    <p:sldId id="3710" r:id="rId13"/>
+    <p:sldId id="3711" r:id="rId14"/>
+    <p:sldId id="3706" r:id="rId15"/>
+    <p:sldId id="3641" r:id="rId16"/>
   </p:sldIdLst>
   <p:sldSz cx="12192000" cy="6858000"/>
   <p:notesSz cx="6858000" cy="9144000"/>
@@ -1653,1760 +1655,6 @@
                 <a:latin typeface="Arial" panose="020B0604020202020204" pitchFamily="34" charset="0"/>
                 <a:cs typeface="Arial" panose="020B0604020202020204" pitchFamily="34" charset="0"/>
               </a:rPr>
-              <a:t>Methodology</a:t>
-            </a:r>
-            <a:endParaRPr lang="en-IN" sz="3200" b="1" dirty="0">
-              <a:solidFill>
-                <a:srgbClr val="46B0FA"/>
-              </a:solidFill>
-              <a:latin typeface="Arial" panose="020B0604020202020204" pitchFamily="34" charset="0"/>
-              <a:cs typeface="Arial" panose="020B0604020202020204" pitchFamily="34" charset="0"/>
-            </a:endParaRPr>
-          </a:p>
-        </p:txBody>
-      </p:sp>
-      <p:pic>
-        <p:nvPicPr>
-          <p:cNvPr id="4" name="Picture 3">
-            <a:extLst>
-              <a:ext uri="{FF2B5EF4-FFF2-40B4-BE49-F238E27FC236}">
-                <a16:creationId xmlns:a16="http://schemas.microsoft.com/office/drawing/2014/main" id="{C540EC94-23BF-39C7-5011-415DFE289EB6}"/>
-              </a:ext>
-            </a:extLst>
-          </p:cNvPr>
-          <p:cNvPicPr>
-            <a:picLocks noChangeAspect="1"/>
-          </p:cNvPicPr>
-          <p:nvPr/>
-        </p:nvPicPr>
-        <p:blipFill rotWithShape="1">
-          <a:blip r:embed="rId2"/>
-          <a:srcRect t="11022" b="16326"/>
-          <a:stretch/>
-        </p:blipFill>
-        <p:spPr>
-          <a:xfrm>
-            <a:off x="1014355" y="949498"/>
-            <a:ext cx="10163290" cy="5537956"/>
-          </a:xfrm>
-          <a:prstGeom prst="rect">
-            <a:avLst/>
-          </a:prstGeom>
-          <a:ln w="127000" cap="sq">
-            <a:solidFill>
-              <a:srgbClr val="000000"/>
-            </a:solidFill>
-            <a:miter lim="800000"/>
-          </a:ln>
-          <a:effectLst>
-            <a:outerShdw blurRad="57150" dist="50800" dir="2700000" algn="tl" rotWithShape="0">
-              <a:srgbClr val="000000">
-                <a:alpha val="40000"/>
-              </a:srgbClr>
-            </a:outerShdw>
-          </a:effectLst>
-        </p:spPr>
-      </p:pic>
-    </p:spTree>
-    <p:extLst>
-      <p:ext uri="{BB962C8B-B14F-4D97-AF65-F5344CB8AC3E}">
-        <p14:creationId xmlns:p14="http://schemas.microsoft.com/office/powerpoint/2010/main" val="2069921663"/>
-      </p:ext>
-    </p:extLst>
-  </p:cSld>
-  <p:clrMapOvr>
-    <a:masterClrMapping/>
-  </p:clrMapOvr>
-</p:sld>
-</file>
-
-<file path=ppt/slides/slide11.xml><?xml version="1.0" encoding="utf-8"?>
-<p:sld xmlns:a="http://schemas.openxmlformats.org/drawingml/2006/main" xmlns:r="http://schemas.openxmlformats.org/officeDocument/2006/relationships" xmlns:p="http://schemas.openxmlformats.org/presentationml/2006/main">
-  <p:cSld>
-    <p:spTree>
-      <p:nvGrpSpPr>
-        <p:cNvPr id="1" name=""/>
-        <p:cNvGrpSpPr/>
-        <p:nvPr/>
-      </p:nvGrpSpPr>
-      <p:grpSpPr>
-        <a:xfrm>
-          <a:off x="0" y="0"/>
-          <a:ext cx="0" cy="0"/>
-          <a:chOff x="0" y="0"/>
-          <a:chExt cx="0" cy="0"/>
-        </a:xfrm>
-      </p:grpSpPr>
-      <p:sp>
-        <p:nvSpPr>
-          <p:cNvPr id="2" name="TextBox 1">
-            <a:extLst>
-              <a:ext uri="{FF2B5EF4-FFF2-40B4-BE49-F238E27FC236}">
-                <a16:creationId xmlns:a16="http://schemas.microsoft.com/office/drawing/2014/main" id="{B2EC635B-D8A3-4A72-8304-20FFBA5D21A3}"/>
-              </a:ext>
-            </a:extLst>
-          </p:cNvPr>
-          <p:cNvSpPr txBox="1"/>
-          <p:nvPr/>
-        </p:nvSpPr>
-        <p:spPr>
-          <a:xfrm>
-            <a:off x="325927" y="248626"/>
-            <a:ext cx="7530363" cy="584775"/>
-          </a:xfrm>
-          <a:prstGeom prst="rect">
-            <a:avLst/>
-          </a:prstGeom>
-          <a:noFill/>
-        </p:spPr>
-        <p:txBody>
-          <a:bodyPr wrap="square" rtlCol="0">
-            <a:spAutoFit/>
-          </a:bodyPr>
-          <a:lstStyle/>
-          <a:p>
-            <a:r>
-              <a:rPr lang="en-US" sz="3200" b="1" dirty="0">
-                <a:solidFill>
-                  <a:srgbClr val="46B0FA"/>
-                </a:solidFill>
-                <a:latin typeface="Arial" panose="020B0604020202020204" pitchFamily="34" charset="0"/>
-                <a:cs typeface="Arial" panose="020B0604020202020204" pitchFamily="34" charset="0"/>
-              </a:rPr>
-              <a:t>Methodology</a:t>
-            </a:r>
-            <a:endParaRPr lang="en-IN" sz="3200" b="1" dirty="0">
-              <a:solidFill>
-                <a:srgbClr val="46B0FA"/>
-              </a:solidFill>
-              <a:latin typeface="Arial" panose="020B0604020202020204" pitchFamily="34" charset="0"/>
-              <a:cs typeface="Arial" panose="020B0604020202020204" pitchFamily="34" charset="0"/>
-            </a:endParaRPr>
-          </a:p>
-        </p:txBody>
-      </p:sp>
-      <p:pic>
-        <p:nvPicPr>
-          <p:cNvPr id="4" name="Picture 3">
-            <a:extLst>
-              <a:ext uri="{FF2B5EF4-FFF2-40B4-BE49-F238E27FC236}">
-                <a16:creationId xmlns:a16="http://schemas.microsoft.com/office/drawing/2014/main" id="{90EF7053-085C-895A-8F1F-BE67993F8B78}"/>
-              </a:ext>
-            </a:extLst>
-          </p:cNvPr>
-          <p:cNvPicPr>
-            <a:picLocks noChangeAspect="1"/>
-          </p:cNvPicPr>
-          <p:nvPr/>
-        </p:nvPicPr>
-        <p:blipFill rotWithShape="1">
-          <a:blip r:embed="rId2"/>
-          <a:srcRect t="14421" b="14830"/>
-          <a:stretch/>
-        </p:blipFill>
-        <p:spPr>
-          <a:xfrm>
-            <a:off x="977624" y="923731"/>
-            <a:ext cx="10460272" cy="5550349"/>
-          </a:xfrm>
-          <a:prstGeom prst="rect">
-            <a:avLst/>
-          </a:prstGeom>
-          <a:ln w="127000" cap="sq">
-            <a:solidFill>
-              <a:srgbClr val="000000"/>
-            </a:solidFill>
-            <a:miter lim="800000"/>
-          </a:ln>
-          <a:effectLst>
-            <a:outerShdw blurRad="57150" dist="50800" dir="2700000" algn="tl" rotWithShape="0">
-              <a:srgbClr val="000000">
-                <a:alpha val="40000"/>
-              </a:srgbClr>
-            </a:outerShdw>
-          </a:effectLst>
-        </p:spPr>
-      </p:pic>
-    </p:spTree>
-    <p:extLst>
-      <p:ext uri="{BB962C8B-B14F-4D97-AF65-F5344CB8AC3E}">
-        <p14:creationId xmlns:p14="http://schemas.microsoft.com/office/powerpoint/2010/main" val="469821788"/>
-      </p:ext>
-    </p:extLst>
-  </p:cSld>
-  <p:clrMapOvr>
-    <a:masterClrMapping/>
-  </p:clrMapOvr>
-</p:sld>
-</file>
-
-<file path=ppt/slides/slide12.xml><?xml version="1.0" encoding="utf-8"?>
-<p:sld xmlns:a="http://schemas.openxmlformats.org/drawingml/2006/main" xmlns:r="http://schemas.openxmlformats.org/officeDocument/2006/relationships" xmlns:p="http://schemas.openxmlformats.org/presentationml/2006/main">
-  <p:cSld>
-    <p:spTree>
-      <p:nvGrpSpPr>
-        <p:cNvPr id="1" name=""/>
-        <p:cNvGrpSpPr/>
-        <p:nvPr/>
-      </p:nvGrpSpPr>
-      <p:grpSpPr>
-        <a:xfrm>
-          <a:off x="0" y="0"/>
-          <a:ext cx="0" cy="0"/>
-          <a:chOff x="0" y="0"/>
-          <a:chExt cx="0" cy="0"/>
-        </a:xfrm>
-      </p:grpSpPr>
-      <p:sp>
-        <p:nvSpPr>
-          <p:cNvPr id="2" name="TextBox 1">
-            <a:extLst>
-              <a:ext uri="{FF2B5EF4-FFF2-40B4-BE49-F238E27FC236}">
-                <a16:creationId xmlns:a16="http://schemas.microsoft.com/office/drawing/2014/main" id="{B2EC635B-D8A3-4A72-8304-20FFBA5D21A3}"/>
-              </a:ext>
-            </a:extLst>
-          </p:cNvPr>
-          <p:cNvSpPr txBox="1"/>
-          <p:nvPr/>
-        </p:nvSpPr>
-        <p:spPr>
-          <a:xfrm>
-            <a:off x="325927" y="248626"/>
-            <a:ext cx="7530363" cy="584775"/>
-          </a:xfrm>
-          <a:prstGeom prst="rect">
-            <a:avLst/>
-          </a:prstGeom>
-          <a:noFill/>
-        </p:spPr>
-        <p:txBody>
-          <a:bodyPr wrap="square" rtlCol="0">
-            <a:spAutoFit/>
-          </a:bodyPr>
-          <a:lstStyle/>
-          <a:p>
-            <a:r>
-              <a:rPr lang="en-IN" sz="3200" b="1" dirty="0">
-                <a:solidFill>
-                  <a:srgbClr val="46B0FA"/>
-                </a:solidFill>
-                <a:latin typeface="Arial" panose="020B0604020202020204" pitchFamily="34" charset="0"/>
-                <a:cs typeface="Arial" panose="020B0604020202020204" pitchFamily="34" charset="0"/>
-              </a:rPr>
-              <a:t>Reference</a:t>
-            </a:r>
-          </a:p>
-        </p:txBody>
-      </p:sp>
-      <p:sp>
-        <p:nvSpPr>
-          <p:cNvPr id="3" name="TextBox 2">
-            <a:extLst>
-              <a:ext uri="{FF2B5EF4-FFF2-40B4-BE49-F238E27FC236}">
-                <a16:creationId xmlns:a16="http://schemas.microsoft.com/office/drawing/2014/main" id="{66168532-D141-4AB0-BD29-1663F2877B3E}"/>
-              </a:ext>
-            </a:extLst>
-          </p:cNvPr>
-          <p:cNvSpPr txBox="1"/>
-          <p:nvPr/>
-        </p:nvSpPr>
-        <p:spPr>
-          <a:xfrm>
-            <a:off x="393751" y="666333"/>
-            <a:ext cx="9901002" cy="1292662"/>
-          </a:xfrm>
-          <a:prstGeom prst="rect">
-            <a:avLst/>
-          </a:prstGeom>
-          <a:noFill/>
-        </p:spPr>
-        <p:txBody>
-          <a:bodyPr wrap="square" rtlCol="0">
-            <a:spAutoFit/>
-          </a:bodyPr>
-          <a:lstStyle/>
-          <a:p>
-            <a:endParaRPr lang="en-US" sz="2000" dirty="0">
-              <a:latin typeface="Arial" panose="020B0604020202020204" pitchFamily="34" charset="0"/>
-              <a:cs typeface="Arial" panose="020B0604020202020204" pitchFamily="34" charset="0"/>
-            </a:endParaRPr>
-          </a:p>
-          <a:p>
-            <a:r>
-              <a:rPr lang="en-US" sz="2000" dirty="0">
-                <a:solidFill>
-                  <a:srgbClr val="FF0000"/>
-                </a:solidFill>
-                <a:latin typeface="Arial" panose="020B0604020202020204" pitchFamily="34" charset="0"/>
-                <a:cs typeface="Arial" panose="020B0604020202020204" pitchFamily="34" charset="0"/>
-              </a:rPr>
-              <a:t>List of cited papers</a:t>
-            </a:r>
-          </a:p>
-          <a:p>
-            <a:endParaRPr lang="en-US" sz="2000" dirty="0">
-              <a:latin typeface="Arial" panose="020B0604020202020204" pitchFamily="34" charset="0"/>
-              <a:cs typeface="Arial" panose="020B0604020202020204" pitchFamily="34" charset="0"/>
-            </a:endParaRPr>
-          </a:p>
-          <a:p>
-            <a:endParaRPr lang="en-IN" dirty="0">
-              <a:latin typeface="Arial" panose="020B0604020202020204" pitchFamily="34" charset="0"/>
-              <a:cs typeface="Arial" panose="020B0604020202020204" pitchFamily="34" charset="0"/>
-            </a:endParaRPr>
-          </a:p>
-        </p:txBody>
-      </p:sp>
-    </p:spTree>
-    <p:extLst>
-      <p:ext uri="{BB962C8B-B14F-4D97-AF65-F5344CB8AC3E}">
-        <p14:creationId xmlns:p14="http://schemas.microsoft.com/office/powerpoint/2010/main" val="1359081233"/>
-      </p:ext>
-    </p:extLst>
-  </p:cSld>
-  <p:clrMapOvr>
-    <a:masterClrMapping/>
-  </p:clrMapOvr>
-</p:sld>
-</file>
-
-<file path=ppt/slides/slide13.xml><?xml version="1.0" encoding="utf-8"?>
-<p:sld xmlns:a="http://schemas.openxmlformats.org/drawingml/2006/main" xmlns:r="http://schemas.openxmlformats.org/officeDocument/2006/relationships" xmlns:p="http://schemas.openxmlformats.org/presentationml/2006/main">
-  <p:cSld>
-    <p:spTree>
-      <p:nvGrpSpPr>
-        <p:cNvPr id="1" name=""/>
-        <p:cNvGrpSpPr/>
-        <p:nvPr/>
-      </p:nvGrpSpPr>
-      <p:grpSpPr>
-        <a:xfrm>
-          <a:off x="0" y="0"/>
-          <a:ext cx="0" cy="0"/>
-          <a:chOff x="0" y="0"/>
-          <a:chExt cx="0" cy="0"/>
-        </a:xfrm>
-      </p:grpSpPr>
-      <p:sp>
-        <p:nvSpPr>
-          <p:cNvPr id="2" name="TextBox 1">
-            <a:extLst>
-              <a:ext uri="{FF2B5EF4-FFF2-40B4-BE49-F238E27FC236}">
-                <a16:creationId xmlns:a16="http://schemas.microsoft.com/office/drawing/2014/main" id="{C39D82EA-6098-704F-AD4D-D13A499C492D}"/>
-              </a:ext>
-            </a:extLst>
-          </p:cNvPr>
-          <p:cNvSpPr txBox="1"/>
-          <p:nvPr/>
-        </p:nvSpPr>
-        <p:spPr>
-          <a:xfrm>
-            <a:off x="1895294" y="3601496"/>
-            <a:ext cx="8401412" cy="1200329"/>
-          </a:xfrm>
-          <a:prstGeom prst="rect">
-            <a:avLst/>
-          </a:prstGeom>
-          <a:noFill/>
-        </p:spPr>
-        <p:txBody>
-          <a:bodyPr wrap="square" rtlCol="0">
-            <a:spAutoFit/>
-          </a:bodyPr>
-          <a:lstStyle/>
-          <a:p>
-            <a:pPr algn="ctr"/>
-            <a:r>
-              <a:rPr lang="en-US" sz="7200" b="1" dirty="0">
-                <a:solidFill>
-                  <a:srgbClr val="46B0FA"/>
-                </a:solidFill>
-                <a:latin typeface="Arial" panose="020B0604020202020204" pitchFamily="34" charset="0"/>
-                <a:cs typeface="Arial" panose="020B0604020202020204" pitchFamily="34" charset="0"/>
-              </a:rPr>
-              <a:t>Thank You</a:t>
-            </a:r>
-            <a:endParaRPr lang="en-IN" sz="7200" b="1" dirty="0">
-              <a:solidFill>
-                <a:srgbClr val="46B0FA"/>
-              </a:solidFill>
-              <a:latin typeface="Arial" panose="020B0604020202020204" pitchFamily="34" charset="0"/>
-              <a:cs typeface="Arial" panose="020B0604020202020204" pitchFamily="34" charset="0"/>
-            </a:endParaRPr>
-          </a:p>
-        </p:txBody>
-      </p:sp>
-      <p:sp>
-        <p:nvSpPr>
-          <p:cNvPr id="4" name="Rectangle 3">
-            <a:extLst>
-              <a:ext uri="{FF2B5EF4-FFF2-40B4-BE49-F238E27FC236}">
-                <a16:creationId xmlns:a16="http://schemas.microsoft.com/office/drawing/2014/main" id="{B7FBB1AB-6227-0A49-9677-D759BB97E908}"/>
-              </a:ext>
-            </a:extLst>
-          </p:cNvPr>
-          <p:cNvSpPr/>
-          <p:nvPr/>
-        </p:nvSpPr>
-        <p:spPr>
-          <a:xfrm>
-            <a:off x="10668000" y="150471"/>
-            <a:ext cx="1381246" cy="682906"/>
-          </a:xfrm>
-          <a:prstGeom prst="rect">
-            <a:avLst/>
-          </a:prstGeom>
-          <a:solidFill>
-            <a:schemeClr val="bg1"/>
-          </a:solidFill>
-          <a:ln>
-            <a:noFill/>
-          </a:ln>
-        </p:spPr>
-        <p:style>
-          <a:lnRef idx="2">
-            <a:schemeClr val="accent1">
-              <a:shade val="50000"/>
-            </a:schemeClr>
-          </a:lnRef>
-          <a:fillRef idx="1">
-            <a:schemeClr val="accent1"/>
-          </a:fillRef>
-          <a:effectRef idx="0">
-            <a:schemeClr val="accent1"/>
-          </a:effectRef>
-          <a:fontRef idx="minor">
-            <a:schemeClr val="lt1"/>
-          </a:fontRef>
-        </p:style>
-        <p:txBody>
-          <a:bodyPr rtlCol="0" anchor="ctr"/>
-          <a:lstStyle/>
-          <a:p>
-            <a:pPr algn="ctr"/>
-            <a:endParaRPr lang="en-US" dirty="0"/>
-          </a:p>
-        </p:txBody>
-      </p:sp>
-      <p:pic>
-        <p:nvPicPr>
-          <p:cNvPr id="5" name="Picture 4" descr="A picture containing text, clipart&#10;&#10;Description automatically generated">
-            <a:extLst>
-              <a:ext uri="{FF2B5EF4-FFF2-40B4-BE49-F238E27FC236}">
-                <a16:creationId xmlns:a16="http://schemas.microsoft.com/office/drawing/2014/main" id="{B3B91EF5-66BF-4A12-80C1-98869846E0D6}"/>
-              </a:ext>
-            </a:extLst>
-          </p:cNvPr>
-          <p:cNvPicPr>
-            <a:picLocks noChangeAspect="1"/>
-          </p:cNvPicPr>
-          <p:nvPr/>
-        </p:nvPicPr>
-        <p:blipFill>
-          <a:blip r:embed="rId2"/>
-          <a:stretch>
-            <a:fillRect/>
-          </a:stretch>
-        </p:blipFill>
-        <p:spPr>
-          <a:xfrm>
-            <a:off x="3992880" y="1709987"/>
-            <a:ext cx="4206240" cy="1806854"/>
-          </a:xfrm>
-          <a:prstGeom prst="rect">
-            <a:avLst/>
-          </a:prstGeom>
-        </p:spPr>
-      </p:pic>
-    </p:spTree>
-    <p:extLst>
-      <p:ext uri="{BB962C8B-B14F-4D97-AF65-F5344CB8AC3E}">
-        <p14:creationId xmlns:p14="http://schemas.microsoft.com/office/powerpoint/2010/main" val="3579348268"/>
-      </p:ext>
-    </p:extLst>
-  </p:cSld>
-  <p:clrMapOvr>
-    <a:masterClrMapping/>
-  </p:clrMapOvr>
-</p:sld>
-</file>
-
-<file path=ppt/slides/slide2.xml><?xml version="1.0" encoding="utf-8"?>
-<p:sld xmlns:a="http://schemas.openxmlformats.org/drawingml/2006/main" xmlns:r="http://schemas.openxmlformats.org/officeDocument/2006/relationships" xmlns:p="http://schemas.openxmlformats.org/presentationml/2006/main">
-  <p:cSld>
-    <p:spTree>
-      <p:nvGrpSpPr>
-        <p:cNvPr id="1" name=""/>
-        <p:cNvGrpSpPr/>
-        <p:nvPr/>
-      </p:nvGrpSpPr>
-      <p:grpSpPr>
-        <a:xfrm>
-          <a:off x="0" y="0"/>
-          <a:ext cx="0" cy="0"/>
-          <a:chOff x="0" y="0"/>
-          <a:chExt cx="0" cy="0"/>
-        </a:xfrm>
-      </p:grpSpPr>
-      <p:sp>
-        <p:nvSpPr>
-          <p:cNvPr id="2" name="TextBox 1">
-            <a:extLst>
-              <a:ext uri="{FF2B5EF4-FFF2-40B4-BE49-F238E27FC236}">
-                <a16:creationId xmlns:a16="http://schemas.microsoft.com/office/drawing/2014/main" id="{B2EC635B-D8A3-4A72-8304-20FFBA5D21A3}"/>
-              </a:ext>
-            </a:extLst>
-          </p:cNvPr>
-          <p:cNvSpPr txBox="1"/>
-          <p:nvPr/>
-        </p:nvSpPr>
-        <p:spPr>
-          <a:xfrm>
-            <a:off x="325927" y="248626"/>
-            <a:ext cx="7530363" cy="584775"/>
-          </a:xfrm>
-          <a:prstGeom prst="rect">
-            <a:avLst/>
-          </a:prstGeom>
-          <a:noFill/>
-        </p:spPr>
-        <p:txBody>
-          <a:bodyPr wrap="square" rtlCol="0">
-            <a:spAutoFit/>
-          </a:bodyPr>
-          <a:lstStyle/>
-          <a:p>
-            <a:r>
-              <a:rPr lang="en-US" sz="3200" b="1" dirty="0">
-                <a:solidFill>
-                  <a:srgbClr val="46B0FA"/>
-                </a:solidFill>
-                <a:latin typeface="Arial" panose="020B0604020202020204" pitchFamily="34" charset="0"/>
-                <a:cs typeface="Arial" panose="020B0604020202020204" pitchFamily="34" charset="0"/>
-              </a:rPr>
-              <a:t>Content</a:t>
-            </a:r>
-            <a:endParaRPr lang="en-IN" sz="3200" b="1" dirty="0">
-              <a:solidFill>
-                <a:srgbClr val="46B0FA"/>
-              </a:solidFill>
-              <a:latin typeface="Arial" panose="020B0604020202020204" pitchFamily="34" charset="0"/>
-              <a:cs typeface="Arial" panose="020B0604020202020204" pitchFamily="34" charset="0"/>
-            </a:endParaRPr>
-          </a:p>
-        </p:txBody>
-      </p:sp>
-      <p:sp>
-        <p:nvSpPr>
-          <p:cNvPr id="3" name="TextBox 2">
-            <a:extLst>
-              <a:ext uri="{FF2B5EF4-FFF2-40B4-BE49-F238E27FC236}">
-                <a16:creationId xmlns:a16="http://schemas.microsoft.com/office/drawing/2014/main" id="{66168532-D141-4AB0-BD29-1663F2877B3E}"/>
-              </a:ext>
-            </a:extLst>
-          </p:cNvPr>
-          <p:cNvSpPr txBox="1"/>
-          <p:nvPr/>
-        </p:nvSpPr>
-        <p:spPr>
-          <a:xfrm>
-            <a:off x="1071154" y="1247350"/>
-            <a:ext cx="4650377" cy="3139321"/>
-          </a:xfrm>
-          <a:prstGeom prst="rect">
-            <a:avLst/>
-          </a:prstGeom>
-          <a:noFill/>
-        </p:spPr>
-        <p:txBody>
-          <a:bodyPr wrap="square" rtlCol="0">
-            <a:spAutoFit/>
-          </a:bodyPr>
-          <a:lstStyle/>
-          <a:p>
-            <a:pPr marL="342900" indent="-342900">
-              <a:buFont typeface="Wingdings" panose="05000000000000000000" pitchFamily="2" charset="2"/>
-              <a:buChar char="§"/>
-            </a:pPr>
-            <a:r>
-              <a:rPr lang="en-US" sz="2000" dirty="0">
-                <a:latin typeface="Arial" panose="020B0604020202020204" pitchFamily="34" charset="0"/>
-                <a:cs typeface="Arial" panose="020B0604020202020204" pitchFamily="34" charset="0"/>
-              </a:rPr>
-              <a:t>Introduction</a:t>
-            </a:r>
-          </a:p>
-          <a:p>
-            <a:pPr marL="342900" indent="-342900">
-              <a:buFont typeface="Wingdings" panose="05000000000000000000" pitchFamily="2" charset="2"/>
-              <a:buChar char="§"/>
-            </a:pPr>
-            <a:endParaRPr lang="en-US" sz="2000" dirty="0">
-              <a:latin typeface="Arial" panose="020B0604020202020204" pitchFamily="34" charset="0"/>
-              <a:cs typeface="Arial" panose="020B0604020202020204" pitchFamily="34" charset="0"/>
-            </a:endParaRPr>
-          </a:p>
-          <a:p>
-            <a:pPr marL="342900" indent="-342900">
-              <a:buFont typeface="Wingdings" panose="05000000000000000000" pitchFamily="2" charset="2"/>
-              <a:buChar char="§"/>
-            </a:pPr>
-            <a:r>
-              <a:rPr lang="en-US" sz="2000" dirty="0">
-                <a:latin typeface="Arial" panose="020B0604020202020204" pitchFamily="34" charset="0"/>
-                <a:cs typeface="Arial" panose="020B0604020202020204" pitchFamily="34" charset="0"/>
-              </a:rPr>
-              <a:t>Literature Review</a:t>
-            </a:r>
-          </a:p>
-          <a:p>
-            <a:pPr marL="342900" indent="-342900">
-              <a:buFont typeface="Wingdings" panose="05000000000000000000" pitchFamily="2" charset="2"/>
-              <a:buChar char="§"/>
-            </a:pPr>
-            <a:endParaRPr lang="en-US" sz="2000" dirty="0">
-              <a:latin typeface="Arial" panose="020B0604020202020204" pitchFamily="34" charset="0"/>
-              <a:cs typeface="Arial" panose="020B0604020202020204" pitchFamily="34" charset="0"/>
-            </a:endParaRPr>
-          </a:p>
-          <a:p>
-            <a:pPr marL="342900" indent="-342900">
-              <a:buFont typeface="Wingdings" panose="05000000000000000000" pitchFamily="2" charset="2"/>
-              <a:buChar char="§"/>
-            </a:pPr>
-            <a:r>
-              <a:rPr lang="en-US" sz="2000" dirty="0">
-                <a:latin typeface="Arial" panose="020B0604020202020204" pitchFamily="34" charset="0"/>
-                <a:cs typeface="Arial" panose="020B0604020202020204" pitchFamily="34" charset="0"/>
-              </a:rPr>
-              <a:t>Objectives</a:t>
-            </a:r>
-          </a:p>
-          <a:p>
-            <a:pPr marL="342900" indent="-342900">
-              <a:buFont typeface="Wingdings" panose="05000000000000000000" pitchFamily="2" charset="2"/>
-              <a:buChar char="§"/>
-            </a:pPr>
-            <a:endParaRPr lang="en-US" sz="2000" dirty="0">
-              <a:latin typeface="Arial" panose="020B0604020202020204" pitchFamily="34" charset="0"/>
-              <a:cs typeface="Arial" panose="020B0604020202020204" pitchFamily="34" charset="0"/>
-            </a:endParaRPr>
-          </a:p>
-          <a:p>
-            <a:pPr marL="342900" indent="-342900">
-              <a:buFont typeface="Wingdings" panose="05000000000000000000" pitchFamily="2" charset="2"/>
-              <a:buChar char="§"/>
-            </a:pPr>
-            <a:r>
-              <a:rPr lang="en-US" sz="2000" dirty="0">
-                <a:latin typeface="Arial" panose="020B0604020202020204" pitchFamily="34" charset="0"/>
-                <a:cs typeface="Arial" panose="020B0604020202020204" pitchFamily="34" charset="0"/>
-              </a:rPr>
-              <a:t>Methodology</a:t>
-            </a:r>
-          </a:p>
-          <a:p>
-            <a:pPr marL="342900" indent="-342900">
-              <a:buFont typeface="Wingdings" panose="05000000000000000000" pitchFamily="2" charset="2"/>
-              <a:buChar char="§"/>
-            </a:pPr>
-            <a:endParaRPr lang="en-US" sz="2000" dirty="0">
-              <a:latin typeface="Arial" panose="020B0604020202020204" pitchFamily="34" charset="0"/>
-              <a:cs typeface="Arial" panose="020B0604020202020204" pitchFamily="34" charset="0"/>
-            </a:endParaRPr>
-          </a:p>
-          <a:p>
-            <a:pPr marL="342900" indent="-342900">
-              <a:buFont typeface="Wingdings" panose="05000000000000000000" pitchFamily="2" charset="2"/>
-              <a:buChar char="§"/>
-            </a:pPr>
-            <a:r>
-              <a:rPr lang="en-US" sz="2000" dirty="0">
-                <a:latin typeface="Arial" panose="020B0604020202020204" pitchFamily="34" charset="0"/>
-                <a:cs typeface="Arial" panose="020B0604020202020204" pitchFamily="34" charset="0"/>
-              </a:rPr>
-              <a:t>References </a:t>
-            </a:r>
-          </a:p>
-          <a:p>
-            <a:pPr marL="285750" indent="-285750">
-              <a:buFont typeface="Wingdings" panose="05000000000000000000" pitchFamily="2" charset="2"/>
-              <a:buChar char="§"/>
-            </a:pPr>
-            <a:endParaRPr lang="en-IN" dirty="0">
-              <a:latin typeface="Arial" panose="020B0604020202020204" pitchFamily="34" charset="0"/>
-              <a:cs typeface="Arial" panose="020B0604020202020204" pitchFamily="34" charset="0"/>
-            </a:endParaRPr>
-          </a:p>
-        </p:txBody>
-      </p:sp>
-    </p:spTree>
-    <p:extLst>
-      <p:ext uri="{BB962C8B-B14F-4D97-AF65-F5344CB8AC3E}">
-        <p14:creationId xmlns:p14="http://schemas.microsoft.com/office/powerpoint/2010/main" val="3879729395"/>
-      </p:ext>
-    </p:extLst>
-  </p:cSld>
-  <p:clrMapOvr>
-    <a:masterClrMapping/>
-  </p:clrMapOvr>
-</p:sld>
-</file>
-
-<file path=ppt/slides/slide3.xml><?xml version="1.0" encoding="utf-8"?>
-<p:sld xmlns:a="http://schemas.openxmlformats.org/drawingml/2006/main" xmlns:r="http://schemas.openxmlformats.org/officeDocument/2006/relationships" xmlns:p="http://schemas.openxmlformats.org/presentationml/2006/main">
-  <p:cSld>
-    <p:spTree>
-      <p:nvGrpSpPr>
-        <p:cNvPr id="1" name=""/>
-        <p:cNvGrpSpPr/>
-        <p:nvPr/>
-      </p:nvGrpSpPr>
-      <p:grpSpPr>
-        <a:xfrm>
-          <a:off x="0" y="0"/>
-          <a:ext cx="0" cy="0"/>
-          <a:chOff x="0" y="0"/>
-          <a:chExt cx="0" cy="0"/>
-        </a:xfrm>
-      </p:grpSpPr>
-      <p:sp>
-        <p:nvSpPr>
-          <p:cNvPr id="2" name="TextBox 1">
-            <a:extLst>
-              <a:ext uri="{FF2B5EF4-FFF2-40B4-BE49-F238E27FC236}">
-                <a16:creationId xmlns:a16="http://schemas.microsoft.com/office/drawing/2014/main" id="{B2EC635B-D8A3-4A72-8304-20FFBA5D21A3}"/>
-              </a:ext>
-            </a:extLst>
-          </p:cNvPr>
-          <p:cNvSpPr txBox="1"/>
-          <p:nvPr/>
-        </p:nvSpPr>
-        <p:spPr>
-          <a:xfrm>
-            <a:off x="325927" y="222500"/>
-            <a:ext cx="7530363" cy="584775"/>
-          </a:xfrm>
-          <a:prstGeom prst="rect">
-            <a:avLst/>
-          </a:prstGeom>
-          <a:noFill/>
-        </p:spPr>
-        <p:txBody>
-          <a:bodyPr wrap="square" rtlCol="0">
-            <a:spAutoFit/>
-          </a:bodyPr>
-          <a:lstStyle/>
-          <a:p>
-            <a:r>
-              <a:rPr lang="en-US" sz="3200" b="1" dirty="0">
-                <a:solidFill>
-                  <a:srgbClr val="46B0FA"/>
-                </a:solidFill>
-                <a:latin typeface="Arial" panose="020B0604020202020204" pitchFamily="34" charset="0"/>
-                <a:cs typeface="Arial" panose="020B0604020202020204" pitchFamily="34" charset="0"/>
-              </a:rPr>
-              <a:t>Introduction</a:t>
-            </a:r>
-            <a:endParaRPr lang="en-IN" sz="3200" b="1" dirty="0">
-              <a:solidFill>
-                <a:srgbClr val="46B0FA"/>
-              </a:solidFill>
-              <a:latin typeface="Arial" panose="020B0604020202020204" pitchFamily="34" charset="0"/>
-              <a:cs typeface="Arial" panose="020B0604020202020204" pitchFamily="34" charset="0"/>
-            </a:endParaRPr>
-          </a:p>
-        </p:txBody>
-      </p:sp>
-      <p:sp>
-        <p:nvSpPr>
-          <p:cNvPr id="3" name="TextBox 2">
-            <a:extLst>
-              <a:ext uri="{FF2B5EF4-FFF2-40B4-BE49-F238E27FC236}">
-                <a16:creationId xmlns:a16="http://schemas.microsoft.com/office/drawing/2014/main" id="{66168532-D141-4AB0-BD29-1663F2877B3E}"/>
-              </a:ext>
-            </a:extLst>
-          </p:cNvPr>
-          <p:cNvSpPr txBox="1"/>
-          <p:nvPr/>
-        </p:nvSpPr>
-        <p:spPr>
-          <a:xfrm>
-            <a:off x="447847" y="1228397"/>
-            <a:ext cx="10880553" cy="4401205"/>
-          </a:xfrm>
-          <a:prstGeom prst="rect">
-            <a:avLst/>
-          </a:prstGeom>
-          <a:noFill/>
-        </p:spPr>
-        <p:txBody>
-          <a:bodyPr wrap="square" rtlCol="0">
-            <a:spAutoFit/>
-          </a:bodyPr>
-          <a:lstStyle/>
-          <a:p>
-            <a:r>
-              <a:rPr lang="en-US" sz="2000" dirty="0">
-                <a:solidFill>
-                  <a:srgbClr val="FF0000"/>
-                </a:solidFill>
-                <a:latin typeface="Arial" panose="020B0604020202020204" pitchFamily="34" charset="0"/>
-                <a:cs typeface="Arial" panose="020B0604020202020204" pitchFamily="34" charset="0"/>
-              </a:rPr>
-              <a:t>Technical Concepts (Algorithms):</a:t>
-            </a:r>
-          </a:p>
-          <a:p>
-            <a:r>
-              <a:rPr lang="en-US" sz="2000" dirty="0">
-                <a:latin typeface="Arial" panose="020B0604020202020204" pitchFamily="34" charset="0"/>
-                <a:cs typeface="Arial" panose="020B0604020202020204" pitchFamily="34" charset="0"/>
-              </a:rPr>
-              <a:t>The technical concepts used are:</a:t>
-            </a:r>
-          </a:p>
-          <a:p>
-            <a:endParaRPr lang="en-US" sz="2000" dirty="0">
-              <a:latin typeface="Arial" panose="020B0604020202020204" pitchFamily="34" charset="0"/>
-              <a:cs typeface="Arial" panose="020B0604020202020204" pitchFamily="34" charset="0"/>
-            </a:endParaRPr>
-          </a:p>
-          <a:p>
-            <a:pPr marL="342900" indent="-342900">
-              <a:buFont typeface="Arial" panose="020B0604020202020204" pitchFamily="34" charset="0"/>
-              <a:buChar char="•"/>
-            </a:pPr>
-            <a:r>
-              <a:rPr lang="en-US" sz="2000" b="1" dirty="0">
-                <a:latin typeface="Arial" panose="020B0604020202020204" pitchFamily="34" charset="0"/>
-                <a:cs typeface="Arial" panose="020B0604020202020204" pitchFamily="34" charset="0"/>
-              </a:rPr>
-              <a:t>LSTM (Long Short-Term Memory):</a:t>
-            </a:r>
-            <a:r>
-              <a:rPr lang="en-US" sz="2000" dirty="0">
-                <a:latin typeface="Arial" panose="020B0604020202020204" pitchFamily="34" charset="0"/>
-                <a:cs typeface="Arial" panose="020B0604020202020204" pitchFamily="34" charset="0"/>
-              </a:rPr>
-              <a:t> A type of recurrent neural network (RNN) specialized for time series forecasting. LSTMs excel at capturing long-term dependencies and nonlinear relationships in sequential data, making them ideal for climate forecasting.</a:t>
-            </a:r>
-          </a:p>
-          <a:p>
-            <a:pPr marL="342900" indent="-342900">
-              <a:buFont typeface="Arial" panose="020B0604020202020204" pitchFamily="34" charset="0"/>
-              <a:buChar char="•"/>
-            </a:pPr>
-            <a:endParaRPr lang="en-US" sz="2000" dirty="0">
-              <a:latin typeface="Arial" panose="020B0604020202020204" pitchFamily="34" charset="0"/>
-              <a:cs typeface="Arial" panose="020B0604020202020204" pitchFamily="34" charset="0"/>
-            </a:endParaRPr>
-          </a:p>
-          <a:p>
-            <a:pPr marL="342900" indent="-342900">
-              <a:buFont typeface="Arial" panose="020B0604020202020204" pitchFamily="34" charset="0"/>
-              <a:buChar char="•"/>
-            </a:pPr>
-            <a:r>
-              <a:rPr lang="en-US" sz="2000" b="1" dirty="0">
-                <a:latin typeface="Arial" panose="020B0604020202020204" pitchFamily="34" charset="0"/>
-                <a:cs typeface="Arial" panose="020B0604020202020204" pitchFamily="34" charset="0"/>
-              </a:rPr>
-              <a:t>ARIMA (Auto Regressive Integrated Moving Average): </a:t>
-            </a:r>
-            <a:r>
-              <a:rPr lang="en-US" sz="2000" dirty="0">
-                <a:latin typeface="Arial" panose="020B0604020202020204" pitchFamily="34" charset="0"/>
-                <a:cs typeface="Arial" panose="020B0604020202020204" pitchFamily="34" charset="0"/>
-              </a:rPr>
-              <a:t>A traditional statistical method used for time series analysis. ARIMA models are effective for univariate time series data with linear trends and seasonality, providing robust forecasts based on past values.</a:t>
-            </a:r>
-          </a:p>
-          <a:p>
-            <a:pPr marL="342900" indent="-342900">
-              <a:buFont typeface="Arial" panose="020B0604020202020204" pitchFamily="34" charset="0"/>
-              <a:buChar char="•"/>
-            </a:pPr>
-            <a:endParaRPr lang="en-US" sz="2000" dirty="0">
-              <a:latin typeface="Arial" panose="020B0604020202020204" pitchFamily="34" charset="0"/>
-              <a:cs typeface="Arial" panose="020B0604020202020204" pitchFamily="34" charset="0"/>
-            </a:endParaRPr>
-          </a:p>
-          <a:p>
-            <a:pPr marL="342900" indent="-342900">
-              <a:buFont typeface="Arial" panose="020B0604020202020204" pitchFamily="34" charset="0"/>
-              <a:buChar char="•"/>
-            </a:pPr>
-            <a:r>
-              <a:rPr lang="en-US" sz="2000" b="1" dirty="0">
-                <a:latin typeface="Arial" panose="020B0604020202020204" pitchFamily="34" charset="0"/>
-                <a:cs typeface="Arial" panose="020B0604020202020204" pitchFamily="34" charset="0"/>
-              </a:rPr>
-              <a:t>Monte Carlo Simulation: </a:t>
-            </a:r>
-            <a:r>
-              <a:rPr lang="en-US" sz="2000" dirty="0">
-                <a:latin typeface="Arial" panose="020B0604020202020204" pitchFamily="34" charset="0"/>
-                <a:cs typeface="Arial" panose="020B0604020202020204" pitchFamily="34" charset="0"/>
-              </a:rPr>
-              <a:t>A stochastic technique that generates a range of possible outcomes by running repeated random simulations. This method is used to understand uncertainties and risks, providing probabilistic climate forecasts.</a:t>
-            </a:r>
-          </a:p>
-        </p:txBody>
-      </p:sp>
-    </p:spTree>
-    <p:extLst>
-      <p:ext uri="{BB962C8B-B14F-4D97-AF65-F5344CB8AC3E}">
-        <p14:creationId xmlns:p14="http://schemas.microsoft.com/office/powerpoint/2010/main" val="480493988"/>
-      </p:ext>
-    </p:extLst>
-  </p:cSld>
-  <p:clrMapOvr>
-    <a:masterClrMapping/>
-  </p:clrMapOvr>
-</p:sld>
-</file>
-
-<file path=ppt/slides/slide4.xml><?xml version="1.0" encoding="utf-8"?>
-<p:sld xmlns:a="http://schemas.openxmlformats.org/drawingml/2006/main" xmlns:r="http://schemas.openxmlformats.org/officeDocument/2006/relationships" xmlns:p="http://schemas.openxmlformats.org/presentationml/2006/main">
-  <p:cSld>
-    <p:spTree>
-      <p:nvGrpSpPr>
-        <p:cNvPr id="1" name=""/>
-        <p:cNvGrpSpPr/>
-        <p:nvPr/>
-      </p:nvGrpSpPr>
-      <p:grpSpPr>
-        <a:xfrm>
-          <a:off x="0" y="0"/>
-          <a:ext cx="0" cy="0"/>
-          <a:chOff x="0" y="0"/>
-          <a:chExt cx="0" cy="0"/>
-        </a:xfrm>
-      </p:grpSpPr>
-      <p:sp>
-        <p:nvSpPr>
-          <p:cNvPr id="2" name="TextBox 1">
-            <a:extLst>
-              <a:ext uri="{FF2B5EF4-FFF2-40B4-BE49-F238E27FC236}">
-                <a16:creationId xmlns:a16="http://schemas.microsoft.com/office/drawing/2014/main" id="{B2EC635B-D8A3-4A72-8304-20FFBA5D21A3}"/>
-              </a:ext>
-            </a:extLst>
-          </p:cNvPr>
-          <p:cNvSpPr txBox="1"/>
-          <p:nvPr/>
-        </p:nvSpPr>
-        <p:spPr>
-          <a:xfrm>
-            <a:off x="325927" y="222500"/>
-            <a:ext cx="7530363" cy="584775"/>
-          </a:xfrm>
-          <a:prstGeom prst="rect">
-            <a:avLst/>
-          </a:prstGeom>
-          <a:noFill/>
-        </p:spPr>
-        <p:txBody>
-          <a:bodyPr wrap="square" rtlCol="0">
-            <a:spAutoFit/>
-          </a:bodyPr>
-          <a:lstStyle/>
-          <a:p>
-            <a:r>
-              <a:rPr lang="en-US" sz="3200" b="1" dirty="0">
-                <a:solidFill>
-                  <a:srgbClr val="46B0FA"/>
-                </a:solidFill>
-                <a:latin typeface="Arial" panose="020B0604020202020204" pitchFamily="34" charset="0"/>
-                <a:cs typeface="Arial" panose="020B0604020202020204" pitchFamily="34" charset="0"/>
-              </a:rPr>
-              <a:t>Introduction</a:t>
-            </a:r>
-            <a:endParaRPr lang="en-IN" sz="3200" b="1" dirty="0">
-              <a:solidFill>
-                <a:srgbClr val="46B0FA"/>
-              </a:solidFill>
-              <a:latin typeface="Arial" panose="020B0604020202020204" pitchFamily="34" charset="0"/>
-              <a:cs typeface="Arial" panose="020B0604020202020204" pitchFamily="34" charset="0"/>
-            </a:endParaRPr>
-          </a:p>
-        </p:txBody>
-      </p:sp>
-      <p:sp>
-        <p:nvSpPr>
-          <p:cNvPr id="3" name="TextBox 2">
-            <a:extLst>
-              <a:ext uri="{FF2B5EF4-FFF2-40B4-BE49-F238E27FC236}">
-                <a16:creationId xmlns:a16="http://schemas.microsoft.com/office/drawing/2014/main" id="{66168532-D141-4AB0-BD29-1663F2877B3E}"/>
-              </a:ext>
-            </a:extLst>
-          </p:cNvPr>
-          <p:cNvSpPr txBox="1"/>
-          <p:nvPr/>
-        </p:nvSpPr>
-        <p:spPr>
-          <a:xfrm>
-            <a:off x="983276" y="1286539"/>
-            <a:ext cx="9901002" cy="2246769"/>
-          </a:xfrm>
-          <a:prstGeom prst="rect">
-            <a:avLst/>
-          </a:prstGeom>
-          <a:noFill/>
-        </p:spPr>
-        <p:txBody>
-          <a:bodyPr wrap="square" rtlCol="0">
-            <a:spAutoFit/>
-          </a:bodyPr>
-          <a:lstStyle/>
-          <a:p>
-            <a:r>
-              <a:rPr lang="en-US" sz="2000" dirty="0">
-                <a:solidFill>
-                  <a:srgbClr val="FF0000"/>
-                </a:solidFill>
-                <a:latin typeface="Arial" panose="020B0604020202020204" pitchFamily="34" charset="0"/>
-                <a:cs typeface="Arial" panose="020B0604020202020204" pitchFamily="34" charset="0"/>
-              </a:rPr>
-              <a:t>Motivation</a:t>
-            </a:r>
-            <a:r>
-              <a:rPr lang="en-IN" sz="2000" dirty="0">
-                <a:solidFill>
-                  <a:srgbClr val="FF0000"/>
-                </a:solidFill>
-                <a:latin typeface="Arial" panose="020B0604020202020204" pitchFamily="34" charset="0"/>
-                <a:cs typeface="Arial" panose="020B0604020202020204" pitchFamily="34" charset="0"/>
-              </a:rPr>
-              <a:t>:</a:t>
-            </a:r>
-          </a:p>
-          <a:p>
-            <a:r>
-              <a:rPr lang="en-US" sz="2000" dirty="0">
-                <a:latin typeface="Arial" panose="020B0604020202020204" pitchFamily="34" charset="0"/>
-                <a:cs typeface="Arial" panose="020B0604020202020204" pitchFamily="34" charset="0"/>
-              </a:rPr>
-              <a:t>The increasing severity and frequency of climate events require reliable tools to predict future climate conditions and their impact on various regions and industries. This project aims to enhance decision-making in climate adaptation by identifying the most accurate and reliable forecasting model for climate scenarios. By comparing LSTM, ARIMA, and Monte Carlo simulation, the project will offer a tool that will help the user to make informed decisions.</a:t>
-            </a:r>
-            <a:endParaRPr lang="en-IN" sz="2000" dirty="0">
-              <a:latin typeface="Arial" panose="020B0604020202020204" pitchFamily="34" charset="0"/>
-              <a:cs typeface="Arial" panose="020B0604020202020204" pitchFamily="34" charset="0"/>
-            </a:endParaRPr>
-          </a:p>
-        </p:txBody>
-      </p:sp>
-      <p:sp>
-        <p:nvSpPr>
-          <p:cNvPr id="5" name="TextBox 4">
-            <a:extLst>
-              <a:ext uri="{FF2B5EF4-FFF2-40B4-BE49-F238E27FC236}">
-                <a16:creationId xmlns:a16="http://schemas.microsoft.com/office/drawing/2014/main" id="{3D58F7DA-1B2B-4ED6-576B-09D9D37E77C9}"/>
-              </a:ext>
-            </a:extLst>
-          </p:cNvPr>
-          <p:cNvSpPr txBox="1"/>
-          <p:nvPr/>
-        </p:nvSpPr>
-        <p:spPr>
-          <a:xfrm>
-            <a:off x="983275" y="3617822"/>
-            <a:ext cx="10438411" cy="2308324"/>
-          </a:xfrm>
-          <a:prstGeom prst="rect">
-            <a:avLst/>
-          </a:prstGeom>
-          <a:noFill/>
-        </p:spPr>
-        <p:txBody>
-          <a:bodyPr wrap="square">
-            <a:spAutoFit/>
-          </a:bodyPr>
-          <a:lstStyle/>
-          <a:p>
-            <a:r>
-              <a:rPr lang="en-US" sz="1800" dirty="0">
-                <a:solidFill>
-                  <a:srgbClr val="FF0000"/>
-                </a:solidFill>
-                <a:latin typeface="Arial" panose="020B0604020202020204" pitchFamily="34" charset="0"/>
-                <a:cs typeface="Arial" panose="020B0604020202020204" pitchFamily="34" charset="0"/>
-              </a:rPr>
-              <a:t>Problem Statement:</a:t>
-            </a:r>
-          </a:p>
-          <a:p>
-            <a:endParaRPr lang="en-US" sz="1800" dirty="0">
-              <a:solidFill>
-                <a:srgbClr val="FF0000"/>
-              </a:solidFill>
-              <a:latin typeface="Arial" panose="020B0604020202020204" pitchFamily="34" charset="0"/>
-              <a:cs typeface="Arial" panose="020B0604020202020204" pitchFamily="34" charset="0"/>
-            </a:endParaRPr>
-          </a:p>
-          <a:p>
-            <a:r>
-              <a:rPr lang="en-US" dirty="0"/>
-              <a:t>The goal of this project is to predict future climate scenarios and assess potential risks using advanced machine learning and statistical methods. Specifically, we aim to compare three models </a:t>
-            </a:r>
-            <a:r>
-              <a:rPr lang="en-US" b="1" dirty="0"/>
-              <a:t>LSTM</a:t>
-            </a:r>
-            <a:r>
-              <a:rPr lang="en-US" dirty="0"/>
-              <a:t>, </a:t>
-            </a:r>
-            <a:r>
-              <a:rPr lang="en-US" b="1" dirty="0"/>
-              <a:t>ARIMA</a:t>
-            </a:r>
-            <a:r>
-              <a:rPr lang="en-US" dirty="0"/>
-              <a:t>, and </a:t>
-            </a:r>
-            <a:r>
-              <a:rPr lang="en-US" b="1" dirty="0"/>
-              <a:t>Monte Carlo simulation </a:t>
-            </a:r>
-            <a:r>
-              <a:rPr lang="en-US" dirty="0"/>
-              <a:t>to determine which one provides the most reliable and accurate predictions using time series climate data. The selected model will then be used to develop a web application that allows users to simulate and analyze climate scenarios, helping them make informed decisions for climate adaptation and risk management.</a:t>
-            </a:r>
-            <a:endParaRPr lang="en-US" sz="1800" dirty="0">
-              <a:solidFill>
-                <a:srgbClr val="FF0000"/>
-              </a:solidFill>
-              <a:latin typeface="Arial" panose="020B0604020202020204" pitchFamily="34" charset="0"/>
-              <a:cs typeface="Arial" panose="020B0604020202020204" pitchFamily="34" charset="0"/>
-            </a:endParaRPr>
-          </a:p>
-        </p:txBody>
-      </p:sp>
-    </p:spTree>
-    <p:extLst>
-      <p:ext uri="{BB962C8B-B14F-4D97-AF65-F5344CB8AC3E}">
-        <p14:creationId xmlns:p14="http://schemas.microsoft.com/office/powerpoint/2010/main" val="1138356094"/>
-      </p:ext>
-    </p:extLst>
-  </p:cSld>
-  <p:clrMapOvr>
-    <a:masterClrMapping/>
-  </p:clrMapOvr>
-</p:sld>
-</file>
-
-<file path=ppt/slides/slide5.xml><?xml version="1.0" encoding="utf-8"?>
-<p:sld xmlns:a="http://schemas.openxmlformats.org/drawingml/2006/main" xmlns:r="http://schemas.openxmlformats.org/officeDocument/2006/relationships" xmlns:p="http://schemas.openxmlformats.org/presentationml/2006/main">
-  <p:cSld>
-    <p:spTree>
-      <p:nvGrpSpPr>
-        <p:cNvPr id="1" name=""/>
-        <p:cNvGrpSpPr/>
-        <p:nvPr/>
-      </p:nvGrpSpPr>
-      <p:grpSpPr>
-        <a:xfrm>
-          <a:off x="0" y="0"/>
-          <a:ext cx="0" cy="0"/>
-          <a:chOff x="0" y="0"/>
-          <a:chExt cx="0" cy="0"/>
-        </a:xfrm>
-      </p:grpSpPr>
-      <p:sp>
-        <p:nvSpPr>
-          <p:cNvPr id="2" name="TextBox 1">
-            <a:extLst>
-              <a:ext uri="{FF2B5EF4-FFF2-40B4-BE49-F238E27FC236}">
-                <a16:creationId xmlns:a16="http://schemas.microsoft.com/office/drawing/2014/main" id="{B2EC635B-D8A3-4A72-8304-20FFBA5D21A3}"/>
-              </a:ext>
-            </a:extLst>
-          </p:cNvPr>
-          <p:cNvSpPr txBox="1"/>
-          <p:nvPr/>
-        </p:nvSpPr>
-        <p:spPr>
-          <a:xfrm>
-            <a:off x="325927" y="222500"/>
-            <a:ext cx="7530363" cy="584775"/>
-          </a:xfrm>
-          <a:prstGeom prst="rect">
-            <a:avLst/>
-          </a:prstGeom>
-          <a:noFill/>
-        </p:spPr>
-        <p:txBody>
-          <a:bodyPr wrap="square" rtlCol="0">
-            <a:spAutoFit/>
-          </a:bodyPr>
-          <a:lstStyle/>
-          <a:p>
-            <a:r>
-              <a:rPr lang="en-US" sz="3200" b="1" dirty="0">
-                <a:solidFill>
-                  <a:srgbClr val="46B0FA"/>
-                </a:solidFill>
-                <a:latin typeface="Arial" panose="020B0604020202020204" pitchFamily="34" charset="0"/>
-                <a:cs typeface="Arial" panose="020B0604020202020204" pitchFamily="34" charset="0"/>
-              </a:rPr>
-              <a:t>Introduction</a:t>
-            </a:r>
-            <a:endParaRPr lang="en-IN" sz="3200" b="1" dirty="0">
-              <a:solidFill>
-                <a:srgbClr val="46B0FA"/>
-              </a:solidFill>
-              <a:latin typeface="Arial" panose="020B0604020202020204" pitchFamily="34" charset="0"/>
-              <a:cs typeface="Arial" panose="020B0604020202020204" pitchFamily="34" charset="0"/>
-            </a:endParaRPr>
-          </a:p>
-        </p:txBody>
-      </p:sp>
-      <p:sp>
-        <p:nvSpPr>
-          <p:cNvPr id="3" name="TextBox 2">
-            <a:extLst>
-              <a:ext uri="{FF2B5EF4-FFF2-40B4-BE49-F238E27FC236}">
-                <a16:creationId xmlns:a16="http://schemas.microsoft.com/office/drawing/2014/main" id="{66168532-D141-4AB0-BD29-1663F2877B3E}"/>
-              </a:ext>
-            </a:extLst>
-          </p:cNvPr>
-          <p:cNvSpPr txBox="1"/>
-          <p:nvPr/>
-        </p:nvSpPr>
-        <p:spPr>
-          <a:xfrm>
-            <a:off x="966651" y="1286539"/>
-            <a:ext cx="9901002" cy="2554545"/>
-          </a:xfrm>
-          <a:prstGeom prst="rect">
-            <a:avLst/>
-          </a:prstGeom>
-          <a:noFill/>
-        </p:spPr>
-        <p:txBody>
-          <a:bodyPr wrap="square" rtlCol="0">
-            <a:spAutoFit/>
-          </a:bodyPr>
-          <a:lstStyle/>
-          <a:p>
-            <a:r>
-              <a:rPr lang="en-US" sz="2000" dirty="0">
-                <a:solidFill>
-                  <a:srgbClr val="FF0000"/>
-                </a:solidFill>
-                <a:latin typeface="Arial" panose="020B0604020202020204" pitchFamily="34" charset="0"/>
-                <a:cs typeface="Arial" panose="020B0604020202020204" pitchFamily="34" charset="0"/>
-              </a:rPr>
-              <a:t>Area of application: </a:t>
-            </a:r>
-          </a:p>
-          <a:p>
-            <a:pPr marL="342900" indent="-342900">
-              <a:buFont typeface="Arial" panose="020B0604020202020204" pitchFamily="34" charset="0"/>
-              <a:buChar char="•"/>
-            </a:pPr>
-            <a:r>
-              <a:rPr lang="en-US" sz="2000" dirty="0">
-                <a:latin typeface="Arial" panose="020B0604020202020204" pitchFamily="34" charset="0"/>
-                <a:cs typeface="Arial" panose="020B0604020202020204" pitchFamily="34" charset="0"/>
-              </a:rPr>
-              <a:t>Policy Making: Government agencies can use the tool to develop climate change mitigation and adaptation strategies.</a:t>
-            </a:r>
-          </a:p>
-          <a:p>
-            <a:pPr marL="342900" indent="-342900">
-              <a:buFont typeface="Arial" panose="020B0604020202020204" pitchFamily="34" charset="0"/>
-              <a:buChar char="•"/>
-            </a:pPr>
-            <a:r>
-              <a:rPr lang="en-US" sz="2000" dirty="0">
-                <a:latin typeface="Arial" panose="020B0604020202020204" pitchFamily="34" charset="0"/>
-                <a:cs typeface="Arial" panose="020B0604020202020204" pitchFamily="34" charset="0"/>
-              </a:rPr>
-              <a:t>Business Strategy: Industries, particularly those in agriculture, energy, and insurance, can use climate scenario forecasts to manage risks and optimize operations.</a:t>
-            </a:r>
-          </a:p>
-          <a:p>
-            <a:pPr marL="342900" indent="-342900">
-              <a:buFont typeface="Arial" panose="020B0604020202020204" pitchFamily="34" charset="0"/>
-              <a:buChar char="•"/>
-            </a:pPr>
-            <a:r>
-              <a:rPr lang="en-US" sz="2000" dirty="0">
-                <a:latin typeface="Arial" panose="020B0604020202020204" pitchFamily="34" charset="0"/>
-                <a:cs typeface="Arial" panose="020B0604020202020204" pitchFamily="34" charset="0"/>
-              </a:rPr>
-              <a:t>Environmental Research: Researchers can apply the tool to study long-term climate patterns and evaluate the effectiveness of adaptation measures.</a:t>
-            </a:r>
-          </a:p>
-        </p:txBody>
-      </p:sp>
-      <p:sp>
-        <p:nvSpPr>
-          <p:cNvPr id="5" name="TextBox 4">
-            <a:extLst>
-              <a:ext uri="{FF2B5EF4-FFF2-40B4-BE49-F238E27FC236}">
-                <a16:creationId xmlns:a16="http://schemas.microsoft.com/office/drawing/2014/main" id="{855D761A-D47C-ECA9-2854-58170B4C3B53}"/>
-              </a:ext>
-            </a:extLst>
-          </p:cNvPr>
-          <p:cNvSpPr txBox="1"/>
-          <p:nvPr/>
-        </p:nvSpPr>
-        <p:spPr>
-          <a:xfrm>
-            <a:off x="966651" y="3988033"/>
-            <a:ext cx="10105902" cy="1754326"/>
-          </a:xfrm>
-          <a:prstGeom prst="rect">
-            <a:avLst/>
-          </a:prstGeom>
-          <a:noFill/>
-        </p:spPr>
-        <p:txBody>
-          <a:bodyPr wrap="square">
-            <a:spAutoFit/>
-          </a:bodyPr>
-          <a:lstStyle/>
-          <a:p>
-            <a:r>
-              <a:rPr lang="en-US" sz="1800" dirty="0">
-                <a:solidFill>
-                  <a:srgbClr val="FF0000"/>
-                </a:solidFill>
-                <a:latin typeface="Arial" panose="020B0604020202020204" pitchFamily="34" charset="0"/>
-                <a:cs typeface="Arial" panose="020B0604020202020204" pitchFamily="34" charset="0"/>
-              </a:rPr>
-              <a:t>Dataset and input format:</a:t>
-            </a:r>
-          </a:p>
-          <a:p>
-            <a:endParaRPr lang="en-US" sz="1800" dirty="0">
-              <a:solidFill>
-                <a:srgbClr val="FF0000"/>
-              </a:solidFill>
-              <a:latin typeface="Arial" panose="020B0604020202020204" pitchFamily="34" charset="0"/>
-              <a:cs typeface="Arial" panose="020B0604020202020204" pitchFamily="34" charset="0"/>
-            </a:endParaRPr>
-          </a:p>
-          <a:p>
-            <a:r>
-              <a:rPr lang="en-US" sz="1800" dirty="0">
-                <a:solidFill>
-                  <a:srgbClr val="FF0000"/>
-                </a:solidFill>
-                <a:latin typeface="Arial" panose="020B0604020202020204" pitchFamily="34" charset="0"/>
-                <a:cs typeface="Arial" panose="020B0604020202020204" pitchFamily="34" charset="0"/>
-                <a:hlinkClick r:id="rId2"/>
-              </a:rPr>
-              <a:t>DATASET</a:t>
-            </a:r>
-            <a:endParaRPr lang="en-US" sz="1800" dirty="0">
-              <a:solidFill>
-                <a:srgbClr val="FF0000"/>
-              </a:solidFill>
-              <a:latin typeface="Arial" panose="020B0604020202020204" pitchFamily="34" charset="0"/>
-              <a:cs typeface="Arial" panose="020B0604020202020204" pitchFamily="34" charset="0"/>
-            </a:endParaRPr>
-          </a:p>
-          <a:p>
-            <a:endParaRPr lang="en-US" sz="1800" dirty="0">
-              <a:solidFill>
-                <a:srgbClr val="FF0000"/>
-              </a:solidFill>
-              <a:latin typeface="Arial" panose="020B0604020202020204" pitchFamily="34" charset="0"/>
-              <a:cs typeface="Arial" panose="020B0604020202020204" pitchFamily="34" charset="0"/>
-            </a:endParaRPr>
-          </a:p>
-          <a:p>
-            <a:r>
-              <a:rPr lang="en-US" dirty="0">
-                <a:latin typeface="Arial" panose="020B0604020202020204" pitchFamily="34" charset="0"/>
-                <a:cs typeface="Arial" panose="020B0604020202020204" pitchFamily="34" charset="0"/>
-              </a:rPr>
-              <a:t>The dataset is fetched using CDS API in .</a:t>
-            </a:r>
-            <a:r>
-              <a:rPr lang="en-US" dirty="0" err="1">
-                <a:latin typeface="Arial" panose="020B0604020202020204" pitchFamily="34" charset="0"/>
-                <a:cs typeface="Arial" panose="020B0604020202020204" pitchFamily="34" charset="0"/>
-              </a:rPr>
-              <a:t>grb</a:t>
-            </a:r>
-            <a:r>
-              <a:rPr lang="en-US" dirty="0">
-                <a:latin typeface="Arial" panose="020B0604020202020204" pitchFamily="34" charset="0"/>
-                <a:cs typeface="Arial" panose="020B0604020202020204" pitchFamily="34" charset="0"/>
-              </a:rPr>
-              <a:t> and .</a:t>
-            </a:r>
-            <a:r>
-              <a:rPr lang="en-US" dirty="0" err="1">
-                <a:latin typeface="Arial" panose="020B0604020202020204" pitchFamily="34" charset="0"/>
-                <a:cs typeface="Arial" panose="020B0604020202020204" pitchFamily="34" charset="0"/>
-              </a:rPr>
-              <a:t>nc</a:t>
-            </a:r>
-            <a:r>
-              <a:rPr lang="en-US" dirty="0">
-                <a:latin typeface="Arial" panose="020B0604020202020204" pitchFamily="34" charset="0"/>
-                <a:cs typeface="Arial" panose="020B0604020202020204" pitchFamily="34" charset="0"/>
-              </a:rPr>
-              <a:t> format which will then be converted into manipulatable form using libraries like </a:t>
-            </a:r>
-            <a:r>
-              <a:rPr lang="en-US" dirty="0" err="1">
-                <a:latin typeface="Arial" panose="020B0604020202020204" pitchFamily="34" charset="0"/>
-                <a:cs typeface="Arial" panose="020B0604020202020204" pitchFamily="34" charset="0"/>
-              </a:rPr>
-              <a:t>xarray</a:t>
-            </a:r>
-            <a:endParaRPr lang="en-US" sz="1800" dirty="0">
-              <a:latin typeface="Arial" panose="020B0604020202020204" pitchFamily="34" charset="0"/>
-              <a:cs typeface="Arial" panose="020B0604020202020204" pitchFamily="34" charset="0"/>
-            </a:endParaRPr>
-          </a:p>
-        </p:txBody>
-      </p:sp>
-    </p:spTree>
-    <p:extLst>
-      <p:ext uri="{BB962C8B-B14F-4D97-AF65-F5344CB8AC3E}">
-        <p14:creationId xmlns:p14="http://schemas.microsoft.com/office/powerpoint/2010/main" val="2288927434"/>
-      </p:ext>
-    </p:extLst>
-  </p:cSld>
-  <p:clrMapOvr>
-    <a:masterClrMapping/>
-  </p:clrMapOvr>
-</p:sld>
-</file>
-
-<file path=ppt/slides/slide6.xml><?xml version="1.0" encoding="utf-8"?>
-<p:sld xmlns:a="http://schemas.openxmlformats.org/drawingml/2006/main" xmlns:r="http://schemas.openxmlformats.org/officeDocument/2006/relationships" xmlns:p="http://schemas.openxmlformats.org/presentationml/2006/main">
-  <p:cSld>
-    <p:spTree>
-      <p:nvGrpSpPr>
-        <p:cNvPr id="1" name=""/>
-        <p:cNvGrpSpPr/>
-        <p:nvPr/>
-      </p:nvGrpSpPr>
-      <p:grpSpPr>
-        <a:xfrm>
-          <a:off x="0" y="0"/>
-          <a:ext cx="0" cy="0"/>
-          <a:chOff x="0" y="0"/>
-          <a:chExt cx="0" cy="0"/>
-        </a:xfrm>
-      </p:grpSpPr>
-      <p:sp>
-        <p:nvSpPr>
-          <p:cNvPr id="2" name="TextBox 1">
-            <a:extLst>
-              <a:ext uri="{FF2B5EF4-FFF2-40B4-BE49-F238E27FC236}">
-                <a16:creationId xmlns:a16="http://schemas.microsoft.com/office/drawing/2014/main" id="{B2EC635B-D8A3-4A72-8304-20FFBA5D21A3}"/>
-              </a:ext>
-            </a:extLst>
-          </p:cNvPr>
-          <p:cNvSpPr txBox="1"/>
-          <p:nvPr/>
-        </p:nvSpPr>
-        <p:spPr>
-          <a:xfrm>
-            <a:off x="234487" y="248626"/>
-            <a:ext cx="7530363" cy="584775"/>
-          </a:xfrm>
-          <a:prstGeom prst="rect">
-            <a:avLst/>
-          </a:prstGeom>
-          <a:noFill/>
-        </p:spPr>
-        <p:txBody>
-          <a:bodyPr wrap="square" rtlCol="0">
-            <a:spAutoFit/>
-          </a:bodyPr>
-          <a:lstStyle/>
-          <a:p>
-            <a:r>
-              <a:rPr lang="en-US" sz="3200" b="1" dirty="0">
-                <a:solidFill>
-                  <a:srgbClr val="46B0FA"/>
-                </a:solidFill>
-                <a:latin typeface="Arial" panose="020B0604020202020204" pitchFamily="34" charset="0"/>
-                <a:cs typeface="Arial" panose="020B0604020202020204" pitchFamily="34" charset="0"/>
-              </a:rPr>
-              <a:t>Literature Review</a:t>
-            </a:r>
-          </a:p>
-        </p:txBody>
-      </p:sp>
-      <p:sp>
-        <p:nvSpPr>
-          <p:cNvPr id="3" name="TextBox 2">
-            <a:extLst>
-              <a:ext uri="{FF2B5EF4-FFF2-40B4-BE49-F238E27FC236}">
-                <a16:creationId xmlns:a16="http://schemas.microsoft.com/office/drawing/2014/main" id="{66168532-D141-4AB0-BD29-1663F2877B3E}"/>
-              </a:ext>
-            </a:extLst>
-          </p:cNvPr>
-          <p:cNvSpPr txBox="1"/>
-          <p:nvPr/>
-        </p:nvSpPr>
-        <p:spPr>
-          <a:xfrm>
-            <a:off x="1123405" y="1374033"/>
-            <a:ext cx="9901002" cy="400110"/>
-          </a:xfrm>
-          <a:prstGeom prst="rect">
-            <a:avLst/>
-          </a:prstGeom>
-          <a:noFill/>
-        </p:spPr>
-        <p:txBody>
-          <a:bodyPr wrap="square" rtlCol="0">
-            <a:spAutoFit/>
-          </a:bodyPr>
-          <a:lstStyle/>
-          <a:p>
-            <a:pPr marL="0" marR="0" lvl="0" indent="0" algn="l" defTabSz="914400" rtl="0" eaLnBrk="1" fontAlgn="auto" latinLnBrk="0" hangingPunct="1">
-              <a:lnSpc>
-                <a:spcPct val="100000"/>
-              </a:lnSpc>
-              <a:spcBef>
-                <a:spcPts val="0"/>
-              </a:spcBef>
-              <a:spcAft>
-                <a:spcPts val="0"/>
-              </a:spcAft>
-              <a:buClrTx/>
-              <a:buSzTx/>
-              <a:buFontTx/>
-              <a:buNone/>
-              <a:tabLst/>
-              <a:defRPr/>
-            </a:pPr>
-            <a:r>
-              <a:rPr kumimoji="0" lang="en-US" sz="2000" b="0" i="0" u="none" strike="noStrike" kern="1200" cap="none" spc="0" normalizeH="0" baseline="0" noProof="0" dirty="0">
-                <a:ln>
-                  <a:noFill/>
-                </a:ln>
-                <a:solidFill>
-                  <a:srgbClr val="FF0000"/>
-                </a:solidFill>
-                <a:effectLst/>
-                <a:uLnTx/>
-                <a:uFillTx/>
-                <a:latin typeface="Arial" panose="020B0604020202020204" pitchFamily="34" charset="0"/>
-                <a:ea typeface="+mn-ea"/>
-                <a:cs typeface="Arial" panose="020B0604020202020204" pitchFamily="34" charset="0"/>
-              </a:rPr>
-              <a:t>Cite Related work</a:t>
-            </a:r>
-            <a:r>
-              <a:rPr lang="en-US" sz="2000" dirty="0">
-                <a:solidFill>
-                  <a:prstClr val="black"/>
-                </a:solidFill>
-                <a:latin typeface="Arial" panose="020B0604020202020204" pitchFamily="34" charset="0"/>
-                <a:cs typeface="Arial" panose="020B0604020202020204" pitchFamily="34" charset="0"/>
-              </a:rPr>
-              <a:t>:</a:t>
-            </a:r>
-            <a:endParaRPr kumimoji="0" lang="en-US" sz="2000" b="0" i="0" u="none" strike="noStrike" kern="1200" cap="none" spc="0" normalizeH="0" baseline="0" noProof="0" dirty="0">
-              <a:ln>
-                <a:noFill/>
-              </a:ln>
-              <a:solidFill>
-                <a:srgbClr val="FF0000"/>
-              </a:solidFill>
-              <a:effectLst/>
-              <a:uLnTx/>
-              <a:uFillTx/>
-              <a:latin typeface="Arial" panose="020B0604020202020204" pitchFamily="34" charset="0"/>
-              <a:ea typeface="+mn-ea"/>
-              <a:cs typeface="Arial" panose="020B0604020202020204" pitchFamily="34" charset="0"/>
-            </a:endParaRPr>
-          </a:p>
-        </p:txBody>
-      </p:sp>
-    </p:spTree>
-    <p:extLst>
-      <p:ext uri="{BB962C8B-B14F-4D97-AF65-F5344CB8AC3E}">
-        <p14:creationId xmlns:p14="http://schemas.microsoft.com/office/powerpoint/2010/main" val="2507963610"/>
-      </p:ext>
-    </p:extLst>
-  </p:cSld>
-  <p:clrMapOvr>
-    <a:masterClrMapping/>
-  </p:clrMapOvr>
-</p:sld>
-</file>
-
-<file path=ppt/slides/slide7.xml><?xml version="1.0" encoding="utf-8"?>
-<p:sld xmlns:a="http://schemas.openxmlformats.org/drawingml/2006/main" xmlns:r="http://schemas.openxmlformats.org/officeDocument/2006/relationships" xmlns:p="http://schemas.openxmlformats.org/presentationml/2006/main">
-  <p:cSld>
-    <p:spTree>
-      <p:nvGrpSpPr>
-        <p:cNvPr id="1" name=""/>
-        <p:cNvGrpSpPr/>
-        <p:nvPr/>
-      </p:nvGrpSpPr>
-      <p:grpSpPr>
-        <a:xfrm>
-          <a:off x="0" y="0"/>
-          <a:ext cx="0" cy="0"/>
-          <a:chOff x="0" y="0"/>
-          <a:chExt cx="0" cy="0"/>
-        </a:xfrm>
-      </p:grpSpPr>
-      <p:sp>
-        <p:nvSpPr>
-          <p:cNvPr id="2" name="TextBox 1">
-            <a:extLst>
-              <a:ext uri="{FF2B5EF4-FFF2-40B4-BE49-F238E27FC236}">
-                <a16:creationId xmlns:a16="http://schemas.microsoft.com/office/drawing/2014/main" id="{B2EC635B-D8A3-4A72-8304-20FFBA5D21A3}"/>
-              </a:ext>
-            </a:extLst>
-          </p:cNvPr>
-          <p:cNvSpPr txBox="1"/>
-          <p:nvPr/>
-        </p:nvSpPr>
-        <p:spPr>
-          <a:xfrm>
-            <a:off x="234487" y="248626"/>
-            <a:ext cx="7530363" cy="584775"/>
-          </a:xfrm>
-          <a:prstGeom prst="rect">
-            <a:avLst/>
-          </a:prstGeom>
-          <a:noFill/>
-        </p:spPr>
-        <p:txBody>
-          <a:bodyPr wrap="square" rtlCol="0">
-            <a:spAutoFit/>
-          </a:bodyPr>
-          <a:lstStyle/>
-          <a:p>
-            <a:r>
-              <a:rPr lang="en-US" sz="3200" b="1" dirty="0">
-                <a:solidFill>
-                  <a:srgbClr val="46B0FA"/>
-                </a:solidFill>
-                <a:latin typeface="Arial" panose="020B0604020202020204" pitchFamily="34" charset="0"/>
-                <a:cs typeface="Arial" panose="020B0604020202020204" pitchFamily="34" charset="0"/>
-              </a:rPr>
-              <a:t>Literature Review</a:t>
-            </a:r>
-          </a:p>
-        </p:txBody>
-      </p:sp>
-      <p:pic>
-        <p:nvPicPr>
-          <p:cNvPr id="5" name="Picture 4">
-            <a:extLst>
-              <a:ext uri="{FF2B5EF4-FFF2-40B4-BE49-F238E27FC236}">
-                <a16:creationId xmlns:a16="http://schemas.microsoft.com/office/drawing/2014/main" id="{EECD550B-5BC5-9A80-8CD9-F773958FBF39}"/>
-              </a:ext>
-            </a:extLst>
-          </p:cNvPr>
-          <p:cNvPicPr>
-            <a:picLocks noChangeAspect="1"/>
-          </p:cNvPicPr>
-          <p:nvPr/>
-        </p:nvPicPr>
-        <p:blipFill rotWithShape="1">
-          <a:blip r:embed="rId2"/>
-          <a:srcRect t="4898" b="6531"/>
-          <a:stretch/>
-        </p:blipFill>
-        <p:spPr>
-          <a:xfrm>
-            <a:off x="1804920" y="914400"/>
-            <a:ext cx="8863079" cy="5455920"/>
-          </a:xfrm>
-          <a:prstGeom prst="rect">
-            <a:avLst/>
-          </a:prstGeom>
-          <a:ln w="127000" cap="sq">
-            <a:solidFill>
-              <a:srgbClr val="000000"/>
-            </a:solidFill>
-            <a:miter lim="800000"/>
-          </a:ln>
-          <a:effectLst>
-            <a:outerShdw blurRad="57150" dist="50800" dir="2700000" algn="tl" rotWithShape="0">
-              <a:srgbClr val="000000">
-                <a:alpha val="40000"/>
-              </a:srgbClr>
-            </a:outerShdw>
-          </a:effectLst>
-        </p:spPr>
-      </p:pic>
-    </p:spTree>
-    <p:extLst>
-      <p:ext uri="{BB962C8B-B14F-4D97-AF65-F5344CB8AC3E}">
-        <p14:creationId xmlns:p14="http://schemas.microsoft.com/office/powerpoint/2010/main" val="100738104"/>
-      </p:ext>
-    </p:extLst>
-  </p:cSld>
-  <p:clrMapOvr>
-    <a:masterClrMapping/>
-  </p:clrMapOvr>
-</p:sld>
-</file>
-
-<file path=ppt/slides/slide8.xml><?xml version="1.0" encoding="utf-8"?>
-<p:sld xmlns:a="http://schemas.openxmlformats.org/drawingml/2006/main" xmlns:r="http://schemas.openxmlformats.org/officeDocument/2006/relationships" xmlns:p="http://schemas.openxmlformats.org/presentationml/2006/main">
-  <p:cSld>
-    <p:spTree>
-      <p:nvGrpSpPr>
-        <p:cNvPr id="1" name=""/>
-        <p:cNvGrpSpPr/>
-        <p:nvPr/>
-      </p:nvGrpSpPr>
-      <p:grpSpPr>
-        <a:xfrm>
-          <a:off x="0" y="0"/>
-          <a:ext cx="0" cy="0"/>
-          <a:chOff x="0" y="0"/>
-          <a:chExt cx="0" cy="0"/>
-        </a:xfrm>
-      </p:grpSpPr>
-      <p:sp>
-        <p:nvSpPr>
-          <p:cNvPr id="2" name="TextBox 1">
-            <a:extLst>
-              <a:ext uri="{FF2B5EF4-FFF2-40B4-BE49-F238E27FC236}">
-                <a16:creationId xmlns:a16="http://schemas.microsoft.com/office/drawing/2014/main" id="{B2EC635B-D8A3-4A72-8304-20FFBA5D21A3}"/>
-              </a:ext>
-            </a:extLst>
-          </p:cNvPr>
-          <p:cNvSpPr txBox="1"/>
-          <p:nvPr/>
-        </p:nvSpPr>
-        <p:spPr>
-          <a:xfrm>
-            <a:off x="325927" y="248626"/>
-            <a:ext cx="7530363" cy="584775"/>
-          </a:xfrm>
-          <a:prstGeom prst="rect">
-            <a:avLst/>
-          </a:prstGeom>
-          <a:noFill/>
-        </p:spPr>
-        <p:txBody>
-          <a:bodyPr wrap="square" rtlCol="0">
-            <a:spAutoFit/>
-          </a:bodyPr>
-          <a:lstStyle/>
-          <a:p>
-            <a:r>
-              <a:rPr lang="en-US" sz="3200" b="1" dirty="0">
-                <a:solidFill>
-                  <a:srgbClr val="46B0FA"/>
-                </a:solidFill>
-                <a:latin typeface="Arial" panose="020B0604020202020204" pitchFamily="34" charset="0"/>
-                <a:cs typeface="Arial" panose="020B0604020202020204" pitchFamily="34" charset="0"/>
-              </a:rPr>
               <a:t>Objective</a:t>
             </a:r>
             <a:endParaRPr lang="en-IN" sz="3200" b="1" dirty="0">
@@ -3676,7 +1924,7 @@
 </p:sld>
 </file>
 
-<file path=ppt/slides/slide9.xml><?xml version="1.0" encoding="utf-8"?>
+<file path=ppt/slides/slide11.xml><?xml version="1.0" encoding="utf-8"?>
 <p:sld xmlns:a="http://schemas.openxmlformats.org/drawingml/2006/main" xmlns:r="http://schemas.openxmlformats.org/officeDocument/2006/relationships" xmlns:p="http://schemas.openxmlformats.org/presentationml/2006/main">
   <p:cSld>
     <p:spTree>
@@ -4086,6 +2334,2954 @@
     <p:extLst>
       <p:ext uri="{BB962C8B-B14F-4D97-AF65-F5344CB8AC3E}">
         <p14:creationId xmlns:p14="http://schemas.microsoft.com/office/powerpoint/2010/main" val="579667511"/>
+      </p:ext>
+    </p:extLst>
+  </p:cSld>
+  <p:clrMapOvr>
+    <a:masterClrMapping/>
+  </p:clrMapOvr>
+</p:sld>
+</file>
+
+<file path=ppt/slides/slide12.xml><?xml version="1.0" encoding="utf-8"?>
+<p:sld xmlns:a="http://schemas.openxmlformats.org/drawingml/2006/main" xmlns:r="http://schemas.openxmlformats.org/officeDocument/2006/relationships" xmlns:p="http://schemas.openxmlformats.org/presentationml/2006/main">
+  <p:cSld>
+    <p:spTree>
+      <p:nvGrpSpPr>
+        <p:cNvPr id="1" name=""/>
+        <p:cNvGrpSpPr/>
+        <p:nvPr/>
+      </p:nvGrpSpPr>
+      <p:grpSpPr>
+        <a:xfrm>
+          <a:off x="0" y="0"/>
+          <a:ext cx="0" cy="0"/>
+          <a:chOff x="0" y="0"/>
+          <a:chExt cx="0" cy="0"/>
+        </a:xfrm>
+      </p:grpSpPr>
+      <p:sp>
+        <p:nvSpPr>
+          <p:cNvPr id="2" name="TextBox 1">
+            <a:extLst>
+              <a:ext uri="{FF2B5EF4-FFF2-40B4-BE49-F238E27FC236}">
+                <a16:creationId xmlns:a16="http://schemas.microsoft.com/office/drawing/2014/main" id="{B2EC635B-D8A3-4A72-8304-20FFBA5D21A3}"/>
+              </a:ext>
+            </a:extLst>
+          </p:cNvPr>
+          <p:cNvSpPr txBox="1"/>
+          <p:nvPr/>
+        </p:nvSpPr>
+        <p:spPr>
+          <a:xfrm>
+            <a:off x="325927" y="248626"/>
+            <a:ext cx="7530363" cy="584775"/>
+          </a:xfrm>
+          <a:prstGeom prst="rect">
+            <a:avLst/>
+          </a:prstGeom>
+          <a:noFill/>
+        </p:spPr>
+        <p:txBody>
+          <a:bodyPr wrap="square" rtlCol="0">
+            <a:spAutoFit/>
+          </a:bodyPr>
+          <a:lstStyle/>
+          <a:p>
+            <a:r>
+              <a:rPr lang="en-US" sz="3200" b="1" dirty="0">
+                <a:solidFill>
+                  <a:srgbClr val="46B0FA"/>
+                </a:solidFill>
+                <a:latin typeface="Arial" panose="020B0604020202020204" pitchFamily="34" charset="0"/>
+                <a:cs typeface="Arial" panose="020B0604020202020204" pitchFamily="34" charset="0"/>
+              </a:rPr>
+              <a:t>Methodology</a:t>
+            </a:r>
+            <a:endParaRPr lang="en-IN" sz="3200" b="1" dirty="0">
+              <a:solidFill>
+                <a:srgbClr val="46B0FA"/>
+              </a:solidFill>
+              <a:latin typeface="Arial" panose="020B0604020202020204" pitchFamily="34" charset="0"/>
+              <a:cs typeface="Arial" panose="020B0604020202020204" pitchFamily="34" charset="0"/>
+            </a:endParaRPr>
+          </a:p>
+        </p:txBody>
+      </p:sp>
+      <p:pic>
+        <p:nvPicPr>
+          <p:cNvPr id="4" name="Picture 3">
+            <a:extLst>
+              <a:ext uri="{FF2B5EF4-FFF2-40B4-BE49-F238E27FC236}">
+                <a16:creationId xmlns:a16="http://schemas.microsoft.com/office/drawing/2014/main" id="{C540EC94-23BF-39C7-5011-415DFE289EB6}"/>
+              </a:ext>
+            </a:extLst>
+          </p:cNvPr>
+          <p:cNvPicPr>
+            <a:picLocks noChangeAspect="1"/>
+          </p:cNvPicPr>
+          <p:nvPr/>
+        </p:nvPicPr>
+        <p:blipFill rotWithShape="1">
+          <a:blip r:embed="rId2"/>
+          <a:srcRect t="11022" b="16326"/>
+          <a:stretch/>
+        </p:blipFill>
+        <p:spPr>
+          <a:xfrm>
+            <a:off x="1014355" y="949498"/>
+            <a:ext cx="10163290" cy="5537956"/>
+          </a:xfrm>
+          <a:prstGeom prst="rect">
+            <a:avLst/>
+          </a:prstGeom>
+          <a:ln w="127000" cap="sq">
+            <a:solidFill>
+              <a:srgbClr val="000000"/>
+            </a:solidFill>
+            <a:miter lim="800000"/>
+          </a:ln>
+          <a:effectLst>
+            <a:outerShdw blurRad="57150" dist="50800" dir="2700000" algn="tl" rotWithShape="0">
+              <a:srgbClr val="000000">
+                <a:alpha val="40000"/>
+              </a:srgbClr>
+            </a:outerShdw>
+          </a:effectLst>
+        </p:spPr>
+      </p:pic>
+    </p:spTree>
+    <p:extLst>
+      <p:ext uri="{BB962C8B-B14F-4D97-AF65-F5344CB8AC3E}">
+        <p14:creationId xmlns:p14="http://schemas.microsoft.com/office/powerpoint/2010/main" val="2069921663"/>
+      </p:ext>
+    </p:extLst>
+  </p:cSld>
+  <p:clrMapOvr>
+    <a:masterClrMapping/>
+  </p:clrMapOvr>
+</p:sld>
+</file>
+
+<file path=ppt/slides/slide13.xml><?xml version="1.0" encoding="utf-8"?>
+<p:sld xmlns:a="http://schemas.openxmlformats.org/drawingml/2006/main" xmlns:r="http://schemas.openxmlformats.org/officeDocument/2006/relationships" xmlns:p="http://schemas.openxmlformats.org/presentationml/2006/main">
+  <p:cSld>
+    <p:spTree>
+      <p:nvGrpSpPr>
+        <p:cNvPr id="1" name=""/>
+        <p:cNvGrpSpPr/>
+        <p:nvPr/>
+      </p:nvGrpSpPr>
+      <p:grpSpPr>
+        <a:xfrm>
+          <a:off x="0" y="0"/>
+          <a:ext cx="0" cy="0"/>
+          <a:chOff x="0" y="0"/>
+          <a:chExt cx="0" cy="0"/>
+        </a:xfrm>
+      </p:grpSpPr>
+      <p:sp>
+        <p:nvSpPr>
+          <p:cNvPr id="2" name="TextBox 1">
+            <a:extLst>
+              <a:ext uri="{FF2B5EF4-FFF2-40B4-BE49-F238E27FC236}">
+                <a16:creationId xmlns:a16="http://schemas.microsoft.com/office/drawing/2014/main" id="{B2EC635B-D8A3-4A72-8304-20FFBA5D21A3}"/>
+              </a:ext>
+            </a:extLst>
+          </p:cNvPr>
+          <p:cNvSpPr txBox="1"/>
+          <p:nvPr/>
+        </p:nvSpPr>
+        <p:spPr>
+          <a:xfrm>
+            <a:off x="325927" y="248626"/>
+            <a:ext cx="7530363" cy="584775"/>
+          </a:xfrm>
+          <a:prstGeom prst="rect">
+            <a:avLst/>
+          </a:prstGeom>
+          <a:noFill/>
+        </p:spPr>
+        <p:txBody>
+          <a:bodyPr wrap="square" rtlCol="0">
+            <a:spAutoFit/>
+          </a:bodyPr>
+          <a:lstStyle/>
+          <a:p>
+            <a:r>
+              <a:rPr lang="en-US" sz="3200" b="1" dirty="0">
+                <a:solidFill>
+                  <a:srgbClr val="46B0FA"/>
+                </a:solidFill>
+                <a:latin typeface="Arial" panose="020B0604020202020204" pitchFamily="34" charset="0"/>
+                <a:cs typeface="Arial" panose="020B0604020202020204" pitchFamily="34" charset="0"/>
+              </a:rPr>
+              <a:t>Methodology</a:t>
+            </a:r>
+            <a:endParaRPr lang="en-IN" sz="3200" b="1" dirty="0">
+              <a:solidFill>
+                <a:srgbClr val="46B0FA"/>
+              </a:solidFill>
+              <a:latin typeface="Arial" panose="020B0604020202020204" pitchFamily="34" charset="0"/>
+              <a:cs typeface="Arial" panose="020B0604020202020204" pitchFamily="34" charset="0"/>
+            </a:endParaRPr>
+          </a:p>
+        </p:txBody>
+      </p:sp>
+      <p:pic>
+        <p:nvPicPr>
+          <p:cNvPr id="4" name="Picture 3">
+            <a:extLst>
+              <a:ext uri="{FF2B5EF4-FFF2-40B4-BE49-F238E27FC236}">
+                <a16:creationId xmlns:a16="http://schemas.microsoft.com/office/drawing/2014/main" id="{90EF7053-085C-895A-8F1F-BE67993F8B78}"/>
+              </a:ext>
+            </a:extLst>
+          </p:cNvPr>
+          <p:cNvPicPr>
+            <a:picLocks noChangeAspect="1"/>
+          </p:cNvPicPr>
+          <p:nvPr/>
+        </p:nvPicPr>
+        <p:blipFill rotWithShape="1">
+          <a:blip r:embed="rId2"/>
+          <a:srcRect t="14421" b="14830"/>
+          <a:stretch/>
+        </p:blipFill>
+        <p:spPr>
+          <a:xfrm>
+            <a:off x="977624" y="923731"/>
+            <a:ext cx="10460272" cy="5550349"/>
+          </a:xfrm>
+          <a:prstGeom prst="rect">
+            <a:avLst/>
+          </a:prstGeom>
+          <a:ln w="127000" cap="sq">
+            <a:solidFill>
+              <a:srgbClr val="000000"/>
+            </a:solidFill>
+            <a:miter lim="800000"/>
+          </a:ln>
+          <a:effectLst>
+            <a:outerShdw blurRad="57150" dist="50800" dir="2700000" algn="tl" rotWithShape="0">
+              <a:srgbClr val="000000">
+                <a:alpha val="40000"/>
+              </a:srgbClr>
+            </a:outerShdw>
+          </a:effectLst>
+        </p:spPr>
+      </p:pic>
+    </p:spTree>
+    <p:extLst>
+      <p:ext uri="{BB962C8B-B14F-4D97-AF65-F5344CB8AC3E}">
+        <p14:creationId xmlns:p14="http://schemas.microsoft.com/office/powerpoint/2010/main" val="469821788"/>
+      </p:ext>
+    </p:extLst>
+  </p:cSld>
+  <p:clrMapOvr>
+    <a:masterClrMapping/>
+  </p:clrMapOvr>
+</p:sld>
+</file>
+
+<file path=ppt/slides/slide14.xml><?xml version="1.0" encoding="utf-8"?>
+<p:sld xmlns:a="http://schemas.openxmlformats.org/drawingml/2006/main" xmlns:r="http://schemas.openxmlformats.org/officeDocument/2006/relationships" xmlns:p="http://schemas.openxmlformats.org/presentationml/2006/main">
+  <p:cSld>
+    <p:spTree>
+      <p:nvGrpSpPr>
+        <p:cNvPr id="1" name=""/>
+        <p:cNvGrpSpPr/>
+        <p:nvPr/>
+      </p:nvGrpSpPr>
+      <p:grpSpPr>
+        <a:xfrm>
+          <a:off x="0" y="0"/>
+          <a:ext cx="0" cy="0"/>
+          <a:chOff x="0" y="0"/>
+          <a:chExt cx="0" cy="0"/>
+        </a:xfrm>
+      </p:grpSpPr>
+      <p:sp>
+        <p:nvSpPr>
+          <p:cNvPr id="2" name="TextBox 1">
+            <a:extLst>
+              <a:ext uri="{FF2B5EF4-FFF2-40B4-BE49-F238E27FC236}">
+                <a16:creationId xmlns:a16="http://schemas.microsoft.com/office/drawing/2014/main" id="{B2EC635B-D8A3-4A72-8304-20FFBA5D21A3}"/>
+              </a:ext>
+            </a:extLst>
+          </p:cNvPr>
+          <p:cNvSpPr txBox="1"/>
+          <p:nvPr/>
+        </p:nvSpPr>
+        <p:spPr>
+          <a:xfrm>
+            <a:off x="325927" y="248626"/>
+            <a:ext cx="7530363" cy="584775"/>
+          </a:xfrm>
+          <a:prstGeom prst="rect">
+            <a:avLst/>
+          </a:prstGeom>
+          <a:noFill/>
+        </p:spPr>
+        <p:txBody>
+          <a:bodyPr wrap="square" rtlCol="0">
+            <a:spAutoFit/>
+          </a:bodyPr>
+          <a:lstStyle/>
+          <a:p>
+            <a:r>
+              <a:rPr lang="en-IN" sz="3200" b="1" dirty="0">
+                <a:solidFill>
+                  <a:srgbClr val="46B0FA"/>
+                </a:solidFill>
+                <a:latin typeface="Arial" panose="020B0604020202020204" pitchFamily="34" charset="0"/>
+                <a:cs typeface="Arial" panose="020B0604020202020204" pitchFamily="34" charset="0"/>
+              </a:rPr>
+              <a:t>Reference</a:t>
+            </a:r>
+          </a:p>
+        </p:txBody>
+      </p:sp>
+      <p:sp>
+        <p:nvSpPr>
+          <p:cNvPr id="3" name="TextBox 2">
+            <a:extLst>
+              <a:ext uri="{FF2B5EF4-FFF2-40B4-BE49-F238E27FC236}">
+                <a16:creationId xmlns:a16="http://schemas.microsoft.com/office/drawing/2014/main" id="{66168532-D141-4AB0-BD29-1663F2877B3E}"/>
+              </a:ext>
+            </a:extLst>
+          </p:cNvPr>
+          <p:cNvSpPr txBox="1"/>
+          <p:nvPr/>
+        </p:nvSpPr>
+        <p:spPr>
+          <a:xfrm>
+            <a:off x="393751" y="666333"/>
+            <a:ext cx="9901002" cy="1292662"/>
+          </a:xfrm>
+          <a:prstGeom prst="rect">
+            <a:avLst/>
+          </a:prstGeom>
+          <a:noFill/>
+        </p:spPr>
+        <p:txBody>
+          <a:bodyPr wrap="square" rtlCol="0">
+            <a:spAutoFit/>
+          </a:bodyPr>
+          <a:lstStyle/>
+          <a:p>
+            <a:endParaRPr lang="en-US" sz="2000" dirty="0">
+              <a:latin typeface="Arial" panose="020B0604020202020204" pitchFamily="34" charset="0"/>
+              <a:cs typeface="Arial" panose="020B0604020202020204" pitchFamily="34" charset="0"/>
+            </a:endParaRPr>
+          </a:p>
+          <a:p>
+            <a:r>
+              <a:rPr lang="en-US" sz="2000" dirty="0">
+                <a:solidFill>
+                  <a:srgbClr val="FF0000"/>
+                </a:solidFill>
+                <a:latin typeface="Arial" panose="020B0604020202020204" pitchFamily="34" charset="0"/>
+                <a:cs typeface="Arial" panose="020B0604020202020204" pitchFamily="34" charset="0"/>
+              </a:rPr>
+              <a:t>List of cited papers</a:t>
+            </a:r>
+          </a:p>
+          <a:p>
+            <a:endParaRPr lang="en-US" sz="2000" dirty="0">
+              <a:latin typeface="Arial" panose="020B0604020202020204" pitchFamily="34" charset="0"/>
+              <a:cs typeface="Arial" panose="020B0604020202020204" pitchFamily="34" charset="0"/>
+            </a:endParaRPr>
+          </a:p>
+          <a:p>
+            <a:endParaRPr lang="en-IN" dirty="0">
+              <a:latin typeface="Arial" panose="020B0604020202020204" pitchFamily="34" charset="0"/>
+              <a:cs typeface="Arial" panose="020B0604020202020204" pitchFamily="34" charset="0"/>
+            </a:endParaRPr>
+          </a:p>
+        </p:txBody>
+      </p:sp>
+      <p:sp>
+        <p:nvSpPr>
+          <p:cNvPr id="5" name="TextBox 4">
+            <a:extLst>
+              <a:ext uri="{FF2B5EF4-FFF2-40B4-BE49-F238E27FC236}">
+                <a16:creationId xmlns:a16="http://schemas.microsoft.com/office/drawing/2014/main" id="{A60AF694-9622-3237-4F89-0B816712D92F}"/>
+              </a:ext>
+            </a:extLst>
+          </p:cNvPr>
+          <p:cNvSpPr txBox="1"/>
+          <p:nvPr/>
+        </p:nvSpPr>
+        <p:spPr>
+          <a:xfrm>
+            <a:off x="793376" y="1509921"/>
+            <a:ext cx="10605247" cy="5078313"/>
+          </a:xfrm>
+          <a:prstGeom prst="rect">
+            <a:avLst/>
+          </a:prstGeom>
+          <a:noFill/>
+        </p:spPr>
+        <p:txBody>
+          <a:bodyPr wrap="square">
+            <a:spAutoFit/>
+          </a:bodyPr>
+          <a:lstStyle/>
+          <a:p>
+            <a:r>
+              <a:rPr lang="en-US" dirty="0">
+                <a:effectLst/>
+                <a:latin typeface="Times New Roman" panose="02020603050405020304" pitchFamily="18" charset="0"/>
+                <a:ea typeface="Times New Roman" panose="02020603050405020304" pitchFamily="18" charset="0"/>
+              </a:rPr>
+              <a:t>[1] Xu, J., Wang, Z., Li, X., Li, Z., &amp; Li, Z. (2024). Prediction of Daily Climate Using Long Short-Term Memory (LSTM) Model. International Journal of Innovative Science and Research Technology, 83-90.</a:t>
+            </a:r>
+            <a:endParaRPr lang="en-IN" dirty="0">
+              <a:effectLst/>
+              <a:latin typeface="Times New Roman" panose="02020603050405020304" pitchFamily="18" charset="0"/>
+              <a:ea typeface="Times New Roman" panose="02020603050405020304" pitchFamily="18" charset="0"/>
+            </a:endParaRPr>
+          </a:p>
+          <a:p>
+            <a:r>
+              <a:rPr lang="en-US" dirty="0">
+                <a:effectLst/>
+                <a:latin typeface="Times New Roman" panose="02020603050405020304" pitchFamily="18" charset="0"/>
+                <a:ea typeface="Times New Roman" panose="02020603050405020304" pitchFamily="18" charset="0"/>
+              </a:rPr>
+              <a:t> </a:t>
+            </a:r>
+            <a:endParaRPr lang="en-IN" dirty="0">
+              <a:effectLst/>
+              <a:latin typeface="Times New Roman" panose="02020603050405020304" pitchFamily="18" charset="0"/>
+              <a:ea typeface="Times New Roman" panose="02020603050405020304" pitchFamily="18" charset="0"/>
+            </a:endParaRPr>
+          </a:p>
+          <a:p>
+            <a:r>
+              <a:rPr lang="en-US" dirty="0">
+                <a:effectLst/>
+                <a:latin typeface="Times New Roman" panose="02020603050405020304" pitchFamily="18" charset="0"/>
+                <a:ea typeface="Times New Roman" panose="02020603050405020304" pitchFamily="18" charset="0"/>
+              </a:rPr>
+              <a:t>[2] Lai, Y., &amp; </a:t>
+            </a:r>
+            <a:r>
+              <a:rPr lang="en-US" dirty="0" err="1">
+                <a:effectLst/>
+                <a:latin typeface="Times New Roman" panose="02020603050405020304" pitchFamily="18" charset="0"/>
+                <a:ea typeface="Times New Roman" panose="02020603050405020304" pitchFamily="18" charset="0"/>
+              </a:rPr>
+              <a:t>Dzombak</a:t>
+            </a:r>
+            <a:r>
+              <a:rPr lang="en-US" dirty="0">
+                <a:effectLst/>
+                <a:latin typeface="Times New Roman" panose="02020603050405020304" pitchFamily="18" charset="0"/>
+                <a:ea typeface="Times New Roman" panose="02020603050405020304" pitchFamily="18" charset="0"/>
+              </a:rPr>
+              <a:t>, D. A. (2020). Use of the autoregressive integrated moving average (ARIMA) model to forecast near-term regional temperature and precipitation. Weather and forecasting, 35(3), 959-976.</a:t>
+            </a:r>
+            <a:endParaRPr lang="en-IN" dirty="0">
+              <a:effectLst/>
+              <a:latin typeface="Times New Roman" panose="02020603050405020304" pitchFamily="18" charset="0"/>
+              <a:ea typeface="Times New Roman" panose="02020603050405020304" pitchFamily="18" charset="0"/>
+            </a:endParaRPr>
+          </a:p>
+          <a:p>
+            <a:r>
+              <a:rPr lang="en-US" dirty="0">
+                <a:effectLst/>
+                <a:latin typeface="Times New Roman" panose="02020603050405020304" pitchFamily="18" charset="0"/>
+                <a:ea typeface="Times New Roman" panose="02020603050405020304" pitchFamily="18" charset="0"/>
+              </a:rPr>
+              <a:t> </a:t>
+            </a:r>
+            <a:endParaRPr lang="en-IN" dirty="0">
+              <a:effectLst/>
+              <a:latin typeface="Times New Roman" panose="02020603050405020304" pitchFamily="18" charset="0"/>
+              <a:ea typeface="Times New Roman" panose="02020603050405020304" pitchFamily="18" charset="0"/>
+            </a:endParaRPr>
+          </a:p>
+          <a:p>
+            <a:r>
+              <a:rPr lang="en-US" dirty="0">
+                <a:effectLst/>
+                <a:latin typeface="Times New Roman" panose="02020603050405020304" pitchFamily="18" charset="0"/>
+                <a:ea typeface="Times New Roman" panose="02020603050405020304" pitchFamily="18" charset="0"/>
+              </a:rPr>
+              <a:t>[3] </a:t>
+            </a:r>
+            <a:r>
+              <a:rPr lang="en-US" dirty="0" err="1">
+                <a:effectLst/>
+                <a:latin typeface="Times New Roman" panose="02020603050405020304" pitchFamily="18" charset="0"/>
+                <a:ea typeface="Times New Roman" panose="02020603050405020304" pitchFamily="18" charset="0"/>
+              </a:rPr>
+              <a:t>Bonate</a:t>
+            </a:r>
+            <a:r>
+              <a:rPr lang="en-US" dirty="0">
+                <a:effectLst/>
+                <a:latin typeface="Times New Roman" panose="02020603050405020304" pitchFamily="18" charset="0"/>
+                <a:ea typeface="Times New Roman" panose="02020603050405020304" pitchFamily="18" charset="0"/>
+              </a:rPr>
+              <a:t>, P. L. (2001). A brief introduction to Monte Carlo simulation. Clinical pharmacokinetics, 40, 15-22.</a:t>
+            </a:r>
+            <a:endParaRPr lang="en-IN" dirty="0">
+              <a:effectLst/>
+              <a:latin typeface="Times New Roman" panose="02020603050405020304" pitchFamily="18" charset="0"/>
+              <a:ea typeface="Times New Roman" panose="02020603050405020304" pitchFamily="18" charset="0"/>
+            </a:endParaRPr>
+          </a:p>
+          <a:p>
+            <a:r>
+              <a:rPr lang="en-US" dirty="0">
+                <a:effectLst/>
+                <a:latin typeface="Times New Roman" panose="02020603050405020304" pitchFamily="18" charset="0"/>
+                <a:ea typeface="Times New Roman" panose="02020603050405020304" pitchFamily="18" charset="0"/>
+              </a:rPr>
+              <a:t> </a:t>
+            </a:r>
+            <a:endParaRPr lang="en-IN" dirty="0">
+              <a:effectLst/>
+              <a:latin typeface="Times New Roman" panose="02020603050405020304" pitchFamily="18" charset="0"/>
+              <a:ea typeface="Times New Roman" panose="02020603050405020304" pitchFamily="18" charset="0"/>
+            </a:endParaRPr>
+          </a:p>
+          <a:p>
+            <a:r>
+              <a:rPr lang="en-US" dirty="0">
+                <a:effectLst/>
+                <a:latin typeface="Times New Roman" panose="02020603050405020304" pitchFamily="18" charset="0"/>
+                <a:ea typeface="Times New Roman" panose="02020603050405020304" pitchFamily="18" charset="0"/>
+              </a:rPr>
+              <a:t>[4]</a:t>
+            </a:r>
+            <a:r>
+              <a:rPr lang="en-US" dirty="0">
+                <a:solidFill>
+                  <a:srgbClr val="222222"/>
+                </a:solidFill>
+                <a:effectLst/>
+                <a:latin typeface="Arial" panose="020B0604020202020204" pitchFamily="34" charset="0"/>
+                <a:ea typeface="Times New Roman" panose="02020603050405020304" pitchFamily="18" charset="0"/>
+              </a:rPr>
+              <a:t> </a:t>
+            </a:r>
+            <a:r>
+              <a:rPr lang="en-US" dirty="0">
+                <a:effectLst/>
+                <a:latin typeface="Times New Roman" panose="02020603050405020304" pitchFamily="18" charset="0"/>
+                <a:ea typeface="Times New Roman" panose="02020603050405020304" pitchFamily="18" charset="0"/>
+              </a:rPr>
+              <a:t>Vo, T. Q., Kim, S. H., Nguyen, D. H., &amp; Bae, D. H. (2023). LSTM-CM: a hybrid approach for natural drought prediction based on deep learning and climate models. </a:t>
+            </a:r>
+            <a:r>
+              <a:rPr lang="en-US" i="1" dirty="0">
+                <a:effectLst/>
+                <a:latin typeface="Times New Roman" panose="02020603050405020304" pitchFamily="18" charset="0"/>
+                <a:ea typeface="Times New Roman" panose="02020603050405020304" pitchFamily="18" charset="0"/>
+              </a:rPr>
+              <a:t>Stochastic Environmental Research and Risk Assessment</a:t>
+            </a:r>
+            <a:r>
+              <a:rPr lang="en-US" dirty="0">
+                <a:effectLst/>
+                <a:latin typeface="Times New Roman" panose="02020603050405020304" pitchFamily="18" charset="0"/>
+                <a:ea typeface="Times New Roman" panose="02020603050405020304" pitchFamily="18" charset="0"/>
+              </a:rPr>
+              <a:t>, </a:t>
+            </a:r>
+            <a:r>
+              <a:rPr lang="en-US" i="1" dirty="0">
+                <a:effectLst/>
+                <a:latin typeface="Times New Roman" panose="02020603050405020304" pitchFamily="18" charset="0"/>
+                <a:ea typeface="Times New Roman" panose="02020603050405020304" pitchFamily="18" charset="0"/>
+              </a:rPr>
+              <a:t>37</a:t>
+            </a:r>
+            <a:r>
+              <a:rPr lang="en-US" dirty="0">
+                <a:effectLst/>
+                <a:latin typeface="Times New Roman" panose="02020603050405020304" pitchFamily="18" charset="0"/>
+                <a:ea typeface="Times New Roman" panose="02020603050405020304" pitchFamily="18" charset="0"/>
+              </a:rPr>
+              <a:t>(6), 2035-2051.</a:t>
+            </a:r>
+            <a:endParaRPr lang="en-IN" dirty="0">
+              <a:effectLst/>
+              <a:latin typeface="Times New Roman" panose="02020603050405020304" pitchFamily="18" charset="0"/>
+              <a:ea typeface="Times New Roman" panose="02020603050405020304" pitchFamily="18" charset="0"/>
+            </a:endParaRPr>
+          </a:p>
+          <a:p>
+            <a:r>
+              <a:rPr lang="en-US" dirty="0">
+                <a:effectLst/>
+                <a:latin typeface="Times New Roman" panose="02020603050405020304" pitchFamily="18" charset="0"/>
+                <a:ea typeface="Times New Roman" panose="02020603050405020304" pitchFamily="18" charset="0"/>
+              </a:rPr>
+              <a:t> </a:t>
+            </a:r>
+            <a:endParaRPr lang="en-IN" dirty="0">
+              <a:effectLst/>
+              <a:latin typeface="Times New Roman" panose="02020603050405020304" pitchFamily="18" charset="0"/>
+              <a:ea typeface="Times New Roman" panose="02020603050405020304" pitchFamily="18" charset="0"/>
+            </a:endParaRPr>
+          </a:p>
+          <a:p>
+            <a:r>
+              <a:rPr lang="en-US" dirty="0">
+                <a:effectLst/>
+                <a:latin typeface="Times New Roman" panose="02020603050405020304" pitchFamily="18" charset="0"/>
+                <a:ea typeface="Times New Roman" panose="02020603050405020304" pitchFamily="18" charset="0"/>
+              </a:rPr>
+              <a:t>[5] </a:t>
+            </a:r>
+            <a:r>
+              <a:rPr lang="en-US" dirty="0" err="1">
+                <a:effectLst/>
+                <a:latin typeface="Times New Roman" panose="02020603050405020304" pitchFamily="18" charset="0"/>
+                <a:ea typeface="Times New Roman" panose="02020603050405020304" pitchFamily="18" charset="0"/>
+              </a:rPr>
+              <a:t>Dimri</a:t>
+            </a:r>
+            <a:r>
+              <a:rPr lang="en-US" dirty="0">
+                <a:effectLst/>
+                <a:latin typeface="Times New Roman" panose="02020603050405020304" pitchFamily="18" charset="0"/>
+                <a:ea typeface="Times New Roman" panose="02020603050405020304" pitchFamily="18" charset="0"/>
+              </a:rPr>
+              <a:t>, T., Ahmad, S., &amp; Sharif, M. (2020). Time series analysis of climate variables using seasonal ARIMA approach. </a:t>
+            </a:r>
+            <a:r>
+              <a:rPr lang="en-US" i="1" dirty="0">
+                <a:effectLst/>
+                <a:latin typeface="Times New Roman" panose="02020603050405020304" pitchFamily="18" charset="0"/>
+                <a:ea typeface="Times New Roman" panose="02020603050405020304" pitchFamily="18" charset="0"/>
+              </a:rPr>
+              <a:t>Journal of Earth System Science</a:t>
+            </a:r>
+            <a:r>
+              <a:rPr lang="en-US" dirty="0">
+                <a:effectLst/>
+                <a:latin typeface="Times New Roman" panose="02020603050405020304" pitchFamily="18" charset="0"/>
+                <a:ea typeface="Times New Roman" panose="02020603050405020304" pitchFamily="18" charset="0"/>
+              </a:rPr>
+              <a:t>, </a:t>
+            </a:r>
+            <a:r>
+              <a:rPr lang="en-US" i="1" dirty="0">
+                <a:effectLst/>
+                <a:latin typeface="Times New Roman" panose="02020603050405020304" pitchFamily="18" charset="0"/>
+                <a:ea typeface="Times New Roman" panose="02020603050405020304" pitchFamily="18" charset="0"/>
+              </a:rPr>
+              <a:t>129</a:t>
+            </a:r>
+            <a:r>
+              <a:rPr lang="en-US" dirty="0">
+                <a:effectLst/>
+                <a:latin typeface="Times New Roman" panose="02020603050405020304" pitchFamily="18" charset="0"/>
+                <a:ea typeface="Times New Roman" panose="02020603050405020304" pitchFamily="18" charset="0"/>
+              </a:rPr>
+              <a:t>, 1-16.</a:t>
+            </a:r>
+            <a:endParaRPr lang="en-IN" dirty="0">
+              <a:effectLst/>
+              <a:latin typeface="Times New Roman" panose="02020603050405020304" pitchFamily="18" charset="0"/>
+              <a:ea typeface="Times New Roman" panose="02020603050405020304" pitchFamily="18" charset="0"/>
+            </a:endParaRPr>
+          </a:p>
+          <a:p>
+            <a:r>
+              <a:rPr lang="en-US" dirty="0">
+                <a:effectLst/>
+                <a:latin typeface="Times New Roman" panose="02020603050405020304" pitchFamily="18" charset="0"/>
+                <a:ea typeface="Times New Roman" panose="02020603050405020304" pitchFamily="18" charset="0"/>
+              </a:rPr>
+              <a:t> </a:t>
+            </a:r>
+            <a:endParaRPr lang="en-IN" dirty="0">
+              <a:effectLst/>
+              <a:latin typeface="Times New Roman" panose="02020603050405020304" pitchFamily="18" charset="0"/>
+              <a:ea typeface="Times New Roman" panose="02020603050405020304" pitchFamily="18" charset="0"/>
+            </a:endParaRPr>
+          </a:p>
+          <a:p>
+            <a:r>
+              <a:rPr lang="en-US" dirty="0">
+                <a:effectLst/>
+                <a:latin typeface="Times New Roman" panose="02020603050405020304" pitchFamily="18" charset="0"/>
+                <a:ea typeface="Times New Roman" panose="02020603050405020304" pitchFamily="18" charset="0"/>
+              </a:rPr>
+              <a:t>[6] New, M., &amp; Hulme, M. (2000). Representing uncertainty in climate change scenarios: a Monte-Carlo approach. </a:t>
+            </a:r>
+            <a:r>
+              <a:rPr lang="en-US" i="1" dirty="0">
+                <a:effectLst/>
+                <a:latin typeface="Times New Roman" panose="02020603050405020304" pitchFamily="18" charset="0"/>
+                <a:ea typeface="Times New Roman" panose="02020603050405020304" pitchFamily="18" charset="0"/>
+              </a:rPr>
+              <a:t>Integrated assessment</a:t>
+            </a:r>
+            <a:r>
+              <a:rPr lang="en-US" dirty="0">
+                <a:effectLst/>
+                <a:latin typeface="Times New Roman" panose="02020603050405020304" pitchFamily="18" charset="0"/>
+                <a:ea typeface="Times New Roman" panose="02020603050405020304" pitchFamily="18" charset="0"/>
+              </a:rPr>
+              <a:t>, </a:t>
+            </a:r>
+            <a:r>
+              <a:rPr lang="en-US" i="1" dirty="0">
+                <a:effectLst/>
+                <a:latin typeface="Times New Roman" panose="02020603050405020304" pitchFamily="18" charset="0"/>
+                <a:ea typeface="Times New Roman" panose="02020603050405020304" pitchFamily="18" charset="0"/>
+              </a:rPr>
+              <a:t>1</a:t>
+            </a:r>
+            <a:r>
+              <a:rPr lang="en-US" dirty="0">
+                <a:effectLst/>
+                <a:latin typeface="Times New Roman" panose="02020603050405020304" pitchFamily="18" charset="0"/>
+                <a:ea typeface="Times New Roman" panose="02020603050405020304" pitchFamily="18" charset="0"/>
+              </a:rPr>
+              <a:t>(3), 203-213.</a:t>
+            </a:r>
+            <a:endParaRPr lang="en-IN" dirty="0">
+              <a:effectLst/>
+              <a:latin typeface="Times New Roman" panose="02020603050405020304" pitchFamily="18" charset="0"/>
+              <a:ea typeface="Times New Roman" panose="02020603050405020304" pitchFamily="18" charset="0"/>
+            </a:endParaRPr>
+          </a:p>
+          <a:p>
+            <a:endParaRPr lang="en-US" dirty="0">
+              <a:latin typeface="Arial" panose="020B0604020202020204" pitchFamily="34" charset="0"/>
+              <a:cs typeface="Arial" panose="020B0604020202020204" pitchFamily="34" charset="0"/>
+            </a:endParaRPr>
+          </a:p>
+        </p:txBody>
+      </p:sp>
+    </p:spTree>
+    <p:extLst>
+      <p:ext uri="{BB962C8B-B14F-4D97-AF65-F5344CB8AC3E}">
+        <p14:creationId xmlns:p14="http://schemas.microsoft.com/office/powerpoint/2010/main" val="1359081233"/>
+      </p:ext>
+    </p:extLst>
+  </p:cSld>
+  <p:clrMapOvr>
+    <a:masterClrMapping/>
+  </p:clrMapOvr>
+</p:sld>
+</file>
+
+<file path=ppt/slides/slide15.xml><?xml version="1.0" encoding="utf-8"?>
+<p:sld xmlns:a="http://schemas.openxmlformats.org/drawingml/2006/main" xmlns:r="http://schemas.openxmlformats.org/officeDocument/2006/relationships" xmlns:p="http://schemas.openxmlformats.org/presentationml/2006/main">
+  <p:cSld>
+    <p:spTree>
+      <p:nvGrpSpPr>
+        <p:cNvPr id="1" name=""/>
+        <p:cNvGrpSpPr/>
+        <p:nvPr/>
+      </p:nvGrpSpPr>
+      <p:grpSpPr>
+        <a:xfrm>
+          <a:off x="0" y="0"/>
+          <a:ext cx="0" cy="0"/>
+          <a:chOff x="0" y="0"/>
+          <a:chExt cx="0" cy="0"/>
+        </a:xfrm>
+      </p:grpSpPr>
+      <p:sp>
+        <p:nvSpPr>
+          <p:cNvPr id="2" name="TextBox 1">
+            <a:extLst>
+              <a:ext uri="{FF2B5EF4-FFF2-40B4-BE49-F238E27FC236}">
+                <a16:creationId xmlns:a16="http://schemas.microsoft.com/office/drawing/2014/main" id="{C39D82EA-6098-704F-AD4D-D13A499C492D}"/>
+              </a:ext>
+            </a:extLst>
+          </p:cNvPr>
+          <p:cNvSpPr txBox="1"/>
+          <p:nvPr/>
+        </p:nvSpPr>
+        <p:spPr>
+          <a:xfrm>
+            <a:off x="1895294" y="3601496"/>
+            <a:ext cx="8401412" cy="1200329"/>
+          </a:xfrm>
+          <a:prstGeom prst="rect">
+            <a:avLst/>
+          </a:prstGeom>
+          <a:noFill/>
+        </p:spPr>
+        <p:txBody>
+          <a:bodyPr wrap="square" rtlCol="0">
+            <a:spAutoFit/>
+          </a:bodyPr>
+          <a:lstStyle/>
+          <a:p>
+            <a:pPr algn="ctr"/>
+            <a:r>
+              <a:rPr lang="en-US" sz="7200" b="1" dirty="0">
+                <a:solidFill>
+                  <a:srgbClr val="46B0FA"/>
+                </a:solidFill>
+                <a:latin typeface="Arial" panose="020B0604020202020204" pitchFamily="34" charset="0"/>
+                <a:cs typeface="Arial" panose="020B0604020202020204" pitchFamily="34" charset="0"/>
+              </a:rPr>
+              <a:t>Thank You</a:t>
+            </a:r>
+            <a:endParaRPr lang="en-IN" sz="7200" b="1" dirty="0">
+              <a:solidFill>
+                <a:srgbClr val="46B0FA"/>
+              </a:solidFill>
+              <a:latin typeface="Arial" panose="020B0604020202020204" pitchFamily="34" charset="0"/>
+              <a:cs typeface="Arial" panose="020B0604020202020204" pitchFamily="34" charset="0"/>
+            </a:endParaRPr>
+          </a:p>
+        </p:txBody>
+      </p:sp>
+      <p:sp>
+        <p:nvSpPr>
+          <p:cNvPr id="4" name="Rectangle 3">
+            <a:extLst>
+              <a:ext uri="{FF2B5EF4-FFF2-40B4-BE49-F238E27FC236}">
+                <a16:creationId xmlns:a16="http://schemas.microsoft.com/office/drawing/2014/main" id="{B7FBB1AB-6227-0A49-9677-D759BB97E908}"/>
+              </a:ext>
+            </a:extLst>
+          </p:cNvPr>
+          <p:cNvSpPr/>
+          <p:nvPr/>
+        </p:nvSpPr>
+        <p:spPr>
+          <a:xfrm>
+            <a:off x="10668000" y="150471"/>
+            <a:ext cx="1381246" cy="682906"/>
+          </a:xfrm>
+          <a:prstGeom prst="rect">
+            <a:avLst/>
+          </a:prstGeom>
+          <a:solidFill>
+            <a:schemeClr val="bg1"/>
+          </a:solidFill>
+          <a:ln>
+            <a:noFill/>
+          </a:ln>
+        </p:spPr>
+        <p:style>
+          <a:lnRef idx="2">
+            <a:schemeClr val="accent1">
+              <a:shade val="50000"/>
+            </a:schemeClr>
+          </a:lnRef>
+          <a:fillRef idx="1">
+            <a:schemeClr val="accent1"/>
+          </a:fillRef>
+          <a:effectRef idx="0">
+            <a:schemeClr val="accent1"/>
+          </a:effectRef>
+          <a:fontRef idx="minor">
+            <a:schemeClr val="lt1"/>
+          </a:fontRef>
+        </p:style>
+        <p:txBody>
+          <a:bodyPr rtlCol="0" anchor="ctr"/>
+          <a:lstStyle/>
+          <a:p>
+            <a:pPr algn="ctr"/>
+            <a:endParaRPr lang="en-US" dirty="0"/>
+          </a:p>
+        </p:txBody>
+      </p:sp>
+      <p:pic>
+        <p:nvPicPr>
+          <p:cNvPr id="5" name="Picture 4" descr="A picture containing text, clipart&#10;&#10;Description automatically generated">
+            <a:extLst>
+              <a:ext uri="{FF2B5EF4-FFF2-40B4-BE49-F238E27FC236}">
+                <a16:creationId xmlns:a16="http://schemas.microsoft.com/office/drawing/2014/main" id="{B3B91EF5-66BF-4A12-80C1-98869846E0D6}"/>
+              </a:ext>
+            </a:extLst>
+          </p:cNvPr>
+          <p:cNvPicPr>
+            <a:picLocks noChangeAspect="1"/>
+          </p:cNvPicPr>
+          <p:nvPr/>
+        </p:nvPicPr>
+        <p:blipFill>
+          <a:blip r:embed="rId2"/>
+          <a:stretch>
+            <a:fillRect/>
+          </a:stretch>
+        </p:blipFill>
+        <p:spPr>
+          <a:xfrm>
+            <a:off x="3992880" y="1709987"/>
+            <a:ext cx="4206240" cy="1806854"/>
+          </a:xfrm>
+          <a:prstGeom prst="rect">
+            <a:avLst/>
+          </a:prstGeom>
+        </p:spPr>
+      </p:pic>
+    </p:spTree>
+    <p:extLst>
+      <p:ext uri="{BB962C8B-B14F-4D97-AF65-F5344CB8AC3E}">
+        <p14:creationId xmlns:p14="http://schemas.microsoft.com/office/powerpoint/2010/main" val="3579348268"/>
+      </p:ext>
+    </p:extLst>
+  </p:cSld>
+  <p:clrMapOvr>
+    <a:masterClrMapping/>
+  </p:clrMapOvr>
+</p:sld>
+</file>
+
+<file path=ppt/slides/slide2.xml><?xml version="1.0" encoding="utf-8"?>
+<p:sld xmlns:a="http://schemas.openxmlformats.org/drawingml/2006/main" xmlns:r="http://schemas.openxmlformats.org/officeDocument/2006/relationships" xmlns:p="http://schemas.openxmlformats.org/presentationml/2006/main">
+  <p:cSld>
+    <p:spTree>
+      <p:nvGrpSpPr>
+        <p:cNvPr id="1" name=""/>
+        <p:cNvGrpSpPr/>
+        <p:nvPr/>
+      </p:nvGrpSpPr>
+      <p:grpSpPr>
+        <a:xfrm>
+          <a:off x="0" y="0"/>
+          <a:ext cx="0" cy="0"/>
+          <a:chOff x="0" y="0"/>
+          <a:chExt cx="0" cy="0"/>
+        </a:xfrm>
+      </p:grpSpPr>
+      <p:sp>
+        <p:nvSpPr>
+          <p:cNvPr id="2" name="TextBox 1">
+            <a:extLst>
+              <a:ext uri="{FF2B5EF4-FFF2-40B4-BE49-F238E27FC236}">
+                <a16:creationId xmlns:a16="http://schemas.microsoft.com/office/drawing/2014/main" id="{B2EC635B-D8A3-4A72-8304-20FFBA5D21A3}"/>
+              </a:ext>
+            </a:extLst>
+          </p:cNvPr>
+          <p:cNvSpPr txBox="1"/>
+          <p:nvPr/>
+        </p:nvSpPr>
+        <p:spPr>
+          <a:xfrm>
+            <a:off x="325927" y="248626"/>
+            <a:ext cx="7530363" cy="584775"/>
+          </a:xfrm>
+          <a:prstGeom prst="rect">
+            <a:avLst/>
+          </a:prstGeom>
+          <a:noFill/>
+        </p:spPr>
+        <p:txBody>
+          <a:bodyPr wrap="square" rtlCol="0">
+            <a:spAutoFit/>
+          </a:bodyPr>
+          <a:lstStyle/>
+          <a:p>
+            <a:r>
+              <a:rPr lang="en-US" sz="3200" b="1" dirty="0">
+                <a:solidFill>
+                  <a:srgbClr val="46B0FA"/>
+                </a:solidFill>
+                <a:latin typeface="Arial" panose="020B0604020202020204" pitchFamily="34" charset="0"/>
+                <a:cs typeface="Arial" panose="020B0604020202020204" pitchFamily="34" charset="0"/>
+              </a:rPr>
+              <a:t>Content</a:t>
+            </a:r>
+            <a:endParaRPr lang="en-IN" sz="3200" b="1" dirty="0">
+              <a:solidFill>
+                <a:srgbClr val="46B0FA"/>
+              </a:solidFill>
+              <a:latin typeface="Arial" panose="020B0604020202020204" pitchFamily="34" charset="0"/>
+              <a:cs typeface="Arial" panose="020B0604020202020204" pitchFamily="34" charset="0"/>
+            </a:endParaRPr>
+          </a:p>
+        </p:txBody>
+      </p:sp>
+      <p:sp>
+        <p:nvSpPr>
+          <p:cNvPr id="3" name="TextBox 2">
+            <a:extLst>
+              <a:ext uri="{FF2B5EF4-FFF2-40B4-BE49-F238E27FC236}">
+                <a16:creationId xmlns:a16="http://schemas.microsoft.com/office/drawing/2014/main" id="{66168532-D141-4AB0-BD29-1663F2877B3E}"/>
+              </a:ext>
+            </a:extLst>
+          </p:cNvPr>
+          <p:cNvSpPr txBox="1"/>
+          <p:nvPr/>
+        </p:nvSpPr>
+        <p:spPr>
+          <a:xfrm>
+            <a:off x="1071154" y="1247350"/>
+            <a:ext cx="4650377" cy="3139321"/>
+          </a:xfrm>
+          <a:prstGeom prst="rect">
+            <a:avLst/>
+          </a:prstGeom>
+          <a:noFill/>
+        </p:spPr>
+        <p:txBody>
+          <a:bodyPr wrap="square" rtlCol="0">
+            <a:spAutoFit/>
+          </a:bodyPr>
+          <a:lstStyle/>
+          <a:p>
+            <a:pPr marL="342900" indent="-342900">
+              <a:buFont typeface="Wingdings" panose="05000000000000000000" pitchFamily="2" charset="2"/>
+              <a:buChar char="§"/>
+            </a:pPr>
+            <a:r>
+              <a:rPr lang="en-US" sz="2000" dirty="0">
+                <a:latin typeface="Arial" panose="020B0604020202020204" pitchFamily="34" charset="0"/>
+                <a:cs typeface="Arial" panose="020B0604020202020204" pitchFamily="34" charset="0"/>
+              </a:rPr>
+              <a:t>Introduction</a:t>
+            </a:r>
+          </a:p>
+          <a:p>
+            <a:pPr marL="342900" indent="-342900">
+              <a:buFont typeface="Wingdings" panose="05000000000000000000" pitchFamily="2" charset="2"/>
+              <a:buChar char="§"/>
+            </a:pPr>
+            <a:endParaRPr lang="en-US" sz="2000" dirty="0">
+              <a:latin typeface="Arial" panose="020B0604020202020204" pitchFamily="34" charset="0"/>
+              <a:cs typeface="Arial" panose="020B0604020202020204" pitchFamily="34" charset="0"/>
+            </a:endParaRPr>
+          </a:p>
+          <a:p>
+            <a:pPr marL="342900" indent="-342900">
+              <a:buFont typeface="Wingdings" panose="05000000000000000000" pitchFamily="2" charset="2"/>
+              <a:buChar char="§"/>
+            </a:pPr>
+            <a:r>
+              <a:rPr lang="en-US" sz="2000" dirty="0">
+                <a:latin typeface="Arial" panose="020B0604020202020204" pitchFamily="34" charset="0"/>
+                <a:cs typeface="Arial" panose="020B0604020202020204" pitchFamily="34" charset="0"/>
+              </a:rPr>
+              <a:t>Literature Review</a:t>
+            </a:r>
+          </a:p>
+          <a:p>
+            <a:pPr marL="342900" indent="-342900">
+              <a:buFont typeface="Wingdings" panose="05000000000000000000" pitchFamily="2" charset="2"/>
+              <a:buChar char="§"/>
+            </a:pPr>
+            <a:endParaRPr lang="en-US" sz="2000" dirty="0">
+              <a:latin typeface="Arial" panose="020B0604020202020204" pitchFamily="34" charset="0"/>
+              <a:cs typeface="Arial" panose="020B0604020202020204" pitchFamily="34" charset="0"/>
+            </a:endParaRPr>
+          </a:p>
+          <a:p>
+            <a:pPr marL="342900" indent="-342900">
+              <a:buFont typeface="Wingdings" panose="05000000000000000000" pitchFamily="2" charset="2"/>
+              <a:buChar char="§"/>
+            </a:pPr>
+            <a:r>
+              <a:rPr lang="en-US" sz="2000" dirty="0">
+                <a:latin typeface="Arial" panose="020B0604020202020204" pitchFamily="34" charset="0"/>
+                <a:cs typeface="Arial" panose="020B0604020202020204" pitchFamily="34" charset="0"/>
+              </a:rPr>
+              <a:t>Objectives</a:t>
+            </a:r>
+          </a:p>
+          <a:p>
+            <a:pPr marL="342900" indent="-342900">
+              <a:buFont typeface="Wingdings" panose="05000000000000000000" pitchFamily="2" charset="2"/>
+              <a:buChar char="§"/>
+            </a:pPr>
+            <a:endParaRPr lang="en-US" sz="2000" dirty="0">
+              <a:latin typeface="Arial" panose="020B0604020202020204" pitchFamily="34" charset="0"/>
+              <a:cs typeface="Arial" panose="020B0604020202020204" pitchFamily="34" charset="0"/>
+            </a:endParaRPr>
+          </a:p>
+          <a:p>
+            <a:pPr marL="342900" indent="-342900">
+              <a:buFont typeface="Wingdings" panose="05000000000000000000" pitchFamily="2" charset="2"/>
+              <a:buChar char="§"/>
+            </a:pPr>
+            <a:r>
+              <a:rPr lang="en-US" sz="2000" dirty="0">
+                <a:latin typeface="Arial" panose="020B0604020202020204" pitchFamily="34" charset="0"/>
+                <a:cs typeface="Arial" panose="020B0604020202020204" pitchFamily="34" charset="0"/>
+              </a:rPr>
+              <a:t>Methodology</a:t>
+            </a:r>
+          </a:p>
+          <a:p>
+            <a:pPr marL="342900" indent="-342900">
+              <a:buFont typeface="Wingdings" panose="05000000000000000000" pitchFamily="2" charset="2"/>
+              <a:buChar char="§"/>
+            </a:pPr>
+            <a:endParaRPr lang="en-US" sz="2000" dirty="0">
+              <a:latin typeface="Arial" panose="020B0604020202020204" pitchFamily="34" charset="0"/>
+              <a:cs typeface="Arial" panose="020B0604020202020204" pitchFamily="34" charset="0"/>
+            </a:endParaRPr>
+          </a:p>
+          <a:p>
+            <a:pPr marL="342900" indent="-342900">
+              <a:buFont typeface="Wingdings" panose="05000000000000000000" pitchFamily="2" charset="2"/>
+              <a:buChar char="§"/>
+            </a:pPr>
+            <a:r>
+              <a:rPr lang="en-US" sz="2000" dirty="0">
+                <a:latin typeface="Arial" panose="020B0604020202020204" pitchFamily="34" charset="0"/>
+                <a:cs typeface="Arial" panose="020B0604020202020204" pitchFamily="34" charset="0"/>
+              </a:rPr>
+              <a:t>References </a:t>
+            </a:r>
+          </a:p>
+          <a:p>
+            <a:pPr marL="285750" indent="-285750">
+              <a:buFont typeface="Wingdings" panose="05000000000000000000" pitchFamily="2" charset="2"/>
+              <a:buChar char="§"/>
+            </a:pPr>
+            <a:endParaRPr lang="en-IN" dirty="0">
+              <a:latin typeface="Arial" panose="020B0604020202020204" pitchFamily="34" charset="0"/>
+              <a:cs typeface="Arial" panose="020B0604020202020204" pitchFamily="34" charset="0"/>
+            </a:endParaRPr>
+          </a:p>
+        </p:txBody>
+      </p:sp>
+    </p:spTree>
+    <p:extLst>
+      <p:ext uri="{BB962C8B-B14F-4D97-AF65-F5344CB8AC3E}">
+        <p14:creationId xmlns:p14="http://schemas.microsoft.com/office/powerpoint/2010/main" val="3879729395"/>
+      </p:ext>
+    </p:extLst>
+  </p:cSld>
+  <p:clrMapOvr>
+    <a:masterClrMapping/>
+  </p:clrMapOvr>
+</p:sld>
+</file>
+
+<file path=ppt/slides/slide3.xml><?xml version="1.0" encoding="utf-8"?>
+<p:sld xmlns:a="http://schemas.openxmlformats.org/drawingml/2006/main" xmlns:r="http://schemas.openxmlformats.org/officeDocument/2006/relationships" xmlns:p="http://schemas.openxmlformats.org/presentationml/2006/main">
+  <p:cSld>
+    <p:spTree>
+      <p:nvGrpSpPr>
+        <p:cNvPr id="1" name=""/>
+        <p:cNvGrpSpPr/>
+        <p:nvPr/>
+      </p:nvGrpSpPr>
+      <p:grpSpPr>
+        <a:xfrm>
+          <a:off x="0" y="0"/>
+          <a:ext cx="0" cy="0"/>
+          <a:chOff x="0" y="0"/>
+          <a:chExt cx="0" cy="0"/>
+        </a:xfrm>
+      </p:grpSpPr>
+      <p:sp>
+        <p:nvSpPr>
+          <p:cNvPr id="2" name="TextBox 1">
+            <a:extLst>
+              <a:ext uri="{FF2B5EF4-FFF2-40B4-BE49-F238E27FC236}">
+                <a16:creationId xmlns:a16="http://schemas.microsoft.com/office/drawing/2014/main" id="{B2EC635B-D8A3-4A72-8304-20FFBA5D21A3}"/>
+              </a:ext>
+            </a:extLst>
+          </p:cNvPr>
+          <p:cNvSpPr txBox="1"/>
+          <p:nvPr/>
+        </p:nvSpPr>
+        <p:spPr>
+          <a:xfrm>
+            <a:off x="325927" y="222500"/>
+            <a:ext cx="7530363" cy="584775"/>
+          </a:xfrm>
+          <a:prstGeom prst="rect">
+            <a:avLst/>
+          </a:prstGeom>
+          <a:noFill/>
+        </p:spPr>
+        <p:txBody>
+          <a:bodyPr wrap="square" rtlCol="0">
+            <a:spAutoFit/>
+          </a:bodyPr>
+          <a:lstStyle/>
+          <a:p>
+            <a:r>
+              <a:rPr lang="en-US" sz="3200" b="1" dirty="0">
+                <a:solidFill>
+                  <a:srgbClr val="46B0FA"/>
+                </a:solidFill>
+                <a:latin typeface="Arial" panose="020B0604020202020204" pitchFamily="34" charset="0"/>
+                <a:cs typeface="Arial" panose="020B0604020202020204" pitchFamily="34" charset="0"/>
+              </a:rPr>
+              <a:t>Introduction</a:t>
+            </a:r>
+            <a:endParaRPr lang="en-IN" sz="3200" b="1" dirty="0">
+              <a:solidFill>
+                <a:srgbClr val="46B0FA"/>
+              </a:solidFill>
+              <a:latin typeface="Arial" panose="020B0604020202020204" pitchFamily="34" charset="0"/>
+              <a:cs typeface="Arial" panose="020B0604020202020204" pitchFamily="34" charset="0"/>
+            </a:endParaRPr>
+          </a:p>
+        </p:txBody>
+      </p:sp>
+      <p:sp>
+        <p:nvSpPr>
+          <p:cNvPr id="3" name="TextBox 2">
+            <a:extLst>
+              <a:ext uri="{FF2B5EF4-FFF2-40B4-BE49-F238E27FC236}">
+                <a16:creationId xmlns:a16="http://schemas.microsoft.com/office/drawing/2014/main" id="{66168532-D141-4AB0-BD29-1663F2877B3E}"/>
+              </a:ext>
+            </a:extLst>
+          </p:cNvPr>
+          <p:cNvSpPr txBox="1"/>
+          <p:nvPr/>
+        </p:nvSpPr>
+        <p:spPr>
+          <a:xfrm>
+            <a:off x="655723" y="1380798"/>
+            <a:ext cx="10880553" cy="4308872"/>
+          </a:xfrm>
+          <a:prstGeom prst="rect">
+            <a:avLst/>
+          </a:prstGeom>
+          <a:noFill/>
+        </p:spPr>
+        <p:txBody>
+          <a:bodyPr wrap="square" rtlCol="0">
+            <a:spAutoFit/>
+          </a:bodyPr>
+          <a:lstStyle/>
+          <a:p>
+            <a:r>
+              <a:rPr lang="en-US" sz="2000" dirty="0">
+                <a:solidFill>
+                  <a:srgbClr val="FF0000"/>
+                </a:solidFill>
+                <a:latin typeface="Arial" panose="020B0604020202020204" pitchFamily="34" charset="0"/>
+                <a:cs typeface="Arial" panose="020B0604020202020204" pitchFamily="34" charset="0"/>
+              </a:rPr>
+              <a:t>Technical Concepts (Algorithms):</a:t>
+            </a:r>
+          </a:p>
+          <a:p>
+            <a:endParaRPr lang="en-US" sz="2000" dirty="0">
+              <a:solidFill>
+                <a:srgbClr val="FF0000"/>
+              </a:solidFill>
+              <a:latin typeface="Arial" panose="020B0604020202020204" pitchFamily="34" charset="0"/>
+              <a:cs typeface="Arial" panose="020B0604020202020204" pitchFamily="34" charset="0"/>
+            </a:endParaRPr>
+          </a:p>
+          <a:p>
+            <a:r>
+              <a:rPr lang="en-US" dirty="0">
+                <a:latin typeface="Arial" panose="020B0604020202020204" pitchFamily="34" charset="0"/>
+                <a:cs typeface="Arial" panose="020B0604020202020204" pitchFamily="34" charset="0"/>
+              </a:rPr>
+              <a:t>The technical concepts used are:</a:t>
+            </a:r>
+          </a:p>
+          <a:p>
+            <a:endParaRPr lang="en-US" dirty="0">
+              <a:latin typeface="Arial" panose="020B0604020202020204" pitchFamily="34" charset="0"/>
+              <a:cs typeface="Arial" panose="020B0604020202020204" pitchFamily="34" charset="0"/>
+            </a:endParaRPr>
+          </a:p>
+          <a:p>
+            <a:pPr marL="342900" indent="-342900">
+              <a:buFont typeface="Arial" panose="020B0604020202020204" pitchFamily="34" charset="0"/>
+              <a:buChar char="•"/>
+            </a:pPr>
+            <a:r>
+              <a:rPr lang="en-US" b="1" dirty="0">
+                <a:latin typeface="Arial" panose="020B0604020202020204" pitchFamily="34" charset="0"/>
+                <a:cs typeface="Arial" panose="020B0604020202020204" pitchFamily="34" charset="0"/>
+              </a:rPr>
+              <a:t>LSTM (Long Short-Term Memory):</a:t>
+            </a:r>
+            <a:r>
+              <a:rPr lang="en-US" dirty="0">
+                <a:latin typeface="Arial" panose="020B0604020202020204" pitchFamily="34" charset="0"/>
+                <a:cs typeface="Arial" panose="020B0604020202020204" pitchFamily="34" charset="0"/>
+              </a:rPr>
+              <a:t> It is a type of recurrent neural network (RNN) specialized for time series forecasting. LSTMs excel at capturing long-term dependencies and nonlinear relationships in sequential data, making them ideal for climate forecasting.</a:t>
+            </a:r>
+          </a:p>
+          <a:p>
+            <a:pPr marL="342900" indent="-342900">
+              <a:buFont typeface="Arial" panose="020B0604020202020204" pitchFamily="34" charset="0"/>
+              <a:buChar char="•"/>
+            </a:pPr>
+            <a:endParaRPr lang="en-US" dirty="0">
+              <a:latin typeface="Arial" panose="020B0604020202020204" pitchFamily="34" charset="0"/>
+              <a:cs typeface="Arial" panose="020B0604020202020204" pitchFamily="34" charset="0"/>
+            </a:endParaRPr>
+          </a:p>
+          <a:p>
+            <a:pPr marL="342900" indent="-342900">
+              <a:buFont typeface="Arial" panose="020B0604020202020204" pitchFamily="34" charset="0"/>
+              <a:buChar char="•"/>
+            </a:pPr>
+            <a:r>
+              <a:rPr lang="en-US" b="1" dirty="0">
+                <a:latin typeface="Arial" panose="020B0604020202020204" pitchFamily="34" charset="0"/>
+                <a:cs typeface="Arial" panose="020B0604020202020204" pitchFamily="34" charset="0"/>
+              </a:rPr>
+              <a:t>ARIMA (Auto Regressive Integrated Moving Average): </a:t>
+            </a:r>
+            <a:r>
+              <a:rPr lang="en-US" dirty="0">
+                <a:latin typeface="Arial" panose="020B0604020202020204" pitchFamily="34" charset="0"/>
+                <a:cs typeface="Arial" panose="020B0604020202020204" pitchFamily="34" charset="0"/>
+              </a:rPr>
+              <a:t>A traditional statistical method used for time series analysis. ARIMA models are effective for univariate time series data with linear trends and seasonality, providing robust forecasts based on past values.</a:t>
+            </a:r>
+          </a:p>
+          <a:p>
+            <a:pPr marL="342900" indent="-342900">
+              <a:buFont typeface="Arial" panose="020B0604020202020204" pitchFamily="34" charset="0"/>
+              <a:buChar char="•"/>
+            </a:pPr>
+            <a:endParaRPr lang="en-US" dirty="0">
+              <a:latin typeface="Arial" panose="020B0604020202020204" pitchFamily="34" charset="0"/>
+              <a:cs typeface="Arial" panose="020B0604020202020204" pitchFamily="34" charset="0"/>
+            </a:endParaRPr>
+          </a:p>
+          <a:p>
+            <a:pPr marL="342900" indent="-342900">
+              <a:buFont typeface="Arial" panose="020B0604020202020204" pitchFamily="34" charset="0"/>
+              <a:buChar char="•"/>
+            </a:pPr>
+            <a:r>
+              <a:rPr lang="en-US" b="1" dirty="0">
+                <a:latin typeface="Arial" panose="020B0604020202020204" pitchFamily="34" charset="0"/>
+                <a:cs typeface="Arial" panose="020B0604020202020204" pitchFamily="34" charset="0"/>
+              </a:rPr>
+              <a:t>Monte Carlo Simulation: </a:t>
+            </a:r>
+            <a:r>
+              <a:rPr lang="en-US" dirty="0">
+                <a:latin typeface="Arial" panose="020B0604020202020204" pitchFamily="34" charset="0"/>
+                <a:cs typeface="Arial" panose="020B0604020202020204" pitchFamily="34" charset="0"/>
+              </a:rPr>
+              <a:t>A stochastic technique that generates a range of possible outcomes by running repeated random simulations. This method is used to understand uncertainties and risks, providing probabilistic climate forecasts.</a:t>
+            </a:r>
+          </a:p>
+        </p:txBody>
+      </p:sp>
+    </p:spTree>
+    <p:extLst>
+      <p:ext uri="{BB962C8B-B14F-4D97-AF65-F5344CB8AC3E}">
+        <p14:creationId xmlns:p14="http://schemas.microsoft.com/office/powerpoint/2010/main" val="480493988"/>
+      </p:ext>
+    </p:extLst>
+  </p:cSld>
+  <p:clrMapOvr>
+    <a:masterClrMapping/>
+  </p:clrMapOvr>
+</p:sld>
+</file>
+
+<file path=ppt/slides/slide4.xml><?xml version="1.0" encoding="utf-8"?>
+<p:sld xmlns:a="http://schemas.openxmlformats.org/drawingml/2006/main" xmlns:r="http://schemas.openxmlformats.org/officeDocument/2006/relationships" xmlns:p="http://schemas.openxmlformats.org/presentationml/2006/main">
+  <p:cSld>
+    <p:spTree>
+      <p:nvGrpSpPr>
+        <p:cNvPr id="1" name=""/>
+        <p:cNvGrpSpPr/>
+        <p:nvPr/>
+      </p:nvGrpSpPr>
+      <p:grpSpPr>
+        <a:xfrm>
+          <a:off x="0" y="0"/>
+          <a:ext cx="0" cy="0"/>
+          <a:chOff x="0" y="0"/>
+          <a:chExt cx="0" cy="0"/>
+        </a:xfrm>
+      </p:grpSpPr>
+      <p:sp>
+        <p:nvSpPr>
+          <p:cNvPr id="2" name="TextBox 1">
+            <a:extLst>
+              <a:ext uri="{FF2B5EF4-FFF2-40B4-BE49-F238E27FC236}">
+                <a16:creationId xmlns:a16="http://schemas.microsoft.com/office/drawing/2014/main" id="{B2EC635B-D8A3-4A72-8304-20FFBA5D21A3}"/>
+              </a:ext>
+            </a:extLst>
+          </p:cNvPr>
+          <p:cNvSpPr txBox="1"/>
+          <p:nvPr/>
+        </p:nvSpPr>
+        <p:spPr>
+          <a:xfrm>
+            <a:off x="325927" y="222500"/>
+            <a:ext cx="7530363" cy="584775"/>
+          </a:xfrm>
+          <a:prstGeom prst="rect">
+            <a:avLst/>
+          </a:prstGeom>
+          <a:noFill/>
+        </p:spPr>
+        <p:txBody>
+          <a:bodyPr wrap="square" rtlCol="0">
+            <a:spAutoFit/>
+          </a:bodyPr>
+          <a:lstStyle/>
+          <a:p>
+            <a:r>
+              <a:rPr lang="en-US" sz="3200" b="1" dirty="0">
+                <a:solidFill>
+                  <a:srgbClr val="46B0FA"/>
+                </a:solidFill>
+                <a:latin typeface="Arial" panose="020B0604020202020204" pitchFamily="34" charset="0"/>
+                <a:cs typeface="Arial" panose="020B0604020202020204" pitchFamily="34" charset="0"/>
+              </a:rPr>
+              <a:t>Introduction</a:t>
+            </a:r>
+            <a:endParaRPr lang="en-IN" sz="3200" b="1" dirty="0">
+              <a:solidFill>
+                <a:srgbClr val="46B0FA"/>
+              </a:solidFill>
+              <a:latin typeface="Arial" panose="020B0604020202020204" pitchFamily="34" charset="0"/>
+              <a:cs typeface="Arial" panose="020B0604020202020204" pitchFamily="34" charset="0"/>
+            </a:endParaRPr>
+          </a:p>
+        </p:txBody>
+      </p:sp>
+      <p:sp>
+        <p:nvSpPr>
+          <p:cNvPr id="3" name="TextBox 2">
+            <a:extLst>
+              <a:ext uri="{FF2B5EF4-FFF2-40B4-BE49-F238E27FC236}">
+                <a16:creationId xmlns:a16="http://schemas.microsoft.com/office/drawing/2014/main" id="{66168532-D141-4AB0-BD29-1663F2877B3E}"/>
+              </a:ext>
+            </a:extLst>
+          </p:cNvPr>
+          <p:cNvSpPr txBox="1"/>
+          <p:nvPr/>
+        </p:nvSpPr>
+        <p:spPr>
+          <a:xfrm>
+            <a:off x="1145499" y="931585"/>
+            <a:ext cx="9901002" cy="2092881"/>
+          </a:xfrm>
+          <a:prstGeom prst="rect">
+            <a:avLst/>
+          </a:prstGeom>
+          <a:noFill/>
+        </p:spPr>
+        <p:txBody>
+          <a:bodyPr wrap="square" rtlCol="0">
+            <a:spAutoFit/>
+          </a:bodyPr>
+          <a:lstStyle/>
+          <a:p>
+            <a:pPr>
+              <a:lnSpc>
+                <a:spcPct val="200000"/>
+              </a:lnSpc>
+            </a:pPr>
+            <a:r>
+              <a:rPr lang="en-US" sz="2000" dirty="0">
+                <a:solidFill>
+                  <a:srgbClr val="FF0000"/>
+                </a:solidFill>
+                <a:latin typeface="Arial" panose="020B0604020202020204" pitchFamily="34" charset="0"/>
+                <a:cs typeface="Arial" panose="020B0604020202020204" pitchFamily="34" charset="0"/>
+              </a:rPr>
+              <a:t>Motivation</a:t>
+            </a:r>
+            <a:r>
+              <a:rPr lang="en-IN" sz="2000" dirty="0">
+                <a:solidFill>
+                  <a:srgbClr val="FF0000"/>
+                </a:solidFill>
+                <a:latin typeface="Arial" panose="020B0604020202020204" pitchFamily="34" charset="0"/>
+                <a:cs typeface="Arial" panose="020B0604020202020204" pitchFamily="34" charset="0"/>
+              </a:rPr>
+              <a:t>:</a:t>
+            </a:r>
+          </a:p>
+          <a:p>
+            <a:r>
+              <a:rPr lang="en-US" dirty="0">
+                <a:latin typeface="Arial" panose="020B0604020202020204" pitchFamily="34" charset="0"/>
+                <a:cs typeface="Arial" panose="020B0604020202020204" pitchFamily="34" charset="0"/>
+              </a:rPr>
+              <a:t>The increasing severity and frequency of climate events require reliable tools to predict future climate conditions and their impact on various regions and industries. This project aims to enhance decision-making in climate adaptation by identifying the most accurate and reliable forecasting model for climate scenarios. By comparing LSTM, ARIMA, and Monte Carlo simulation, the project will offer a tool that will help the user to make informed decisions.</a:t>
+            </a:r>
+            <a:endParaRPr lang="en-IN" dirty="0">
+              <a:latin typeface="Arial" panose="020B0604020202020204" pitchFamily="34" charset="0"/>
+              <a:cs typeface="Arial" panose="020B0604020202020204" pitchFamily="34" charset="0"/>
+            </a:endParaRPr>
+          </a:p>
+        </p:txBody>
+      </p:sp>
+      <p:sp>
+        <p:nvSpPr>
+          <p:cNvPr id="5" name="TextBox 4">
+            <a:extLst>
+              <a:ext uri="{FF2B5EF4-FFF2-40B4-BE49-F238E27FC236}">
+                <a16:creationId xmlns:a16="http://schemas.microsoft.com/office/drawing/2014/main" id="{3D58F7DA-1B2B-4ED6-576B-09D9D37E77C9}"/>
+              </a:ext>
+            </a:extLst>
+          </p:cNvPr>
+          <p:cNvSpPr txBox="1"/>
+          <p:nvPr/>
+        </p:nvSpPr>
+        <p:spPr>
+          <a:xfrm>
+            <a:off x="1145500" y="3429000"/>
+            <a:ext cx="9901002" cy="2369880"/>
+          </a:xfrm>
+          <a:prstGeom prst="rect">
+            <a:avLst/>
+          </a:prstGeom>
+          <a:noFill/>
+        </p:spPr>
+        <p:txBody>
+          <a:bodyPr wrap="square">
+            <a:spAutoFit/>
+          </a:bodyPr>
+          <a:lstStyle/>
+          <a:p>
+            <a:pPr>
+              <a:lnSpc>
+                <a:spcPct val="200000"/>
+              </a:lnSpc>
+            </a:pPr>
+            <a:r>
+              <a:rPr lang="en-US" sz="2000" dirty="0">
+                <a:solidFill>
+                  <a:srgbClr val="FF0000"/>
+                </a:solidFill>
+                <a:latin typeface="Arial" panose="020B0604020202020204" pitchFamily="34" charset="0"/>
+                <a:cs typeface="Arial" panose="020B0604020202020204" pitchFamily="34" charset="0"/>
+              </a:rPr>
+              <a:t>Problem Statement:</a:t>
+            </a:r>
+            <a:endParaRPr lang="en-US" sz="1800" dirty="0">
+              <a:solidFill>
+                <a:srgbClr val="FF0000"/>
+              </a:solidFill>
+              <a:latin typeface="Arial" panose="020B0604020202020204" pitchFamily="34" charset="0"/>
+              <a:cs typeface="Arial" panose="020B0604020202020204" pitchFamily="34" charset="0"/>
+            </a:endParaRPr>
+          </a:p>
+          <a:p>
+            <a:r>
+              <a:rPr lang="en-US" dirty="0"/>
+              <a:t>The goal of this project is to predict future climate scenarios and assess potential risks using advanced machine learning and statistical methods. Specifically, we aim to compare three models </a:t>
+            </a:r>
+            <a:r>
+              <a:rPr lang="en-US" b="1" dirty="0"/>
+              <a:t>LSTM</a:t>
+            </a:r>
+            <a:r>
+              <a:rPr lang="en-US" dirty="0"/>
+              <a:t>, </a:t>
+            </a:r>
+            <a:r>
+              <a:rPr lang="en-US" b="1" dirty="0"/>
+              <a:t>ARIMA</a:t>
+            </a:r>
+            <a:r>
+              <a:rPr lang="en-US" dirty="0"/>
+              <a:t>, and </a:t>
+            </a:r>
+            <a:r>
+              <a:rPr lang="en-US" b="1" dirty="0"/>
+              <a:t>Monte Carlo simulation </a:t>
+            </a:r>
+            <a:r>
+              <a:rPr lang="en-US" dirty="0"/>
+              <a:t>to determine which one provides the most reliable and accurate predictions using time series climate data. The selected model will then be used to develop a web application that allows users to simulate and analyze climate scenarios, helping them make informed decisions for climate adaptation and risk management.</a:t>
+            </a:r>
+            <a:endParaRPr lang="en-US" sz="1800" dirty="0">
+              <a:solidFill>
+                <a:srgbClr val="FF0000"/>
+              </a:solidFill>
+              <a:latin typeface="Arial" panose="020B0604020202020204" pitchFamily="34" charset="0"/>
+              <a:cs typeface="Arial" panose="020B0604020202020204" pitchFamily="34" charset="0"/>
+            </a:endParaRPr>
+          </a:p>
+        </p:txBody>
+      </p:sp>
+    </p:spTree>
+    <p:extLst>
+      <p:ext uri="{BB962C8B-B14F-4D97-AF65-F5344CB8AC3E}">
+        <p14:creationId xmlns:p14="http://schemas.microsoft.com/office/powerpoint/2010/main" val="1138356094"/>
+      </p:ext>
+    </p:extLst>
+  </p:cSld>
+  <p:clrMapOvr>
+    <a:masterClrMapping/>
+  </p:clrMapOvr>
+</p:sld>
+</file>
+
+<file path=ppt/slides/slide5.xml><?xml version="1.0" encoding="utf-8"?>
+<p:sld xmlns:a="http://schemas.openxmlformats.org/drawingml/2006/main" xmlns:r="http://schemas.openxmlformats.org/officeDocument/2006/relationships" xmlns:p="http://schemas.openxmlformats.org/presentationml/2006/main">
+  <p:cSld>
+    <p:spTree>
+      <p:nvGrpSpPr>
+        <p:cNvPr id="1" name=""/>
+        <p:cNvGrpSpPr/>
+        <p:nvPr/>
+      </p:nvGrpSpPr>
+      <p:grpSpPr>
+        <a:xfrm>
+          <a:off x="0" y="0"/>
+          <a:ext cx="0" cy="0"/>
+          <a:chOff x="0" y="0"/>
+          <a:chExt cx="0" cy="0"/>
+        </a:xfrm>
+      </p:grpSpPr>
+      <p:sp>
+        <p:nvSpPr>
+          <p:cNvPr id="2" name="TextBox 1">
+            <a:extLst>
+              <a:ext uri="{FF2B5EF4-FFF2-40B4-BE49-F238E27FC236}">
+                <a16:creationId xmlns:a16="http://schemas.microsoft.com/office/drawing/2014/main" id="{B2EC635B-D8A3-4A72-8304-20FFBA5D21A3}"/>
+              </a:ext>
+            </a:extLst>
+          </p:cNvPr>
+          <p:cNvSpPr txBox="1"/>
+          <p:nvPr/>
+        </p:nvSpPr>
+        <p:spPr>
+          <a:xfrm>
+            <a:off x="325927" y="222500"/>
+            <a:ext cx="7530363" cy="584775"/>
+          </a:xfrm>
+          <a:prstGeom prst="rect">
+            <a:avLst/>
+          </a:prstGeom>
+          <a:noFill/>
+        </p:spPr>
+        <p:txBody>
+          <a:bodyPr wrap="square" rtlCol="0">
+            <a:spAutoFit/>
+          </a:bodyPr>
+          <a:lstStyle/>
+          <a:p>
+            <a:r>
+              <a:rPr lang="en-US" sz="3200" b="1" dirty="0">
+                <a:solidFill>
+                  <a:srgbClr val="46B0FA"/>
+                </a:solidFill>
+                <a:latin typeface="Arial" panose="020B0604020202020204" pitchFamily="34" charset="0"/>
+                <a:cs typeface="Arial" panose="020B0604020202020204" pitchFamily="34" charset="0"/>
+              </a:rPr>
+              <a:t>Introduction</a:t>
+            </a:r>
+            <a:endParaRPr lang="en-IN" sz="3200" b="1" dirty="0">
+              <a:solidFill>
+                <a:srgbClr val="46B0FA"/>
+              </a:solidFill>
+              <a:latin typeface="Arial" panose="020B0604020202020204" pitchFamily="34" charset="0"/>
+              <a:cs typeface="Arial" panose="020B0604020202020204" pitchFamily="34" charset="0"/>
+            </a:endParaRPr>
+          </a:p>
+        </p:txBody>
+      </p:sp>
+      <p:sp>
+        <p:nvSpPr>
+          <p:cNvPr id="3" name="TextBox 2">
+            <a:extLst>
+              <a:ext uri="{FF2B5EF4-FFF2-40B4-BE49-F238E27FC236}">
+                <a16:creationId xmlns:a16="http://schemas.microsoft.com/office/drawing/2014/main" id="{66168532-D141-4AB0-BD29-1663F2877B3E}"/>
+              </a:ext>
+            </a:extLst>
+          </p:cNvPr>
+          <p:cNvSpPr txBox="1"/>
+          <p:nvPr/>
+        </p:nvSpPr>
+        <p:spPr>
+          <a:xfrm>
+            <a:off x="966651" y="1286539"/>
+            <a:ext cx="9901002" cy="2554545"/>
+          </a:xfrm>
+          <a:prstGeom prst="rect">
+            <a:avLst/>
+          </a:prstGeom>
+          <a:noFill/>
+        </p:spPr>
+        <p:txBody>
+          <a:bodyPr wrap="square" rtlCol="0">
+            <a:spAutoFit/>
+          </a:bodyPr>
+          <a:lstStyle/>
+          <a:p>
+            <a:r>
+              <a:rPr lang="en-US" sz="2000" dirty="0">
+                <a:solidFill>
+                  <a:srgbClr val="FF0000"/>
+                </a:solidFill>
+                <a:latin typeface="Arial" panose="020B0604020202020204" pitchFamily="34" charset="0"/>
+                <a:cs typeface="Arial" panose="020B0604020202020204" pitchFamily="34" charset="0"/>
+              </a:rPr>
+              <a:t>Area of application: </a:t>
+            </a:r>
+          </a:p>
+          <a:p>
+            <a:pPr marL="342900" indent="-342900">
+              <a:buFont typeface="Arial" panose="020B0604020202020204" pitchFamily="34" charset="0"/>
+              <a:buChar char="•"/>
+            </a:pPr>
+            <a:r>
+              <a:rPr lang="en-US" sz="2000" dirty="0">
+                <a:latin typeface="Arial" panose="020B0604020202020204" pitchFamily="34" charset="0"/>
+                <a:cs typeface="Arial" panose="020B0604020202020204" pitchFamily="34" charset="0"/>
+              </a:rPr>
+              <a:t>Policy Making: Government agencies can use the tool to develop climate change mitigation and adaptation strategies.</a:t>
+            </a:r>
+          </a:p>
+          <a:p>
+            <a:pPr marL="342900" indent="-342900">
+              <a:buFont typeface="Arial" panose="020B0604020202020204" pitchFamily="34" charset="0"/>
+              <a:buChar char="•"/>
+            </a:pPr>
+            <a:r>
+              <a:rPr lang="en-US" sz="2000" dirty="0">
+                <a:latin typeface="Arial" panose="020B0604020202020204" pitchFamily="34" charset="0"/>
+                <a:cs typeface="Arial" panose="020B0604020202020204" pitchFamily="34" charset="0"/>
+              </a:rPr>
+              <a:t>Business Strategy: Industries, particularly those in agriculture, energy, and insurance, can use climate scenario forecasts to manage risks and optimize operations.</a:t>
+            </a:r>
+          </a:p>
+          <a:p>
+            <a:pPr marL="342900" indent="-342900">
+              <a:buFont typeface="Arial" panose="020B0604020202020204" pitchFamily="34" charset="0"/>
+              <a:buChar char="•"/>
+            </a:pPr>
+            <a:r>
+              <a:rPr lang="en-US" sz="2000" dirty="0">
+                <a:latin typeface="Arial" panose="020B0604020202020204" pitchFamily="34" charset="0"/>
+                <a:cs typeface="Arial" panose="020B0604020202020204" pitchFamily="34" charset="0"/>
+              </a:rPr>
+              <a:t>Environmental Research: Researchers can apply the tool to study long-term climate patterns and evaluate the effectiveness of adaptation measures.</a:t>
+            </a:r>
+          </a:p>
+        </p:txBody>
+      </p:sp>
+      <p:sp>
+        <p:nvSpPr>
+          <p:cNvPr id="5" name="TextBox 4">
+            <a:extLst>
+              <a:ext uri="{FF2B5EF4-FFF2-40B4-BE49-F238E27FC236}">
+                <a16:creationId xmlns:a16="http://schemas.microsoft.com/office/drawing/2014/main" id="{855D761A-D47C-ECA9-2854-58170B4C3B53}"/>
+              </a:ext>
+            </a:extLst>
+          </p:cNvPr>
+          <p:cNvSpPr txBox="1"/>
+          <p:nvPr/>
+        </p:nvSpPr>
+        <p:spPr>
+          <a:xfrm>
+            <a:off x="966651" y="3988033"/>
+            <a:ext cx="10105902" cy="1754326"/>
+          </a:xfrm>
+          <a:prstGeom prst="rect">
+            <a:avLst/>
+          </a:prstGeom>
+          <a:noFill/>
+        </p:spPr>
+        <p:txBody>
+          <a:bodyPr wrap="square">
+            <a:spAutoFit/>
+          </a:bodyPr>
+          <a:lstStyle/>
+          <a:p>
+            <a:r>
+              <a:rPr lang="en-US" sz="1800" dirty="0">
+                <a:solidFill>
+                  <a:srgbClr val="FF0000"/>
+                </a:solidFill>
+                <a:latin typeface="Arial" panose="020B0604020202020204" pitchFamily="34" charset="0"/>
+                <a:cs typeface="Arial" panose="020B0604020202020204" pitchFamily="34" charset="0"/>
+              </a:rPr>
+              <a:t>Dataset and input format:</a:t>
+            </a:r>
+          </a:p>
+          <a:p>
+            <a:endParaRPr lang="en-US" sz="1800" dirty="0">
+              <a:solidFill>
+                <a:srgbClr val="FF0000"/>
+              </a:solidFill>
+              <a:latin typeface="Arial" panose="020B0604020202020204" pitchFamily="34" charset="0"/>
+              <a:cs typeface="Arial" panose="020B0604020202020204" pitchFamily="34" charset="0"/>
+            </a:endParaRPr>
+          </a:p>
+          <a:p>
+            <a:r>
+              <a:rPr lang="en-US" sz="1800" dirty="0">
+                <a:solidFill>
+                  <a:srgbClr val="FF0000"/>
+                </a:solidFill>
+                <a:latin typeface="Arial" panose="020B0604020202020204" pitchFamily="34" charset="0"/>
+                <a:cs typeface="Arial" panose="020B0604020202020204" pitchFamily="34" charset="0"/>
+                <a:hlinkClick r:id="rId2"/>
+              </a:rPr>
+              <a:t>DATASET</a:t>
+            </a:r>
+            <a:endParaRPr lang="en-US" sz="1800" dirty="0">
+              <a:solidFill>
+                <a:srgbClr val="FF0000"/>
+              </a:solidFill>
+              <a:latin typeface="Arial" panose="020B0604020202020204" pitchFamily="34" charset="0"/>
+              <a:cs typeface="Arial" panose="020B0604020202020204" pitchFamily="34" charset="0"/>
+            </a:endParaRPr>
+          </a:p>
+          <a:p>
+            <a:endParaRPr lang="en-US" sz="1800" dirty="0">
+              <a:solidFill>
+                <a:srgbClr val="FF0000"/>
+              </a:solidFill>
+              <a:latin typeface="Arial" panose="020B0604020202020204" pitchFamily="34" charset="0"/>
+              <a:cs typeface="Arial" panose="020B0604020202020204" pitchFamily="34" charset="0"/>
+            </a:endParaRPr>
+          </a:p>
+          <a:p>
+            <a:r>
+              <a:rPr lang="en-US" dirty="0">
+                <a:latin typeface="Arial" panose="020B0604020202020204" pitchFamily="34" charset="0"/>
+                <a:cs typeface="Arial" panose="020B0604020202020204" pitchFamily="34" charset="0"/>
+              </a:rPr>
+              <a:t>The dataset is fetched using CDS API in .</a:t>
+            </a:r>
+            <a:r>
+              <a:rPr lang="en-US" dirty="0" err="1">
+                <a:latin typeface="Arial" panose="020B0604020202020204" pitchFamily="34" charset="0"/>
+                <a:cs typeface="Arial" panose="020B0604020202020204" pitchFamily="34" charset="0"/>
+              </a:rPr>
+              <a:t>grb</a:t>
+            </a:r>
+            <a:r>
+              <a:rPr lang="en-US" dirty="0">
+                <a:latin typeface="Arial" panose="020B0604020202020204" pitchFamily="34" charset="0"/>
+                <a:cs typeface="Arial" panose="020B0604020202020204" pitchFamily="34" charset="0"/>
+              </a:rPr>
+              <a:t> and .</a:t>
+            </a:r>
+            <a:r>
+              <a:rPr lang="en-US" dirty="0" err="1">
+                <a:latin typeface="Arial" panose="020B0604020202020204" pitchFamily="34" charset="0"/>
+                <a:cs typeface="Arial" panose="020B0604020202020204" pitchFamily="34" charset="0"/>
+              </a:rPr>
+              <a:t>nc</a:t>
+            </a:r>
+            <a:r>
+              <a:rPr lang="en-US" dirty="0">
+                <a:latin typeface="Arial" panose="020B0604020202020204" pitchFamily="34" charset="0"/>
+                <a:cs typeface="Arial" panose="020B0604020202020204" pitchFamily="34" charset="0"/>
+              </a:rPr>
+              <a:t> format which will then be converted into manipulatable form using libraries like </a:t>
+            </a:r>
+            <a:r>
+              <a:rPr lang="en-US" dirty="0" err="1">
+                <a:latin typeface="Arial" panose="020B0604020202020204" pitchFamily="34" charset="0"/>
+                <a:cs typeface="Arial" panose="020B0604020202020204" pitchFamily="34" charset="0"/>
+              </a:rPr>
+              <a:t>xarray</a:t>
+            </a:r>
+            <a:endParaRPr lang="en-US" sz="1800" dirty="0">
+              <a:latin typeface="Arial" panose="020B0604020202020204" pitchFamily="34" charset="0"/>
+              <a:cs typeface="Arial" panose="020B0604020202020204" pitchFamily="34" charset="0"/>
+            </a:endParaRPr>
+          </a:p>
+        </p:txBody>
+      </p:sp>
+    </p:spTree>
+    <p:extLst>
+      <p:ext uri="{BB962C8B-B14F-4D97-AF65-F5344CB8AC3E}">
+        <p14:creationId xmlns:p14="http://schemas.microsoft.com/office/powerpoint/2010/main" val="2288927434"/>
+      </p:ext>
+    </p:extLst>
+  </p:cSld>
+  <p:clrMapOvr>
+    <a:masterClrMapping/>
+  </p:clrMapOvr>
+</p:sld>
+</file>
+
+<file path=ppt/slides/slide6.xml><?xml version="1.0" encoding="utf-8"?>
+<p:sld xmlns:a="http://schemas.openxmlformats.org/drawingml/2006/main" xmlns:r="http://schemas.openxmlformats.org/officeDocument/2006/relationships" xmlns:p="http://schemas.openxmlformats.org/presentationml/2006/main">
+  <p:cSld>
+    <p:spTree>
+      <p:nvGrpSpPr>
+        <p:cNvPr id="1" name=""/>
+        <p:cNvGrpSpPr/>
+        <p:nvPr/>
+      </p:nvGrpSpPr>
+      <p:grpSpPr>
+        <a:xfrm>
+          <a:off x="0" y="0"/>
+          <a:ext cx="0" cy="0"/>
+          <a:chOff x="0" y="0"/>
+          <a:chExt cx="0" cy="0"/>
+        </a:xfrm>
+      </p:grpSpPr>
+      <p:sp>
+        <p:nvSpPr>
+          <p:cNvPr id="2" name="TextBox 1">
+            <a:extLst>
+              <a:ext uri="{FF2B5EF4-FFF2-40B4-BE49-F238E27FC236}">
+                <a16:creationId xmlns:a16="http://schemas.microsoft.com/office/drawing/2014/main" id="{B2EC635B-D8A3-4A72-8304-20FFBA5D21A3}"/>
+              </a:ext>
+            </a:extLst>
+          </p:cNvPr>
+          <p:cNvSpPr txBox="1"/>
+          <p:nvPr/>
+        </p:nvSpPr>
+        <p:spPr>
+          <a:xfrm>
+            <a:off x="234487" y="248626"/>
+            <a:ext cx="7530363" cy="584775"/>
+          </a:xfrm>
+          <a:prstGeom prst="rect">
+            <a:avLst/>
+          </a:prstGeom>
+          <a:noFill/>
+        </p:spPr>
+        <p:txBody>
+          <a:bodyPr wrap="square" rtlCol="0">
+            <a:spAutoFit/>
+          </a:bodyPr>
+          <a:lstStyle/>
+          <a:p>
+            <a:r>
+              <a:rPr lang="en-US" sz="3200" b="1" dirty="0">
+                <a:solidFill>
+                  <a:srgbClr val="46B0FA"/>
+                </a:solidFill>
+                <a:latin typeface="Arial" panose="020B0604020202020204" pitchFamily="34" charset="0"/>
+                <a:cs typeface="Arial" panose="020B0604020202020204" pitchFamily="34" charset="0"/>
+              </a:rPr>
+              <a:t>Literature Review</a:t>
+            </a:r>
+          </a:p>
+        </p:txBody>
+      </p:sp>
+      <p:sp>
+        <p:nvSpPr>
+          <p:cNvPr id="3" name="TextBox 2">
+            <a:extLst>
+              <a:ext uri="{FF2B5EF4-FFF2-40B4-BE49-F238E27FC236}">
+                <a16:creationId xmlns:a16="http://schemas.microsoft.com/office/drawing/2014/main" id="{66168532-D141-4AB0-BD29-1663F2877B3E}"/>
+              </a:ext>
+            </a:extLst>
+          </p:cNvPr>
+          <p:cNvSpPr txBox="1"/>
+          <p:nvPr/>
+        </p:nvSpPr>
+        <p:spPr>
+          <a:xfrm>
+            <a:off x="878541" y="833401"/>
+            <a:ext cx="10434918" cy="4862870"/>
+          </a:xfrm>
+          <a:prstGeom prst="rect">
+            <a:avLst/>
+          </a:prstGeom>
+          <a:noFill/>
+        </p:spPr>
+        <p:txBody>
+          <a:bodyPr wrap="square" rtlCol="0">
+            <a:spAutoFit/>
+          </a:bodyPr>
+          <a:lstStyle/>
+          <a:p>
+            <a:pPr marL="0" marR="0" lvl="0" indent="0" algn="l" defTabSz="914400" rtl="0" eaLnBrk="1" fontAlgn="auto" latinLnBrk="0" hangingPunct="1">
+              <a:lnSpc>
+                <a:spcPct val="100000"/>
+              </a:lnSpc>
+              <a:spcBef>
+                <a:spcPts val="0"/>
+              </a:spcBef>
+              <a:spcAft>
+                <a:spcPts val="0"/>
+              </a:spcAft>
+              <a:buClrTx/>
+              <a:buSzTx/>
+              <a:buFontTx/>
+              <a:buNone/>
+              <a:tabLst/>
+              <a:defRPr/>
+            </a:pPr>
+            <a:r>
+              <a:rPr kumimoji="0" lang="en-US" sz="2000" b="0" i="0" u="none" strike="noStrike" kern="1200" cap="none" spc="0" normalizeH="0" baseline="0" noProof="0" dirty="0">
+                <a:ln>
+                  <a:noFill/>
+                </a:ln>
+                <a:solidFill>
+                  <a:srgbClr val="FF0000"/>
+                </a:solidFill>
+                <a:effectLst/>
+                <a:uLnTx/>
+                <a:uFillTx/>
+                <a:latin typeface="Arial" panose="020B0604020202020204" pitchFamily="34" charset="0"/>
+                <a:cs typeface="Arial" panose="020B0604020202020204" pitchFamily="34" charset="0"/>
+              </a:rPr>
+              <a:t>Cite Related work</a:t>
+            </a:r>
+            <a:r>
+              <a:rPr lang="en-US" sz="2000" dirty="0">
+                <a:solidFill>
+                  <a:prstClr val="black"/>
+                </a:solidFill>
+                <a:latin typeface="Arial" panose="020B0604020202020204" pitchFamily="34" charset="0"/>
+                <a:cs typeface="Arial" panose="020B0604020202020204" pitchFamily="34" charset="0"/>
+              </a:rPr>
+              <a:t>:</a:t>
+            </a:r>
+          </a:p>
+          <a:p>
+            <a:pPr marL="0" marR="0" lvl="0" indent="0" algn="l" defTabSz="914400" rtl="0" eaLnBrk="1" fontAlgn="auto" latinLnBrk="0" hangingPunct="1">
+              <a:lnSpc>
+                <a:spcPct val="100000"/>
+              </a:lnSpc>
+              <a:spcBef>
+                <a:spcPts val="0"/>
+              </a:spcBef>
+              <a:spcAft>
+                <a:spcPts val="0"/>
+              </a:spcAft>
+              <a:buClrTx/>
+              <a:buSzTx/>
+              <a:buFontTx/>
+              <a:buNone/>
+              <a:tabLst/>
+              <a:defRPr/>
+            </a:pPr>
+            <a:endParaRPr kumimoji="0" lang="en-US" sz="2000" b="0" i="0" u="none" strike="noStrike" kern="1200" cap="none" spc="0" normalizeH="0" baseline="0" noProof="0" dirty="0">
+              <a:ln>
+                <a:noFill/>
+              </a:ln>
+              <a:solidFill>
+                <a:prstClr val="black"/>
+              </a:solidFill>
+              <a:effectLst/>
+              <a:uLnTx/>
+              <a:uFillTx/>
+              <a:latin typeface="Arial" panose="020B0604020202020204" pitchFamily="34" charset="0"/>
+              <a:cs typeface="Arial" panose="020B0604020202020204" pitchFamily="34" charset="0"/>
+            </a:endParaRPr>
+          </a:p>
+          <a:p>
+            <a:pPr marL="0" marR="0" lvl="0" indent="0" algn="l" defTabSz="914400" rtl="0" eaLnBrk="1" fontAlgn="auto" latinLnBrk="0" hangingPunct="1">
+              <a:lnSpc>
+                <a:spcPct val="100000"/>
+              </a:lnSpc>
+              <a:spcBef>
+                <a:spcPts val="0"/>
+              </a:spcBef>
+              <a:spcAft>
+                <a:spcPts val="0"/>
+              </a:spcAft>
+              <a:buClrTx/>
+              <a:buSzTx/>
+              <a:buFontTx/>
+              <a:buNone/>
+              <a:tabLst/>
+              <a:defRPr/>
+            </a:pPr>
+            <a:r>
+              <a:rPr lang="en-US" dirty="0">
+                <a:solidFill>
+                  <a:srgbClr val="434ACF"/>
+                </a:solidFill>
+                <a:latin typeface="Arial" panose="020B0604020202020204" pitchFamily="34" charset="0"/>
+                <a:cs typeface="Arial" panose="020B0604020202020204" pitchFamily="34" charset="0"/>
+                <a:hlinkClick r:id="rId2" action="ppaction://hlinksldjump">
+                  <a:extLst>
+                    <a:ext uri="{A12FA001-AC4F-418D-AE19-62706E023703}">
+                      <ahyp:hlinkClr xmlns:ahyp="http://schemas.microsoft.com/office/drawing/2018/hyperlinkcolor" val="tx"/>
+                    </a:ext>
+                  </a:extLst>
+                </a:hlinkClick>
+              </a:rPr>
+              <a:t>[1]</a:t>
+            </a:r>
+            <a:r>
+              <a:rPr lang="en-US" dirty="0">
+                <a:solidFill>
+                  <a:srgbClr val="434ACF"/>
+                </a:solidFill>
+                <a:latin typeface="Arial" panose="020B0604020202020204" pitchFamily="34" charset="0"/>
+                <a:cs typeface="Arial" panose="020B0604020202020204" pitchFamily="34" charset="0"/>
+              </a:rPr>
+              <a:t> </a:t>
+            </a:r>
+            <a:r>
+              <a:rPr lang="en-US" dirty="0">
+                <a:latin typeface="Arial" panose="020B0604020202020204" pitchFamily="34" charset="0"/>
+                <a:cs typeface="Arial" panose="020B0604020202020204" pitchFamily="34" charset="0"/>
+              </a:rPr>
+              <a:t>explores using Long Short-Term Memory (LSTM) networks to predict daily climate variables like temperature, leveraging historical data from Delhi of two years between 2013-2017. Traditional climate models are computationally intensive and may not capture local patterns well, but LSTM excels at processing time-dependent data. After preprocessing the data, LSTM model was trained, achieving good accuracy with a root mean squared error (RMSE) of 0.78. The results demonstrate the potential for LSTM networks to be applied to more complex climate variables and regions, offering more precise and localized climate forecasts in the future.</a:t>
+            </a:r>
+          </a:p>
+          <a:p>
+            <a:pPr marL="0" marR="0" lvl="0" indent="0" algn="l" defTabSz="914400" rtl="0" eaLnBrk="1" fontAlgn="auto" latinLnBrk="0" hangingPunct="1">
+              <a:lnSpc>
+                <a:spcPct val="100000"/>
+              </a:lnSpc>
+              <a:spcBef>
+                <a:spcPts val="0"/>
+              </a:spcBef>
+              <a:spcAft>
+                <a:spcPts val="0"/>
+              </a:spcAft>
+              <a:buClrTx/>
+              <a:buSzTx/>
+              <a:buFontTx/>
+              <a:buNone/>
+              <a:tabLst/>
+              <a:defRPr/>
+            </a:pPr>
+            <a:endParaRPr lang="en-US" dirty="0">
+              <a:solidFill>
+                <a:srgbClr val="434ACF"/>
+              </a:solidFill>
+              <a:latin typeface="Arial" panose="020B0604020202020204" pitchFamily="34" charset="0"/>
+              <a:cs typeface="Arial" panose="020B0604020202020204" pitchFamily="34" charset="0"/>
+              <a:hlinkClick r:id="rId2" action="ppaction://hlinksldjump">
+                <a:extLst>
+                  <a:ext uri="{A12FA001-AC4F-418D-AE19-62706E023703}">
+                    <ahyp:hlinkClr xmlns:ahyp="http://schemas.microsoft.com/office/drawing/2018/hyperlinkcolor" val="tx"/>
+                  </a:ext>
+                </a:extLst>
+              </a:hlinkClick>
+            </a:endParaRPr>
+          </a:p>
+          <a:p>
+            <a:pPr marL="0" marR="0" lvl="0" indent="0" algn="l" defTabSz="914400" rtl="0" eaLnBrk="1" fontAlgn="auto" latinLnBrk="0" hangingPunct="1">
+              <a:lnSpc>
+                <a:spcPct val="100000"/>
+              </a:lnSpc>
+              <a:spcBef>
+                <a:spcPts val="0"/>
+              </a:spcBef>
+              <a:spcAft>
+                <a:spcPts val="0"/>
+              </a:spcAft>
+              <a:buClrTx/>
+              <a:buSzTx/>
+              <a:buFontTx/>
+              <a:buNone/>
+              <a:tabLst/>
+              <a:defRPr/>
+            </a:pPr>
+            <a:r>
+              <a:rPr lang="en-US" dirty="0">
+                <a:solidFill>
+                  <a:srgbClr val="434ACF"/>
+                </a:solidFill>
+                <a:latin typeface="Arial" panose="020B0604020202020204" pitchFamily="34" charset="0"/>
+                <a:cs typeface="Arial" panose="020B0604020202020204" pitchFamily="34" charset="0"/>
+                <a:hlinkClick r:id="rId2" action="ppaction://hlinksldjump">
+                  <a:extLst>
+                    <a:ext uri="{A12FA001-AC4F-418D-AE19-62706E023703}">
+                      <ahyp:hlinkClr xmlns:ahyp="http://schemas.microsoft.com/office/drawing/2018/hyperlinkcolor" val="tx"/>
+                    </a:ext>
+                  </a:extLst>
+                </a:hlinkClick>
+              </a:rPr>
+              <a:t>[2]</a:t>
+            </a:r>
+            <a:r>
+              <a:rPr lang="en-US" dirty="0">
+                <a:latin typeface="Arial" panose="020B0604020202020204" pitchFamily="34" charset="0"/>
+                <a:cs typeface="Arial" panose="020B0604020202020204" pitchFamily="34" charset="0"/>
+              </a:rPr>
+              <a:t> explores ARIMA model, a statistical approach, to provide regional temperature and precipitation forecasts based on historical observations for 18 years. The ARIMA model was chosen due to its ability to account for temporal correlation and skewed distributions in climate data, improving forecasting accuracy over simpler methods like linear trends. The model was extended to estimate confidence intervals for temperature and precipitation extremes and simulate daily climate conditions. The predictions made by ARIMA model shows its reliability and adaptability for engineering applications, offering a robust alternative to traditional statistical forecasting methods.</a:t>
+            </a:r>
+            <a:endParaRPr kumimoji="0" lang="en-US" b="0" i="0" u="none" strike="noStrike" kern="1200" cap="none" spc="0" normalizeH="0" baseline="0" noProof="0" dirty="0">
+              <a:ln>
+                <a:noFill/>
+              </a:ln>
+              <a:effectLst/>
+              <a:uLnTx/>
+              <a:uFillTx/>
+              <a:latin typeface="Arial" panose="020B0604020202020204" pitchFamily="34" charset="0"/>
+              <a:cs typeface="Arial" panose="020B0604020202020204" pitchFamily="34" charset="0"/>
+            </a:endParaRPr>
+          </a:p>
+        </p:txBody>
+      </p:sp>
+    </p:spTree>
+    <p:extLst>
+      <p:ext uri="{BB962C8B-B14F-4D97-AF65-F5344CB8AC3E}">
+        <p14:creationId xmlns:p14="http://schemas.microsoft.com/office/powerpoint/2010/main" val="2507963610"/>
+      </p:ext>
+    </p:extLst>
+  </p:cSld>
+  <p:clrMapOvr>
+    <a:masterClrMapping/>
+  </p:clrMapOvr>
+</p:sld>
+</file>
+
+<file path=ppt/slides/slide7.xml><?xml version="1.0" encoding="utf-8"?>
+<p:sld xmlns:a="http://schemas.openxmlformats.org/drawingml/2006/main" xmlns:r="http://schemas.openxmlformats.org/officeDocument/2006/relationships" xmlns:p="http://schemas.openxmlformats.org/presentationml/2006/main">
+  <p:cSld>
+    <p:spTree>
+      <p:nvGrpSpPr>
+        <p:cNvPr id="1" name=""/>
+        <p:cNvGrpSpPr/>
+        <p:nvPr/>
+      </p:nvGrpSpPr>
+      <p:grpSpPr>
+        <a:xfrm>
+          <a:off x="0" y="0"/>
+          <a:ext cx="0" cy="0"/>
+          <a:chOff x="0" y="0"/>
+          <a:chExt cx="0" cy="0"/>
+        </a:xfrm>
+      </p:grpSpPr>
+      <p:sp>
+        <p:nvSpPr>
+          <p:cNvPr id="2" name="TextBox 1">
+            <a:extLst>
+              <a:ext uri="{FF2B5EF4-FFF2-40B4-BE49-F238E27FC236}">
+                <a16:creationId xmlns:a16="http://schemas.microsoft.com/office/drawing/2014/main" id="{B2EC635B-D8A3-4A72-8304-20FFBA5D21A3}"/>
+              </a:ext>
+            </a:extLst>
+          </p:cNvPr>
+          <p:cNvSpPr txBox="1"/>
+          <p:nvPr/>
+        </p:nvSpPr>
+        <p:spPr>
+          <a:xfrm>
+            <a:off x="234487" y="248626"/>
+            <a:ext cx="7530363" cy="584775"/>
+          </a:xfrm>
+          <a:prstGeom prst="rect">
+            <a:avLst/>
+          </a:prstGeom>
+          <a:noFill/>
+        </p:spPr>
+        <p:txBody>
+          <a:bodyPr wrap="square" rtlCol="0">
+            <a:spAutoFit/>
+          </a:bodyPr>
+          <a:lstStyle/>
+          <a:p>
+            <a:r>
+              <a:rPr lang="en-US" sz="3200" b="1" dirty="0">
+                <a:solidFill>
+                  <a:srgbClr val="46B0FA"/>
+                </a:solidFill>
+                <a:latin typeface="Arial" panose="020B0604020202020204" pitchFamily="34" charset="0"/>
+                <a:cs typeface="Arial" panose="020B0604020202020204" pitchFamily="34" charset="0"/>
+              </a:rPr>
+              <a:t>Literature Review</a:t>
+            </a:r>
+          </a:p>
+        </p:txBody>
+      </p:sp>
+      <p:sp>
+        <p:nvSpPr>
+          <p:cNvPr id="3" name="TextBox 2">
+            <a:extLst>
+              <a:ext uri="{FF2B5EF4-FFF2-40B4-BE49-F238E27FC236}">
+                <a16:creationId xmlns:a16="http://schemas.microsoft.com/office/drawing/2014/main" id="{66168532-D141-4AB0-BD29-1663F2877B3E}"/>
+              </a:ext>
+            </a:extLst>
+          </p:cNvPr>
+          <p:cNvSpPr txBox="1"/>
+          <p:nvPr/>
+        </p:nvSpPr>
+        <p:spPr>
+          <a:xfrm>
+            <a:off x="878541" y="895357"/>
+            <a:ext cx="10434918" cy="5816977"/>
+          </a:xfrm>
+          <a:prstGeom prst="rect">
+            <a:avLst/>
+          </a:prstGeom>
+          <a:noFill/>
+        </p:spPr>
+        <p:txBody>
+          <a:bodyPr wrap="square" rtlCol="0">
+            <a:spAutoFit/>
+          </a:bodyPr>
+          <a:lstStyle/>
+          <a:p>
+            <a:pPr marL="0" marR="0" lvl="0" indent="0" algn="l" defTabSz="914400" rtl="0" eaLnBrk="1" fontAlgn="auto" latinLnBrk="0" hangingPunct="1">
+              <a:lnSpc>
+                <a:spcPct val="100000"/>
+              </a:lnSpc>
+              <a:spcBef>
+                <a:spcPts val="0"/>
+              </a:spcBef>
+              <a:spcAft>
+                <a:spcPts val="0"/>
+              </a:spcAft>
+              <a:buClrTx/>
+              <a:buSzTx/>
+              <a:buFontTx/>
+              <a:buNone/>
+              <a:tabLst/>
+              <a:defRPr/>
+            </a:pPr>
+            <a:r>
+              <a:rPr kumimoji="0" lang="en-US" sz="2000" b="0" i="0" u="none" strike="noStrike" kern="1200" cap="none" spc="0" normalizeH="0" baseline="0" noProof="0" dirty="0">
+                <a:ln>
+                  <a:noFill/>
+                </a:ln>
+                <a:solidFill>
+                  <a:srgbClr val="FF0000"/>
+                </a:solidFill>
+                <a:effectLst/>
+                <a:uLnTx/>
+                <a:uFillTx/>
+                <a:latin typeface="Arial" panose="020B0604020202020204" pitchFamily="34" charset="0"/>
+                <a:cs typeface="Arial" panose="020B0604020202020204" pitchFamily="34" charset="0"/>
+              </a:rPr>
+              <a:t>Cite </a:t>
+            </a:r>
+            <a:r>
+              <a:rPr lang="en-US" sz="2000" dirty="0">
+                <a:solidFill>
+                  <a:srgbClr val="FF0000"/>
+                </a:solidFill>
+                <a:latin typeface="Arial" panose="020B0604020202020204" pitchFamily="34" charset="0"/>
+                <a:cs typeface="Arial" panose="020B0604020202020204" pitchFamily="34" charset="0"/>
+              </a:rPr>
+              <a:t>Related</a:t>
+            </a:r>
+            <a:r>
+              <a:rPr kumimoji="0" lang="en-US" sz="2000" b="0" i="0" u="none" strike="noStrike" kern="1200" cap="none" spc="0" normalizeH="0" baseline="0" noProof="0" dirty="0">
+                <a:ln>
+                  <a:noFill/>
+                </a:ln>
+                <a:solidFill>
+                  <a:srgbClr val="FF0000"/>
+                </a:solidFill>
+                <a:effectLst/>
+                <a:uLnTx/>
+                <a:uFillTx/>
+                <a:latin typeface="Arial" panose="020B0604020202020204" pitchFamily="34" charset="0"/>
+                <a:cs typeface="Arial" panose="020B0604020202020204" pitchFamily="34" charset="0"/>
+              </a:rPr>
+              <a:t> work</a:t>
+            </a:r>
+            <a:r>
+              <a:rPr lang="en-US" sz="2000" dirty="0">
+                <a:solidFill>
+                  <a:prstClr val="black"/>
+                </a:solidFill>
+                <a:latin typeface="Arial" panose="020B0604020202020204" pitchFamily="34" charset="0"/>
+                <a:cs typeface="Arial" panose="020B0604020202020204" pitchFamily="34" charset="0"/>
+              </a:rPr>
+              <a:t>:</a:t>
+            </a:r>
+          </a:p>
+          <a:p>
+            <a:pPr marL="0" marR="0" lvl="0" indent="0" algn="l" defTabSz="914400" rtl="0" eaLnBrk="1" fontAlgn="auto" latinLnBrk="0" hangingPunct="1">
+              <a:lnSpc>
+                <a:spcPct val="100000"/>
+              </a:lnSpc>
+              <a:spcBef>
+                <a:spcPts val="0"/>
+              </a:spcBef>
+              <a:spcAft>
+                <a:spcPts val="0"/>
+              </a:spcAft>
+              <a:buClrTx/>
+              <a:buSzTx/>
+              <a:buFontTx/>
+              <a:buNone/>
+              <a:tabLst/>
+              <a:defRPr/>
+            </a:pPr>
+            <a:endParaRPr kumimoji="0" lang="en-US" sz="2800" b="0" i="0" u="none" strike="noStrike" kern="1200" cap="none" spc="0" normalizeH="0" baseline="0" noProof="0" dirty="0">
+              <a:ln>
+                <a:noFill/>
+              </a:ln>
+              <a:solidFill>
+                <a:prstClr val="black"/>
+              </a:solidFill>
+              <a:effectLst/>
+              <a:uLnTx/>
+              <a:uFillTx/>
+              <a:latin typeface="Arial" panose="020B0604020202020204" pitchFamily="34" charset="0"/>
+              <a:cs typeface="Arial" panose="020B0604020202020204" pitchFamily="34" charset="0"/>
+            </a:endParaRPr>
+          </a:p>
+          <a:p>
+            <a:pPr marL="0" marR="0" lvl="0" indent="0" algn="l" defTabSz="914400" rtl="0" eaLnBrk="1" fontAlgn="auto" latinLnBrk="0" hangingPunct="1">
+              <a:lnSpc>
+                <a:spcPct val="100000"/>
+              </a:lnSpc>
+              <a:spcBef>
+                <a:spcPts val="0"/>
+              </a:spcBef>
+              <a:spcAft>
+                <a:spcPts val="0"/>
+              </a:spcAft>
+              <a:buClrTx/>
+              <a:buSzTx/>
+              <a:buFontTx/>
+              <a:buNone/>
+              <a:tabLst/>
+              <a:defRPr/>
+            </a:pPr>
+            <a:r>
+              <a:rPr kumimoji="0" lang="en-US" b="0" i="0" u="none" strike="noStrike" kern="1200" cap="none" spc="0" normalizeH="0" baseline="0" noProof="0" dirty="0">
+                <a:ln>
+                  <a:noFill/>
+                </a:ln>
+                <a:effectLst/>
+                <a:uLnTx/>
+                <a:uFillTx/>
+                <a:latin typeface="Arial" panose="020B0604020202020204" pitchFamily="34" charset="0"/>
+                <a:cs typeface="Arial" panose="020B0604020202020204" pitchFamily="34" charset="0"/>
+                <a:hlinkClick r:id="rId2" action="ppaction://hlinksldjump"/>
+              </a:rPr>
+              <a:t>[3]</a:t>
+            </a:r>
+            <a:r>
+              <a:rPr kumimoji="0" lang="en-US" b="0" i="0" u="none" strike="noStrike" kern="1200" cap="none" spc="0" normalizeH="0" baseline="0" noProof="0" dirty="0">
+                <a:ln>
+                  <a:noFill/>
+                </a:ln>
+                <a:effectLst/>
+                <a:uLnTx/>
+                <a:uFillTx/>
+                <a:latin typeface="Arial" panose="020B0604020202020204" pitchFamily="34" charset="0"/>
+                <a:cs typeface="Arial" panose="020B0604020202020204" pitchFamily="34" charset="0"/>
+              </a:rPr>
+              <a:t> gives introduction about Monte Carlo simulation on how it is becoming increasingly recognized for its powerful ability to manage uncertainty and variability in complex models. Unlike deterministic simulation, which offers a single outcome by assuming fixed parameters, Monte Carlo simulation explores a range of possible outcomes by incorporating random variations in the model's inputs. This method provides valuable insights into how different factors can influence results over time, making it a robust tool for understanding and predicting complex systems. Its versatility and effectiveness have made Monte Carlo simulation a staple in various fields, from finance to engineering, and it holds significant promise for enhancing decision-making processes. By capturing the full spectrum of potential scenarios, Monte Carlo simulation offers a deeper understanding of risk and uncertainty, which is increasingly important in today’s data-driven world.</a:t>
+            </a:r>
+          </a:p>
+          <a:p>
+            <a:pPr marL="0" marR="0" lvl="0" indent="0" algn="l" defTabSz="914400" rtl="0" eaLnBrk="1" fontAlgn="auto" latinLnBrk="0" hangingPunct="1">
+              <a:lnSpc>
+                <a:spcPct val="100000"/>
+              </a:lnSpc>
+              <a:spcBef>
+                <a:spcPts val="0"/>
+              </a:spcBef>
+              <a:spcAft>
+                <a:spcPts val="0"/>
+              </a:spcAft>
+              <a:buClrTx/>
+              <a:buSzTx/>
+              <a:buFontTx/>
+              <a:buNone/>
+              <a:tabLst/>
+              <a:defRPr/>
+            </a:pPr>
+            <a:endParaRPr lang="en-US" dirty="0">
+              <a:latin typeface="Arial" panose="020B0604020202020204" pitchFamily="34" charset="0"/>
+              <a:cs typeface="Arial" panose="020B0604020202020204" pitchFamily="34" charset="0"/>
+            </a:endParaRPr>
+          </a:p>
+          <a:p>
+            <a:pPr marL="0" marR="0" lvl="0" indent="0" algn="l" defTabSz="914400" rtl="0" eaLnBrk="1" fontAlgn="auto" latinLnBrk="0" hangingPunct="1">
+              <a:lnSpc>
+                <a:spcPct val="100000"/>
+              </a:lnSpc>
+              <a:spcBef>
+                <a:spcPts val="0"/>
+              </a:spcBef>
+              <a:spcAft>
+                <a:spcPts val="0"/>
+              </a:spcAft>
+              <a:buClrTx/>
+              <a:buSzTx/>
+              <a:buFontTx/>
+              <a:buNone/>
+              <a:tabLst/>
+              <a:defRPr/>
+            </a:pPr>
+            <a:r>
+              <a:rPr lang="en-US" dirty="0">
+                <a:latin typeface="Arial" panose="020B0604020202020204" pitchFamily="34" charset="0"/>
+                <a:cs typeface="Arial" panose="020B0604020202020204" pitchFamily="34" charset="0"/>
+                <a:hlinkClick r:id="rId2" action="ppaction://hlinksldjump"/>
+              </a:rPr>
+              <a:t>[4]</a:t>
+            </a:r>
+            <a:r>
+              <a:rPr lang="en-US" dirty="0">
+                <a:latin typeface="Arial" panose="020B0604020202020204" pitchFamily="34" charset="0"/>
+                <a:cs typeface="Arial" panose="020B0604020202020204" pitchFamily="34" charset="0"/>
+              </a:rPr>
+              <a:t> </a:t>
+            </a:r>
+            <a:r>
+              <a:rPr lang="en-US" kern="0" dirty="0">
+                <a:effectLst/>
+                <a:latin typeface="Arial" panose="020B0604020202020204" pitchFamily="34" charset="0"/>
+                <a:ea typeface="Times New Roman" panose="02020603050405020304" pitchFamily="18" charset="0"/>
+                <a:cs typeface="Arial" panose="020B0604020202020204" pitchFamily="34" charset="0"/>
+              </a:rPr>
+              <a:t>the hybrid LSTM-CM model developed in this study combines the strengths of both machine learning (LSTM-SA) and climate models (GS5) to improve drought prediction accuracy. By using the low bias of LSTM-SA and the strong physical simulation capabilities of GS5, LSTM-CM enhances drought forecasting, especially for 1-, 2-, and 3-month lead times, with improved skill scores ranging from 29.17% to 54.29%. This model shows better performance in detecting drought events with lower uncertainty than the stand-alone models, making it a promising tool for more reliable drought prediction.</a:t>
+            </a:r>
+          </a:p>
+        </p:txBody>
+      </p:sp>
+    </p:spTree>
+    <p:extLst>
+      <p:ext uri="{BB962C8B-B14F-4D97-AF65-F5344CB8AC3E}">
+        <p14:creationId xmlns:p14="http://schemas.microsoft.com/office/powerpoint/2010/main" val="733448985"/>
+      </p:ext>
+    </p:extLst>
+  </p:cSld>
+  <p:clrMapOvr>
+    <a:masterClrMapping/>
+  </p:clrMapOvr>
+</p:sld>
+</file>
+
+<file path=ppt/slides/slide8.xml><?xml version="1.0" encoding="utf-8"?>
+<p:sld xmlns:a="http://schemas.openxmlformats.org/drawingml/2006/main" xmlns:r="http://schemas.openxmlformats.org/officeDocument/2006/relationships" xmlns:p="http://schemas.openxmlformats.org/presentationml/2006/main">
+  <p:cSld>
+    <p:spTree>
+      <p:nvGrpSpPr>
+        <p:cNvPr id="1" name=""/>
+        <p:cNvGrpSpPr/>
+        <p:nvPr/>
+      </p:nvGrpSpPr>
+      <p:grpSpPr>
+        <a:xfrm>
+          <a:off x="0" y="0"/>
+          <a:ext cx="0" cy="0"/>
+          <a:chOff x="0" y="0"/>
+          <a:chExt cx="0" cy="0"/>
+        </a:xfrm>
+      </p:grpSpPr>
+      <p:sp>
+        <p:nvSpPr>
+          <p:cNvPr id="2" name="TextBox 1">
+            <a:extLst>
+              <a:ext uri="{FF2B5EF4-FFF2-40B4-BE49-F238E27FC236}">
+                <a16:creationId xmlns:a16="http://schemas.microsoft.com/office/drawing/2014/main" id="{B2EC635B-D8A3-4A72-8304-20FFBA5D21A3}"/>
+              </a:ext>
+            </a:extLst>
+          </p:cNvPr>
+          <p:cNvSpPr txBox="1"/>
+          <p:nvPr/>
+        </p:nvSpPr>
+        <p:spPr>
+          <a:xfrm>
+            <a:off x="234487" y="248626"/>
+            <a:ext cx="7530363" cy="584775"/>
+          </a:xfrm>
+          <a:prstGeom prst="rect">
+            <a:avLst/>
+          </a:prstGeom>
+          <a:noFill/>
+        </p:spPr>
+        <p:txBody>
+          <a:bodyPr wrap="square" rtlCol="0">
+            <a:spAutoFit/>
+          </a:bodyPr>
+          <a:lstStyle/>
+          <a:p>
+            <a:r>
+              <a:rPr lang="en-US" sz="3200" b="1" dirty="0">
+                <a:solidFill>
+                  <a:srgbClr val="46B0FA"/>
+                </a:solidFill>
+                <a:latin typeface="Arial" panose="020B0604020202020204" pitchFamily="34" charset="0"/>
+                <a:cs typeface="Arial" panose="020B0604020202020204" pitchFamily="34" charset="0"/>
+              </a:rPr>
+              <a:t>Literature Review</a:t>
+            </a:r>
+          </a:p>
+        </p:txBody>
+      </p:sp>
+      <p:sp>
+        <p:nvSpPr>
+          <p:cNvPr id="3" name="TextBox 2">
+            <a:extLst>
+              <a:ext uri="{FF2B5EF4-FFF2-40B4-BE49-F238E27FC236}">
+                <a16:creationId xmlns:a16="http://schemas.microsoft.com/office/drawing/2014/main" id="{66168532-D141-4AB0-BD29-1663F2877B3E}"/>
+              </a:ext>
+            </a:extLst>
+          </p:cNvPr>
+          <p:cNvSpPr txBox="1"/>
+          <p:nvPr/>
+        </p:nvSpPr>
+        <p:spPr>
+          <a:xfrm>
+            <a:off x="842682" y="833401"/>
+            <a:ext cx="10506636" cy="4832092"/>
+          </a:xfrm>
+          <a:prstGeom prst="rect">
+            <a:avLst/>
+          </a:prstGeom>
+          <a:noFill/>
+        </p:spPr>
+        <p:txBody>
+          <a:bodyPr wrap="square" rtlCol="0">
+            <a:spAutoFit/>
+          </a:bodyPr>
+          <a:lstStyle/>
+          <a:p>
+            <a:pPr marL="0" marR="0" lvl="0" indent="0" algn="l" defTabSz="914400" rtl="0" eaLnBrk="1" fontAlgn="auto" latinLnBrk="0" hangingPunct="1">
+              <a:lnSpc>
+                <a:spcPct val="100000"/>
+              </a:lnSpc>
+              <a:spcBef>
+                <a:spcPts val="0"/>
+              </a:spcBef>
+              <a:spcAft>
+                <a:spcPts val="0"/>
+              </a:spcAft>
+              <a:buClrTx/>
+              <a:buSzTx/>
+              <a:buFontTx/>
+              <a:buNone/>
+              <a:tabLst/>
+              <a:defRPr/>
+            </a:pPr>
+            <a:r>
+              <a:rPr kumimoji="0" lang="en-US" sz="2000" b="0" i="0" u="none" strike="noStrike" kern="1200" cap="none" spc="0" normalizeH="0" baseline="0" noProof="0" dirty="0">
+                <a:ln>
+                  <a:noFill/>
+                </a:ln>
+                <a:solidFill>
+                  <a:srgbClr val="FF0000"/>
+                </a:solidFill>
+                <a:effectLst/>
+                <a:uLnTx/>
+                <a:uFillTx/>
+                <a:latin typeface="Arial" panose="020B0604020202020204" pitchFamily="34" charset="0"/>
+                <a:cs typeface="Arial" panose="020B0604020202020204" pitchFamily="34" charset="0"/>
+              </a:rPr>
+              <a:t>Cite Related work</a:t>
+            </a:r>
+            <a:r>
+              <a:rPr lang="en-US" sz="2000" dirty="0">
+                <a:solidFill>
+                  <a:prstClr val="black"/>
+                </a:solidFill>
+                <a:latin typeface="Arial" panose="020B0604020202020204" pitchFamily="34" charset="0"/>
+                <a:cs typeface="Arial" panose="020B0604020202020204" pitchFamily="34" charset="0"/>
+              </a:rPr>
+              <a:t>:</a:t>
+            </a:r>
+          </a:p>
+          <a:p>
+            <a:pPr marL="0" marR="0" lvl="0" indent="0" algn="l" defTabSz="914400" rtl="0" eaLnBrk="1" fontAlgn="auto" latinLnBrk="0" hangingPunct="1">
+              <a:lnSpc>
+                <a:spcPct val="100000"/>
+              </a:lnSpc>
+              <a:spcBef>
+                <a:spcPts val="0"/>
+              </a:spcBef>
+              <a:spcAft>
+                <a:spcPts val="0"/>
+              </a:spcAft>
+              <a:buClrTx/>
+              <a:buSzTx/>
+              <a:buFontTx/>
+              <a:buNone/>
+              <a:tabLst/>
+              <a:defRPr/>
+            </a:pPr>
+            <a:endParaRPr kumimoji="0" lang="en-US" b="0" i="0" u="none" strike="noStrike" kern="0" cap="none" spc="0" normalizeH="0" baseline="0" noProof="0" dirty="0">
+              <a:ln>
+                <a:noFill/>
+              </a:ln>
+              <a:uLnTx/>
+              <a:uFillTx/>
+              <a:latin typeface="Arial" panose="020B0604020202020204" pitchFamily="34" charset="0"/>
+              <a:cs typeface="Arial" panose="020B0604020202020204" pitchFamily="34" charset="0"/>
+            </a:endParaRPr>
+          </a:p>
+          <a:p>
+            <a:pPr marL="0" marR="0" lvl="0" indent="0" algn="l" defTabSz="914400" rtl="0" eaLnBrk="1" fontAlgn="auto" latinLnBrk="0" hangingPunct="1">
+              <a:lnSpc>
+                <a:spcPct val="100000"/>
+              </a:lnSpc>
+              <a:spcBef>
+                <a:spcPts val="0"/>
+              </a:spcBef>
+              <a:spcAft>
+                <a:spcPts val="0"/>
+              </a:spcAft>
+              <a:buClrTx/>
+              <a:buSzTx/>
+              <a:buFontTx/>
+              <a:buNone/>
+              <a:tabLst/>
+              <a:defRPr/>
+            </a:pPr>
+            <a:r>
+              <a:rPr kumimoji="0" lang="en-US" b="0" i="0" u="none" strike="noStrike" kern="1200" cap="none" spc="0" normalizeH="0" baseline="0" noProof="0" dirty="0">
+                <a:ln>
+                  <a:noFill/>
+                </a:ln>
+                <a:effectLst/>
+                <a:uLnTx/>
+                <a:uFillTx/>
+                <a:latin typeface="Arial" panose="020B0604020202020204" pitchFamily="34" charset="0"/>
+                <a:cs typeface="Arial" panose="020B0604020202020204" pitchFamily="34" charset="0"/>
+                <a:hlinkClick r:id="rId2" action="ppaction://hlinksldjump"/>
+              </a:rPr>
+              <a:t>[</a:t>
+            </a:r>
+            <a:r>
+              <a:rPr lang="en-US" dirty="0">
+                <a:latin typeface="Arial" panose="020B0604020202020204" pitchFamily="34" charset="0"/>
+                <a:cs typeface="Arial" panose="020B0604020202020204" pitchFamily="34" charset="0"/>
+                <a:hlinkClick r:id="rId2" action="ppaction://hlinksldjump"/>
+              </a:rPr>
+              <a:t>5</a:t>
+            </a:r>
+            <a:r>
+              <a:rPr kumimoji="0" lang="en-US" b="0" i="0" u="none" strike="noStrike" kern="1200" cap="none" spc="0" normalizeH="0" baseline="0" noProof="0" dirty="0">
+                <a:ln>
+                  <a:noFill/>
+                </a:ln>
+                <a:effectLst/>
+                <a:uLnTx/>
+                <a:uFillTx/>
+                <a:latin typeface="Arial" panose="020B0604020202020204" pitchFamily="34" charset="0"/>
+                <a:cs typeface="Arial" panose="020B0604020202020204" pitchFamily="34" charset="0"/>
+                <a:hlinkClick r:id="rId2" action="ppaction://hlinksldjump"/>
+              </a:rPr>
+              <a:t>]</a:t>
+            </a:r>
+            <a:r>
+              <a:rPr kumimoji="0" lang="en-US" b="0" i="0" u="none" strike="noStrike" kern="1200" cap="none" spc="0" normalizeH="0" baseline="0" noProof="0" dirty="0">
+                <a:ln>
+                  <a:noFill/>
+                </a:ln>
+                <a:effectLst/>
+                <a:uLnTx/>
+                <a:uFillTx/>
+                <a:latin typeface="Arial" panose="020B0604020202020204" pitchFamily="34" charset="0"/>
+                <a:cs typeface="Arial" panose="020B0604020202020204" pitchFamily="34" charset="0"/>
+              </a:rPr>
+              <a:t> </a:t>
+            </a:r>
+            <a:r>
+              <a:rPr lang="en-US" kern="0" dirty="0">
+                <a:effectLst/>
+                <a:latin typeface="Arial" panose="020B0604020202020204" pitchFamily="34" charset="0"/>
+                <a:ea typeface="Times New Roman" panose="02020603050405020304" pitchFamily="18" charset="0"/>
+                <a:cs typeface="Arial" panose="020B0604020202020204" pitchFamily="34" charset="0"/>
+              </a:rPr>
+              <a:t>presents a new hybrid model, LSTM-CM, for predicting droughts by combining a long short-term memory (LSTM) model with a climate model (GloSea5). This model is compared against the standalone LSTM model (LSTM-SA) and the GloSea5 model (GS5) in terms of accuracy, bias, and overall performance. The results show that LSTM-CM outperforms both models by reducing bias, capturing the physical processes accurately, and improving prediction skill scores for 1-, 2-, and 3-month lead times. The LSTM-CM model effectively detects droughts with lower uncertainty, making it a reliable tool for drought forecasting.</a:t>
+            </a:r>
+          </a:p>
+          <a:p>
+            <a:pPr marL="0" marR="0" lvl="0" indent="0" algn="l" defTabSz="914400" rtl="0" eaLnBrk="1" fontAlgn="auto" latinLnBrk="0" hangingPunct="1">
+              <a:lnSpc>
+                <a:spcPct val="100000"/>
+              </a:lnSpc>
+              <a:spcBef>
+                <a:spcPts val="0"/>
+              </a:spcBef>
+              <a:spcAft>
+                <a:spcPts val="0"/>
+              </a:spcAft>
+              <a:buClrTx/>
+              <a:buSzTx/>
+              <a:buFontTx/>
+              <a:buNone/>
+              <a:tabLst/>
+              <a:defRPr/>
+            </a:pPr>
+            <a:endParaRPr kumimoji="0" lang="en-US" b="0" i="0" u="none" strike="noStrike" kern="0" cap="none" spc="0" normalizeH="0" baseline="0" noProof="0" dirty="0">
+              <a:ln>
+                <a:noFill/>
+              </a:ln>
+              <a:uLnTx/>
+              <a:uFillTx/>
+              <a:latin typeface="Arial" panose="020B0604020202020204" pitchFamily="34" charset="0"/>
+              <a:cs typeface="Arial" panose="020B0604020202020204" pitchFamily="34" charset="0"/>
+            </a:endParaRPr>
+          </a:p>
+          <a:p>
+            <a:pPr marL="0" marR="0" lvl="0" indent="0" algn="l" defTabSz="914400" rtl="0" eaLnBrk="1" fontAlgn="auto" latinLnBrk="0" hangingPunct="1">
+              <a:lnSpc>
+                <a:spcPct val="100000"/>
+              </a:lnSpc>
+              <a:spcBef>
+                <a:spcPts val="0"/>
+              </a:spcBef>
+              <a:spcAft>
+                <a:spcPts val="0"/>
+              </a:spcAft>
+              <a:buClrTx/>
+              <a:buSzTx/>
+              <a:buFontTx/>
+              <a:buNone/>
+              <a:tabLst/>
+              <a:defRPr/>
+            </a:pPr>
+            <a:r>
+              <a:rPr kumimoji="0" lang="en-US" b="0" i="0" u="none" strike="noStrike" kern="1200" cap="none" spc="0" normalizeH="0" baseline="0" noProof="0" dirty="0">
+                <a:ln>
+                  <a:noFill/>
+                </a:ln>
+                <a:effectLst/>
+                <a:uLnTx/>
+                <a:uFillTx/>
+                <a:latin typeface="Arial" panose="020B0604020202020204" pitchFamily="34" charset="0"/>
+                <a:cs typeface="Arial" panose="020B0604020202020204" pitchFamily="34" charset="0"/>
+                <a:hlinkClick r:id="rId2" action="ppaction://hlinksldjump"/>
+              </a:rPr>
+              <a:t>[6]</a:t>
+            </a:r>
+            <a:r>
+              <a:rPr kumimoji="0" lang="en-US" b="0" i="0" u="none" strike="noStrike" kern="1200" cap="none" spc="0" normalizeH="0" baseline="0" noProof="0" dirty="0">
+                <a:ln>
+                  <a:noFill/>
+                </a:ln>
+                <a:effectLst/>
+                <a:uLnTx/>
+                <a:uFillTx/>
+                <a:latin typeface="Arial" panose="020B0604020202020204" pitchFamily="34" charset="0"/>
+                <a:cs typeface="Arial" panose="020B0604020202020204" pitchFamily="34" charset="0"/>
+              </a:rPr>
+              <a:t> </a:t>
+            </a:r>
+            <a:r>
+              <a:rPr lang="en-US" kern="0" dirty="0">
+                <a:effectLst/>
+                <a:latin typeface="Arial" panose="020B0604020202020204" pitchFamily="34" charset="0"/>
+                <a:ea typeface="Times New Roman" panose="02020603050405020304" pitchFamily="18" charset="0"/>
+                <a:cs typeface="Arial" panose="020B0604020202020204" pitchFamily="34" charset="0"/>
+              </a:rPr>
+              <a:t>presents a method for handling uncertainty in climate change scenarios using a Bayesian Monte-Carlo approach. This method accounts for uncertainties in future greenhouse gas emissions, climate sensitivity, and the limitations of climate models. The model uses various emissions scenarios and climate sensitivities to produce a range of possible future climate conditions. By applying these scenarios to impact models, such as those for hydrology, it provides a probability distribution of outcomes, helping decision-makers assess risks and plan for various future climate conditions. This approach enhances understanding and management of uncertainty in climate impact assessments.</a:t>
+            </a:r>
+            <a:endParaRPr kumimoji="0" lang="en-US" b="0" i="0" u="none" strike="noStrike" kern="1200" cap="none" spc="0" normalizeH="0" baseline="0" noProof="0" dirty="0">
+              <a:ln>
+                <a:noFill/>
+              </a:ln>
+              <a:effectLst/>
+              <a:uLnTx/>
+              <a:uFillTx/>
+              <a:latin typeface="Arial" panose="020B0604020202020204" pitchFamily="34" charset="0"/>
+              <a:cs typeface="Arial" panose="020B0604020202020204" pitchFamily="34" charset="0"/>
+            </a:endParaRPr>
+          </a:p>
+        </p:txBody>
+      </p:sp>
+    </p:spTree>
+    <p:extLst>
+      <p:ext uri="{BB962C8B-B14F-4D97-AF65-F5344CB8AC3E}">
+        <p14:creationId xmlns:p14="http://schemas.microsoft.com/office/powerpoint/2010/main" val="446059913"/>
+      </p:ext>
+    </p:extLst>
+  </p:cSld>
+  <p:clrMapOvr>
+    <a:masterClrMapping/>
+  </p:clrMapOvr>
+</p:sld>
+</file>
+
+<file path=ppt/slides/slide9.xml><?xml version="1.0" encoding="utf-8"?>
+<p:sld xmlns:a="http://schemas.openxmlformats.org/drawingml/2006/main" xmlns:r="http://schemas.openxmlformats.org/officeDocument/2006/relationships" xmlns:p="http://schemas.openxmlformats.org/presentationml/2006/main">
+  <p:cSld>
+    <p:spTree>
+      <p:nvGrpSpPr>
+        <p:cNvPr id="1" name=""/>
+        <p:cNvGrpSpPr/>
+        <p:nvPr/>
+      </p:nvGrpSpPr>
+      <p:grpSpPr>
+        <a:xfrm>
+          <a:off x="0" y="0"/>
+          <a:ext cx="0" cy="0"/>
+          <a:chOff x="0" y="0"/>
+          <a:chExt cx="0" cy="0"/>
+        </a:xfrm>
+      </p:grpSpPr>
+      <p:sp>
+        <p:nvSpPr>
+          <p:cNvPr id="2" name="TextBox 1">
+            <a:extLst>
+              <a:ext uri="{FF2B5EF4-FFF2-40B4-BE49-F238E27FC236}">
+                <a16:creationId xmlns:a16="http://schemas.microsoft.com/office/drawing/2014/main" id="{B2EC635B-D8A3-4A72-8304-20FFBA5D21A3}"/>
+              </a:ext>
+            </a:extLst>
+          </p:cNvPr>
+          <p:cNvSpPr txBox="1"/>
+          <p:nvPr/>
+        </p:nvSpPr>
+        <p:spPr>
+          <a:xfrm>
+            <a:off x="234487" y="248626"/>
+            <a:ext cx="7530363" cy="584775"/>
+          </a:xfrm>
+          <a:prstGeom prst="rect">
+            <a:avLst/>
+          </a:prstGeom>
+          <a:noFill/>
+        </p:spPr>
+        <p:txBody>
+          <a:bodyPr wrap="square" rtlCol="0">
+            <a:spAutoFit/>
+          </a:bodyPr>
+          <a:lstStyle/>
+          <a:p>
+            <a:r>
+              <a:rPr lang="en-US" sz="3200" b="1" dirty="0">
+                <a:solidFill>
+                  <a:srgbClr val="46B0FA"/>
+                </a:solidFill>
+                <a:latin typeface="Arial" panose="020B0604020202020204" pitchFamily="34" charset="0"/>
+                <a:cs typeface="Arial" panose="020B0604020202020204" pitchFamily="34" charset="0"/>
+              </a:rPr>
+              <a:t>Literature Review</a:t>
+            </a:r>
+          </a:p>
+        </p:txBody>
+      </p:sp>
+      <p:pic>
+        <p:nvPicPr>
+          <p:cNvPr id="5" name="Picture 4">
+            <a:extLst>
+              <a:ext uri="{FF2B5EF4-FFF2-40B4-BE49-F238E27FC236}">
+                <a16:creationId xmlns:a16="http://schemas.microsoft.com/office/drawing/2014/main" id="{EECD550B-5BC5-9A80-8CD9-F773958FBF39}"/>
+              </a:ext>
+            </a:extLst>
+          </p:cNvPr>
+          <p:cNvPicPr>
+            <a:picLocks noChangeAspect="1"/>
+          </p:cNvPicPr>
+          <p:nvPr/>
+        </p:nvPicPr>
+        <p:blipFill rotWithShape="1">
+          <a:blip r:embed="rId2"/>
+          <a:srcRect t="4898" b="6531"/>
+          <a:stretch/>
+        </p:blipFill>
+        <p:spPr>
+          <a:xfrm>
+            <a:off x="1804920" y="914400"/>
+            <a:ext cx="8863079" cy="5455920"/>
+          </a:xfrm>
+          <a:prstGeom prst="rect">
+            <a:avLst/>
+          </a:prstGeom>
+          <a:ln w="127000" cap="sq">
+            <a:solidFill>
+              <a:srgbClr val="000000"/>
+            </a:solidFill>
+            <a:miter lim="800000"/>
+          </a:ln>
+          <a:effectLst>
+            <a:outerShdw blurRad="57150" dist="50800" dir="2700000" algn="tl" rotWithShape="0">
+              <a:srgbClr val="000000">
+                <a:alpha val="40000"/>
+              </a:srgbClr>
+            </a:outerShdw>
+          </a:effectLst>
+        </p:spPr>
+      </p:pic>
+    </p:spTree>
+    <p:extLst>
+      <p:ext uri="{BB962C8B-B14F-4D97-AF65-F5344CB8AC3E}">
+        <p14:creationId xmlns:p14="http://schemas.microsoft.com/office/powerpoint/2010/main" val="100738104"/>
       </p:ext>
     </p:extLst>
   </p:cSld>

--- a/Project Presentation Template.pptx
+++ b/Project Presentation Template.pptx
@@ -1490,7 +1490,7 @@
           <a:p>
             <a:pPr algn="ctr"/>
             <a:r>
-              <a:rPr lang="en-IN" sz="3200" b="1" dirty="0" err="1"/>
+              <a:rPr lang="en-IN" sz="3200" b="1" dirty="0"/>
               <a:t>AdaptiPlan</a:t>
             </a:r>
             <a:r>
@@ -1502,7 +1502,7 @@
             <a:pPr algn="ctr"/>
             <a:r>
               <a:rPr lang="en-IN" sz="3200" dirty="0"/>
-              <a:t>                    Climate Change Mitigation</a:t>
+              <a:t>          Climate Change Mitigation</a:t>
             </a:r>
           </a:p>
         </p:txBody>
@@ -4592,7 +4592,7 @@
         </p:nvSpPr>
         <p:spPr>
           <a:xfrm>
-            <a:off x="878541" y="895357"/>
+            <a:off x="878541" y="833401"/>
             <a:ext cx="10434918" cy="5816977"/>
           </a:xfrm>
           <a:prstGeom prst="rect">
@@ -4694,7 +4694,7 @@
               <a:tabLst/>
               <a:defRPr/>
             </a:pPr>
-            <a:endParaRPr kumimoji="0" lang="en-US" sz="2800" b="0" i="0" u="none" strike="noStrike" kern="1200" cap="none" spc="0" normalizeH="0" baseline="0" noProof="0" dirty="0">
+            <a:endParaRPr kumimoji="0" lang="en-US" sz="2000" b="0" i="0" u="none" strike="noStrike" kern="1200" cap="none" spc="0" normalizeH="0" baseline="0" noProof="0" dirty="0">
               <a:ln>
                 <a:noFill/>
               </a:ln>
@@ -4907,7 +4907,7 @@
         </p:nvSpPr>
         <p:spPr>
           <a:xfrm>
-            <a:off x="842682" y="833401"/>
+            <a:off x="842682" y="833084"/>
             <a:ext cx="10506636" cy="4832092"/>
           </a:xfrm>
           <a:prstGeom prst="rect">

--- a/Project Presentation Template.pptx
+++ b/Project Presentation Template.pptx
@@ -5,24 +5,26 @@
     <p:sldMasterId id="2147483648" r:id="rId1"/>
   </p:sldMasterIdLst>
   <p:notesMasterIdLst>
-    <p:notesMasterId r:id="rId17"/>
+    <p:notesMasterId r:id="rId19"/>
   </p:notesMasterIdLst>
   <p:sldIdLst>
     <p:sldId id="3640" r:id="rId2"/>
     <p:sldId id="3694" r:id="rId3"/>
     <p:sldId id="3697" r:id="rId4"/>
-    <p:sldId id="3707" r:id="rId5"/>
-    <p:sldId id="3708" r:id="rId6"/>
-    <p:sldId id="3700" r:id="rId7"/>
-    <p:sldId id="3714" r:id="rId8"/>
-    <p:sldId id="3713" r:id="rId9"/>
-    <p:sldId id="3709" r:id="rId10"/>
-    <p:sldId id="3701" r:id="rId11"/>
-    <p:sldId id="3702" r:id="rId12"/>
-    <p:sldId id="3710" r:id="rId13"/>
-    <p:sldId id="3711" r:id="rId14"/>
-    <p:sldId id="3706" r:id="rId15"/>
-    <p:sldId id="3641" r:id="rId16"/>
+    <p:sldId id="3715" r:id="rId5"/>
+    <p:sldId id="3716" r:id="rId6"/>
+    <p:sldId id="3707" r:id="rId7"/>
+    <p:sldId id="3708" r:id="rId8"/>
+    <p:sldId id="3700" r:id="rId9"/>
+    <p:sldId id="3714" r:id="rId10"/>
+    <p:sldId id="3713" r:id="rId11"/>
+    <p:sldId id="3709" r:id="rId12"/>
+    <p:sldId id="3701" r:id="rId13"/>
+    <p:sldId id="3702" r:id="rId14"/>
+    <p:sldId id="3710" r:id="rId15"/>
+    <p:sldId id="3711" r:id="rId16"/>
+    <p:sldId id="3706" r:id="rId17"/>
+    <p:sldId id="3641" r:id="rId18"/>
   </p:sldIdLst>
   <p:sldSz cx="12192000" cy="6858000"/>
   <p:notesSz cx="6858000" cy="9144000"/>
@@ -1495,15 +1497,13 @@
             </a:r>
             <a:r>
               <a:rPr lang="en-IN" sz="3200" dirty="0"/>
-              <a:t>: Intelligent Scenario Modelling for </a:t>
-            </a:r>
-          </a:p>
-          <a:p>
-            <a:pPr algn="ctr"/>
-            <a:r>
-              <a:rPr lang="en-IN" sz="3200" dirty="0"/>
-              <a:t>          Climate Change Mitigation</a:t>
-            </a:r>
+              <a:t>: Intelligent Scenario Modelling for Climate Change Mitigation </a:t>
+            </a:r>
+            <a:r>
+              <a:rPr lang="en-US" sz="3200" dirty="0"/>
+              <a:t>using Computational Statistical Model</a:t>
+            </a:r>
+            <a:endParaRPr lang="en-IN" sz="3200" dirty="0"/>
           </a:p>
         </p:txBody>
       </p:sp>
@@ -1515,7 +1515,7 @@
         </p:nvSpPr>
         <p:spPr>
           <a:xfrm>
-            <a:off x="8882743" y="5003074"/>
+            <a:off x="8712898" y="4976948"/>
             <a:ext cx="2717074" cy="646331"/>
           </a:xfrm>
           <a:prstGeom prst="rect">
@@ -1633,6 +1633,462 @@
         </p:nvSpPr>
         <p:spPr>
           <a:xfrm>
+            <a:off x="234487" y="248626"/>
+            <a:ext cx="7530363" cy="584775"/>
+          </a:xfrm>
+          <a:prstGeom prst="rect">
+            <a:avLst/>
+          </a:prstGeom>
+          <a:noFill/>
+        </p:spPr>
+        <p:txBody>
+          <a:bodyPr wrap="square" rtlCol="0">
+            <a:spAutoFit/>
+          </a:bodyPr>
+          <a:lstStyle/>
+          <a:p>
+            <a:r>
+              <a:rPr lang="en-US" sz="3200" b="1" dirty="0">
+                <a:solidFill>
+                  <a:srgbClr val="46B0FA"/>
+                </a:solidFill>
+                <a:latin typeface="Arial" panose="020B0604020202020204" pitchFamily="34" charset="0"/>
+                <a:cs typeface="Arial" panose="020B0604020202020204" pitchFamily="34" charset="0"/>
+              </a:rPr>
+              <a:t>Literature Review</a:t>
+            </a:r>
+          </a:p>
+        </p:txBody>
+      </p:sp>
+      <p:sp>
+        <p:nvSpPr>
+          <p:cNvPr id="3" name="TextBox 2">
+            <a:extLst>
+              <a:ext uri="{FF2B5EF4-FFF2-40B4-BE49-F238E27FC236}">
+                <a16:creationId xmlns:a16="http://schemas.microsoft.com/office/drawing/2014/main" id="{66168532-D141-4AB0-BD29-1663F2877B3E}"/>
+              </a:ext>
+            </a:extLst>
+          </p:cNvPr>
+          <p:cNvSpPr txBox="1"/>
+          <p:nvPr/>
+        </p:nvSpPr>
+        <p:spPr>
+          <a:xfrm>
+            <a:off x="842682" y="833084"/>
+            <a:ext cx="10506636" cy="4832092"/>
+          </a:xfrm>
+          <a:prstGeom prst="rect">
+            <a:avLst/>
+          </a:prstGeom>
+          <a:noFill/>
+        </p:spPr>
+        <p:txBody>
+          <a:bodyPr wrap="square" rtlCol="0">
+            <a:spAutoFit/>
+          </a:bodyPr>
+          <a:lstStyle/>
+          <a:p>
+            <a:pPr marL="0" marR="0" lvl="0" indent="0" algn="l" defTabSz="914400" rtl="0" eaLnBrk="1" fontAlgn="auto" latinLnBrk="0" hangingPunct="1">
+              <a:lnSpc>
+                <a:spcPct val="100000"/>
+              </a:lnSpc>
+              <a:spcBef>
+                <a:spcPts val="0"/>
+              </a:spcBef>
+              <a:spcAft>
+                <a:spcPts val="0"/>
+              </a:spcAft>
+              <a:buClrTx/>
+              <a:buSzTx/>
+              <a:buFontTx/>
+              <a:buNone/>
+              <a:tabLst/>
+              <a:defRPr/>
+            </a:pPr>
+            <a:r>
+              <a:rPr kumimoji="0" lang="en-US" sz="2000" b="0" i="0" u="none" strike="noStrike" kern="1200" cap="none" spc="0" normalizeH="0" baseline="0" noProof="0" dirty="0">
+                <a:ln>
+                  <a:noFill/>
+                </a:ln>
+                <a:solidFill>
+                  <a:srgbClr val="FF0000"/>
+                </a:solidFill>
+                <a:effectLst/>
+                <a:uLnTx/>
+                <a:uFillTx/>
+                <a:latin typeface="Arial" panose="020B0604020202020204" pitchFamily="34" charset="0"/>
+                <a:cs typeface="Arial" panose="020B0604020202020204" pitchFamily="34" charset="0"/>
+              </a:rPr>
+              <a:t>Cite Related work</a:t>
+            </a:r>
+            <a:r>
+              <a:rPr lang="en-US" sz="2000" dirty="0">
+                <a:solidFill>
+                  <a:prstClr val="black"/>
+                </a:solidFill>
+                <a:latin typeface="Arial" panose="020B0604020202020204" pitchFamily="34" charset="0"/>
+                <a:cs typeface="Arial" panose="020B0604020202020204" pitchFamily="34" charset="0"/>
+              </a:rPr>
+              <a:t>:</a:t>
+            </a:r>
+          </a:p>
+          <a:p>
+            <a:pPr marL="0" marR="0" lvl="0" indent="0" algn="l" defTabSz="914400" rtl="0" eaLnBrk="1" fontAlgn="auto" latinLnBrk="0" hangingPunct="1">
+              <a:lnSpc>
+                <a:spcPct val="100000"/>
+              </a:lnSpc>
+              <a:spcBef>
+                <a:spcPts val="0"/>
+              </a:spcBef>
+              <a:spcAft>
+                <a:spcPts val="0"/>
+              </a:spcAft>
+              <a:buClrTx/>
+              <a:buSzTx/>
+              <a:buFontTx/>
+              <a:buNone/>
+              <a:tabLst/>
+              <a:defRPr/>
+            </a:pPr>
+            <a:endParaRPr kumimoji="0" lang="en-US" b="0" i="0" u="none" strike="noStrike" kern="0" cap="none" spc="0" normalizeH="0" baseline="0" noProof="0" dirty="0">
+              <a:ln>
+                <a:noFill/>
+              </a:ln>
+              <a:uLnTx/>
+              <a:uFillTx/>
+              <a:latin typeface="Arial" panose="020B0604020202020204" pitchFamily="34" charset="0"/>
+              <a:cs typeface="Arial" panose="020B0604020202020204" pitchFamily="34" charset="0"/>
+            </a:endParaRPr>
+          </a:p>
+          <a:p>
+            <a:pPr marL="0" marR="0" lvl="0" indent="0" algn="l" defTabSz="914400" rtl="0" eaLnBrk="1" fontAlgn="auto" latinLnBrk="0" hangingPunct="1">
+              <a:lnSpc>
+                <a:spcPct val="100000"/>
+              </a:lnSpc>
+              <a:spcBef>
+                <a:spcPts val="0"/>
+              </a:spcBef>
+              <a:spcAft>
+                <a:spcPts val="0"/>
+              </a:spcAft>
+              <a:buClrTx/>
+              <a:buSzTx/>
+              <a:buFontTx/>
+              <a:buNone/>
+              <a:tabLst/>
+              <a:defRPr/>
+            </a:pPr>
+            <a:r>
+              <a:rPr kumimoji="0" lang="en-US" b="0" i="0" u="none" strike="noStrike" kern="1200" cap="none" spc="0" normalizeH="0" baseline="0" noProof="0" dirty="0">
+                <a:ln>
+                  <a:noFill/>
+                </a:ln>
+                <a:effectLst/>
+                <a:uLnTx/>
+                <a:uFillTx/>
+                <a:latin typeface="Arial" panose="020B0604020202020204" pitchFamily="34" charset="0"/>
+                <a:cs typeface="Arial" panose="020B0604020202020204" pitchFamily="34" charset="0"/>
+                <a:hlinkClick r:id="rId2" action="ppaction://hlinksldjump"/>
+              </a:rPr>
+              <a:t>[</a:t>
+            </a:r>
+            <a:r>
+              <a:rPr lang="en-US" dirty="0">
+                <a:latin typeface="Arial" panose="020B0604020202020204" pitchFamily="34" charset="0"/>
+                <a:cs typeface="Arial" panose="020B0604020202020204" pitchFamily="34" charset="0"/>
+                <a:hlinkClick r:id="rId2" action="ppaction://hlinksldjump"/>
+              </a:rPr>
+              <a:t>5</a:t>
+            </a:r>
+            <a:r>
+              <a:rPr kumimoji="0" lang="en-US" b="0" i="0" u="none" strike="noStrike" kern="1200" cap="none" spc="0" normalizeH="0" baseline="0" noProof="0" dirty="0">
+                <a:ln>
+                  <a:noFill/>
+                </a:ln>
+                <a:effectLst/>
+                <a:uLnTx/>
+                <a:uFillTx/>
+                <a:latin typeface="Arial" panose="020B0604020202020204" pitchFamily="34" charset="0"/>
+                <a:cs typeface="Arial" panose="020B0604020202020204" pitchFamily="34" charset="0"/>
+                <a:hlinkClick r:id="rId2" action="ppaction://hlinksldjump"/>
+              </a:rPr>
+              <a:t>]</a:t>
+            </a:r>
+            <a:r>
+              <a:rPr kumimoji="0" lang="en-US" b="0" i="0" u="none" strike="noStrike" kern="1200" cap="none" spc="0" normalizeH="0" baseline="0" noProof="0" dirty="0">
+                <a:ln>
+                  <a:noFill/>
+                </a:ln>
+                <a:effectLst/>
+                <a:uLnTx/>
+                <a:uFillTx/>
+                <a:latin typeface="Arial" panose="020B0604020202020204" pitchFamily="34" charset="0"/>
+                <a:cs typeface="Arial" panose="020B0604020202020204" pitchFamily="34" charset="0"/>
+              </a:rPr>
+              <a:t> </a:t>
+            </a:r>
+            <a:r>
+              <a:rPr lang="en-US" kern="0" dirty="0">
+                <a:effectLst/>
+                <a:latin typeface="Arial" panose="020B0604020202020204" pitchFamily="34" charset="0"/>
+                <a:ea typeface="Times New Roman" panose="02020603050405020304" pitchFamily="18" charset="0"/>
+                <a:cs typeface="Arial" panose="020B0604020202020204" pitchFamily="34" charset="0"/>
+              </a:rPr>
+              <a:t>presents a new hybrid model, LSTM-CM, for predicting droughts by combining a long short-term memory (LSTM) model with a climate model (GloSea5). This model is compared against the standalone LSTM model (LSTM-SA) and the GloSea5 model (GS5) in terms of accuracy, bias, and overall performance. The results show that LSTM-CM outperforms both models by reducing bias, capturing the physical processes accurately, and improving prediction skill scores for 1-, 2-, and 3-month lead times. The LSTM-CM model effectively detects droughts with lower uncertainty, making it a reliable tool for drought forecasting.</a:t>
+            </a:r>
+          </a:p>
+          <a:p>
+            <a:pPr marL="0" marR="0" lvl="0" indent="0" algn="l" defTabSz="914400" rtl="0" eaLnBrk="1" fontAlgn="auto" latinLnBrk="0" hangingPunct="1">
+              <a:lnSpc>
+                <a:spcPct val="100000"/>
+              </a:lnSpc>
+              <a:spcBef>
+                <a:spcPts val="0"/>
+              </a:spcBef>
+              <a:spcAft>
+                <a:spcPts val="0"/>
+              </a:spcAft>
+              <a:buClrTx/>
+              <a:buSzTx/>
+              <a:buFontTx/>
+              <a:buNone/>
+              <a:tabLst/>
+              <a:defRPr/>
+            </a:pPr>
+            <a:endParaRPr kumimoji="0" lang="en-US" b="0" i="0" u="none" strike="noStrike" kern="0" cap="none" spc="0" normalizeH="0" baseline="0" noProof="0" dirty="0">
+              <a:ln>
+                <a:noFill/>
+              </a:ln>
+              <a:uLnTx/>
+              <a:uFillTx/>
+              <a:latin typeface="Arial" panose="020B0604020202020204" pitchFamily="34" charset="0"/>
+              <a:cs typeface="Arial" panose="020B0604020202020204" pitchFamily="34" charset="0"/>
+            </a:endParaRPr>
+          </a:p>
+          <a:p>
+            <a:pPr marL="0" marR="0" lvl="0" indent="0" algn="l" defTabSz="914400" rtl="0" eaLnBrk="1" fontAlgn="auto" latinLnBrk="0" hangingPunct="1">
+              <a:lnSpc>
+                <a:spcPct val="100000"/>
+              </a:lnSpc>
+              <a:spcBef>
+                <a:spcPts val="0"/>
+              </a:spcBef>
+              <a:spcAft>
+                <a:spcPts val="0"/>
+              </a:spcAft>
+              <a:buClrTx/>
+              <a:buSzTx/>
+              <a:buFontTx/>
+              <a:buNone/>
+              <a:tabLst/>
+              <a:defRPr/>
+            </a:pPr>
+            <a:r>
+              <a:rPr kumimoji="0" lang="en-US" b="0" i="0" u="none" strike="noStrike" kern="1200" cap="none" spc="0" normalizeH="0" baseline="0" noProof="0" dirty="0">
+                <a:ln>
+                  <a:noFill/>
+                </a:ln>
+                <a:effectLst/>
+                <a:uLnTx/>
+                <a:uFillTx/>
+                <a:latin typeface="Arial" panose="020B0604020202020204" pitchFamily="34" charset="0"/>
+                <a:cs typeface="Arial" panose="020B0604020202020204" pitchFamily="34" charset="0"/>
+                <a:hlinkClick r:id="rId2" action="ppaction://hlinksldjump"/>
+              </a:rPr>
+              <a:t>[6]</a:t>
+            </a:r>
+            <a:r>
+              <a:rPr kumimoji="0" lang="en-US" b="0" i="0" u="none" strike="noStrike" kern="1200" cap="none" spc="0" normalizeH="0" baseline="0" noProof="0" dirty="0">
+                <a:ln>
+                  <a:noFill/>
+                </a:ln>
+                <a:effectLst/>
+                <a:uLnTx/>
+                <a:uFillTx/>
+                <a:latin typeface="Arial" panose="020B0604020202020204" pitchFamily="34" charset="0"/>
+                <a:cs typeface="Arial" panose="020B0604020202020204" pitchFamily="34" charset="0"/>
+              </a:rPr>
+              <a:t> </a:t>
+            </a:r>
+            <a:r>
+              <a:rPr lang="en-US" kern="0" dirty="0">
+                <a:effectLst/>
+                <a:latin typeface="Arial" panose="020B0604020202020204" pitchFamily="34" charset="0"/>
+                <a:ea typeface="Times New Roman" panose="02020603050405020304" pitchFamily="18" charset="0"/>
+                <a:cs typeface="Arial" panose="020B0604020202020204" pitchFamily="34" charset="0"/>
+              </a:rPr>
+              <a:t>presents a method for handling uncertainty in climate change scenarios using a Bayesian Monte-Carlo approach. This method accounts for uncertainties in future greenhouse gas emissions, climate sensitivity, and the limitations of climate models. The model uses various emissions scenarios and climate sensitivities to produce a range of possible future climate conditions. By applying these scenarios to impact models, such as those for hydrology, it provides a probability distribution of outcomes, helping decision-makers assess risks and plan for various future climate conditions. This approach enhances understanding and management of uncertainty in climate impact assessments.</a:t>
+            </a:r>
+            <a:endParaRPr kumimoji="0" lang="en-US" b="0" i="0" u="none" strike="noStrike" kern="1200" cap="none" spc="0" normalizeH="0" baseline="0" noProof="0" dirty="0">
+              <a:ln>
+                <a:noFill/>
+              </a:ln>
+              <a:effectLst/>
+              <a:uLnTx/>
+              <a:uFillTx/>
+              <a:latin typeface="Arial" panose="020B0604020202020204" pitchFamily="34" charset="0"/>
+              <a:cs typeface="Arial" panose="020B0604020202020204" pitchFamily="34" charset="0"/>
+            </a:endParaRPr>
+          </a:p>
+        </p:txBody>
+      </p:sp>
+    </p:spTree>
+    <p:extLst>
+      <p:ext uri="{BB962C8B-B14F-4D97-AF65-F5344CB8AC3E}">
+        <p14:creationId xmlns:p14="http://schemas.microsoft.com/office/powerpoint/2010/main" val="446059913"/>
+      </p:ext>
+    </p:extLst>
+  </p:cSld>
+  <p:clrMapOvr>
+    <a:masterClrMapping/>
+  </p:clrMapOvr>
+</p:sld>
+</file>
+
+<file path=ppt/slides/slide11.xml><?xml version="1.0" encoding="utf-8"?>
+<p:sld xmlns:a="http://schemas.openxmlformats.org/drawingml/2006/main" xmlns:r="http://schemas.openxmlformats.org/officeDocument/2006/relationships" xmlns:p="http://schemas.openxmlformats.org/presentationml/2006/main">
+  <p:cSld>
+    <p:spTree>
+      <p:nvGrpSpPr>
+        <p:cNvPr id="1" name=""/>
+        <p:cNvGrpSpPr/>
+        <p:nvPr/>
+      </p:nvGrpSpPr>
+      <p:grpSpPr>
+        <a:xfrm>
+          <a:off x="0" y="0"/>
+          <a:ext cx="0" cy="0"/>
+          <a:chOff x="0" y="0"/>
+          <a:chExt cx="0" cy="0"/>
+        </a:xfrm>
+      </p:grpSpPr>
+      <p:sp>
+        <p:nvSpPr>
+          <p:cNvPr id="2" name="TextBox 1">
+            <a:extLst>
+              <a:ext uri="{FF2B5EF4-FFF2-40B4-BE49-F238E27FC236}">
+                <a16:creationId xmlns:a16="http://schemas.microsoft.com/office/drawing/2014/main" id="{B2EC635B-D8A3-4A72-8304-20FFBA5D21A3}"/>
+              </a:ext>
+            </a:extLst>
+          </p:cNvPr>
+          <p:cNvSpPr txBox="1"/>
+          <p:nvPr/>
+        </p:nvSpPr>
+        <p:spPr>
+          <a:xfrm>
+            <a:off x="234487" y="248626"/>
+            <a:ext cx="7530363" cy="584775"/>
+          </a:xfrm>
+          <a:prstGeom prst="rect">
+            <a:avLst/>
+          </a:prstGeom>
+          <a:noFill/>
+        </p:spPr>
+        <p:txBody>
+          <a:bodyPr wrap="square" rtlCol="0">
+            <a:spAutoFit/>
+          </a:bodyPr>
+          <a:lstStyle/>
+          <a:p>
+            <a:r>
+              <a:rPr lang="en-US" sz="3200" b="1" dirty="0">
+                <a:solidFill>
+                  <a:srgbClr val="46B0FA"/>
+                </a:solidFill>
+                <a:latin typeface="Arial" panose="020B0604020202020204" pitchFamily="34" charset="0"/>
+                <a:cs typeface="Arial" panose="020B0604020202020204" pitchFamily="34" charset="0"/>
+              </a:rPr>
+              <a:t>Literature Review</a:t>
+            </a:r>
+          </a:p>
+        </p:txBody>
+      </p:sp>
+      <p:pic>
+        <p:nvPicPr>
+          <p:cNvPr id="5" name="Picture 4">
+            <a:extLst>
+              <a:ext uri="{FF2B5EF4-FFF2-40B4-BE49-F238E27FC236}">
+                <a16:creationId xmlns:a16="http://schemas.microsoft.com/office/drawing/2014/main" id="{EECD550B-5BC5-9A80-8CD9-F773958FBF39}"/>
+              </a:ext>
+            </a:extLst>
+          </p:cNvPr>
+          <p:cNvPicPr>
+            <a:picLocks noChangeAspect="1"/>
+          </p:cNvPicPr>
+          <p:nvPr/>
+        </p:nvPicPr>
+        <p:blipFill rotWithShape="1">
+          <a:blip r:embed="rId2"/>
+          <a:srcRect t="4898" b="6531"/>
+          <a:stretch/>
+        </p:blipFill>
+        <p:spPr>
+          <a:xfrm>
+            <a:off x="1804920" y="914400"/>
+            <a:ext cx="8863079" cy="5455920"/>
+          </a:xfrm>
+          <a:prstGeom prst="rect">
+            <a:avLst/>
+          </a:prstGeom>
+          <a:ln w="127000" cap="sq">
+            <a:solidFill>
+              <a:srgbClr val="000000"/>
+            </a:solidFill>
+            <a:miter lim="800000"/>
+          </a:ln>
+          <a:effectLst>
+            <a:outerShdw blurRad="57150" dist="50800" dir="2700000" algn="tl" rotWithShape="0">
+              <a:srgbClr val="000000">
+                <a:alpha val="40000"/>
+              </a:srgbClr>
+            </a:outerShdw>
+          </a:effectLst>
+        </p:spPr>
+      </p:pic>
+    </p:spTree>
+    <p:extLst>
+      <p:ext uri="{BB962C8B-B14F-4D97-AF65-F5344CB8AC3E}">
+        <p14:creationId xmlns:p14="http://schemas.microsoft.com/office/powerpoint/2010/main" val="100738104"/>
+      </p:ext>
+    </p:extLst>
+  </p:cSld>
+  <p:clrMapOvr>
+    <a:masterClrMapping/>
+  </p:clrMapOvr>
+</p:sld>
+</file>
+
+<file path=ppt/slides/slide12.xml><?xml version="1.0" encoding="utf-8"?>
+<p:sld xmlns:a="http://schemas.openxmlformats.org/drawingml/2006/main" xmlns:r="http://schemas.openxmlformats.org/officeDocument/2006/relationships" xmlns:p="http://schemas.openxmlformats.org/presentationml/2006/main">
+  <p:cSld>
+    <p:spTree>
+      <p:nvGrpSpPr>
+        <p:cNvPr id="1" name=""/>
+        <p:cNvGrpSpPr/>
+        <p:nvPr/>
+      </p:nvGrpSpPr>
+      <p:grpSpPr>
+        <a:xfrm>
+          <a:off x="0" y="0"/>
+          <a:ext cx="0" cy="0"/>
+          <a:chOff x="0" y="0"/>
+          <a:chExt cx="0" cy="0"/>
+        </a:xfrm>
+      </p:grpSpPr>
+      <p:sp>
+        <p:nvSpPr>
+          <p:cNvPr id="2" name="TextBox 1">
+            <a:extLst>
+              <a:ext uri="{FF2B5EF4-FFF2-40B4-BE49-F238E27FC236}">
+                <a16:creationId xmlns:a16="http://schemas.microsoft.com/office/drawing/2014/main" id="{B2EC635B-D8A3-4A72-8304-20FFBA5D21A3}"/>
+              </a:ext>
+            </a:extLst>
+          </p:cNvPr>
+          <p:cNvSpPr txBox="1"/>
+          <p:nvPr/>
+        </p:nvSpPr>
+        <p:spPr>
+          <a:xfrm>
             <a:off x="325927" y="248626"/>
             <a:ext cx="7530363" cy="584775"/>
           </a:xfrm>
@@ -1924,7 +2380,7 @@
 </p:sld>
 </file>
 
-<file path=ppt/slides/slide11.xml><?xml version="1.0" encoding="utf-8"?>
+<file path=ppt/slides/slide13.xml><?xml version="1.0" encoding="utf-8"?>
 <p:sld xmlns:a="http://schemas.openxmlformats.org/drawingml/2006/main" xmlns:r="http://schemas.openxmlformats.org/officeDocument/2006/relationships" xmlns:p="http://schemas.openxmlformats.org/presentationml/2006/main">
   <p:cSld>
     <p:spTree>
@@ -2343,7 +2799,7 @@
 </p:sld>
 </file>
 
-<file path=ppt/slides/slide12.xml><?xml version="1.0" encoding="utf-8"?>
+<file path=ppt/slides/slide14.xml><?xml version="1.0" encoding="utf-8"?>
 <p:sld xmlns:a="http://schemas.openxmlformats.org/drawingml/2006/main" xmlns:r="http://schemas.openxmlformats.org/officeDocument/2006/relationships" xmlns:p="http://schemas.openxmlformats.org/presentationml/2006/main">
   <p:cSld>
     <p:spTree>
@@ -2463,7 +2919,7 @@
 </p:sld>
 </file>
 
-<file path=ppt/slides/slide13.xml><?xml version="1.0" encoding="utf-8"?>
+<file path=ppt/slides/slide15.xml><?xml version="1.0" encoding="utf-8"?>
 <p:sld xmlns:a="http://schemas.openxmlformats.org/drawingml/2006/main" xmlns:r="http://schemas.openxmlformats.org/officeDocument/2006/relationships" xmlns:p="http://schemas.openxmlformats.org/presentationml/2006/main">
   <p:cSld>
     <p:spTree>
@@ -2583,7 +3039,7 @@
 </p:sld>
 </file>
 
-<file path=ppt/slides/slide14.xml><?xml version="1.0" encoding="utf-8"?>
+<file path=ppt/slides/slide16.xml><?xml version="1.0" encoding="utf-8"?>
 <p:sld xmlns:a="http://schemas.openxmlformats.org/drawingml/2006/main" xmlns:r="http://schemas.openxmlformats.org/officeDocument/2006/relationships" xmlns:p="http://schemas.openxmlformats.org/presentationml/2006/main">
   <p:cSld>
     <p:spTree>
@@ -3076,7 +3532,7 @@
 </p:sld>
 </file>
 
-<file path=ppt/slides/slide15.xml><?xml version="1.0" encoding="utf-8"?>
+<file path=ppt/slides/slide17.xml><?xml version="1.0" encoding="utf-8"?>
 <p:sld xmlns:a="http://schemas.openxmlformats.org/drawingml/2006/main" xmlns:r="http://schemas.openxmlformats.org/officeDocument/2006/relationships" xmlns:p="http://schemas.openxmlformats.org/presentationml/2006/main">
   <p:cSld>
     <p:spTree>
@@ -3538,8 +3994,8 @@
         </p:nvSpPr>
         <p:spPr>
           <a:xfrm>
-            <a:off x="655723" y="1380798"/>
-            <a:ext cx="10880553" cy="4308872"/>
+            <a:off x="655723" y="807275"/>
+            <a:ext cx="10880553" cy="4965462"/>
           </a:xfrm>
           <a:prstGeom prst="rect">
             <a:avLst/>
@@ -3588,9 +4044,10 @@
             </a:endParaRPr>
           </a:p>
           <a:p>
-            <a:pPr marL="342900" indent="-342900">
-              <a:buFont typeface="Arial" panose="020B0604020202020204" pitchFamily="34" charset="0"/>
-              <a:buChar char="•"/>
+            <a:pPr>
+              <a:spcAft>
+                <a:spcPts val="600"/>
+              </a:spcAft>
             </a:pPr>
             <a:r>
               <a:rPr lang="en-US" b="1" dirty="0">
@@ -3608,9 +4065,10 @@
             </a:r>
           </a:p>
           <a:p>
-            <a:pPr marL="342900" indent="-342900">
-              <a:buFont typeface="Arial" panose="020B0604020202020204" pitchFamily="34" charset="0"/>
-              <a:buChar char="•"/>
+            <a:pPr>
+              <a:spcAft>
+                <a:spcPts val="600"/>
+              </a:spcAft>
             </a:pPr>
             <a:endParaRPr lang="en-US" dirty="0">
               <a:latin typeface="Arial" panose="020B0604020202020204" pitchFamily="34" charset="0"/>
@@ -3618,53 +4076,598 @@
             </a:endParaRPr>
           </a:p>
           <a:p>
-            <a:pPr marL="342900" indent="-342900">
-              <a:buFont typeface="Arial" panose="020B0604020202020204" pitchFamily="34" charset="0"/>
-              <a:buChar char="•"/>
+            <a:pPr>
+              <a:lnSpc>
+                <a:spcPct val="150000"/>
+              </a:lnSpc>
             </a:pPr>
             <a:r>
-              <a:rPr lang="en-US" b="1" dirty="0">
-                <a:latin typeface="Arial" panose="020B0604020202020204" pitchFamily="34" charset="0"/>
-                <a:cs typeface="Arial" panose="020B0604020202020204" pitchFamily="34" charset="0"/>
-              </a:rPr>
-              <a:t>ARIMA (Auto Regressive Integrated Moving Average): </a:t>
-            </a:r>
-            <a:r>
-              <a:rPr lang="en-US" dirty="0">
-                <a:latin typeface="Arial" panose="020B0604020202020204" pitchFamily="34" charset="0"/>
-                <a:cs typeface="Arial" panose="020B0604020202020204" pitchFamily="34" charset="0"/>
-              </a:rPr>
-              <a:t>A traditional statistical method used for time series analysis. ARIMA models are effective for univariate time series data with linear trends and seasonality, providing robust forecasts based on past values.</a:t>
-            </a:r>
-          </a:p>
-          <a:p>
-            <a:pPr marL="342900" indent="-342900">
-              <a:buFont typeface="Arial" panose="020B0604020202020204" pitchFamily="34" charset="0"/>
-              <a:buChar char="•"/>
+              <a:rPr lang="en-US" dirty="0">
+                <a:latin typeface="Arial" panose="020B0604020202020204" pitchFamily="34" charset="0"/>
+                <a:cs typeface="Arial" panose="020B0604020202020204" pitchFamily="34" charset="0"/>
+              </a:rPr>
+              <a:t>LSTM equations revolve around gates (forget gate f</a:t>
+            </a:r>
+            <a:r>
+              <a:rPr lang="en-US" baseline="-25000" dirty="0">
+                <a:latin typeface="Arial" panose="020B0604020202020204" pitchFamily="34" charset="0"/>
+                <a:cs typeface="Arial" panose="020B0604020202020204" pitchFamily="34" charset="0"/>
+              </a:rPr>
+              <a:t>t</a:t>
+            </a:r>
+            <a:r>
+              <a:rPr lang="en-US" dirty="0">
+                <a:latin typeface="Arial" panose="020B0604020202020204" pitchFamily="34" charset="0"/>
+                <a:cs typeface="Arial" panose="020B0604020202020204" pitchFamily="34" charset="0"/>
+              </a:rPr>
+              <a:t>, input gate i</a:t>
+            </a:r>
+            <a:r>
+              <a:rPr lang="en-US" baseline="-25000" dirty="0">
+                <a:latin typeface="Arial" panose="020B0604020202020204" pitchFamily="34" charset="0"/>
+                <a:cs typeface="Arial" panose="020B0604020202020204" pitchFamily="34" charset="0"/>
+              </a:rPr>
+              <a:t>t</a:t>
+            </a:r>
+            <a:r>
+              <a:rPr lang="en-US" dirty="0">
+                <a:latin typeface="Arial" panose="020B0604020202020204" pitchFamily="34" charset="0"/>
+                <a:cs typeface="Arial" panose="020B0604020202020204" pitchFamily="34" charset="0"/>
+              </a:rPr>
+              <a:t>, output gate </a:t>
+            </a:r>
+            <a:r>
+              <a:rPr lang="en-US" dirty="0" err="1">
+                <a:latin typeface="Arial" panose="020B0604020202020204" pitchFamily="34" charset="0"/>
+                <a:cs typeface="Arial" panose="020B0604020202020204" pitchFamily="34" charset="0"/>
+              </a:rPr>
+              <a:t>o</a:t>
+            </a:r>
+            <a:r>
+              <a:rPr lang="en-US" baseline="-25000" dirty="0" err="1">
+                <a:latin typeface="Arial" panose="020B0604020202020204" pitchFamily="34" charset="0"/>
+                <a:cs typeface="Arial" panose="020B0604020202020204" pitchFamily="34" charset="0"/>
+              </a:rPr>
+              <a:t>t</a:t>
+            </a:r>
+            <a:r>
+              <a:rPr lang="en-US" dirty="0">
+                <a:latin typeface="Arial" panose="020B0604020202020204" pitchFamily="34" charset="0"/>
+                <a:cs typeface="Arial" panose="020B0604020202020204" pitchFamily="34" charset="0"/>
+              </a:rPr>
+              <a:t>) and cell state updates:</a:t>
+            </a:r>
+          </a:p>
+          <a:p>
+            <a:pPr>
+              <a:lnSpc>
+                <a:spcPct val="150000"/>
+              </a:lnSpc>
             </a:pPr>
-            <a:endParaRPr lang="en-US" dirty="0">
-              <a:latin typeface="Arial" panose="020B0604020202020204" pitchFamily="34" charset="0"/>
-              <a:cs typeface="Arial" panose="020B0604020202020204" pitchFamily="34" charset="0"/>
-            </a:endParaRPr>
-          </a:p>
-          <a:p>
-            <a:pPr marL="342900" indent="-342900">
-              <a:buFont typeface="Arial" panose="020B0604020202020204" pitchFamily="34" charset="0"/>
-              <a:buChar char="•"/>
+            <a:r>
+              <a:rPr lang="en-US" dirty="0">
+                <a:latin typeface="Arial" panose="020B0604020202020204" pitchFamily="34" charset="0"/>
+                <a:cs typeface="Arial" panose="020B0604020202020204" pitchFamily="34" charset="0"/>
+              </a:rPr>
+              <a:t>f</a:t>
+            </a:r>
+            <a:r>
+              <a:rPr lang="en-US" baseline="-25000" dirty="0">
+                <a:latin typeface="Arial" panose="020B0604020202020204" pitchFamily="34" charset="0"/>
+                <a:cs typeface="Arial" panose="020B0604020202020204" pitchFamily="34" charset="0"/>
+              </a:rPr>
+              <a:t>t</a:t>
+            </a:r>
+            <a:r>
+              <a:rPr lang="en-US" dirty="0">
+                <a:latin typeface="Arial" panose="020B0604020202020204" pitchFamily="34" charset="0"/>
+                <a:cs typeface="Arial" panose="020B0604020202020204" pitchFamily="34" charset="0"/>
+              </a:rPr>
+              <a:t> = </a:t>
+            </a:r>
+            <a:r>
+              <a:rPr lang="el-GR" dirty="0">
+                <a:latin typeface="Arial" panose="020B0604020202020204" pitchFamily="34" charset="0"/>
+                <a:cs typeface="Arial" panose="020B0604020202020204" pitchFamily="34" charset="0"/>
+              </a:rPr>
+              <a:t>σ(</a:t>
+            </a:r>
+            <a:r>
+              <a:rPr lang="en-US" dirty="0" err="1">
+                <a:latin typeface="Arial" panose="020B0604020202020204" pitchFamily="34" charset="0"/>
+                <a:cs typeface="Arial" panose="020B0604020202020204" pitchFamily="34" charset="0"/>
+              </a:rPr>
+              <a:t>W</a:t>
+            </a:r>
+            <a:r>
+              <a:rPr lang="en-US" baseline="-25000" dirty="0" err="1">
+                <a:latin typeface="Arial" panose="020B0604020202020204" pitchFamily="34" charset="0"/>
+                <a:cs typeface="Arial" panose="020B0604020202020204" pitchFamily="34" charset="0"/>
+              </a:rPr>
+              <a:t>f</a:t>
+            </a:r>
+            <a:r>
+              <a:rPr lang="en-US" dirty="0">
+                <a:latin typeface="Arial" panose="020B0604020202020204" pitchFamily="34" charset="0"/>
+                <a:cs typeface="Arial" panose="020B0604020202020204" pitchFamily="34" charset="0"/>
+              </a:rPr>
+              <a:t> [h</a:t>
+            </a:r>
+            <a:r>
+              <a:rPr lang="en-US" baseline="-25000" dirty="0">
+                <a:latin typeface="Arial" panose="020B0604020202020204" pitchFamily="34" charset="0"/>
+                <a:cs typeface="Arial" panose="020B0604020202020204" pitchFamily="34" charset="0"/>
+              </a:rPr>
+              <a:t>t-1</a:t>
+            </a:r>
+            <a:r>
+              <a:rPr lang="en-US" dirty="0">
+                <a:latin typeface="Arial" panose="020B0604020202020204" pitchFamily="34" charset="0"/>
+                <a:cs typeface="Arial" panose="020B0604020202020204" pitchFamily="34" charset="0"/>
+              </a:rPr>
+              <a:t>, </a:t>
+            </a:r>
+            <a:r>
+              <a:rPr lang="en-US" dirty="0" err="1">
+                <a:latin typeface="Arial" panose="020B0604020202020204" pitchFamily="34" charset="0"/>
+                <a:cs typeface="Arial" panose="020B0604020202020204" pitchFamily="34" charset="0"/>
+              </a:rPr>
+              <a:t>x</a:t>
+            </a:r>
+            <a:r>
+              <a:rPr lang="en-US" baseline="-25000" dirty="0" err="1">
+                <a:latin typeface="Arial" panose="020B0604020202020204" pitchFamily="34" charset="0"/>
+                <a:cs typeface="Arial" panose="020B0604020202020204" pitchFamily="34" charset="0"/>
+              </a:rPr>
+              <a:t>t</a:t>
+            </a:r>
+            <a:r>
+              <a:rPr lang="en-US" dirty="0">
+                <a:latin typeface="Arial" panose="020B0604020202020204" pitchFamily="34" charset="0"/>
+                <a:cs typeface="Arial" panose="020B0604020202020204" pitchFamily="34" charset="0"/>
+              </a:rPr>
+              <a:t>] + b</a:t>
+            </a:r>
+            <a:r>
+              <a:rPr lang="en-US" baseline="-25000" dirty="0">
+                <a:latin typeface="Arial" panose="020B0604020202020204" pitchFamily="34" charset="0"/>
+                <a:cs typeface="Arial" panose="020B0604020202020204" pitchFamily="34" charset="0"/>
+              </a:rPr>
+              <a:t>f</a:t>
+            </a:r>
+            <a:r>
+              <a:rPr lang="en-US" dirty="0">
+                <a:latin typeface="Arial" panose="020B0604020202020204" pitchFamily="34" charset="0"/>
+                <a:cs typeface="Arial" panose="020B0604020202020204" pitchFamily="34" charset="0"/>
+              </a:rPr>
+              <a:t>)</a:t>
+            </a:r>
+          </a:p>
+          <a:p>
+            <a:pPr>
+              <a:lnSpc>
+                <a:spcPct val="150000"/>
+              </a:lnSpc>
             </a:pPr>
             <a:r>
-              <a:rPr lang="en-US" b="1" dirty="0">
-                <a:latin typeface="Arial" panose="020B0604020202020204" pitchFamily="34" charset="0"/>
-                <a:cs typeface="Arial" panose="020B0604020202020204" pitchFamily="34" charset="0"/>
-              </a:rPr>
-              <a:t>Monte Carlo Simulation: </a:t>
-            </a:r>
-            <a:r>
-              <a:rPr lang="en-US" dirty="0">
-                <a:latin typeface="Arial" panose="020B0604020202020204" pitchFamily="34" charset="0"/>
-                <a:cs typeface="Arial" panose="020B0604020202020204" pitchFamily="34" charset="0"/>
-              </a:rPr>
-              <a:t>A stochastic technique that generates a range of possible outcomes by running repeated random simulations. This method is used to understand uncertainties and risks, providing probabilistic climate forecasts.</a:t>
+              <a:rPr lang="en-US" dirty="0">
+                <a:latin typeface="Arial" panose="020B0604020202020204" pitchFamily="34" charset="0"/>
+                <a:cs typeface="Arial" panose="020B0604020202020204" pitchFamily="34" charset="0"/>
+              </a:rPr>
+              <a:t>i</a:t>
+            </a:r>
+            <a:r>
+              <a:rPr lang="en-US" baseline="-25000" dirty="0">
+                <a:latin typeface="Arial" panose="020B0604020202020204" pitchFamily="34" charset="0"/>
+                <a:cs typeface="Arial" panose="020B0604020202020204" pitchFamily="34" charset="0"/>
+              </a:rPr>
+              <a:t>t</a:t>
+            </a:r>
+            <a:r>
+              <a:rPr lang="en-US" dirty="0">
+                <a:latin typeface="Arial" panose="020B0604020202020204" pitchFamily="34" charset="0"/>
+                <a:cs typeface="Arial" panose="020B0604020202020204" pitchFamily="34" charset="0"/>
+              </a:rPr>
+              <a:t>= </a:t>
+            </a:r>
+            <a:r>
+              <a:rPr lang="el-GR" dirty="0">
+                <a:latin typeface="Arial" panose="020B0604020202020204" pitchFamily="34" charset="0"/>
+                <a:cs typeface="Arial" panose="020B0604020202020204" pitchFamily="34" charset="0"/>
+              </a:rPr>
+              <a:t>σ(</a:t>
+            </a:r>
+            <a:r>
+              <a:rPr lang="en-US" dirty="0">
+                <a:latin typeface="Arial" panose="020B0604020202020204" pitchFamily="34" charset="0"/>
+                <a:cs typeface="Arial" panose="020B0604020202020204" pitchFamily="34" charset="0"/>
+              </a:rPr>
+              <a:t>W</a:t>
+            </a:r>
+            <a:r>
+              <a:rPr lang="en-US" baseline="-25000" dirty="0">
+                <a:latin typeface="Arial" panose="020B0604020202020204" pitchFamily="34" charset="0"/>
+                <a:cs typeface="Arial" panose="020B0604020202020204" pitchFamily="34" charset="0"/>
+              </a:rPr>
+              <a:t>i</a:t>
+            </a:r>
+            <a:r>
+              <a:rPr lang="en-US" dirty="0">
+                <a:latin typeface="Arial" panose="020B0604020202020204" pitchFamily="34" charset="0"/>
+                <a:cs typeface="Arial" panose="020B0604020202020204" pitchFamily="34" charset="0"/>
+              </a:rPr>
+              <a:t> [h</a:t>
+            </a:r>
+            <a:r>
+              <a:rPr lang="en-US" baseline="-25000" dirty="0">
+                <a:latin typeface="Arial" panose="020B0604020202020204" pitchFamily="34" charset="0"/>
+                <a:cs typeface="Arial" panose="020B0604020202020204" pitchFamily="34" charset="0"/>
+              </a:rPr>
+              <a:t>t-1</a:t>
+            </a:r>
+            <a:r>
+              <a:rPr lang="en-US" dirty="0">
+                <a:latin typeface="Arial" panose="020B0604020202020204" pitchFamily="34" charset="0"/>
+                <a:cs typeface="Arial" panose="020B0604020202020204" pitchFamily="34" charset="0"/>
+              </a:rPr>
+              <a:t>, </a:t>
+            </a:r>
+            <a:r>
+              <a:rPr lang="en-US" dirty="0" err="1">
+                <a:latin typeface="Arial" panose="020B0604020202020204" pitchFamily="34" charset="0"/>
+                <a:cs typeface="Arial" panose="020B0604020202020204" pitchFamily="34" charset="0"/>
+              </a:rPr>
+              <a:t>x</a:t>
+            </a:r>
+            <a:r>
+              <a:rPr lang="en-US" baseline="-25000" dirty="0" err="1">
+                <a:latin typeface="Arial" panose="020B0604020202020204" pitchFamily="34" charset="0"/>
+                <a:cs typeface="Arial" panose="020B0604020202020204" pitchFamily="34" charset="0"/>
+              </a:rPr>
+              <a:t>t</a:t>
+            </a:r>
+            <a:r>
+              <a:rPr lang="en-US" dirty="0">
+                <a:latin typeface="Arial" panose="020B0604020202020204" pitchFamily="34" charset="0"/>
+                <a:cs typeface="Arial" panose="020B0604020202020204" pitchFamily="34" charset="0"/>
+              </a:rPr>
+              <a:t>] + b</a:t>
+            </a:r>
+            <a:r>
+              <a:rPr lang="en-US" baseline="-25000" dirty="0">
+                <a:latin typeface="Arial" panose="020B0604020202020204" pitchFamily="34" charset="0"/>
+                <a:cs typeface="Arial" panose="020B0604020202020204" pitchFamily="34" charset="0"/>
+              </a:rPr>
+              <a:t>i</a:t>
+            </a:r>
+            <a:r>
+              <a:rPr lang="en-US" dirty="0">
+                <a:latin typeface="Arial" panose="020B0604020202020204" pitchFamily="34" charset="0"/>
+                <a:cs typeface="Arial" panose="020B0604020202020204" pitchFamily="34" charset="0"/>
+              </a:rPr>
+              <a:t>)</a:t>
+            </a:r>
+          </a:p>
+          <a:p>
+            <a:pPr>
+              <a:lnSpc>
+                <a:spcPct val="150000"/>
+              </a:lnSpc>
+            </a:pPr>
+            <a:r>
+              <a:rPr lang="en-US" dirty="0">
+                <a:latin typeface="Arial" panose="020B0604020202020204" pitchFamily="34" charset="0"/>
+                <a:cs typeface="Arial" panose="020B0604020202020204" pitchFamily="34" charset="0"/>
+              </a:rPr>
+              <a:t>C</a:t>
+            </a:r>
+            <a:r>
+              <a:rPr lang="en-US" baseline="-25000" dirty="0">
+                <a:latin typeface="Arial" panose="020B0604020202020204" pitchFamily="34" charset="0"/>
+                <a:cs typeface="Arial" panose="020B0604020202020204" pitchFamily="34" charset="0"/>
+              </a:rPr>
+              <a:t>t</a:t>
+            </a:r>
+            <a:r>
+              <a:rPr lang="en-US" dirty="0">
+                <a:latin typeface="Arial" panose="020B0604020202020204" pitchFamily="34" charset="0"/>
+                <a:cs typeface="Arial" panose="020B0604020202020204" pitchFamily="34" charset="0"/>
+              </a:rPr>
+              <a:t> = f</a:t>
+            </a:r>
+            <a:r>
+              <a:rPr lang="en-US" baseline="-25000" dirty="0">
+                <a:latin typeface="Arial" panose="020B0604020202020204" pitchFamily="34" charset="0"/>
+                <a:cs typeface="Arial" panose="020B0604020202020204" pitchFamily="34" charset="0"/>
+              </a:rPr>
+              <a:t>t</a:t>
+            </a:r>
+            <a:r>
+              <a:rPr lang="en-US" dirty="0">
+                <a:latin typeface="Arial" panose="020B0604020202020204" pitchFamily="34" charset="0"/>
+                <a:cs typeface="Arial" panose="020B0604020202020204" pitchFamily="34" charset="0"/>
+              </a:rPr>
+              <a:t> * C</a:t>
+            </a:r>
+            <a:r>
+              <a:rPr lang="en-US" baseline="-25000" dirty="0">
+                <a:latin typeface="Arial" panose="020B0604020202020204" pitchFamily="34" charset="0"/>
+                <a:cs typeface="Arial" panose="020B0604020202020204" pitchFamily="34" charset="0"/>
+              </a:rPr>
+              <a:t>t-1</a:t>
+            </a:r>
+            <a:r>
+              <a:rPr lang="en-US" dirty="0">
+                <a:latin typeface="Arial" panose="020B0604020202020204" pitchFamily="34" charset="0"/>
+                <a:cs typeface="Arial" panose="020B0604020202020204" pitchFamily="34" charset="0"/>
+              </a:rPr>
+              <a:t>+ i</a:t>
+            </a:r>
+            <a:r>
+              <a:rPr lang="en-US" baseline="-25000" dirty="0">
+                <a:latin typeface="Arial" panose="020B0604020202020204" pitchFamily="34" charset="0"/>
+                <a:cs typeface="Arial" panose="020B0604020202020204" pitchFamily="34" charset="0"/>
+              </a:rPr>
+              <a:t>t</a:t>
+            </a:r>
+            <a:r>
+              <a:rPr lang="en-US" dirty="0">
+                <a:latin typeface="Arial" panose="020B0604020202020204" pitchFamily="34" charset="0"/>
+                <a:cs typeface="Arial" panose="020B0604020202020204" pitchFamily="34" charset="0"/>
+              </a:rPr>
+              <a:t> * tanh(</a:t>
+            </a:r>
+            <a:r>
+              <a:rPr lang="en-US" dirty="0" err="1">
+                <a:latin typeface="Arial" panose="020B0604020202020204" pitchFamily="34" charset="0"/>
+                <a:cs typeface="Arial" panose="020B0604020202020204" pitchFamily="34" charset="0"/>
+              </a:rPr>
+              <a:t>W</a:t>
+            </a:r>
+            <a:r>
+              <a:rPr lang="en-US" baseline="-25000" dirty="0" err="1">
+                <a:latin typeface="Arial" panose="020B0604020202020204" pitchFamily="34" charset="0"/>
+                <a:cs typeface="Arial" panose="020B0604020202020204" pitchFamily="34" charset="0"/>
+              </a:rPr>
+              <a:t>c</a:t>
+            </a:r>
+            <a:r>
+              <a:rPr lang="en-US" dirty="0">
+                <a:latin typeface="Arial" panose="020B0604020202020204" pitchFamily="34" charset="0"/>
+                <a:cs typeface="Arial" panose="020B0604020202020204" pitchFamily="34" charset="0"/>
+              </a:rPr>
+              <a:t> [h</a:t>
+            </a:r>
+            <a:r>
+              <a:rPr lang="en-US" baseline="-25000" dirty="0">
+                <a:latin typeface="Arial" panose="020B0604020202020204" pitchFamily="34" charset="0"/>
+                <a:cs typeface="Arial" panose="020B0604020202020204" pitchFamily="34" charset="0"/>
+              </a:rPr>
+              <a:t>t-1</a:t>
+            </a:r>
+            <a:r>
+              <a:rPr lang="en-US" dirty="0">
+                <a:latin typeface="Arial" panose="020B0604020202020204" pitchFamily="34" charset="0"/>
+                <a:cs typeface="Arial" panose="020B0604020202020204" pitchFamily="34" charset="0"/>
+              </a:rPr>
+              <a:t>, </a:t>
+            </a:r>
+            <a:r>
+              <a:rPr lang="en-US" dirty="0" err="1">
+                <a:latin typeface="Arial" panose="020B0604020202020204" pitchFamily="34" charset="0"/>
+                <a:cs typeface="Arial" panose="020B0604020202020204" pitchFamily="34" charset="0"/>
+              </a:rPr>
+              <a:t>x</a:t>
+            </a:r>
+            <a:r>
+              <a:rPr lang="en-US" baseline="-25000" dirty="0" err="1">
+                <a:latin typeface="Arial" panose="020B0604020202020204" pitchFamily="34" charset="0"/>
+                <a:cs typeface="Arial" panose="020B0604020202020204" pitchFamily="34" charset="0"/>
+              </a:rPr>
+              <a:t>t</a:t>
+            </a:r>
+            <a:r>
+              <a:rPr lang="en-US" dirty="0">
+                <a:latin typeface="Arial" panose="020B0604020202020204" pitchFamily="34" charset="0"/>
+                <a:cs typeface="Arial" panose="020B0604020202020204" pitchFamily="34" charset="0"/>
+              </a:rPr>
+              <a:t>] + </a:t>
+            </a:r>
+            <a:r>
+              <a:rPr lang="en-US" dirty="0" err="1">
+                <a:latin typeface="Arial" panose="020B0604020202020204" pitchFamily="34" charset="0"/>
+                <a:cs typeface="Arial" panose="020B0604020202020204" pitchFamily="34" charset="0"/>
+              </a:rPr>
+              <a:t>b</a:t>
+            </a:r>
+            <a:r>
+              <a:rPr lang="en-US" baseline="-25000" dirty="0" err="1">
+                <a:latin typeface="Arial" panose="020B0604020202020204" pitchFamily="34" charset="0"/>
+                <a:cs typeface="Arial" panose="020B0604020202020204" pitchFamily="34" charset="0"/>
+              </a:rPr>
+              <a:t>c</a:t>
+            </a:r>
+            <a:r>
+              <a:rPr lang="en-US" dirty="0">
+                <a:latin typeface="Arial" panose="020B0604020202020204" pitchFamily="34" charset="0"/>
+                <a:cs typeface="Arial" panose="020B0604020202020204" pitchFamily="34" charset="0"/>
+              </a:rPr>
+              <a:t>)</a:t>
+            </a:r>
+          </a:p>
+          <a:p>
+            <a:pPr>
+              <a:lnSpc>
+                <a:spcPct val="150000"/>
+              </a:lnSpc>
+            </a:pPr>
+            <a:r>
+              <a:rPr lang="en-US" dirty="0" err="1">
+                <a:latin typeface="Arial" panose="020B0604020202020204" pitchFamily="34" charset="0"/>
+                <a:cs typeface="Arial" panose="020B0604020202020204" pitchFamily="34" charset="0"/>
+              </a:rPr>
+              <a:t>o</a:t>
+            </a:r>
+            <a:r>
+              <a:rPr lang="en-US" baseline="-25000" dirty="0" err="1">
+                <a:latin typeface="Arial" panose="020B0604020202020204" pitchFamily="34" charset="0"/>
+                <a:cs typeface="Arial" panose="020B0604020202020204" pitchFamily="34" charset="0"/>
+              </a:rPr>
+              <a:t>t</a:t>
+            </a:r>
+            <a:r>
+              <a:rPr lang="en-US" dirty="0">
+                <a:latin typeface="Arial" panose="020B0604020202020204" pitchFamily="34" charset="0"/>
+                <a:cs typeface="Arial" panose="020B0604020202020204" pitchFamily="34" charset="0"/>
+              </a:rPr>
+              <a:t> = </a:t>
+            </a:r>
+            <a:r>
+              <a:rPr lang="el-GR" dirty="0">
+                <a:latin typeface="Arial" panose="020B0604020202020204" pitchFamily="34" charset="0"/>
+                <a:cs typeface="Arial" panose="020B0604020202020204" pitchFamily="34" charset="0"/>
+              </a:rPr>
+              <a:t>σ(</a:t>
+            </a:r>
+            <a:r>
+              <a:rPr lang="en-US" dirty="0">
+                <a:latin typeface="Arial" panose="020B0604020202020204" pitchFamily="34" charset="0"/>
+                <a:cs typeface="Arial" panose="020B0604020202020204" pitchFamily="34" charset="0"/>
+              </a:rPr>
+              <a:t>W</a:t>
+            </a:r>
+            <a:r>
+              <a:rPr lang="en-US" baseline="-25000" dirty="0">
+                <a:latin typeface="Arial" panose="020B0604020202020204" pitchFamily="34" charset="0"/>
+                <a:cs typeface="Arial" panose="020B0604020202020204" pitchFamily="34" charset="0"/>
+              </a:rPr>
+              <a:t>o</a:t>
+            </a:r>
+            <a:r>
+              <a:rPr lang="en-US" dirty="0">
+                <a:latin typeface="Arial" panose="020B0604020202020204" pitchFamily="34" charset="0"/>
+                <a:cs typeface="Arial" panose="020B0604020202020204" pitchFamily="34" charset="0"/>
+              </a:rPr>
+              <a:t> [h</a:t>
+            </a:r>
+            <a:r>
+              <a:rPr lang="en-US" baseline="-25000" dirty="0">
+                <a:latin typeface="Arial" panose="020B0604020202020204" pitchFamily="34" charset="0"/>
+                <a:cs typeface="Arial" panose="020B0604020202020204" pitchFamily="34" charset="0"/>
+              </a:rPr>
+              <a:t>t-1</a:t>
+            </a:r>
+            <a:r>
+              <a:rPr lang="en-US" dirty="0">
+                <a:latin typeface="Arial" panose="020B0604020202020204" pitchFamily="34" charset="0"/>
+                <a:cs typeface="Arial" panose="020B0604020202020204" pitchFamily="34" charset="0"/>
+              </a:rPr>
+              <a:t>, </a:t>
+            </a:r>
+            <a:r>
+              <a:rPr lang="en-US" dirty="0" err="1">
+                <a:latin typeface="Arial" panose="020B0604020202020204" pitchFamily="34" charset="0"/>
+                <a:cs typeface="Arial" panose="020B0604020202020204" pitchFamily="34" charset="0"/>
+              </a:rPr>
+              <a:t>x</a:t>
+            </a:r>
+            <a:r>
+              <a:rPr lang="en-US" baseline="-25000" dirty="0" err="1">
+                <a:latin typeface="Arial" panose="020B0604020202020204" pitchFamily="34" charset="0"/>
+                <a:cs typeface="Arial" panose="020B0604020202020204" pitchFamily="34" charset="0"/>
+              </a:rPr>
+              <a:t>t</a:t>
+            </a:r>
+            <a:r>
+              <a:rPr lang="en-US" dirty="0">
+                <a:latin typeface="Arial" panose="020B0604020202020204" pitchFamily="34" charset="0"/>
+                <a:cs typeface="Arial" panose="020B0604020202020204" pitchFamily="34" charset="0"/>
+              </a:rPr>
+              <a:t>] + </a:t>
+            </a:r>
+            <a:r>
+              <a:rPr lang="en-US" dirty="0" err="1">
+                <a:latin typeface="Arial" panose="020B0604020202020204" pitchFamily="34" charset="0"/>
+                <a:cs typeface="Arial" panose="020B0604020202020204" pitchFamily="34" charset="0"/>
+              </a:rPr>
+              <a:t>b</a:t>
+            </a:r>
+            <a:r>
+              <a:rPr lang="en-US" baseline="-25000" dirty="0" err="1">
+                <a:latin typeface="Arial" panose="020B0604020202020204" pitchFamily="34" charset="0"/>
+                <a:cs typeface="Arial" panose="020B0604020202020204" pitchFamily="34" charset="0"/>
+              </a:rPr>
+              <a:t>o</a:t>
+            </a:r>
+            <a:r>
+              <a:rPr lang="en-US" dirty="0">
+                <a:latin typeface="Arial" panose="020B0604020202020204" pitchFamily="34" charset="0"/>
+                <a:cs typeface="Arial" panose="020B0604020202020204" pitchFamily="34" charset="0"/>
+              </a:rPr>
+              <a:t>)</a:t>
+            </a:r>
+          </a:p>
+          <a:p>
+            <a:pPr>
+              <a:lnSpc>
+                <a:spcPct val="150000"/>
+              </a:lnSpc>
+            </a:pPr>
+            <a:r>
+              <a:rPr lang="en-US" dirty="0" err="1">
+                <a:latin typeface="Arial" panose="020B0604020202020204" pitchFamily="34" charset="0"/>
+                <a:cs typeface="Arial" panose="020B0604020202020204" pitchFamily="34" charset="0"/>
+              </a:rPr>
+              <a:t>h</a:t>
+            </a:r>
+            <a:r>
+              <a:rPr lang="en-US" baseline="-25000" dirty="0" err="1">
+                <a:latin typeface="Arial" panose="020B0604020202020204" pitchFamily="34" charset="0"/>
+                <a:cs typeface="Arial" panose="020B0604020202020204" pitchFamily="34" charset="0"/>
+              </a:rPr>
+              <a:t>t</a:t>
+            </a:r>
+            <a:r>
+              <a:rPr lang="en-US" dirty="0">
+                <a:latin typeface="Arial" panose="020B0604020202020204" pitchFamily="34" charset="0"/>
+                <a:cs typeface="Arial" panose="020B0604020202020204" pitchFamily="34" charset="0"/>
+              </a:rPr>
+              <a:t> = </a:t>
+            </a:r>
+            <a:r>
+              <a:rPr lang="en-US" dirty="0" err="1">
+                <a:latin typeface="Arial" panose="020B0604020202020204" pitchFamily="34" charset="0"/>
+                <a:cs typeface="Arial" panose="020B0604020202020204" pitchFamily="34" charset="0"/>
+              </a:rPr>
+              <a:t>o</a:t>
+            </a:r>
+            <a:r>
+              <a:rPr lang="en-US" baseline="-25000" dirty="0" err="1">
+                <a:latin typeface="Arial" panose="020B0604020202020204" pitchFamily="34" charset="0"/>
+                <a:cs typeface="Arial" panose="020B0604020202020204" pitchFamily="34" charset="0"/>
+              </a:rPr>
+              <a:t>t</a:t>
+            </a:r>
+            <a:r>
+              <a:rPr lang="en-US" dirty="0">
+                <a:latin typeface="Arial" panose="020B0604020202020204" pitchFamily="34" charset="0"/>
+                <a:cs typeface="Arial" panose="020B0604020202020204" pitchFamily="34" charset="0"/>
+              </a:rPr>
+              <a:t> * tanh(C</a:t>
+            </a:r>
+            <a:r>
+              <a:rPr lang="en-US" baseline="-25000" dirty="0">
+                <a:latin typeface="Arial" panose="020B0604020202020204" pitchFamily="34" charset="0"/>
+                <a:cs typeface="Arial" panose="020B0604020202020204" pitchFamily="34" charset="0"/>
+              </a:rPr>
+              <a:t>t</a:t>
+            </a:r>
+            <a:r>
+              <a:rPr lang="en-US" dirty="0">
+                <a:latin typeface="Arial" panose="020B0604020202020204" pitchFamily="34" charset="0"/>
+                <a:cs typeface="Arial" panose="020B0604020202020204" pitchFamily="34" charset="0"/>
+              </a:rPr>
+              <a:t>)</a:t>
             </a:r>
           </a:p>
         </p:txBody>
@@ -3713,7 +4716,7 @@
         </p:nvSpPr>
         <p:spPr>
           <a:xfrm>
-            <a:off x="325927" y="222500"/>
+            <a:off x="325927" y="231465"/>
             <a:ext cx="7530363" cy="584775"/>
           </a:xfrm>
           <a:prstGeom prst="rect">
@@ -3761,8 +4764,8 @@
         </p:nvSpPr>
         <p:spPr>
           <a:xfrm>
-            <a:off x="1145499" y="931585"/>
-            <a:ext cx="9901002" cy="2092881"/>
+            <a:off x="655723" y="816240"/>
+            <a:ext cx="10880553" cy="5293757"/>
           </a:xfrm>
           <a:prstGeom prst="rect">
             <a:avLst/>
@@ -3775,11 +4778,6 @@
           </a:bodyPr>
           <a:lstStyle/>
           <a:p>
-            <a:pPr>
-              <a:lnSpc>
-                <a:spcPct val="200000"/>
-              </a:lnSpc>
-            </a:pPr>
             <a:r>
               <a:rPr lang="en-US" sz="2000" dirty="0">
                 <a:solidFill>
@@ -3788,78 +4786,11 @@
                 <a:latin typeface="Arial" panose="020B0604020202020204" pitchFamily="34" charset="0"/>
                 <a:cs typeface="Arial" panose="020B0604020202020204" pitchFamily="34" charset="0"/>
               </a:rPr>
-              <a:t>Motivation</a:t>
-            </a:r>
-            <a:r>
-              <a:rPr lang="en-IN" sz="2000" dirty="0">
-                <a:solidFill>
-                  <a:srgbClr val="FF0000"/>
-                </a:solidFill>
-                <a:latin typeface="Arial" panose="020B0604020202020204" pitchFamily="34" charset="0"/>
-                <a:cs typeface="Arial" panose="020B0604020202020204" pitchFamily="34" charset="0"/>
-              </a:rPr>
-              <a:t>:</a:t>
-            </a:r>
-          </a:p>
-          <a:p>
-            <a:r>
-              <a:rPr lang="en-US" dirty="0">
-                <a:latin typeface="Arial" panose="020B0604020202020204" pitchFamily="34" charset="0"/>
-                <a:cs typeface="Arial" panose="020B0604020202020204" pitchFamily="34" charset="0"/>
-              </a:rPr>
-              <a:t>The increasing severity and frequency of climate events require reliable tools to predict future climate conditions and their impact on various regions and industries. This project aims to enhance decision-making in climate adaptation by identifying the most accurate and reliable forecasting model for climate scenarios. By comparing LSTM, ARIMA, and Monte Carlo simulation, the project will offer a tool that will help the user to make informed decisions.</a:t>
-            </a:r>
-            <a:endParaRPr lang="en-IN" dirty="0">
-              <a:latin typeface="Arial" panose="020B0604020202020204" pitchFamily="34" charset="0"/>
-              <a:cs typeface="Arial" panose="020B0604020202020204" pitchFamily="34" charset="0"/>
-            </a:endParaRPr>
-          </a:p>
-        </p:txBody>
-      </p:sp>
-      <p:sp>
-        <p:nvSpPr>
-          <p:cNvPr id="5" name="TextBox 4">
-            <a:extLst>
-              <a:ext uri="{FF2B5EF4-FFF2-40B4-BE49-F238E27FC236}">
-                <a16:creationId xmlns:a16="http://schemas.microsoft.com/office/drawing/2014/main" id="{3D58F7DA-1B2B-4ED6-576B-09D9D37E77C9}"/>
-              </a:ext>
-            </a:extLst>
-          </p:cNvPr>
-          <p:cNvSpPr txBox="1"/>
-          <p:nvPr/>
-        </p:nvSpPr>
-        <p:spPr>
-          <a:xfrm>
-            <a:off x="1145500" y="3429000"/>
-            <a:ext cx="9901002" cy="2369880"/>
-          </a:xfrm>
-          <a:prstGeom prst="rect">
-            <a:avLst/>
-          </a:prstGeom>
-          <a:noFill/>
-        </p:spPr>
-        <p:txBody>
-          <a:bodyPr wrap="square">
-            <a:spAutoFit/>
-          </a:bodyPr>
-          <a:lstStyle/>
-          <a:p>
-            <a:pPr>
-              <a:lnSpc>
-                <a:spcPct val="200000"/>
-              </a:lnSpc>
-            </a:pPr>
-            <a:r>
-              <a:rPr lang="en-US" sz="2000" dirty="0">
-                <a:solidFill>
-                  <a:srgbClr val="FF0000"/>
-                </a:solidFill>
-                <a:latin typeface="Arial" panose="020B0604020202020204" pitchFamily="34" charset="0"/>
-                <a:cs typeface="Arial" panose="020B0604020202020204" pitchFamily="34" charset="0"/>
-              </a:rPr>
-              <a:t>Problem Statement:</a:t>
-            </a:r>
-            <a:endParaRPr lang="en-US" sz="1800" dirty="0">
+              <a:t>Technical Concepts (Algorithms):</a:t>
+            </a:r>
+          </a:p>
+          <a:p>
+            <a:endParaRPr lang="en-US" sz="2000" dirty="0">
               <a:solidFill>
                 <a:srgbClr val="FF0000"/>
               </a:solidFill>
@@ -3869,37 +4800,549 @@
           </a:p>
           <a:p>
             <a:r>
-              <a:rPr lang="en-US" dirty="0"/>
-              <a:t>The goal of this project is to predict future climate scenarios and assess potential risks using advanced machine learning and statistical methods. Specifically, we aim to compare three models </a:t>
-            </a:r>
-            <a:r>
-              <a:rPr lang="en-US" b="1" dirty="0"/>
-              <a:t>LSTM</a:t>
-            </a:r>
-            <a:r>
-              <a:rPr lang="en-US" dirty="0"/>
-              <a:t>, </a:t>
-            </a:r>
-            <a:r>
-              <a:rPr lang="en-US" b="1" dirty="0"/>
-              <a:t>ARIMA</a:t>
-            </a:r>
-            <a:r>
-              <a:rPr lang="en-US" dirty="0"/>
-              <a:t>, and </a:t>
-            </a:r>
-            <a:r>
-              <a:rPr lang="en-US" b="1" dirty="0"/>
-              <a:t>Monte Carlo simulation </a:t>
-            </a:r>
-            <a:r>
-              <a:rPr lang="en-US" dirty="0"/>
-              <a:t>to determine which one provides the most reliable and accurate predictions using time series climate data. The selected model will then be used to develop a web application that allows users to simulate and analyze climate scenarios, helping them make informed decisions for climate adaptation and risk management.</a:t>
-            </a:r>
-            <a:endParaRPr lang="en-US" sz="1800" dirty="0">
-              <a:solidFill>
-                <a:srgbClr val="FF0000"/>
-              </a:solidFill>
+              <a:rPr lang="en-US" b="1" dirty="0">
+                <a:latin typeface="Arial" panose="020B0604020202020204" pitchFamily="34" charset="0"/>
+                <a:cs typeface="Arial" panose="020B0604020202020204" pitchFamily="34" charset="0"/>
+              </a:rPr>
+              <a:t>ARIMA (Auto Regressive Integrated Moving Average): </a:t>
+            </a:r>
+            <a:r>
+              <a:rPr lang="en-US" dirty="0">
+                <a:latin typeface="Arial" panose="020B0604020202020204" pitchFamily="34" charset="0"/>
+                <a:cs typeface="Arial" panose="020B0604020202020204" pitchFamily="34" charset="0"/>
+              </a:rPr>
+              <a:t>A traditional statistical method used for time series analysis. ARIMA models are effective for univariate time series data with linear trends and seasonality, providing robust forecasts based on past values.</a:t>
+            </a:r>
+          </a:p>
+          <a:p>
+            <a:pPr>
+              <a:spcAft>
+                <a:spcPts val="1200"/>
+              </a:spcAft>
+            </a:pPr>
+            <a:r>
+              <a:rPr lang="en-IN" dirty="0">
+                <a:latin typeface="Arial" panose="020B0604020202020204" pitchFamily="34" charset="0"/>
+                <a:cs typeface="Arial" panose="020B0604020202020204" pitchFamily="34" charset="0"/>
+              </a:rPr>
+              <a:t>ARIMA combines three components:</a:t>
+            </a:r>
+          </a:p>
+          <a:p>
+            <a:pPr marL="285750" indent="-285750">
+              <a:lnSpc>
+                <a:spcPct val="150000"/>
+              </a:lnSpc>
+              <a:buFont typeface="Arial" panose="020B0604020202020204" pitchFamily="34" charset="0"/>
+              <a:buChar char="•"/>
+            </a:pPr>
+            <a:r>
+              <a:rPr lang="en-IN" dirty="0">
+                <a:latin typeface="Arial" panose="020B0604020202020204" pitchFamily="34" charset="0"/>
+                <a:cs typeface="Arial" panose="020B0604020202020204" pitchFamily="34" charset="0"/>
+              </a:rPr>
+              <a:t>AR (</a:t>
+            </a:r>
+            <a:r>
+              <a:rPr lang="en-IN" dirty="0" err="1">
+                <a:latin typeface="Arial" panose="020B0604020202020204" pitchFamily="34" charset="0"/>
+                <a:cs typeface="Arial" panose="020B0604020202020204" pitchFamily="34" charset="0"/>
+              </a:rPr>
+              <a:t>AutoRegression</a:t>
+            </a:r>
+            <a:r>
+              <a:rPr lang="en-IN" dirty="0">
+                <a:latin typeface="Arial" panose="020B0604020202020204" pitchFamily="34" charset="0"/>
+                <a:cs typeface="Arial" panose="020B0604020202020204" pitchFamily="34" charset="0"/>
+              </a:rPr>
+              <a:t>):</a:t>
+            </a:r>
+            <a:br>
+              <a:rPr lang="en-IN" dirty="0">
+                <a:latin typeface="Arial" panose="020B0604020202020204" pitchFamily="34" charset="0"/>
+                <a:cs typeface="Arial" panose="020B0604020202020204" pitchFamily="34" charset="0"/>
+              </a:rPr>
+            </a:br>
+            <a:r>
+              <a:rPr lang="en-IN" dirty="0">
+                <a:latin typeface="Arial" panose="020B0604020202020204" pitchFamily="34" charset="0"/>
+                <a:cs typeface="Arial" panose="020B0604020202020204" pitchFamily="34" charset="0"/>
+              </a:rPr>
+              <a:t>T</a:t>
+            </a:r>
+            <a:r>
+              <a:rPr lang="en-IN" baseline="-25000" dirty="0">
+                <a:latin typeface="Arial" panose="020B0604020202020204" pitchFamily="34" charset="0"/>
+                <a:cs typeface="Arial" panose="020B0604020202020204" pitchFamily="34" charset="0"/>
+              </a:rPr>
+              <a:t>t </a:t>
+            </a:r>
+            <a:r>
+              <a:rPr lang="en-IN" dirty="0">
+                <a:latin typeface="Arial" panose="020B0604020202020204" pitchFamily="34" charset="0"/>
+                <a:cs typeface="Arial" panose="020B0604020202020204" pitchFamily="34" charset="0"/>
+              </a:rPr>
+              <a:t>​= </a:t>
+            </a:r>
+            <a:r>
+              <a:rPr lang="el-GR" dirty="0">
+                <a:latin typeface="Arial" panose="020B0604020202020204" pitchFamily="34" charset="0"/>
+                <a:cs typeface="Arial" panose="020B0604020202020204" pitchFamily="34" charset="0"/>
+              </a:rPr>
+              <a:t>ϕ</a:t>
+            </a:r>
+            <a:r>
+              <a:rPr lang="en-IN" baseline="-25000" dirty="0">
+                <a:latin typeface="Arial" panose="020B0604020202020204" pitchFamily="34" charset="0"/>
+                <a:cs typeface="Arial" panose="020B0604020202020204" pitchFamily="34" charset="0"/>
+              </a:rPr>
+              <a:t>1</a:t>
+            </a:r>
+            <a:r>
+              <a:rPr lang="en-IN" dirty="0">
+                <a:latin typeface="Arial" panose="020B0604020202020204" pitchFamily="34" charset="0"/>
+                <a:cs typeface="Arial" panose="020B0604020202020204" pitchFamily="34" charset="0"/>
+              </a:rPr>
+              <a:t>​</a:t>
+            </a:r>
+            <a:r>
+              <a:rPr lang="el-GR" dirty="0">
+                <a:latin typeface="Arial" panose="020B0604020202020204" pitchFamily="34" charset="0"/>
+                <a:cs typeface="Arial" panose="020B0604020202020204" pitchFamily="34" charset="0"/>
+              </a:rPr>
+              <a:t>​</a:t>
+            </a:r>
+            <a:r>
+              <a:rPr lang="en-IN" dirty="0">
+                <a:latin typeface="Arial" panose="020B0604020202020204" pitchFamily="34" charset="0"/>
+                <a:cs typeface="Arial" panose="020B0604020202020204" pitchFamily="34" charset="0"/>
+              </a:rPr>
+              <a:t> T</a:t>
+            </a:r>
+            <a:r>
+              <a:rPr lang="en-IN" baseline="-25000" dirty="0">
+                <a:latin typeface="Arial" panose="020B0604020202020204" pitchFamily="34" charset="0"/>
+                <a:cs typeface="Arial" panose="020B0604020202020204" pitchFamily="34" charset="0"/>
+              </a:rPr>
+              <a:t>t -1</a:t>
+            </a:r>
+            <a:r>
+              <a:rPr lang="en-IN" dirty="0">
+                <a:latin typeface="Arial" panose="020B0604020202020204" pitchFamily="34" charset="0"/>
+                <a:cs typeface="Arial" panose="020B0604020202020204" pitchFamily="34" charset="0"/>
+              </a:rPr>
+              <a:t>​+</a:t>
+            </a:r>
+            <a:r>
+              <a:rPr lang="el-GR" dirty="0">
+                <a:latin typeface="Arial" panose="020B0604020202020204" pitchFamily="34" charset="0"/>
+                <a:cs typeface="Arial" panose="020B0604020202020204" pitchFamily="34" charset="0"/>
+              </a:rPr>
+              <a:t>ϕ</a:t>
+            </a:r>
+            <a:r>
+              <a:rPr lang="en-IN" baseline="-25000" dirty="0">
+                <a:latin typeface="Arial" panose="020B0604020202020204" pitchFamily="34" charset="0"/>
+                <a:cs typeface="Arial" panose="020B0604020202020204" pitchFamily="34" charset="0"/>
+              </a:rPr>
+              <a:t>2</a:t>
+            </a:r>
+            <a:r>
+              <a:rPr lang="en-IN" dirty="0">
+                <a:latin typeface="Arial" panose="020B0604020202020204" pitchFamily="34" charset="0"/>
+                <a:cs typeface="Arial" panose="020B0604020202020204" pitchFamily="34" charset="0"/>
+              </a:rPr>
+              <a:t>​</a:t>
+            </a:r>
+            <a:r>
+              <a:rPr lang="el-GR" dirty="0">
+                <a:latin typeface="Arial" panose="020B0604020202020204" pitchFamily="34" charset="0"/>
+                <a:cs typeface="Arial" panose="020B0604020202020204" pitchFamily="34" charset="0"/>
+              </a:rPr>
+              <a:t>​</a:t>
+            </a:r>
+            <a:r>
+              <a:rPr lang="en-IN" dirty="0">
+                <a:latin typeface="Arial" panose="020B0604020202020204" pitchFamily="34" charset="0"/>
+                <a:cs typeface="Arial" panose="020B0604020202020204" pitchFamily="34" charset="0"/>
+              </a:rPr>
+              <a:t>T</a:t>
+            </a:r>
+            <a:r>
+              <a:rPr lang="en-IN" baseline="-25000" dirty="0">
+                <a:latin typeface="Arial" panose="020B0604020202020204" pitchFamily="34" charset="0"/>
+                <a:cs typeface="Arial" panose="020B0604020202020204" pitchFamily="34" charset="0"/>
+              </a:rPr>
+              <a:t>t -2</a:t>
+            </a:r>
+            <a:r>
+              <a:rPr lang="en-IN" dirty="0">
+                <a:latin typeface="Arial" panose="020B0604020202020204" pitchFamily="34" charset="0"/>
+                <a:cs typeface="Arial" panose="020B0604020202020204" pitchFamily="34" charset="0"/>
+              </a:rPr>
+              <a:t>+...+</a:t>
+            </a:r>
+            <a:r>
+              <a:rPr lang="el-GR" dirty="0">
+                <a:latin typeface="Arial" panose="020B0604020202020204" pitchFamily="34" charset="0"/>
+                <a:cs typeface="Arial" panose="020B0604020202020204" pitchFamily="34" charset="0"/>
+              </a:rPr>
+              <a:t>ϕ</a:t>
+            </a:r>
+            <a:r>
+              <a:rPr lang="en-IN" baseline="-25000" dirty="0">
+                <a:latin typeface="Arial" panose="020B0604020202020204" pitchFamily="34" charset="0"/>
+                <a:cs typeface="Arial" panose="020B0604020202020204" pitchFamily="34" charset="0"/>
+              </a:rPr>
+              <a:t>p</a:t>
+            </a:r>
+            <a:r>
+              <a:rPr lang="en-IN" dirty="0">
+                <a:latin typeface="Arial" panose="020B0604020202020204" pitchFamily="34" charset="0"/>
+                <a:cs typeface="Arial" panose="020B0604020202020204" pitchFamily="34" charset="0"/>
+              </a:rPr>
+              <a:t>​T</a:t>
+            </a:r>
+            <a:r>
+              <a:rPr lang="en-IN" baseline="-25000" dirty="0">
+                <a:latin typeface="Arial" panose="020B0604020202020204" pitchFamily="34" charset="0"/>
+                <a:cs typeface="Arial" panose="020B0604020202020204" pitchFamily="34" charset="0"/>
+              </a:rPr>
+              <a:t>t -1p</a:t>
+            </a:r>
+            <a:r>
+              <a:rPr lang="en-IN" dirty="0">
+                <a:latin typeface="Arial" panose="020B0604020202020204" pitchFamily="34" charset="0"/>
+                <a:cs typeface="Arial" panose="020B0604020202020204" pitchFamily="34" charset="0"/>
+              </a:rPr>
+              <a:t>+</a:t>
+            </a:r>
+            <a:r>
+              <a:rPr lang="el-GR" dirty="0">
+                <a:latin typeface="Arial" panose="020B0604020202020204" pitchFamily="34" charset="0"/>
+                <a:cs typeface="Arial" panose="020B0604020202020204" pitchFamily="34" charset="0"/>
+              </a:rPr>
+              <a:t>ϵ</a:t>
+            </a:r>
+            <a:r>
+              <a:rPr lang="en-IN" baseline="-25000" dirty="0">
+                <a:latin typeface="Arial" panose="020B0604020202020204" pitchFamily="34" charset="0"/>
+                <a:cs typeface="Arial" panose="020B0604020202020204" pitchFamily="34" charset="0"/>
+              </a:rPr>
+              <a:t>t</a:t>
+            </a:r>
+            <a:endParaRPr lang="en-IN" dirty="0">
+              <a:latin typeface="Arial" panose="020B0604020202020204" pitchFamily="34" charset="0"/>
+              <a:cs typeface="Arial" panose="020B0604020202020204" pitchFamily="34" charset="0"/>
+            </a:endParaRPr>
+          </a:p>
+          <a:p>
+            <a:pPr marL="285750" indent="-285750">
+              <a:lnSpc>
+                <a:spcPct val="150000"/>
+              </a:lnSpc>
+              <a:buFont typeface="Arial" panose="020B0604020202020204" pitchFamily="34" charset="0"/>
+              <a:buChar char="•"/>
+            </a:pPr>
+            <a:r>
+              <a:rPr lang="en-IN" dirty="0">
+                <a:latin typeface="Arial" panose="020B0604020202020204" pitchFamily="34" charset="0"/>
+                <a:cs typeface="Arial" panose="020B0604020202020204" pitchFamily="34" charset="0"/>
+              </a:rPr>
+              <a:t>I (Integrated):</a:t>
+            </a:r>
+            <a:br>
+              <a:rPr lang="en-IN" dirty="0">
+                <a:latin typeface="Arial" panose="020B0604020202020204" pitchFamily="34" charset="0"/>
+                <a:cs typeface="Arial" panose="020B0604020202020204" pitchFamily="34" charset="0"/>
+              </a:rPr>
+            </a:br>
+            <a:r>
+              <a:rPr lang="en-IN" dirty="0">
+                <a:latin typeface="Arial" panose="020B0604020202020204" pitchFamily="34" charset="0"/>
+                <a:cs typeface="Arial" panose="020B0604020202020204" pitchFamily="34" charset="0"/>
+              </a:rPr>
+              <a:t>Differencing of the time series to make it stationary.</a:t>
+            </a:r>
+          </a:p>
+          <a:p>
+            <a:pPr marL="285750" indent="-285750">
+              <a:lnSpc>
+                <a:spcPct val="150000"/>
+              </a:lnSpc>
+              <a:buFont typeface="Arial" panose="020B0604020202020204" pitchFamily="34" charset="0"/>
+              <a:buChar char="•"/>
+            </a:pPr>
+            <a:r>
+              <a:rPr lang="en-IN" dirty="0">
+                <a:latin typeface="Arial" panose="020B0604020202020204" pitchFamily="34" charset="0"/>
+                <a:cs typeface="Arial" panose="020B0604020202020204" pitchFamily="34" charset="0"/>
+              </a:rPr>
+              <a:t>MA (Moving Average):</a:t>
+            </a:r>
+            <a:br>
+              <a:rPr lang="en-IN" dirty="0">
+                <a:latin typeface="Arial" panose="020B0604020202020204" pitchFamily="34" charset="0"/>
+                <a:cs typeface="Arial" panose="020B0604020202020204" pitchFamily="34" charset="0"/>
+              </a:rPr>
+            </a:br>
+            <a:r>
+              <a:rPr lang="en-IN" dirty="0">
+                <a:latin typeface="Arial" panose="020B0604020202020204" pitchFamily="34" charset="0"/>
+                <a:cs typeface="Arial" panose="020B0604020202020204" pitchFamily="34" charset="0"/>
+              </a:rPr>
+              <a:t>T</a:t>
+            </a:r>
+            <a:r>
+              <a:rPr lang="en-IN" baseline="-25000" dirty="0">
+                <a:latin typeface="Arial" panose="020B0604020202020204" pitchFamily="34" charset="0"/>
+                <a:cs typeface="Arial" panose="020B0604020202020204" pitchFamily="34" charset="0"/>
+              </a:rPr>
+              <a:t>t</a:t>
+            </a:r>
+            <a:r>
+              <a:rPr lang="en-IN" dirty="0">
+                <a:latin typeface="Arial" panose="020B0604020202020204" pitchFamily="34" charset="0"/>
+                <a:cs typeface="Arial" panose="020B0604020202020204" pitchFamily="34" charset="0"/>
+              </a:rPr>
+              <a:t>​ = </a:t>
+            </a:r>
+            <a:r>
+              <a:rPr lang="el-GR" dirty="0">
+                <a:latin typeface="Arial" panose="020B0604020202020204" pitchFamily="34" charset="0"/>
+                <a:cs typeface="Arial" panose="020B0604020202020204" pitchFamily="34" charset="0"/>
+              </a:rPr>
+              <a:t>ϵ</a:t>
+            </a:r>
+            <a:r>
+              <a:rPr lang="en-IN" baseline="-25000" dirty="0">
+                <a:latin typeface="Arial" panose="020B0604020202020204" pitchFamily="34" charset="0"/>
+                <a:cs typeface="Arial" panose="020B0604020202020204" pitchFamily="34" charset="0"/>
+              </a:rPr>
+              <a:t>t </a:t>
+            </a:r>
+            <a:r>
+              <a:rPr lang="en-IN" dirty="0">
+                <a:latin typeface="Arial" panose="020B0604020202020204" pitchFamily="34" charset="0"/>
+                <a:cs typeface="Arial" panose="020B0604020202020204" pitchFamily="34" charset="0"/>
+              </a:rPr>
+              <a:t>​+</a:t>
+            </a:r>
+            <a:r>
+              <a:rPr lang="el-GR" dirty="0">
+                <a:latin typeface="Arial" panose="020B0604020202020204" pitchFamily="34" charset="0"/>
+                <a:cs typeface="Arial" panose="020B0604020202020204" pitchFamily="34" charset="0"/>
+              </a:rPr>
+              <a:t>θ</a:t>
+            </a:r>
+            <a:r>
+              <a:rPr lang="en-IN" baseline="-25000" dirty="0">
+                <a:latin typeface="Arial" panose="020B0604020202020204" pitchFamily="34" charset="0"/>
+                <a:cs typeface="Arial" panose="020B0604020202020204" pitchFamily="34" charset="0"/>
+              </a:rPr>
+              <a:t>1</a:t>
+            </a:r>
+            <a:r>
+              <a:rPr lang="en-IN" dirty="0">
+                <a:latin typeface="Arial" panose="020B0604020202020204" pitchFamily="34" charset="0"/>
+                <a:cs typeface="Arial" panose="020B0604020202020204" pitchFamily="34" charset="0"/>
+              </a:rPr>
+              <a:t>​ </a:t>
+            </a:r>
+            <a:r>
+              <a:rPr lang="el-GR" dirty="0">
+                <a:latin typeface="Arial" panose="020B0604020202020204" pitchFamily="34" charset="0"/>
+                <a:cs typeface="Arial" panose="020B0604020202020204" pitchFamily="34" charset="0"/>
+              </a:rPr>
+              <a:t>ϵ</a:t>
+            </a:r>
+            <a:r>
+              <a:rPr lang="en-IN" baseline="-25000" dirty="0">
+                <a:latin typeface="Arial" panose="020B0604020202020204" pitchFamily="34" charset="0"/>
+                <a:cs typeface="Arial" panose="020B0604020202020204" pitchFamily="34" charset="0"/>
+              </a:rPr>
+              <a:t>t -1</a:t>
+            </a:r>
+            <a:r>
+              <a:rPr lang="en-IN" dirty="0">
+                <a:latin typeface="Arial" panose="020B0604020202020204" pitchFamily="34" charset="0"/>
+                <a:cs typeface="Arial" panose="020B0604020202020204" pitchFamily="34" charset="0"/>
+              </a:rPr>
+              <a:t>​+...+</a:t>
+            </a:r>
+            <a:r>
+              <a:rPr lang="el-GR" dirty="0">
+                <a:latin typeface="Arial" panose="020B0604020202020204" pitchFamily="34" charset="0"/>
+                <a:cs typeface="Arial" panose="020B0604020202020204" pitchFamily="34" charset="0"/>
+              </a:rPr>
+              <a:t>θ</a:t>
+            </a:r>
+            <a:r>
+              <a:rPr lang="en-IN" baseline="-25000" dirty="0">
+                <a:latin typeface="Arial" panose="020B0604020202020204" pitchFamily="34" charset="0"/>
+                <a:cs typeface="Arial" panose="020B0604020202020204" pitchFamily="34" charset="0"/>
+              </a:rPr>
+              <a:t>q</a:t>
+            </a:r>
+            <a:r>
+              <a:rPr lang="en-IN" dirty="0">
+                <a:latin typeface="Arial" panose="020B0604020202020204" pitchFamily="34" charset="0"/>
+                <a:cs typeface="Arial" panose="020B0604020202020204" pitchFamily="34" charset="0"/>
+              </a:rPr>
+              <a:t>​</a:t>
+            </a:r>
+            <a:r>
+              <a:rPr lang="el-GR" dirty="0">
+                <a:latin typeface="Arial" panose="020B0604020202020204" pitchFamily="34" charset="0"/>
+                <a:cs typeface="Arial" panose="020B0604020202020204" pitchFamily="34" charset="0"/>
+              </a:rPr>
+              <a:t>ϵ</a:t>
+            </a:r>
+            <a:r>
+              <a:rPr lang="en-IN" baseline="-25000" dirty="0">
+                <a:latin typeface="Arial" panose="020B0604020202020204" pitchFamily="34" charset="0"/>
+                <a:cs typeface="Arial" panose="020B0604020202020204" pitchFamily="34" charset="0"/>
+              </a:rPr>
+              <a:t>t - q</a:t>
+            </a:r>
+            <a:endParaRPr lang="en-IN" dirty="0">
+              <a:latin typeface="Arial" panose="020B0604020202020204" pitchFamily="34" charset="0"/>
+              <a:cs typeface="Arial" panose="020B0604020202020204" pitchFamily="34" charset="0"/>
+            </a:endParaRPr>
+          </a:p>
+          <a:p>
+            <a:endParaRPr lang="en-IN" dirty="0">
+              <a:latin typeface="Arial" panose="020B0604020202020204" pitchFamily="34" charset="0"/>
+              <a:cs typeface="Arial" panose="020B0604020202020204" pitchFamily="34" charset="0"/>
+            </a:endParaRPr>
+          </a:p>
+          <a:p>
+            <a:r>
+              <a:rPr lang="en-IN" dirty="0">
+                <a:latin typeface="Arial" panose="020B0604020202020204" pitchFamily="34" charset="0"/>
+                <a:cs typeface="Arial" panose="020B0604020202020204" pitchFamily="34" charset="0"/>
+              </a:rPr>
+              <a:t>Final ARIMA model:</a:t>
+            </a:r>
+            <a:br>
+              <a:rPr lang="en-IN" b="1" dirty="0">
+                <a:latin typeface="Arial" panose="020B0604020202020204" pitchFamily="34" charset="0"/>
+                <a:cs typeface="Arial" panose="020B0604020202020204" pitchFamily="34" charset="0"/>
+              </a:rPr>
+            </a:br>
+            <a:r>
+              <a:rPr lang="en-IN" dirty="0">
+                <a:latin typeface="Arial" panose="020B0604020202020204" pitchFamily="34" charset="0"/>
+                <a:cs typeface="Arial" panose="020B0604020202020204" pitchFamily="34" charset="0"/>
+              </a:rPr>
+              <a:t>T</a:t>
+            </a:r>
+            <a:r>
+              <a:rPr lang="en-IN" baseline="-25000" dirty="0">
+                <a:latin typeface="Arial" panose="020B0604020202020204" pitchFamily="34" charset="0"/>
+                <a:cs typeface="Arial" panose="020B0604020202020204" pitchFamily="34" charset="0"/>
+              </a:rPr>
+              <a:t>t</a:t>
+            </a:r>
+            <a:r>
+              <a:rPr lang="en-IN" dirty="0">
+                <a:latin typeface="Arial" panose="020B0604020202020204" pitchFamily="34" charset="0"/>
+                <a:cs typeface="Arial" panose="020B0604020202020204" pitchFamily="34" charset="0"/>
+              </a:rPr>
+              <a:t>​ = </a:t>
+            </a:r>
+            <a:r>
+              <a:rPr lang="en-US" dirty="0">
+                <a:latin typeface="Arial" panose="020B0604020202020204" pitchFamily="34" charset="0"/>
+                <a:cs typeface="Arial" panose="020B0604020202020204" pitchFamily="34" charset="0"/>
+              </a:rPr>
+              <a:t>ϕ</a:t>
+            </a:r>
+            <a:r>
+              <a:rPr lang="en-IN" baseline="-25000" dirty="0">
+                <a:latin typeface="Arial" panose="020B0604020202020204" pitchFamily="34" charset="0"/>
+                <a:cs typeface="Arial" panose="020B0604020202020204" pitchFamily="34" charset="0"/>
+              </a:rPr>
+              <a:t>1</a:t>
+            </a:r>
+            <a:r>
+              <a:rPr lang="en-IN" dirty="0">
+                <a:latin typeface="Arial" panose="020B0604020202020204" pitchFamily="34" charset="0"/>
+                <a:cs typeface="Arial" panose="020B0604020202020204" pitchFamily="34" charset="0"/>
+              </a:rPr>
+              <a:t>​ </a:t>
+            </a:r>
+            <a:r>
+              <a:rPr lang="en-US" dirty="0">
+                <a:latin typeface="Arial" panose="020B0604020202020204" pitchFamily="34" charset="0"/>
+                <a:cs typeface="Arial" panose="020B0604020202020204" pitchFamily="34" charset="0"/>
+              </a:rPr>
+              <a:t>​T</a:t>
+            </a:r>
+            <a:r>
+              <a:rPr lang="en-IN" baseline="-25000" dirty="0">
+                <a:latin typeface="Arial" panose="020B0604020202020204" pitchFamily="34" charset="0"/>
+                <a:cs typeface="Arial" panose="020B0604020202020204" pitchFamily="34" charset="0"/>
+              </a:rPr>
+              <a:t>t-1</a:t>
+            </a:r>
+            <a:r>
+              <a:rPr lang="en-IN" dirty="0">
+                <a:latin typeface="Arial" panose="020B0604020202020204" pitchFamily="34" charset="0"/>
+                <a:cs typeface="Arial" panose="020B0604020202020204" pitchFamily="34" charset="0"/>
+              </a:rPr>
+              <a:t>​ </a:t>
+            </a:r>
+            <a:r>
+              <a:rPr lang="en-US" dirty="0">
+                <a:latin typeface="Arial" panose="020B0604020202020204" pitchFamily="34" charset="0"/>
+                <a:cs typeface="Arial" panose="020B0604020202020204" pitchFamily="34" charset="0"/>
+              </a:rPr>
+              <a:t>​+</a:t>
+            </a:r>
+            <a:r>
+              <a:rPr lang="el-GR" dirty="0">
+                <a:latin typeface="Arial" panose="020B0604020202020204" pitchFamily="34" charset="0"/>
+                <a:cs typeface="Arial" panose="020B0604020202020204" pitchFamily="34" charset="0"/>
+              </a:rPr>
+              <a:t> θ</a:t>
+            </a:r>
+            <a:r>
+              <a:rPr lang="en-IN" baseline="-25000" dirty="0">
+                <a:latin typeface="Arial" panose="020B0604020202020204" pitchFamily="34" charset="0"/>
+                <a:cs typeface="Arial" panose="020B0604020202020204" pitchFamily="34" charset="0"/>
+              </a:rPr>
+              <a:t>1</a:t>
+            </a:r>
+            <a:r>
+              <a:rPr lang="en-IN" dirty="0">
+                <a:latin typeface="Arial" panose="020B0604020202020204" pitchFamily="34" charset="0"/>
+                <a:cs typeface="Arial" panose="020B0604020202020204" pitchFamily="34" charset="0"/>
+              </a:rPr>
+              <a:t>​ </a:t>
+            </a:r>
+            <a:r>
+              <a:rPr lang="el-GR" dirty="0">
+                <a:latin typeface="Arial" panose="020B0604020202020204" pitchFamily="34" charset="0"/>
+                <a:cs typeface="Arial" panose="020B0604020202020204" pitchFamily="34" charset="0"/>
+              </a:rPr>
+              <a:t>​ϵ</a:t>
+            </a:r>
+            <a:r>
+              <a:rPr lang="en-IN" baseline="-25000" dirty="0">
+                <a:latin typeface="Arial" panose="020B0604020202020204" pitchFamily="34" charset="0"/>
+                <a:cs typeface="Arial" panose="020B0604020202020204" pitchFamily="34" charset="0"/>
+              </a:rPr>
+              <a:t>t -1 </a:t>
+            </a:r>
+            <a:r>
+              <a:rPr lang="en-US" dirty="0">
+                <a:latin typeface="Arial" panose="020B0604020202020204" pitchFamily="34" charset="0"/>
+                <a:cs typeface="Arial" panose="020B0604020202020204" pitchFamily="34" charset="0"/>
+              </a:rPr>
+              <a:t>+(integrated terms)</a:t>
+            </a:r>
+            <a:endParaRPr lang="en-IN" dirty="0">
               <a:latin typeface="Arial" panose="020B0604020202020204" pitchFamily="34" charset="0"/>
               <a:cs typeface="Arial" panose="020B0604020202020204" pitchFamily="34" charset="0"/>
             </a:endParaRPr>
@@ -3909,7 +5352,7 @@
     </p:spTree>
     <p:extLst>
       <p:ext uri="{BB962C8B-B14F-4D97-AF65-F5344CB8AC3E}">
-        <p14:creationId xmlns:p14="http://schemas.microsoft.com/office/powerpoint/2010/main" val="1138356094"/>
+        <p14:creationId xmlns:p14="http://schemas.microsoft.com/office/powerpoint/2010/main" val="4030842993"/>
       </p:ext>
     </p:extLst>
   </p:cSld>
@@ -3998,8 +5441,8 @@
         </p:nvSpPr>
         <p:spPr>
           <a:xfrm>
-            <a:off x="966651" y="1286539"/>
-            <a:ext cx="9901002" cy="2554545"/>
+            <a:off x="655723" y="807275"/>
+            <a:ext cx="10880553" cy="4585871"/>
           </a:xfrm>
           <a:prstGeom prst="rect">
             <a:avLst/>
@@ -4020,91 +5463,11 @@
                 <a:latin typeface="Arial" panose="020B0604020202020204" pitchFamily="34" charset="0"/>
                 <a:cs typeface="Arial" panose="020B0604020202020204" pitchFamily="34" charset="0"/>
               </a:rPr>
-              <a:t>Area of application: </a:t>
-            </a:r>
-          </a:p>
-          <a:p>
-            <a:pPr marL="342900" indent="-342900">
-              <a:buFont typeface="Arial" panose="020B0604020202020204" pitchFamily="34" charset="0"/>
-              <a:buChar char="•"/>
-            </a:pPr>
-            <a:r>
-              <a:rPr lang="en-US" sz="2000" dirty="0">
-                <a:latin typeface="Arial" panose="020B0604020202020204" pitchFamily="34" charset="0"/>
-                <a:cs typeface="Arial" panose="020B0604020202020204" pitchFamily="34" charset="0"/>
-              </a:rPr>
-              <a:t>Policy Making: Government agencies can use the tool to develop climate change mitigation and adaptation strategies.</a:t>
-            </a:r>
-          </a:p>
-          <a:p>
-            <a:pPr marL="342900" indent="-342900">
-              <a:buFont typeface="Arial" panose="020B0604020202020204" pitchFamily="34" charset="0"/>
-              <a:buChar char="•"/>
-            </a:pPr>
-            <a:r>
-              <a:rPr lang="en-US" sz="2000" dirty="0">
-                <a:latin typeface="Arial" panose="020B0604020202020204" pitchFamily="34" charset="0"/>
-                <a:cs typeface="Arial" panose="020B0604020202020204" pitchFamily="34" charset="0"/>
-              </a:rPr>
-              <a:t>Business Strategy: Industries, particularly those in agriculture, energy, and insurance, can use climate scenario forecasts to manage risks and optimize operations.</a:t>
-            </a:r>
-          </a:p>
-          <a:p>
-            <a:pPr marL="342900" indent="-342900">
-              <a:buFont typeface="Arial" panose="020B0604020202020204" pitchFamily="34" charset="0"/>
-              <a:buChar char="•"/>
-            </a:pPr>
-            <a:r>
-              <a:rPr lang="en-US" sz="2000" dirty="0">
-                <a:latin typeface="Arial" panose="020B0604020202020204" pitchFamily="34" charset="0"/>
-                <a:cs typeface="Arial" panose="020B0604020202020204" pitchFamily="34" charset="0"/>
-              </a:rPr>
-              <a:t>Environmental Research: Researchers can apply the tool to study long-term climate patterns and evaluate the effectiveness of adaptation measures.</a:t>
-            </a:r>
-          </a:p>
-        </p:txBody>
-      </p:sp>
-      <p:sp>
-        <p:nvSpPr>
-          <p:cNvPr id="5" name="TextBox 4">
-            <a:extLst>
-              <a:ext uri="{FF2B5EF4-FFF2-40B4-BE49-F238E27FC236}">
-                <a16:creationId xmlns:a16="http://schemas.microsoft.com/office/drawing/2014/main" id="{855D761A-D47C-ECA9-2854-58170B4C3B53}"/>
-              </a:ext>
-            </a:extLst>
-          </p:cNvPr>
-          <p:cNvSpPr txBox="1"/>
-          <p:nvPr/>
-        </p:nvSpPr>
-        <p:spPr>
-          <a:xfrm>
-            <a:off x="966651" y="3988033"/>
-            <a:ext cx="10105902" cy="1754326"/>
-          </a:xfrm>
-          <a:prstGeom prst="rect">
-            <a:avLst/>
-          </a:prstGeom>
-          <a:noFill/>
-        </p:spPr>
-        <p:txBody>
-          <a:bodyPr wrap="square">
-            <a:spAutoFit/>
-          </a:bodyPr>
-          <a:lstStyle/>
-          <a:p>
-            <a:r>
-              <a:rPr lang="en-US" sz="1800" dirty="0">
-                <a:solidFill>
-                  <a:srgbClr val="FF0000"/>
-                </a:solidFill>
-                <a:latin typeface="Arial" panose="020B0604020202020204" pitchFamily="34" charset="0"/>
-                <a:cs typeface="Arial" panose="020B0604020202020204" pitchFamily="34" charset="0"/>
-              </a:rPr>
-              <a:t>Dataset and input format:</a:t>
-            </a:r>
-          </a:p>
-          <a:p>
-            <a:endParaRPr lang="en-US" sz="1800" dirty="0">
+              <a:t>Technical Concepts (Algorithms):</a:t>
+            </a:r>
+          </a:p>
+          <a:p>
+            <a:endParaRPr lang="en-US" sz="2000" dirty="0">
               <a:solidFill>
                 <a:srgbClr val="FF0000"/>
               </a:solidFill>
@@ -4114,87 +5477,166 @@
           </a:p>
           <a:p>
             <a:r>
-              <a:rPr lang="en-US" sz="1800" dirty="0">
-                <a:solidFill>
-                  <a:srgbClr val="FF0000"/>
-                </a:solidFill>
-                <a:latin typeface="Arial" panose="020B0604020202020204" pitchFamily="34" charset="0"/>
-                <a:cs typeface="Arial" panose="020B0604020202020204" pitchFamily="34" charset="0"/>
-                <a:hlinkClick r:id="rId2"/>
-              </a:rPr>
-              <a:t>DATASET</a:t>
-            </a:r>
-            <a:endParaRPr lang="en-US" sz="1800" dirty="0">
-              <a:solidFill>
-                <a:srgbClr val="FF0000"/>
-              </a:solidFill>
+              <a:rPr lang="en-US" b="1" dirty="0">
+                <a:latin typeface="Arial" panose="020B0604020202020204" pitchFamily="34" charset="0"/>
+                <a:cs typeface="Arial" panose="020B0604020202020204" pitchFamily="34" charset="0"/>
+              </a:rPr>
+              <a:t>Monte Carlo Simulation: </a:t>
+            </a:r>
+            <a:r>
+              <a:rPr lang="en-US" dirty="0">
+                <a:latin typeface="Arial" panose="020B0604020202020204" pitchFamily="34" charset="0"/>
+                <a:cs typeface="Arial" panose="020B0604020202020204" pitchFamily="34" charset="0"/>
+              </a:rPr>
+              <a:t>A stochastic technique that generates a range of possible outcomes by running repeated random simulations. This method is used to understand uncertainties and risks, providing probabilistic climate forecasts.</a:t>
+            </a:r>
+          </a:p>
+          <a:p>
+            <a:endParaRPr lang="en-US" dirty="0">
               <a:latin typeface="Arial" panose="020B0604020202020204" pitchFamily="34" charset="0"/>
               <a:cs typeface="Arial" panose="020B0604020202020204" pitchFamily="34" charset="0"/>
             </a:endParaRPr>
           </a:p>
           <a:p>
-            <a:endParaRPr lang="en-US" sz="1800" dirty="0">
-              <a:solidFill>
-                <a:srgbClr val="FF0000"/>
-              </a:solidFill>
+            <a:r>
+              <a:rPr lang="en-US" dirty="0">
+                <a:latin typeface="Arial" panose="020B0604020202020204" pitchFamily="34" charset="0"/>
+                <a:cs typeface="Arial" panose="020B0604020202020204" pitchFamily="34" charset="0"/>
+              </a:rPr>
+              <a:t>Monte Carlo simulations generate random samples using probability distributions and then apply repeated simulations:</a:t>
+            </a:r>
+          </a:p>
+          <a:p>
+            <a:endParaRPr lang="en-US" dirty="0">
               <a:latin typeface="Arial" panose="020B0604020202020204" pitchFamily="34" charset="0"/>
               <a:cs typeface="Arial" panose="020B0604020202020204" pitchFamily="34" charset="0"/>
             </a:endParaRPr>
           </a:p>
           <a:p>
-            <a:r>
-              <a:rPr lang="en-US" dirty="0">
-                <a:latin typeface="Arial" panose="020B0604020202020204" pitchFamily="34" charset="0"/>
-                <a:cs typeface="Arial" panose="020B0604020202020204" pitchFamily="34" charset="0"/>
-              </a:rPr>
-              <a:t>The dataset is fetched using CDS API in .</a:t>
-            </a:r>
-            <a:r>
-              <a:rPr lang="en-US" dirty="0" err="1">
-                <a:latin typeface="Arial" panose="020B0604020202020204" pitchFamily="34" charset="0"/>
-                <a:cs typeface="Arial" panose="020B0604020202020204" pitchFamily="34" charset="0"/>
-              </a:rPr>
-              <a:t>grb</a:t>
-            </a:r>
-            <a:r>
-              <a:rPr lang="en-US" dirty="0">
-                <a:latin typeface="Arial" panose="020B0604020202020204" pitchFamily="34" charset="0"/>
-                <a:cs typeface="Arial" panose="020B0604020202020204" pitchFamily="34" charset="0"/>
-              </a:rPr>
-              <a:t> and .</a:t>
-            </a:r>
-            <a:r>
-              <a:rPr lang="en-US" dirty="0" err="1">
-                <a:latin typeface="Arial" panose="020B0604020202020204" pitchFamily="34" charset="0"/>
-                <a:cs typeface="Arial" panose="020B0604020202020204" pitchFamily="34" charset="0"/>
-              </a:rPr>
-              <a:t>nc</a:t>
-            </a:r>
-            <a:r>
-              <a:rPr lang="en-US" dirty="0">
-                <a:latin typeface="Arial" panose="020B0604020202020204" pitchFamily="34" charset="0"/>
-                <a:cs typeface="Arial" panose="020B0604020202020204" pitchFamily="34" charset="0"/>
-              </a:rPr>
-              <a:t> format which will then be converted into manipulatable form using libraries like </a:t>
-            </a:r>
-            <a:r>
-              <a:rPr lang="en-US" dirty="0" err="1">
-                <a:latin typeface="Arial" panose="020B0604020202020204" pitchFamily="34" charset="0"/>
-                <a:cs typeface="Arial" panose="020B0604020202020204" pitchFamily="34" charset="0"/>
-              </a:rPr>
-              <a:t>xarray</a:t>
-            </a:r>
-            <a:endParaRPr lang="en-US" sz="1800" dirty="0">
+            <a:pPr algn="ctr"/>
+            <a:r>
+              <a:rPr lang="en-US" sz="2000" dirty="0">
+                <a:latin typeface="Arial" panose="020B0604020202020204" pitchFamily="34" charset="0"/>
+                <a:cs typeface="Arial" panose="020B0604020202020204" pitchFamily="34" charset="0"/>
+              </a:rPr>
+              <a:t>x</a:t>
+            </a:r>
+            <a:r>
+              <a:rPr lang="en-IN" sz="2000" baseline="-25000" dirty="0" err="1">
+                <a:latin typeface="Arial" panose="020B0604020202020204" pitchFamily="34" charset="0"/>
+                <a:cs typeface="Arial" panose="020B0604020202020204" pitchFamily="34" charset="0"/>
+              </a:rPr>
+              <a:t>i</a:t>
+            </a:r>
+            <a:r>
+              <a:rPr lang="en-US" sz="2000" dirty="0">
+                <a:latin typeface="Arial" panose="020B0604020202020204" pitchFamily="34" charset="0"/>
+                <a:cs typeface="Arial" panose="020B0604020202020204" pitchFamily="34" charset="0"/>
+              </a:rPr>
+              <a:t>= μ + σ * </a:t>
+            </a:r>
+            <a:r>
+              <a:rPr lang="en-IN" sz="2000" dirty="0">
+                <a:latin typeface="Arial" panose="020B0604020202020204" pitchFamily="34" charset="0"/>
+                <a:cs typeface="Arial" panose="020B0604020202020204" pitchFamily="34" charset="0"/>
+              </a:rPr>
+              <a:t>z</a:t>
+            </a:r>
+            <a:r>
+              <a:rPr lang="en-IN" sz="2000" baseline="-25000" dirty="0">
+                <a:latin typeface="Arial" panose="020B0604020202020204" pitchFamily="34" charset="0"/>
+                <a:cs typeface="Arial" panose="020B0604020202020204" pitchFamily="34" charset="0"/>
+              </a:rPr>
+              <a:t>i</a:t>
+            </a:r>
+          </a:p>
+          <a:p>
+            <a:endParaRPr lang="en-US" dirty="0">
               <a:latin typeface="Arial" panose="020B0604020202020204" pitchFamily="34" charset="0"/>
               <a:cs typeface="Arial" panose="020B0604020202020204" pitchFamily="34" charset="0"/>
             </a:endParaRPr>
+          </a:p>
+          <a:p>
+            <a:r>
+              <a:rPr lang="en-US" dirty="0">
+                <a:latin typeface="Arial" panose="020B0604020202020204" pitchFamily="34" charset="0"/>
+                <a:cs typeface="Arial" panose="020B0604020202020204" pitchFamily="34" charset="0"/>
+              </a:rPr>
+              <a:t>Where:</a:t>
+            </a:r>
+          </a:p>
+          <a:p>
+            <a:endParaRPr lang="en-US" dirty="0">
+              <a:latin typeface="Arial" panose="020B0604020202020204" pitchFamily="34" charset="0"/>
+              <a:cs typeface="Arial" panose="020B0604020202020204" pitchFamily="34" charset="0"/>
+            </a:endParaRPr>
+          </a:p>
+          <a:p>
+            <a:pPr marL="285750" indent="-285750">
+              <a:buFont typeface="Arial" panose="020B0604020202020204" pitchFamily="34" charset="0"/>
+              <a:buChar char="•"/>
+            </a:pPr>
+            <a:r>
+              <a:rPr lang="en-US" dirty="0">
+                <a:latin typeface="Arial" panose="020B0604020202020204" pitchFamily="34" charset="0"/>
+                <a:cs typeface="Arial" panose="020B0604020202020204" pitchFamily="34" charset="0"/>
+              </a:rPr>
+              <a:t>μ is the mean</a:t>
+            </a:r>
+          </a:p>
+          <a:p>
+            <a:pPr marL="285750" indent="-285750">
+              <a:buFont typeface="Arial" panose="020B0604020202020204" pitchFamily="34" charset="0"/>
+              <a:buChar char="•"/>
+            </a:pPr>
+            <a:r>
+              <a:rPr lang="en-US" dirty="0">
+                <a:latin typeface="Arial" panose="020B0604020202020204" pitchFamily="34" charset="0"/>
+                <a:cs typeface="Arial" panose="020B0604020202020204" pitchFamily="34" charset="0"/>
+              </a:rPr>
+              <a:t>σ is the standard deviation</a:t>
+            </a:r>
+          </a:p>
+          <a:p>
+            <a:pPr marL="285750" indent="-285750">
+              <a:buFont typeface="Arial" panose="020B0604020202020204" pitchFamily="34" charset="0"/>
+              <a:buChar char="•"/>
+            </a:pPr>
+            <a:r>
+              <a:rPr lang="en-IN" dirty="0">
+                <a:latin typeface="Arial" panose="020B0604020202020204" pitchFamily="34" charset="0"/>
+                <a:cs typeface="Arial" panose="020B0604020202020204" pitchFamily="34" charset="0"/>
+              </a:rPr>
+              <a:t>z</a:t>
+            </a:r>
+            <a:r>
+              <a:rPr lang="en-IN" baseline="-25000" dirty="0">
+                <a:latin typeface="Arial" panose="020B0604020202020204" pitchFamily="34" charset="0"/>
+                <a:cs typeface="Arial" panose="020B0604020202020204" pitchFamily="34" charset="0"/>
+              </a:rPr>
+              <a:t>i</a:t>
+            </a:r>
+            <a:r>
+              <a:rPr lang="en-IN" dirty="0">
+                <a:latin typeface="Arial" panose="020B0604020202020204" pitchFamily="34" charset="0"/>
+                <a:cs typeface="Arial" panose="020B0604020202020204" pitchFamily="34" charset="0"/>
+              </a:rPr>
+              <a:t> </a:t>
+            </a:r>
+            <a:r>
+              <a:rPr lang="en-US" dirty="0">
+                <a:latin typeface="Arial" panose="020B0604020202020204" pitchFamily="34" charset="0"/>
+                <a:cs typeface="Arial" panose="020B0604020202020204" pitchFamily="34" charset="0"/>
+              </a:rPr>
+              <a:t>is a random variable following a standard normal distribution</a:t>
+            </a:r>
           </a:p>
         </p:txBody>
       </p:sp>
     </p:spTree>
     <p:extLst>
       <p:ext uri="{BB962C8B-B14F-4D97-AF65-F5344CB8AC3E}">
-        <p14:creationId xmlns:p14="http://schemas.microsoft.com/office/powerpoint/2010/main" val="2288927434"/>
+        <p14:creationId xmlns:p14="http://schemas.microsoft.com/office/powerpoint/2010/main" val="3113239510"/>
       </p:ext>
     </p:extLst>
   </p:cSld>
@@ -4235,7 +5677,7 @@
         </p:nvSpPr>
         <p:spPr>
           <a:xfrm>
-            <a:off x="234487" y="248626"/>
+            <a:off x="325927" y="222500"/>
             <a:ext cx="7530363" cy="584775"/>
           </a:xfrm>
           <a:prstGeom prst="rect">
@@ -4257,8 +5699,15 @@
                 <a:latin typeface="Arial" panose="020B0604020202020204" pitchFamily="34" charset="0"/>
                 <a:cs typeface="Arial" panose="020B0604020202020204" pitchFamily="34" charset="0"/>
               </a:rPr>
-              <a:t>Literature Review</a:t>
-            </a:r>
+              <a:t>Introduction</a:t>
+            </a:r>
+            <a:endParaRPr lang="en-IN" sz="3200" b="1" dirty="0">
+              <a:solidFill>
+                <a:srgbClr val="46B0FA"/>
+              </a:solidFill>
+              <a:latin typeface="Arial" panose="020B0604020202020204" pitchFamily="34" charset="0"/>
+              <a:cs typeface="Arial" panose="020B0604020202020204" pitchFamily="34" charset="0"/>
+            </a:endParaRPr>
           </a:p>
         </p:txBody>
       </p:sp>
@@ -4276,8 +5725,8 @@
         </p:nvSpPr>
         <p:spPr>
           <a:xfrm>
-            <a:off x="878541" y="833401"/>
-            <a:ext cx="10434918" cy="4862870"/>
+            <a:off x="1145499" y="931585"/>
+            <a:ext cx="9901002" cy="2092881"/>
           </a:xfrm>
           <a:prstGeom prst="rect">
             <a:avLst/>
@@ -4290,43 +5739,25 @@
           </a:bodyPr>
           <a:lstStyle/>
           <a:p>
-            <a:pPr marL="0" marR="0" lvl="0" indent="0" algn="l" defTabSz="914400" rtl="0" eaLnBrk="1" fontAlgn="auto" latinLnBrk="0" hangingPunct="1">
+            <a:pPr>
               <a:lnSpc>
-                <a:spcPct val="100000"/>
+                <a:spcPct val="200000"/>
               </a:lnSpc>
-              <a:spcBef>
-                <a:spcPts val="0"/>
-              </a:spcBef>
-              <a:spcAft>
-                <a:spcPts val="0"/>
-              </a:spcAft>
-              <a:buClrTx/>
-              <a:buSzTx/>
-              <a:buFontTx/>
-              <a:buNone/>
-              <a:tabLst/>
-              <a:defRPr/>
             </a:pPr>
             <a:r>
-              <a:rPr kumimoji="0" lang="en-US" sz="2000" b="0" i="0" u="none" strike="noStrike" kern="1200" cap="none" spc="0" normalizeH="0" baseline="0" noProof="0" dirty="0">
-                <a:ln>
-                  <a:noFill/>
-                </a:ln>
+              <a:rPr lang="en-US" sz="2000" dirty="0">
                 <a:solidFill>
                   <a:srgbClr val="FF0000"/>
                 </a:solidFill>
-                <a:effectLst/>
-                <a:uLnTx/>
-                <a:uFillTx/>
-                <a:latin typeface="Arial" panose="020B0604020202020204" pitchFamily="34" charset="0"/>
-                <a:cs typeface="Arial" panose="020B0604020202020204" pitchFamily="34" charset="0"/>
-              </a:rPr>
-              <a:t>Cite Related work</a:t>
-            </a:r>
-            <a:r>
-              <a:rPr lang="en-US" sz="2000" dirty="0">
+                <a:latin typeface="Arial" panose="020B0604020202020204" pitchFamily="34" charset="0"/>
+                <a:cs typeface="Arial" panose="020B0604020202020204" pitchFamily="34" charset="0"/>
+              </a:rPr>
+              <a:t>Motivation</a:t>
+            </a:r>
+            <a:r>
+              <a:rPr lang="en-IN" sz="2000" dirty="0">
                 <a:solidFill>
-                  <a:prstClr val="black"/>
+                  <a:srgbClr val="FF0000"/>
                 </a:solidFill>
                 <a:latin typeface="Arial" panose="020B0604020202020204" pitchFamily="34" charset="0"/>
                 <a:cs typeface="Arial" panose="020B0604020202020204" pitchFamily="34" charset="0"/>
@@ -4335,172 +5766,104 @@
             </a:r>
           </a:p>
           <a:p>
-            <a:pPr marL="0" marR="0" lvl="0" indent="0" algn="l" defTabSz="914400" rtl="0" eaLnBrk="1" fontAlgn="auto" latinLnBrk="0" hangingPunct="1">
-              <a:lnSpc>
-                <a:spcPct val="100000"/>
-              </a:lnSpc>
-              <a:spcBef>
-                <a:spcPts val="0"/>
-              </a:spcBef>
-              <a:spcAft>
-                <a:spcPts val="0"/>
-              </a:spcAft>
-              <a:buClrTx/>
-              <a:buSzTx/>
-              <a:buFontTx/>
-              <a:buNone/>
-              <a:tabLst/>
-              <a:defRPr/>
-            </a:pPr>
-            <a:endParaRPr kumimoji="0" lang="en-US" sz="2000" b="0" i="0" u="none" strike="noStrike" kern="1200" cap="none" spc="0" normalizeH="0" baseline="0" noProof="0" dirty="0">
-              <a:ln>
-                <a:noFill/>
-              </a:ln>
-              <a:solidFill>
-                <a:prstClr val="black"/>
-              </a:solidFill>
-              <a:effectLst/>
-              <a:uLnTx/>
-              <a:uFillTx/>
+            <a:r>
+              <a:rPr lang="en-US" dirty="0">
+                <a:latin typeface="Arial" panose="020B0604020202020204" pitchFamily="34" charset="0"/>
+                <a:cs typeface="Arial" panose="020B0604020202020204" pitchFamily="34" charset="0"/>
+              </a:rPr>
+              <a:t>The increasing severity and frequency of climate events require reliable tools to predict future climate conditions and their impact on various regions and industries. This project aims to enhance decision-making in climate adaptation by identifying the most accurate and reliable forecasting model for climate scenarios. By comparing LSTM, ARIMA, and Monte Carlo simulation, the project will offer a tool that will help the user to make informed decisions.</a:t>
+            </a:r>
+            <a:endParaRPr lang="en-IN" dirty="0">
               <a:latin typeface="Arial" panose="020B0604020202020204" pitchFamily="34" charset="0"/>
               <a:cs typeface="Arial" panose="020B0604020202020204" pitchFamily="34" charset="0"/>
             </a:endParaRPr>
           </a:p>
-          <a:p>
-            <a:pPr marL="0" marR="0" lvl="0" indent="0" algn="l" defTabSz="914400" rtl="0" eaLnBrk="1" fontAlgn="auto" latinLnBrk="0" hangingPunct="1">
+        </p:txBody>
+      </p:sp>
+      <p:sp>
+        <p:nvSpPr>
+          <p:cNvPr id="5" name="TextBox 4">
+            <a:extLst>
+              <a:ext uri="{FF2B5EF4-FFF2-40B4-BE49-F238E27FC236}">
+                <a16:creationId xmlns:a16="http://schemas.microsoft.com/office/drawing/2014/main" id="{3D58F7DA-1B2B-4ED6-576B-09D9D37E77C9}"/>
+              </a:ext>
+            </a:extLst>
+          </p:cNvPr>
+          <p:cNvSpPr txBox="1"/>
+          <p:nvPr/>
+        </p:nvSpPr>
+        <p:spPr>
+          <a:xfrm>
+            <a:off x="1145500" y="3429000"/>
+            <a:ext cx="9901002" cy="2369880"/>
+          </a:xfrm>
+          <a:prstGeom prst="rect">
+            <a:avLst/>
+          </a:prstGeom>
+          <a:noFill/>
+        </p:spPr>
+        <p:txBody>
+          <a:bodyPr wrap="square">
+            <a:spAutoFit/>
+          </a:bodyPr>
+          <a:lstStyle/>
+          <a:p>
+            <a:pPr>
               <a:lnSpc>
-                <a:spcPct val="100000"/>
+                <a:spcPct val="200000"/>
               </a:lnSpc>
-              <a:spcBef>
-                <a:spcPts val="0"/>
-              </a:spcBef>
-              <a:spcAft>
-                <a:spcPts val="0"/>
-              </a:spcAft>
-              <a:buClrTx/>
-              <a:buSzTx/>
-              <a:buFontTx/>
-              <a:buNone/>
-              <a:tabLst/>
-              <a:defRPr/>
             </a:pPr>
             <a:r>
-              <a:rPr lang="en-US" dirty="0">
+              <a:rPr lang="en-US" sz="2000" dirty="0">
                 <a:solidFill>
-                  <a:srgbClr val="434ACF"/>
+                  <a:srgbClr val="FF0000"/>
                 </a:solidFill>
                 <a:latin typeface="Arial" panose="020B0604020202020204" pitchFamily="34" charset="0"/>
                 <a:cs typeface="Arial" panose="020B0604020202020204" pitchFamily="34" charset="0"/>
-                <a:hlinkClick r:id="rId2" action="ppaction://hlinksldjump">
-                  <a:extLst>
-                    <a:ext uri="{A12FA001-AC4F-418D-AE19-62706E023703}">
-                      <ahyp:hlinkClr xmlns:ahyp="http://schemas.microsoft.com/office/drawing/2018/hyperlinkcolor" val="tx"/>
-                    </a:ext>
-                  </a:extLst>
-                </a:hlinkClick>
-              </a:rPr>
-              <a:t>[1]</a:t>
-            </a:r>
-            <a:r>
-              <a:rPr lang="en-US" dirty="0">
-                <a:solidFill>
-                  <a:srgbClr val="434ACF"/>
-                </a:solidFill>
-                <a:latin typeface="Arial" panose="020B0604020202020204" pitchFamily="34" charset="0"/>
-                <a:cs typeface="Arial" panose="020B0604020202020204" pitchFamily="34" charset="0"/>
-              </a:rPr>
-              <a:t> </a:t>
-            </a:r>
-            <a:r>
-              <a:rPr lang="en-US" dirty="0">
-                <a:latin typeface="Arial" panose="020B0604020202020204" pitchFamily="34" charset="0"/>
-                <a:cs typeface="Arial" panose="020B0604020202020204" pitchFamily="34" charset="0"/>
-              </a:rPr>
-              <a:t>explores using Long Short-Term Memory (LSTM) networks to predict daily climate variables like temperature, leveraging historical data from Delhi of two years between 2013-2017. Traditional climate models are computationally intensive and may not capture local patterns well, but LSTM excels at processing time-dependent data. After preprocessing the data, LSTM model was trained, achieving good accuracy with a root mean squared error (RMSE) of 0.78. The results demonstrate the potential for LSTM networks to be applied to more complex climate variables and regions, offering more precise and localized climate forecasts in the future.</a:t>
-            </a:r>
-          </a:p>
-          <a:p>
-            <a:pPr marL="0" marR="0" lvl="0" indent="0" algn="l" defTabSz="914400" rtl="0" eaLnBrk="1" fontAlgn="auto" latinLnBrk="0" hangingPunct="1">
-              <a:lnSpc>
-                <a:spcPct val="100000"/>
-              </a:lnSpc>
-              <a:spcBef>
-                <a:spcPts val="0"/>
-              </a:spcBef>
-              <a:spcAft>
-                <a:spcPts val="0"/>
-              </a:spcAft>
-              <a:buClrTx/>
-              <a:buSzTx/>
-              <a:buFontTx/>
-              <a:buNone/>
-              <a:tabLst/>
-              <a:defRPr/>
-            </a:pPr>
-            <a:endParaRPr lang="en-US" dirty="0">
+              </a:rPr>
+              <a:t>Problem Statement:</a:t>
+            </a:r>
+            <a:endParaRPr lang="en-US" sz="1800" dirty="0">
               <a:solidFill>
-                <a:srgbClr val="434ACF"/>
+                <a:srgbClr val="FF0000"/>
               </a:solidFill>
               <a:latin typeface="Arial" panose="020B0604020202020204" pitchFamily="34" charset="0"/>
               <a:cs typeface="Arial" panose="020B0604020202020204" pitchFamily="34" charset="0"/>
-              <a:hlinkClick r:id="rId2" action="ppaction://hlinksldjump">
-                <a:extLst>
-                  <a:ext uri="{A12FA001-AC4F-418D-AE19-62706E023703}">
-                    <ahyp:hlinkClr xmlns:ahyp="http://schemas.microsoft.com/office/drawing/2018/hyperlinkcolor" val="tx"/>
-                  </a:ext>
-                </a:extLst>
-              </a:hlinkClick>
             </a:endParaRPr>
           </a:p>
           <a:p>
-            <a:pPr marL="0" marR="0" lvl="0" indent="0" algn="l" defTabSz="914400" rtl="0" eaLnBrk="1" fontAlgn="auto" latinLnBrk="0" hangingPunct="1">
-              <a:lnSpc>
-                <a:spcPct val="100000"/>
-              </a:lnSpc>
-              <a:spcBef>
-                <a:spcPts val="0"/>
-              </a:spcBef>
-              <a:spcAft>
-                <a:spcPts val="0"/>
-              </a:spcAft>
-              <a:buClrTx/>
-              <a:buSzTx/>
-              <a:buFontTx/>
-              <a:buNone/>
-              <a:tabLst/>
-              <a:defRPr/>
-            </a:pPr>
-            <a:r>
-              <a:rPr lang="en-US" dirty="0">
-                <a:solidFill>
-                  <a:srgbClr val="434ACF"/>
-                </a:solidFill>
-                <a:latin typeface="Arial" panose="020B0604020202020204" pitchFamily="34" charset="0"/>
-                <a:cs typeface="Arial" panose="020B0604020202020204" pitchFamily="34" charset="0"/>
-                <a:hlinkClick r:id="rId2" action="ppaction://hlinksldjump">
-                  <a:extLst>
-                    <a:ext uri="{A12FA001-AC4F-418D-AE19-62706E023703}">
-                      <ahyp:hlinkClr xmlns:ahyp="http://schemas.microsoft.com/office/drawing/2018/hyperlinkcolor" val="tx"/>
-                    </a:ext>
-                  </a:extLst>
-                </a:hlinkClick>
-              </a:rPr>
-              <a:t>[2]</a:t>
-            </a:r>
-            <a:r>
-              <a:rPr lang="en-US" dirty="0">
-                <a:latin typeface="Arial" panose="020B0604020202020204" pitchFamily="34" charset="0"/>
-                <a:cs typeface="Arial" panose="020B0604020202020204" pitchFamily="34" charset="0"/>
-              </a:rPr>
-              <a:t> explores ARIMA model, a statistical approach, to provide regional temperature and precipitation forecasts based on historical observations for 18 years. The ARIMA model was chosen due to its ability to account for temporal correlation and skewed distributions in climate data, improving forecasting accuracy over simpler methods like linear trends. The model was extended to estimate confidence intervals for temperature and precipitation extremes and simulate daily climate conditions. The predictions made by ARIMA model shows its reliability and adaptability for engineering applications, offering a robust alternative to traditional statistical forecasting methods.</a:t>
-            </a:r>
-            <a:endParaRPr kumimoji="0" lang="en-US" b="0" i="0" u="none" strike="noStrike" kern="1200" cap="none" spc="0" normalizeH="0" baseline="0" noProof="0" dirty="0">
-              <a:ln>
-                <a:noFill/>
-              </a:ln>
-              <a:effectLst/>
-              <a:uLnTx/>
-              <a:uFillTx/>
+            <a:r>
+              <a:rPr lang="en-US" dirty="0"/>
+              <a:t>The goal of this project is to predict future climate scenarios and assess potential risks using advanced machine learning and statistical methods. Specifically, we aim to compare three models </a:t>
+            </a:r>
+            <a:r>
+              <a:rPr lang="en-US" b="1" dirty="0"/>
+              <a:t>LSTM</a:t>
+            </a:r>
+            <a:r>
+              <a:rPr lang="en-US" dirty="0"/>
+              <a:t>, </a:t>
+            </a:r>
+            <a:r>
+              <a:rPr lang="en-US" b="1" dirty="0"/>
+              <a:t>ARIMA</a:t>
+            </a:r>
+            <a:r>
+              <a:rPr lang="en-US" dirty="0"/>
+              <a:t>, and </a:t>
+            </a:r>
+            <a:r>
+              <a:rPr lang="en-US" b="1" dirty="0"/>
+              <a:t>Monte Carlo simulation </a:t>
+            </a:r>
+            <a:r>
+              <a:rPr lang="en-US" dirty="0"/>
+              <a:t>to determine which one provides the most reliable and accurate predictions using time series climate data. The selected model will then be used to develop a web application that allows users to simulate and analyze climate scenarios, helping them make informed decisions for climate adaptation and risk management.</a:t>
+            </a:r>
+            <a:endParaRPr lang="en-US" sz="1800" dirty="0">
+              <a:solidFill>
+                <a:srgbClr val="FF0000"/>
+              </a:solidFill>
               <a:latin typeface="Arial" panose="020B0604020202020204" pitchFamily="34" charset="0"/>
               <a:cs typeface="Arial" panose="020B0604020202020204" pitchFamily="34" charset="0"/>
             </a:endParaRPr>
@@ -4510,7 +5873,7 @@
     </p:spTree>
     <p:extLst>
       <p:ext uri="{BB962C8B-B14F-4D97-AF65-F5344CB8AC3E}">
-        <p14:creationId xmlns:p14="http://schemas.microsoft.com/office/powerpoint/2010/main" val="2507963610"/>
+        <p14:creationId xmlns:p14="http://schemas.microsoft.com/office/powerpoint/2010/main" val="1138356094"/>
       </p:ext>
     </p:extLst>
   </p:cSld>
@@ -4551,7 +5914,7 @@
         </p:nvSpPr>
         <p:spPr>
           <a:xfrm>
-            <a:off x="234487" y="248626"/>
+            <a:off x="325927" y="222500"/>
             <a:ext cx="7530363" cy="584775"/>
           </a:xfrm>
           <a:prstGeom prst="rect">
@@ -4573,8 +5936,15 @@
                 <a:latin typeface="Arial" panose="020B0604020202020204" pitchFamily="34" charset="0"/>
                 <a:cs typeface="Arial" panose="020B0604020202020204" pitchFamily="34" charset="0"/>
               </a:rPr>
-              <a:t>Literature Review</a:t>
-            </a:r>
+              <a:t>Introduction</a:t>
+            </a:r>
+            <a:endParaRPr lang="en-IN" sz="3200" b="1" dirty="0">
+              <a:solidFill>
+                <a:srgbClr val="46B0FA"/>
+              </a:solidFill>
+              <a:latin typeface="Arial" panose="020B0604020202020204" pitchFamily="34" charset="0"/>
+              <a:cs typeface="Arial" panose="020B0604020202020204" pitchFamily="34" charset="0"/>
+            </a:endParaRPr>
           </a:p>
         </p:txBody>
       </p:sp>
@@ -4592,8 +5962,8 @@
         </p:nvSpPr>
         <p:spPr>
           <a:xfrm>
-            <a:off x="878541" y="833401"/>
-            <a:ext cx="10434918" cy="5816977"/>
+            <a:off x="966651" y="1286539"/>
+            <a:ext cx="9901002" cy="2554545"/>
           </a:xfrm>
           <a:prstGeom prst="rect">
             <a:avLst/>
@@ -4606,39 +5976,6 @@
           </a:bodyPr>
           <a:lstStyle/>
           <a:p>
-            <a:pPr marL="0" marR="0" lvl="0" indent="0" algn="l" defTabSz="914400" rtl="0" eaLnBrk="1" fontAlgn="auto" latinLnBrk="0" hangingPunct="1">
-              <a:lnSpc>
-                <a:spcPct val="100000"/>
-              </a:lnSpc>
-              <a:spcBef>
-                <a:spcPts val="0"/>
-              </a:spcBef>
-              <a:spcAft>
-                <a:spcPts val="0"/>
-              </a:spcAft>
-              <a:buClrTx/>
-              <a:buSzTx/>
-              <a:buFontTx/>
-              <a:buNone/>
-              <a:tabLst/>
-              <a:defRPr/>
-            </a:pPr>
-            <a:r>
-              <a:rPr kumimoji="0" lang="en-US" sz="2000" b="0" i="0" u="none" strike="noStrike" kern="1200" cap="none" spc="0" normalizeH="0" baseline="0" noProof="0" dirty="0">
-                <a:ln>
-                  <a:noFill/>
-                </a:ln>
-                <a:solidFill>
-                  <a:srgbClr val="FF0000"/>
-                </a:solidFill>
-                <a:effectLst/>
-                <a:uLnTx/>
-                <a:uFillTx/>
-                <a:latin typeface="Arial" panose="020B0604020202020204" pitchFamily="34" charset="0"/>
-                <a:cs typeface="Arial" panose="020B0604020202020204" pitchFamily="34" charset="0"/>
-              </a:rPr>
-              <a:t>Cite </a:t>
-            </a:r>
             <a:r>
               <a:rPr lang="en-US" sz="2000" dirty="0">
                 <a:solidFill>
@@ -4647,185 +5984,181 @@
                 <a:latin typeface="Arial" panose="020B0604020202020204" pitchFamily="34" charset="0"/>
                 <a:cs typeface="Arial" panose="020B0604020202020204" pitchFamily="34" charset="0"/>
               </a:rPr>
-              <a:t>Related</a:t>
-            </a:r>
-            <a:r>
-              <a:rPr kumimoji="0" lang="en-US" sz="2000" b="0" i="0" u="none" strike="noStrike" kern="1200" cap="none" spc="0" normalizeH="0" baseline="0" noProof="0" dirty="0">
-                <a:ln>
-                  <a:noFill/>
-                </a:ln>
+              <a:t>Area of application: </a:t>
+            </a:r>
+          </a:p>
+          <a:p>
+            <a:pPr marL="342900" indent="-342900">
+              <a:buFont typeface="Arial" panose="020B0604020202020204" pitchFamily="34" charset="0"/>
+              <a:buChar char="•"/>
+            </a:pPr>
+            <a:r>
+              <a:rPr lang="en-US" sz="2000" dirty="0">
+                <a:latin typeface="Arial" panose="020B0604020202020204" pitchFamily="34" charset="0"/>
+                <a:cs typeface="Arial" panose="020B0604020202020204" pitchFamily="34" charset="0"/>
+              </a:rPr>
+              <a:t>Policy Making: Government agencies can use the tool to develop climate change mitigation and adaptation strategies.</a:t>
+            </a:r>
+          </a:p>
+          <a:p>
+            <a:pPr marL="342900" indent="-342900">
+              <a:buFont typeface="Arial" panose="020B0604020202020204" pitchFamily="34" charset="0"/>
+              <a:buChar char="•"/>
+            </a:pPr>
+            <a:r>
+              <a:rPr lang="en-US" sz="2000" dirty="0">
+                <a:latin typeface="Arial" panose="020B0604020202020204" pitchFamily="34" charset="0"/>
+                <a:cs typeface="Arial" panose="020B0604020202020204" pitchFamily="34" charset="0"/>
+              </a:rPr>
+              <a:t>Business Strategy: Industries, particularly those in agriculture, energy, and insurance, can use climate scenario forecasts to manage risks and optimize operations.</a:t>
+            </a:r>
+          </a:p>
+          <a:p>
+            <a:pPr marL="342900" indent="-342900">
+              <a:buFont typeface="Arial" panose="020B0604020202020204" pitchFamily="34" charset="0"/>
+              <a:buChar char="•"/>
+            </a:pPr>
+            <a:r>
+              <a:rPr lang="en-US" sz="2000" dirty="0">
+                <a:latin typeface="Arial" panose="020B0604020202020204" pitchFamily="34" charset="0"/>
+                <a:cs typeface="Arial" panose="020B0604020202020204" pitchFamily="34" charset="0"/>
+              </a:rPr>
+              <a:t>Environmental Research: Researchers can apply the tool to study long-term climate patterns and evaluate the effectiveness of adaptation measures.</a:t>
+            </a:r>
+          </a:p>
+        </p:txBody>
+      </p:sp>
+      <p:sp>
+        <p:nvSpPr>
+          <p:cNvPr id="5" name="TextBox 4">
+            <a:extLst>
+              <a:ext uri="{FF2B5EF4-FFF2-40B4-BE49-F238E27FC236}">
+                <a16:creationId xmlns:a16="http://schemas.microsoft.com/office/drawing/2014/main" id="{855D761A-D47C-ECA9-2854-58170B4C3B53}"/>
+              </a:ext>
+            </a:extLst>
+          </p:cNvPr>
+          <p:cNvSpPr txBox="1"/>
+          <p:nvPr/>
+        </p:nvSpPr>
+        <p:spPr>
+          <a:xfrm>
+            <a:off x="966651" y="3988033"/>
+            <a:ext cx="10105902" cy="1754326"/>
+          </a:xfrm>
+          <a:prstGeom prst="rect">
+            <a:avLst/>
+          </a:prstGeom>
+          <a:noFill/>
+        </p:spPr>
+        <p:txBody>
+          <a:bodyPr wrap="square">
+            <a:spAutoFit/>
+          </a:bodyPr>
+          <a:lstStyle/>
+          <a:p>
+            <a:r>
+              <a:rPr lang="en-US" sz="1800" dirty="0">
                 <a:solidFill>
                   <a:srgbClr val="FF0000"/>
                 </a:solidFill>
-                <a:effectLst/>
-                <a:uLnTx/>
-                <a:uFillTx/>
-                <a:latin typeface="Arial" panose="020B0604020202020204" pitchFamily="34" charset="0"/>
-                <a:cs typeface="Arial" panose="020B0604020202020204" pitchFamily="34" charset="0"/>
-              </a:rPr>
-              <a:t> work</a:t>
-            </a:r>
-            <a:r>
-              <a:rPr lang="en-US" sz="2000" dirty="0">
-                <a:solidFill>
-                  <a:prstClr val="black"/>
-                </a:solidFill>
-                <a:latin typeface="Arial" panose="020B0604020202020204" pitchFamily="34" charset="0"/>
-                <a:cs typeface="Arial" panose="020B0604020202020204" pitchFamily="34" charset="0"/>
-              </a:rPr>
-              <a:t>:</a:t>
-            </a:r>
-          </a:p>
-          <a:p>
-            <a:pPr marL="0" marR="0" lvl="0" indent="0" algn="l" defTabSz="914400" rtl="0" eaLnBrk="1" fontAlgn="auto" latinLnBrk="0" hangingPunct="1">
-              <a:lnSpc>
-                <a:spcPct val="100000"/>
-              </a:lnSpc>
-              <a:spcBef>
-                <a:spcPts val="0"/>
-              </a:spcBef>
-              <a:spcAft>
-                <a:spcPts val="0"/>
-              </a:spcAft>
-              <a:buClrTx/>
-              <a:buSzTx/>
-              <a:buFontTx/>
-              <a:buNone/>
-              <a:tabLst/>
-              <a:defRPr/>
-            </a:pPr>
-            <a:endParaRPr kumimoji="0" lang="en-US" sz="2000" b="0" i="0" u="none" strike="noStrike" kern="1200" cap="none" spc="0" normalizeH="0" baseline="0" noProof="0" dirty="0">
-              <a:ln>
-                <a:noFill/>
-              </a:ln>
+                <a:latin typeface="Arial" panose="020B0604020202020204" pitchFamily="34" charset="0"/>
+                <a:cs typeface="Arial" panose="020B0604020202020204" pitchFamily="34" charset="0"/>
+              </a:rPr>
+              <a:t>Dataset and input format:</a:t>
+            </a:r>
+          </a:p>
+          <a:p>
+            <a:endParaRPr lang="en-US" sz="1800" dirty="0">
               <a:solidFill>
-                <a:prstClr val="black"/>
+                <a:srgbClr val="FF0000"/>
               </a:solidFill>
-              <a:effectLst/>
-              <a:uLnTx/>
-              <a:uFillTx/>
               <a:latin typeface="Arial" panose="020B0604020202020204" pitchFamily="34" charset="0"/>
               <a:cs typeface="Arial" panose="020B0604020202020204" pitchFamily="34" charset="0"/>
             </a:endParaRPr>
           </a:p>
           <a:p>
-            <a:pPr marL="0" marR="0" lvl="0" indent="0" algn="l" defTabSz="914400" rtl="0" eaLnBrk="1" fontAlgn="auto" latinLnBrk="0" hangingPunct="1">
-              <a:lnSpc>
-                <a:spcPct val="100000"/>
-              </a:lnSpc>
-              <a:spcBef>
-                <a:spcPts val="0"/>
-              </a:spcBef>
-              <a:spcAft>
-                <a:spcPts val="0"/>
-              </a:spcAft>
-              <a:buClrTx/>
-              <a:buSzTx/>
-              <a:buFontTx/>
-              <a:buNone/>
-              <a:tabLst/>
-              <a:defRPr/>
-            </a:pPr>
-            <a:r>
-              <a:rPr kumimoji="0" lang="en-US" b="0" i="0" u="none" strike="noStrike" kern="1200" cap="none" spc="0" normalizeH="0" baseline="0" noProof="0" dirty="0">
-                <a:ln>
-                  <a:noFill/>
-                </a:ln>
-                <a:effectLst/>
-                <a:uLnTx/>
-                <a:uFillTx/>
-                <a:latin typeface="Arial" panose="020B0604020202020204" pitchFamily="34" charset="0"/>
-                <a:cs typeface="Arial" panose="020B0604020202020204" pitchFamily="34" charset="0"/>
-                <a:hlinkClick r:id="rId2" action="ppaction://hlinksldjump"/>
-              </a:rPr>
-              <a:t>[3]</a:t>
-            </a:r>
-            <a:r>
-              <a:rPr kumimoji="0" lang="en-US" b="0" i="0" u="none" strike="noStrike" kern="1200" cap="none" spc="0" normalizeH="0" baseline="0" noProof="0" dirty="0">
-                <a:ln>
-                  <a:noFill/>
-                </a:ln>
-                <a:effectLst/>
-                <a:uLnTx/>
-                <a:uFillTx/>
-                <a:latin typeface="Arial" panose="020B0604020202020204" pitchFamily="34" charset="0"/>
-                <a:cs typeface="Arial" panose="020B0604020202020204" pitchFamily="34" charset="0"/>
-              </a:rPr>
-              <a:t> gives introduction about Monte Carlo simulation on how it is becoming increasingly recognized for its powerful ability to manage uncertainty and variability in complex models. Unlike deterministic simulation, which offers a single outcome by assuming fixed parameters, Monte Carlo simulation explores a range of possible outcomes by incorporating random variations in the model's inputs. This method provides valuable insights into how different factors can influence results over time, making it a robust tool for understanding and predicting complex systems. Its versatility and effectiveness have made Monte Carlo simulation a staple in various fields, from finance to engineering, and it holds significant promise for enhancing decision-making processes. By capturing the full spectrum of potential scenarios, Monte Carlo simulation offers a deeper understanding of risk and uncertainty, which is increasingly important in today’s data-driven world.</a:t>
-            </a:r>
-          </a:p>
-          <a:p>
-            <a:pPr marL="0" marR="0" lvl="0" indent="0" algn="l" defTabSz="914400" rtl="0" eaLnBrk="1" fontAlgn="auto" latinLnBrk="0" hangingPunct="1">
-              <a:lnSpc>
-                <a:spcPct val="100000"/>
-              </a:lnSpc>
-              <a:spcBef>
-                <a:spcPts val="0"/>
-              </a:spcBef>
-              <a:spcAft>
-                <a:spcPts val="0"/>
-              </a:spcAft>
-              <a:buClrTx/>
-              <a:buSzTx/>
-              <a:buFontTx/>
-              <a:buNone/>
-              <a:tabLst/>
-              <a:defRPr/>
-            </a:pPr>
-            <a:endParaRPr lang="en-US" dirty="0">
+            <a:r>
+              <a:rPr lang="en-US" sz="1800" dirty="0">
+                <a:solidFill>
+                  <a:srgbClr val="FF0000"/>
+                </a:solidFill>
+                <a:latin typeface="Arial" panose="020B0604020202020204" pitchFamily="34" charset="0"/>
+                <a:cs typeface="Arial" panose="020B0604020202020204" pitchFamily="34" charset="0"/>
+                <a:hlinkClick r:id="rId2"/>
+              </a:rPr>
+              <a:t>DATASET</a:t>
+            </a:r>
+            <a:endParaRPr lang="en-US" sz="1800" dirty="0">
+              <a:solidFill>
+                <a:srgbClr val="FF0000"/>
+              </a:solidFill>
               <a:latin typeface="Arial" panose="020B0604020202020204" pitchFamily="34" charset="0"/>
               <a:cs typeface="Arial" panose="020B0604020202020204" pitchFamily="34" charset="0"/>
             </a:endParaRPr>
           </a:p>
           <a:p>
-            <a:pPr marL="0" marR="0" lvl="0" indent="0" algn="l" defTabSz="914400" rtl="0" eaLnBrk="1" fontAlgn="auto" latinLnBrk="0" hangingPunct="1">
-              <a:lnSpc>
-                <a:spcPct val="100000"/>
-              </a:lnSpc>
-              <a:spcBef>
-                <a:spcPts val="0"/>
-              </a:spcBef>
-              <a:spcAft>
-                <a:spcPts val="0"/>
-              </a:spcAft>
-              <a:buClrTx/>
-              <a:buSzTx/>
-              <a:buFontTx/>
-              <a:buNone/>
-              <a:tabLst/>
-              <a:defRPr/>
-            </a:pPr>
-            <a:r>
-              <a:rPr lang="en-US" dirty="0">
-                <a:latin typeface="Arial" panose="020B0604020202020204" pitchFamily="34" charset="0"/>
-                <a:cs typeface="Arial" panose="020B0604020202020204" pitchFamily="34" charset="0"/>
-                <a:hlinkClick r:id="rId2" action="ppaction://hlinksldjump"/>
-              </a:rPr>
-              <a:t>[4]</a:t>
-            </a:r>
-            <a:r>
-              <a:rPr lang="en-US" dirty="0">
-                <a:latin typeface="Arial" panose="020B0604020202020204" pitchFamily="34" charset="0"/>
-                <a:cs typeface="Arial" panose="020B0604020202020204" pitchFamily="34" charset="0"/>
-              </a:rPr>
-              <a:t> </a:t>
-            </a:r>
-            <a:r>
-              <a:rPr lang="en-US" kern="0" dirty="0">
-                <a:effectLst/>
-                <a:latin typeface="Arial" panose="020B0604020202020204" pitchFamily="34" charset="0"/>
-                <a:ea typeface="Times New Roman" panose="02020603050405020304" pitchFamily="18" charset="0"/>
-                <a:cs typeface="Arial" panose="020B0604020202020204" pitchFamily="34" charset="0"/>
-              </a:rPr>
-              <a:t>the hybrid LSTM-CM model developed in this study combines the strengths of both machine learning (LSTM-SA) and climate models (GS5) to improve drought prediction accuracy. By using the low bias of LSTM-SA and the strong physical simulation capabilities of GS5, LSTM-CM enhances drought forecasting, especially for 1-, 2-, and 3-month lead times, with improved skill scores ranging from 29.17% to 54.29%. This model shows better performance in detecting drought events with lower uncertainty than the stand-alone models, making it a promising tool for more reliable drought prediction.</a:t>
-            </a:r>
+            <a:endParaRPr lang="en-US" sz="1800" dirty="0">
+              <a:solidFill>
+                <a:srgbClr val="FF0000"/>
+              </a:solidFill>
+              <a:latin typeface="Arial" panose="020B0604020202020204" pitchFamily="34" charset="0"/>
+              <a:cs typeface="Arial" panose="020B0604020202020204" pitchFamily="34" charset="0"/>
+            </a:endParaRPr>
+          </a:p>
+          <a:p>
+            <a:r>
+              <a:rPr lang="en-US" dirty="0">
+                <a:latin typeface="Arial" panose="020B0604020202020204" pitchFamily="34" charset="0"/>
+                <a:cs typeface="Arial" panose="020B0604020202020204" pitchFamily="34" charset="0"/>
+              </a:rPr>
+              <a:t>The dataset is fetched using CDS API in .</a:t>
+            </a:r>
+            <a:r>
+              <a:rPr lang="en-US" dirty="0" err="1">
+                <a:latin typeface="Arial" panose="020B0604020202020204" pitchFamily="34" charset="0"/>
+                <a:cs typeface="Arial" panose="020B0604020202020204" pitchFamily="34" charset="0"/>
+              </a:rPr>
+              <a:t>grb</a:t>
+            </a:r>
+            <a:r>
+              <a:rPr lang="en-US" dirty="0">
+                <a:latin typeface="Arial" panose="020B0604020202020204" pitchFamily="34" charset="0"/>
+                <a:cs typeface="Arial" panose="020B0604020202020204" pitchFamily="34" charset="0"/>
+              </a:rPr>
+              <a:t> and .</a:t>
+            </a:r>
+            <a:r>
+              <a:rPr lang="en-US" dirty="0" err="1">
+                <a:latin typeface="Arial" panose="020B0604020202020204" pitchFamily="34" charset="0"/>
+                <a:cs typeface="Arial" panose="020B0604020202020204" pitchFamily="34" charset="0"/>
+              </a:rPr>
+              <a:t>nc</a:t>
+            </a:r>
+            <a:r>
+              <a:rPr lang="en-US" dirty="0">
+                <a:latin typeface="Arial" panose="020B0604020202020204" pitchFamily="34" charset="0"/>
+                <a:cs typeface="Arial" panose="020B0604020202020204" pitchFamily="34" charset="0"/>
+              </a:rPr>
+              <a:t> format which will then be converted into manipulatable form using libraries like </a:t>
+            </a:r>
+            <a:r>
+              <a:rPr lang="en-US" dirty="0" err="1">
+                <a:latin typeface="Arial" panose="020B0604020202020204" pitchFamily="34" charset="0"/>
+                <a:cs typeface="Arial" panose="020B0604020202020204" pitchFamily="34" charset="0"/>
+              </a:rPr>
+              <a:t>xarray</a:t>
+            </a:r>
+            <a:endParaRPr lang="en-US" sz="1800" dirty="0">
+              <a:latin typeface="Arial" panose="020B0604020202020204" pitchFamily="34" charset="0"/>
+              <a:cs typeface="Arial" panose="020B0604020202020204" pitchFamily="34" charset="0"/>
+            </a:endParaRPr>
           </a:p>
         </p:txBody>
       </p:sp>
     </p:spTree>
     <p:extLst>
       <p:ext uri="{BB962C8B-B14F-4D97-AF65-F5344CB8AC3E}">
-        <p14:creationId xmlns:p14="http://schemas.microsoft.com/office/powerpoint/2010/main" val="733448985"/>
+        <p14:creationId xmlns:p14="http://schemas.microsoft.com/office/powerpoint/2010/main" val="2288927434"/>
       </p:ext>
     </p:extLst>
   </p:cSld>
@@ -4907,8 +6240,8 @@
         </p:nvSpPr>
         <p:spPr>
           <a:xfrm>
-            <a:off x="842682" y="833084"/>
-            <a:ext cx="10506636" cy="4832092"/>
+            <a:off x="878541" y="833401"/>
+            <a:ext cx="10434918" cy="4862870"/>
           </a:xfrm>
           <a:prstGeom prst="rect">
             <a:avLst/>
@@ -4983,10 +6316,14 @@
               <a:tabLst/>
               <a:defRPr/>
             </a:pPr>
-            <a:endParaRPr kumimoji="0" lang="en-US" b="0" i="0" u="none" strike="noStrike" kern="0" cap="none" spc="0" normalizeH="0" baseline="0" noProof="0" dirty="0">
+            <a:endParaRPr kumimoji="0" lang="en-US" sz="2000" b="0" i="0" u="none" strike="noStrike" kern="1200" cap="none" spc="0" normalizeH="0" baseline="0" noProof="0" dirty="0">
               <a:ln>
                 <a:noFill/>
               </a:ln>
+              <a:solidFill>
+                <a:prstClr val="black"/>
+              </a:solidFill>
+              <a:effectLst/>
               <a:uLnTx/>
               <a:uFillTx/>
               <a:latin typeface="Arial" panose="020B0604020202020204" pitchFamily="34" charset="0"/>
@@ -5012,62 +6349,38 @@
               <a:defRPr/>
             </a:pPr>
             <a:r>
-              <a:rPr kumimoji="0" lang="en-US" b="0" i="0" u="none" strike="noStrike" kern="1200" cap="none" spc="0" normalizeH="0" baseline="0" noProof="0" dirty="0">
-                <a:ln>
-                  <a:noFill/>
-                </a:ln>
-                <a:effectLst/>
-                <a:uLnTx/>
-                <a:uFillTx/>
-                <a:latin typeface="Arial" panose="020B0604020202020204" pitchFamily="34" charset="0"/>
-                <a:cs typeface="Arial" panose="020B0604020202020204" pitchFamily="34" charset="0"/>
-                <a:hlinkClick r:id="rId2" action="ppaction://hlinksldjump"/>
-              </a:rPr>
-              <a:t>[</a:t>
-            </a:r>
-            <a:r>
-              <a:rPr lang="en-US" dirty="0">
-                <a:latin typeface="Arial" panose="020B0604020202020204" pitchFamily="34" charset="0"/>
-                <a:cs typeface="Arial" panose="020B0604020202020204" pitchFamily="34" charset="0"/>
-                <a:hlinkClick r:id="rId2" action="ppaction://hlinksldjump"/>
-              </a:rPr>
-              <a:t>5</a:t>
-            </a:r>
-            <a:r>
-              <a:rPr kumimoji="0" lang="en-US" b="0" i="0" u="none" strike="noStrike" kern="1200" cap="none" spc="0" normalizeH="0" baseline="0" noProof="0" dirty="0">
-                <a:ln>
-                  <a:noFill/>
-                </a:ln>
-                <a:effectLst/>
-                <a:uLnTx/>
-                <a:uFillTx/>
-                <a:latin typeface="Arial" panose="020B0604020202020204" pitchFamily="34" charset="0"/>
-                <a:cs typeface="Arial" panose="020B0604020202020204" pitchFamily="34" charset="0"/>
-                <a:hlinkClick r:id="rId2" action="ppaction://hlinksldjump"/>
-              </a:rPr>
-              <a:t>]</a:t>
-            </a:r>
-            <a:r>
-              <a:rPr kumimoji="0" lang="en-US" b="0" i="0" u="none" strike="noStrike" kern="1200" cap="none" spc="0" normalizeH="0" baseline="0" noProof="0" dirty="0">
-                <a:ln>
-                  <a:noFill/>
-                </a:ln>
-                <a:effectLst/>
-                <a:uLnTx/>
-                <a:uFillTx/>
+              <a:rPr lang="en-US" dirty="0">
+                <a:solidFill>
+                  <a:srgbClr val="434ACF"/>
+                </a:solidFill>
+                <a:latin typeface="Arial" panose="020B0604020202020204" pitchFamily="34" charset="0"/>
+                <a:cs typeface="Arial" panose="020B0604020202020204" pitchFamily="34" charset="0"/>
+                <a:hlinkClick r:id="rId2" action="ppaction://hlinksldjump">
+                  <a:extLst>
+                    <a:ext uri="{A12FA001-AC4F-418D-AE19-62706E023703}">
+                      <ahyp:hlinkClr xmlns:ahyp="http://schemas.microsoft.com/office/drawing/2018/hyperlinkcolor" val="tx"/>
+                    </a:ext>
+                  </a:extLst>
+                </a:hlinkClick>
+              </a:rPr>
+              <a:t>[1]</a:t>
+            </a:r>
+            <a:r>
+              <a:rPr lang="en-US" dirty="0">
+                <a:solidFill>
+                  <a:srgbClr val="434ACF"/>
+                </a:solidFill>
                 <a:latin typeface="Arial" panose="020B0604020202020204" pitchFamily="34" charset="0"/>
                 <a:cs typeface="Arial" panose="020B0604020202020204" pitchFamily="34" charset="0"/>
               </a:rPr>
               <a:t> </a:t>
             </a:r>
             <a:r>
-              <a:rPr lang="en-US" kern="0" dirty="0">
-                <a:effectLst/>
-                <a:latin typeface="Arial" panose="020B0604020202020204" pitchFamily="34" charset="0"/>
-                <a:ea typeface="Times New Roman" panose="02020603050405020304" pitchFamily="18" charset="0"/>
-                <a:cs typeface="Arial" panose="020B0604020202020204" pitchFamily="34" charset="0"/>
-              </a:rPr>
-              <a:t>presents a new hybrid model, LSTM-CM, for predicting droughts by combining a long short-term memory (LSTM) model with a climate model (GloSea5). This model is compared against the standalone LSTM model (LSTM-SA) and the GloSea5 model (GS5) in terms of accuracy, bias, and overall performance. The results show that LSTM-CM outperforms both models by reducing bias, capturing the physical processes accurately, and improving prediction skill scores for 1-, 2-, and 3-month lead times. The LSTM-CM model effectively detects droughts with lower uncertainty, making it a reliable tool for drought forecasting.</a:t>
+              <a:rPr lang="en-US" dirty="0">
+                <a:latin typeface="Arial" panose="020B0604020202020204" pitchFamily="34" charset="0"/>
+                <a:cs typeface="Arial" panose="020B0604020202020204" pitchFamily="34" charset="0"/>
+              </a:rPr>
+              <a:t>explores using Long Short-Term Memory (LSTM) networks to predict daily climate variables like temperature, leveraging historical data from Delhi of two years between 2013-2017. Traditional climate models are computationally intensive and may not capture local patterns well, but LSTM excels at processing time-dependent data. After preprocessing the data, LSTM model was trained, achieving good accuracy with a root mean squared error (RMSE) of 0.78. The results demonstrate the potential for LSTM networks to be applied to more complex climate variables and regions, offering more precise and localized climate forecasts in the future.</a:t>
             </a:r>
           </a:p>
           <a:p>
@@ -5088,14 +6401,19 @@
               <a:tabLst/>
               <a:defRPr/>
             </a:pPr>
-            <a:endParaRPr kumimoji="0" lang="en-US" b="0" i="0" u="none" strike="noStrike" kern="0" cap="none" spc="0" normalizeH="0" baseline="0" noProof="0" dirty="0">
-              <a:ln>
-                <a:noFill/>
-              </a:ln>
-              <a:uLnTx/>
-              <a:uFillTx/>
+            <a:endParaRPr lang="en-US" dirty="0">
+              <a:solidFill>
+                <a:srgbClr val="434ACF"/>
+              </a:solidFill>
               <a:latin typeface="Arial" panose="020B0604020202020204" pitchFamily="34" charset="0"/>
               <a:cs typeface="Arial" panose="020B0604020202020204" pitchFamily="34" charset="0"/>
+              <a:hlinkClick r:id="rId2" action="ppaction://hlinksldjump">
+                <a:extLst>
+                  <a:ext uri="{A12FA001-AC4F-418D-AE19-62706E023703}">
+                    <ahyp:hlinkClr xmlns:ahyp="http://schemas.microsoft.com/office/drawing/2018/hyperlinkcolor" val="tx"/>
+                  </a:ext>
+                </a:extLst>
+              </a:hlinkClick>
             </a:endParaRPr>
           </a:p>
           <a:p>
@@ -5117,40 +6435,28 @@
               <a:defRPr/>
             </a:pPr>
             <a:r>
-              <a:rPr kumimoji="0" lang="en-US" b="0" i="0" u="none" strike="noStrike" kern="1200" cap="none" spc="0" normalizeH="0" baseline="0" noProof="0" dirty="0">
-                <a:ln>
-                  <a:noFill/>
-                </a:ln>
-                <a:effectLst/>
-                <a:uLnTx/>
-                <a:uFillTx/>
-                <a:latin typeface="Arial" panose="020B0604020202020204" pitchFamily="34" charset="0"/>
-                <a:cs typeface="Arial" panose="020B0604020202020204" pitchFamily="34" charset="0"/>
-                <a:hlinkClick r:id="rId2" action="ppaction://hlinksldjump"/>
-              </a:rPr>
-              <a:t>[6]</a:t>
-            </a:r>
-            <a:r>
-              <a:rPr kumimoji="0" lang="en-US" b="0" i="0" u="none" strike="noStrike" kern="1200" cap="none" spc="0" normalizeH="0" baseline="0" noProof="0" dirty="0">
-                <a:ln>
-                  <a:noFill/>
-                </a:ln>
-                <a:effectLst/>
-                <a:uLnTx/>
-                <a:uFillTx/>
-                <a:latin typeface="Arial" panose="020B0604020202020204" pitchFamily="34" charset="0"/>
-                <a:cs typeface="Arial" panose="020B0604020202020204" pitchFamily="34" charset="0"/>
-              </a:rPr>
-              <a:t> </a:t>
-            </a:r>
-            <a:r>
-              <a:rPr lang="en-US" kern="0" dirty="0">
-                <a:effectLst/>
-                <a:latin typeface="Arial" panose="020B0604020202020204" pitchFamily="34" charset="0"/>
-                <a:ea typeface="Times New Roman" panose="02020603050405020304" pitchFamily="18" charset="0"/>
-                <a:cs typeface="Arial" panose="020B0604020202020204" pitchFamily="34" charset="0"/>
-              </a:rPr>
-              <a:t>presents a method for handling uncertainty in climate change scenarios using a Bayesian Monte-Carlo approach. This method accounts for uncertainties in future greenhouse gas emissions, climate sensitivity, and the limitations of climate models. The model uses various emissions scenarios and climate sensitivities to produce a range of possible future climate conditions. By applying these scenarios to impact models, such as those for hydrology, it provides a probability distribution of outcomes, helping decision-makers assess risks and plan for various future climate conditions. This approach enhances understanding and management of uncertainty in climate impact assessments.</a:t>
+              <a:rPr lang="en-US" dirty="0">
+                <a:solidFill>
+                  <a:srgbClr val="434ACF"/>
+                </a:solidFill>
+                <a:latin typeface="Arial" panose="020B0604020202020204" pitchFamily="34" charset="0"/>
+                <a:cs typeface="Arial" panose="020B0604020202020204" pitchFamily="34" charset="0"/>
+                <a:hlinkClick r:id="rId2" action="ppaction://hlinksldjump">
+                  <a:extLst>
+                    <a:ext uri="{A12FA001-AC4F-418D-AE19-62706E023703}">
+                      <ahyp:hlinkClr xmlns:ahyp="http://schemas.microsoft.com/office/drawing/2018/hyperlinkcolor" val="tx"/>
+                    </a:ext>
+                  </a:extLst>
+                </a:hlinkClick>
+              </a:rPr>
+              <a:t>[2]</a:t>
+            </a:r>
+            <a:r>
+              <a:rPr lang="en-US" dirty="0">
+                <a:latin typeface="Arial" panose="020B0604020202020204" pitchFamily="34" charset="0"/>
+                <a:cs typeface="Arial" panose="020B0604020202020204" pitchFamily="34" charset="0"/>
+              </a:rPr>
+              <a:t> explores ARIMA model, a statistical approach, to provide regional temperature and precipitation forecasts based on historical observations for 18 years. The ARIMA model was chosen due to its ability to account for temporal correlation and skewed distributions in climate data, improving forecasting accuracy over simpler methods like linear trends. The model was extended to estimate confidence intervals for temperature and precipitation extremes and simulate daily climate conditions. The predictions made by ARIMA model shows its reliability and adaptability for engineering applications, offering a robust alternative to traditional statistical forecasting methods.</a:t>
             </a:r>
             <a:endParaRPr kumimoji="0" lang="en-US" b="0" i="0" u="none" strike="noStrike" kern="1200" cap="none" spc="0" normalizeH="0" baseline="0" noProof="0" dirty="0">
               <a:ln>
@@ -5168,7 +6474,7 @@
     </p:spTree>
     <p:extLst>
       <p:ext uri="{BB962C8B-B14F-4D97-AF65-F5344CB8AC3E}">
-        <p14:creationId xmlns:p14="http://schemas.microsoft.com/office/powerpoint/2010/main" val="446059913"/>
+        <p14:creationId xmlns:p14="http://schemas.microsoft.com/office/powerpoint/2010/main" val="2507963610"/>
       </p:ext>
     </p:extLst>
   </p:cSld>
@@ -5236,52 +6542,254 @@
           </a:p>
         </p:txBody>
       </p:sp>
-      <p:pic>
-        <p:nvPicPr>
-          <p:cNvPr id="5" name="Picture 4">
+      <p:sp>
+        <p:nvSpPr>
+          <p:cNvPr id="3" name="TextBox 2">
             <a:extLst>
               <a:ext uri="{FF2B5EF4-FFF2-40B4-BE49-F238E27FC236}">
-                <a16:creationId xmlns:a16="http://schemas.microsoft.com/office/drawing/2014/main" id="{EECD550B-5BC5-9A80-8CD9-F773958FBF39}"/>
+                <a16:creationId xmlns:a16="http://schemas.microsoft.com/office/drawing/2014/main" id="{66168532-D141-4AB0-BD29-1663F2877B3E}"/>
               </a:ext>
             </a:extLst>
           </p:cNvPr>
-          <p:cNvPicPr>
-            <a:picLocks noChangeAspect="1"/>
-          </p:cNvPicPr>
+          <p:cNvSpPr txBox="1"/>
           <p:nvPr/>
-        </p:nvPicPr>
-        <p:blipFill rotWithShape="1">
-          <a:blip r:embed="rId2"/>
-          <a:srcRect t="4898" b="6531"/>
-          <a:stretch/>
-        </p:blipFill>
+        </p:nvSpPr>
         <p:spPr>
           <a:xfrm>
-            <a:off x="1804920" y="914400"/>
-            <a:ext cx="8863079" cy="5455920"/>
+            <a:off x="878541" y="833401"/>
+            <a:ext cx="10434918" cy="5816977"/>
           </a:xfrm>
           <a:prstGeom prst="rect">
             <a:avLst/>
           </a:prstGeom>
-          <a:ln w="127000" cap="sq">
-            <a:solidFill>
-              <a:srgbClr val="000000"/>
-            </a:solidFill>
-            <a:miter lim="800000"/>
-          </a:ln>
-          <a:effectLst>
-            <a:outerShdw blurRad="57150" dist="50800" dir="2700000" algn="tl" rotWithShape="0">
-              <a:srgbClr val="000000">
-                <a:alpha val="40000"/>
-              </a:srgbClr>
-            </a:outerShdw>
-          </a:effectLst>
+          <a:noFill/>
         </p:spPr>
-      </p:pic>
+        <p:txBody>
+          <a:bodyPr wrap="square" rtlCol="0">
+            <a:spAutoFit/>
+          </a:bodyPr>
+          <a:lstStyle/>
+          <a:p>
+            <a:pPr marL="0" marR="0" lvl="0" indent="0" algn="l" defTabSz="914400" rtl="0" eaLnBrk="1" fontAlgn="auto" latinLnBrk="0" hangingPunct="1">
+              <a:lnSpc>
+                <a:spcPct val="100000"/>
+              </a:lnSpc>
+              <a:spcBef>
+                <a:spcPts val="0"/>
+              </a:spcBef>
+              <a:spcAft>
+                <a:spcPts val="0"/>
+              </a:spcAft>
+              <a:buClrTx/>
+              <a:buSzTx/>
+              <a:buFontTx/>
+              <a:buNone/>
+              <a:tabLst/>
+              <a:defRPr/>
+            </a:pPr>
+            <a:r>
+              <a:rPr kumimoji="0" lang="en-US" sz="2000" b="0" i="0" u="none" strike="noStrike" kern="1200" cap="none" spc="0" normalizeH="0" baseline="0" noProof="0" dirty="0">
+                <a:ln>
+                  <a:noFill/>
+                </a:ln>
+                <a:solidFill>
+                  <a:srgbClr val="FF0000"/>
+                </a:solidFill>
+                <a:effectLst/>
+                <a:uLnTx/>
+                <a:uFillTx/>
+                <a:latin typeface="Arial" panose="020B0604020202020204" pitchFamily="34" charset="0"/>
+                <a:cs typeface="Arial" panose="020B0604020202020204" pitchFamily="34" charset="0"/>
+              </a:rPr>
+              <a:t>Cite </a:t>
+            </a:r>
+            <a:r>
+              <a:rPr lang="en-US" sz="2000" dirty="0">
+                <a:solidFill>
+                  <a:srgbClr val="FF0000"/>
+                </a:solidFill>
+                <a:latin typeface="Arial" panose="020B0604020202020204" pitchFamily="34" charset="0"/>
+                <a:cs typeface="Arial" panose="020B0604020202020204" pitchFamily="34" charset="0"/>
+              </a:rPr>
+              <a:t>Related</a:t>
+            </a:r>
+            <a:r>
+              <a:rPr kumimoji="0" lang="en-US" sz="2000" b="0" i="0" u="none" strike="noStrike" kern="1200" cap="none" spc="0" normalizeH="0" baseline="0" noProof="0" dirty="0">
+                <a:ln>
+                  <a:noFill/>
+                </a:ln>
+                <a:solidFill>
+                  <a:srgbClr val="FF0000"/>
+                </a:solidFill>
+                <a:effectLst/>
+                <a:uLnTx/>
+                <a:uFillTx/>
+                <a:latin typeface="Arial" panose="020B0604020202020204" pitchFamily="34" charset="0"/>
+                <a:cs typeface="Arial" panose="020B0604020202020204" pitchFamily="34" charset="0"/>
+              </a:rPr>
+              <a:t> work</a:t>
+            </a:r>
+            <a:r>
+              <a:rPr lang="en-US" sz="2000" dirty="0">
+                <a:solidFill>
+                  <a:prstClr val="black"/>
+                </a:solidFill>
+                <a:latin typeface="Arial" panose="020B0604020202020204" pitchFamily="34" charset="0"/>
+                <a:cs typeface="Arial" panose="020B0604020202020204" pitchFamily="34" charset="0"/>
+              </a:rPr>
+              <a:t>:</a:t>
+            </a:r>
+          </a:p>
+          <a:p>
+            <a:pPr marL="0" marR="0" lvl="0" indent="0" algn="l" defTabSz="914400" rtl="0" eaLnBrk="1" fontAlgn="auto" latinLnBrk="0" hangingPunct="1">
+              <a:lnSpc>
+                <a:spcPct val="100000"/>
+              </a:lnSpc>
+              <a:spcBef>
+                <a:spcPts val="0"/>
+              </a:spcBef>
+              <a:spcAft>
+                <a:spcPts val="0"/>
+              </a:spcAft>
+              <a:buClrTx/>
+              <a:buSzTx/>
+              <a:buFontTx/>
+              <a:buNone/>
+              <a:tabLst/>
+              <a:defRPr/>
+            </a:pPr>
+            <a:endParaRPr kumimoji="0" lang="en-US" sz="2000" b="0" i="0" u="none" strike="noStrike" kern="1200" cap="none" spc="0" normalizeH="0" baseline="0" noProof="0" dirty="0">
+              <a:ln>
+                <a:noFill/>
+              </a:ln>
+              <a:solidFill>
+                <a:prstClr val="black"/>
+              </a:solidFill>
+              <a:effectLst/>
+              <a:uLnTx/>
+              <a:uFillTx/>
+              <a:latin typeface="Arial" panose="020B0604020202020204" pitchFamily="34" charset="0"/>
+              <a:cs typeface="Arial" panose="020B0604020202020204" pitchFamily="34" charset="0"/>
+            </a:endParaRPr>
+          </a:p>
+          <a:p>
+            <a:pPr marL="0" marR="0" lvl="0" indent="0" algn="l" defTabSz="914400" rtl="0" eaLnBrk="1" fontAlgn="auto" latinLnBrk="0" hangingPunct="1">
+              <a:lnSpc>
+                <a:spcPct val="100000"/>
+              </a:lnSpc>
+              <a:spcBef>
+                <a:spcPts val="0"/>
+              </a:spcBef>
+              <a:spcAft>
+                <a:spcPts val="0"/>
+              </a:spcAft>
+              <a:buClrTx/>
+              <a:buSzTx/>
+              <a:buFontTx/>
+              <a:buNone/>
+              <a:tabLst/>
+              <a:defRPr/>
+            </a:pPr>
+            <a:r>
+              <a:rPr kumimoji="0" lang="en-US" b="0" i="0" u="none" strike="noStrike" kern="1200" cap="none" spc="0" normalizeH="0" baseline="0" noProof="0" dirty="0">
+                <a:ln>
+                  <a:noFill/>
+                </a:ln>
+                <a:effectLst/>
+                <a:uLnTx/>
+                <a:uFillTx/>
+                <a:latin typeface="Arial" panose="020B0604020202020204" pitchFamily="34" charset="0"/>
+                <a:cs typeface="Arial" panose="020B0604020202020204" pitchFamily="34" charset="0"/>
+                <a:hlinkClick r:id="rId2" action="ppaction://hlinksldjump"/>
+              </a:rPr>
+              <a:t>[3]</a:t>
+            </a:r>
+            <a:r>
+              <a:rPr kumimoji="0" lang="en-US" b="0" i="0" u="none" strike="noStrike" kern="1200" cap="none" spc="0" normalizeH="0" baseline="0" noProof="0" dirty="0">
+                <a:ln>
+                  <a:noFill/>
+                </a:ln>
+                <a:effectLst/>
+                <a:uLnTx/>
+                <a:uFillTx/>
+                <a:latin typeface="Arial" panose="020B0604020202020204" pitchFamily="34" charset="0"/>
+                <a:cs typeface="Arial" panose="020B0604020202020204" pitchFamily="34" charset="0"/>
+              </a:rPr>
+              <a:t> gives introduction about Monte Carlo simulation on how it is becoming increasingly recognized for its powerful ability to manage uncertainty and variability in complex models. Unlike deterministic simulation, which offers a single outcome by assuming fixed parameters, Monte Carlo simulation explores a range of possible outcomes by incorporating random variations in the model's inputs. This method provides valuable insights into how different factors can influence results over time, making it a robust tool for understanding and predicting complex systems. Its versatility and effectiveness have made Monte Carlo simulation a staple in various fields, from finance to engineering, and it holds significant promise for enhancing decision-making processes. By capturing the full spectrum of potential scenarios, Monte Carlo simulation offers a deeper understanding of risk and uncertainty, which is increasingly important in today’s data-driven world.</a:t>
+            </a:r>
+          </a:p>
+          <a:p>
+            <a:pPr marL="0" marR="0" lvl="0" indent="0" algn="l" defTabSz="914400" rtl="0" eaLnBrk="1" fontAlgn="auto" latinLnBrk="0" hangingPunct="1">
+              <a:lnSpc>
+                <a:spcPct val="100000"/>
+              </a:lnSpc>
+              <a:spcBef>
+                <a:spcPts val="0"/>
+              </a:spcBef>
+              <a:spcAft>
+                <a:spcPts val="0"/>
+              </a:spcAft>
+              <a:buClrTx/>
+              <a:buSzTx/>
+              <a:buFontTx/>
+              <a:buNone/>
+              <a:tabLst/>
+              <a:defRPr/>
+            </a:pPr>
+            <a:endParaRPr lang="en-US" dirty="0">
+              <a:latin typeface="Arial" panose="020B0604020202020204" pitchFamily="34" charset="0"/>
+              <a:cs typeface="Arial" panose="020B0604020202020204" pitchFamily="34" charset="0"/>
+            </a:endParaRPr>
+          </a:p>
+          <a:p>
+            <a:pPr marL="0" marR="0" lvl="0" indent="0" algn="l" defTabSz="914400" rtl="0" eaLnBrk="1" fontAlgn="auto" latinLnBrk="0" hangingPunct="1">
+              <a:lnSpc>
+                <a:spcPct val="100000"/>
+              </a:lnSpc>
+              <a:spcBef>
+                <a:spcPts val="0"/>
+              </a:spcBef>
+              <a:spcAft>
+                <a:spcPts val="0"/>
+              </a:spcAft>
+              <a:buClrTx/>
+              <a:buSzTx/>
+              <a:buFontTx/>
+              <a:buNone/>
+              <a:tabLst/>
+              <a:defRPr/>
+            </a:pPr>
+            <a:r>
+              <a:rPr lang="en-US" dirty="0">
+                <a:latin typeface="Arial" panose="020B0604020202020204" pitchFamily="34" charset="0"/>
+                <a:cs typeface="Arial" panose="020B0604020202020204" pitchFamily="34" charset="0"/>
+                <a:hlinkClick r:id="rId2" action="ppaction://hlinksldjump"/>
+              </a:rPr>
+              <a:t>[4]</a:t>
+            </a:r>
+            <a:r>
+              <a:rPr lang="en-US" dirty="0">
+                <a:latin typeface="Arial" panose="020B0604020202020204" pitchFamily="34" charset="0"/>
+                <a:cs typeface="Arial" panose="020B0604020202020204" pitchFamily="34" charset="0"/>
+              </a:rPr>
+              <a:t> </a:t>
+            </a:r>
+            <a:r>
+              <a:rPr lang="en-US" kern="0" dirty="0">
+                <a:effectLst/>
+                <a:latin typeface="Arial" panose="020B0604020202020204" pitchFamily="34" charset="0"/>
+                <a:ea typeface="Times New Roman" panose="02020603050405020304" pitchFamily="18" charset="0"/>
+                <a:cs typeface="Arial" panose="020B0604020202020204" pitchFamily="34" charset="0"/>
+              </a:rPr>
+              <a:t>the hybrid LSTM-CM model developed in this study combines the strengths of both machine learning (LSTM-SA) and climate models (GS5) to improve drought prediction accuracy. By using the low bias of LSTM-SA and the strong physical simulation capabilities of GS5, LSTM-CM enhances drought forecasting, especially for 1-, 2-, and 3-month lead times, with improved skill scores ranging from 29.17% to 54.29%. This model shows better performance in detecting drought events with lower uncertainty than the stand-alone models, making it a promising tool for more reliable drought prediction.</a:t>
+            </a:r>
+          </a:p>
+        </p:txBody>
+      </p:sp>
     </p:spTree>
     <p:extLst>
       <p:ext uri="{BB962C8B-B14F-4D97-AF65-F5344CB8AC3E}">
-        <p14:creationId xmlns:p14="http://schemas.microsoft.com/office/powerpoint/2010/main" val="100738104"/>
+        <p14:creationId xmlns:p14="http://schemas.microsoft.com/office/powerpoint/2010/main" val="733448985"/>
       </p:ext>
     </p:extLst>
   </p:cSld>

--- a/Project Presentation Template.pptx
+++ b/Project Presentation Template.pptx
@@ -236,7 +236,7 @@
           <a:p>
             <a:fld id="{73E9D15D-1C13-CC45-BE09-4D54E9A973B4}" type="datetimeFigureOut">
               <a:rPr lang="en-US" smtClean="0"/>
-              <a:t>9/10/2024</a:t>
+              <a:t>9/11/2024</a:t>
             </a:fld>
             <a:endParaRPr lang="en-US" dirty="0"/>
           </a:p>
@@ -666,7 +666,7 @@
           <a:p>
             <a:fld id="{FD3D9895-3AFC-9E49-BB6B-D5AF81433D95}" type="datetimeFigureOut">
               <a:rPr lang="en-US" smtClean="0"/>
-              <a:t>9/10/2024</a:t>
+              <a:t>9/11/2024</a:t>
             </a:fld>
             <a:endParaRPr lang="en-US" dirty="0"/>
           </a:p>
@@ -827,7 +827,7 @@
           <a:p>
             <a:fld id="{1703F520-AAB7-4D20-958E-A456239933B0}" type="datetimeFigureOut">
               <a:rPr lang="en-US" smtClean="0"/>
-              <a:t>9/10/2024</a:t>
+              <a:t>9/11/2024</a:t>
             </a:fld>
             <a:endParaRPr lang="en-US" dirty="0"/>
           </a:p>
@@ -5833,31 +5833,52 @@
           </a:p>
           <a:p>
             <a:r>
-              <a:rPr lang="en-US" dirty="0"/>
+              <a:rPr lang="en-US" dirty="0">
+                <a:latin typeface="Arial" panose="020B0604020202020204" pitchFamily="34" charset="0"/>
+                <a:cs typeface="Arial" panose="020B0604020202020204" pitchFamily="34" charset="0"/>
+              </a:rPr>
               <a:t>The goal of this project is to predict future climate scenarios and assess potential risks using advanced machine learning and statistical methods. Specifically, we aim to compare three models </a:t>
             </a:r>
             <a:r>
-              <a:rPr lang="en-US" b="1" dirty="0"/>
+              <a:rPr lang="en-US" b="1" dirty="0">
+                <a:latin typeface="Arial" panose="020B0604020202020204" pitchFamily="34" charset="0"/>
+                <a:cs typeface="Arial" panose="020B0604020202020204" pitchFamily="34" charset="0"/>
+              </a:rPr>
               <a:t>LSTM</a:t>
             </a:r>
             <a:r>
-              <a:rPr lang="en-US" dirty="0"/>
+              <a:rPr lang="en-US" dirty="0">
+                <a:latin typeface="Arial" panose="020B0604020202020204" pitchFamily="34" charset="0"/>
+                <a:cs typeface="Arial" panose="020B0604020202020204" pitchFamily="34" charset="0"/>
+              </a:rPr>
               <a:t>, </a:t>
             </a:r>
             <a:r>
-              <a:rPr lang="en-US" b="1" dirty="0"/>
+              <a:rPr lang="en-US" b="1" dirty="0">
+                <a:latin typeface="Arial" panose="020B0604020202020204" pitchFamily="34" charset="0"/>
+                <a:cs typeface="Arial" panose="020B0604020202020204" pitchFamily="34" charset="0"/>
+              </a:rPr>
               <a:t>ARIMA</a:t>
             </a:r>
             <a:r>
-              <a:rPr lang="en-US" dirty="0"/>
+              <a:rPr lang="en-US" dirty="0">
+                <a:latin typeface="Arial" panose="020B0604020202020204" pitchFamily="34" charset="0"/>
+                <a:cs typeface="Arial" panose="020B0604020202020204" pitchFamily="34" charset="0"/>
+              </a:rPr>
               <a:t>, and </a:t>
             </a:r>
             <a:r>
-              <a:rPr lang="en-US" b="1" dirty="0"/>
+              <a:rPr lang="en-US" b="1" dirty="0">
+                <a:latin typeface="Arial" panose="020B0604020202020204" pitchFamily="34" charset="0"/>
+                <a:cs typeface="Arial" panose="020B0604020202020204" pitchFamily="34" charset="0"/>
+              </a:rPr>
               <a:t>Monte Carlo simulation </a:t>
             </a:r>
             <a:r>
-              <a:rPr lang="en-US" dirty="0"/>
+              <a:rPr lang="en-US" dirty="0">
+                <a:latin typeface="Arial" panose="020B0604020202020204" pitchFamily="34" charset="0"/>
+                <a:cs typeface="Arial" panose="020B0604020202020204" pitchFamily="34" charset="0"/>
+              </a:rPr>
               <a:t>to determine which one provides the most reliable and accurate predictions using time series climate data. The selected model will then be used to develop a web application that allows users to simulate and analyze climate scenarios, helping them make informed decisions for climate adaptation and risk management.</a:t>
             </a:r>
             <a:endParaRPr lang="en-US" sz="1800" dirty="0">
@@ -5993,11 +6014,18 @@
               <a:buChar char="•"/>
             </a:pPr>
             <a:r>
+              <a:rPr lang="en-US" sz="2000" b="1" dirty="0">
+                <a:latin typeface="Arial" panose="020B0604020202020204" pitchFamily="34" charset="0"/>
+                <a:cs typeface="Arial" panose="020B0604020202020204" pitchFamily="34" charset="0"/>
+              </a:rPr>
+              <a:t>Policy Making</a:t>
+            </a:r>
+            <a:r>
               <a:rPr lang="en-US" sz="2000" dirty="0">
                 <a:latin typeface="Arial" panose="020B0604020202020204" pitchFamily="34" charset="0"/>
                 <a:cs typeface="Arial" panose="020B0604020202020204" pitchFamily="34" charset="0"/>
               </a:rPr>
-              <a:t>Policy Making: Government agencies can use the tool to develop climate change mitigation and adaptation strategies.</a:t>
+              <a:t>: Government agencies can use the tool to develop climate change mitigation and adaptation strategies.</a:t>
             </a:r>
           </a:p>
           <a:p>
@@ -6006,11 +6034,18 @@
               <a:buChar char="•"/>
             </a:pPr>
             <a:r>
+              <a:rPr lang="en-US" sz="2000" b="1" dirty="0">
+                <a:latin typeface="Arial" panose="020B0604020202020204" pitchFamily="34" charset="0"/>
+                <a:cs typeface="Arial" panose="020B0604020202020204" pitchFamily="34" charset="0"/>
+              </a:rPr>
+              <a:t>Business Strategy</a:t>
+            </a:r>
+            <a:r>
               <a:rPr lang="en-US" sz="2000" dirty="0">
                 <a:latin typeface="Arial" panose="020B0604020202020204" pitchFamily="34" charset="0"/>
                 <a:cs typeface="Arial" panose="020B0604020202020204" pitchFamily="34" charset="0"/>
               </a:rPr>
-              <a:t>Business Strategy: Industries, particularly those in agriculture, energy, and insurance, can use climate scenario forecasts to manage risks and optimize operations.</a:t>
+              <a:t>: Industries, particularly those in agriculture, energy, and insurance, can use climate scenario forecasts to manage risks and optimize operations.</a:t>
             </a:r>
           </a:p>
           <a:p>
@@ -6019,11 +6054,18 @@
               <a:buChar char="•"/>
             </a:pPr>
             <a:r>
+              <a:rPr lang="en-US" sz="2000" b="1" dirty="0">
+                <a:latin typeface="Arial" panose="020B0604020202020204" pitchFamily="34" charset="0"/>
+                <a:cs typeface="Arial" panose="020B0604020202020204" pitchFamily="34" charset="0"/>
+              </a:rPr>
+              <a:t>Environmental Research</a:t>
+            </a:r>
+            <a:r>
               <a:rPr lang="en-US" sz="2000" dirty="0">
                 <a:latin typeface="Arial" panose="020B0604020202020204" pitchFamily="34" charset="0"/>
                 <a:cs typeface="Arial" panose="020B0604020202020204" pitchFamily="34" charset="0"/>
               </a:rPr>
-              <a:t>Environmental Research: Researchers can apply the tool to study long-term climate patterns and evaluate the effectiveness of adaptation measures.</a:t>
+              <a:t>: Researchers can apply the tool to study long-term climate patterns and evaluate the effectiveness of adaptation measures.</a:t>
             </a:r>
           </a:p>
         </p:txBody>

--- a/Project Presentation Template.pptx
+++ b/Project Presentation Template.pptx
@@ -236,7 +236,7 @@
           <a:p>
             <a:fld id="{73E9D15D-1C13-CC45-BE09-4D54E9A973B4}" type="datetimeFigureOut">
               <a:rPr lang="en-US" smtClean="0"/>
-              <a:t>9/10/2024</a:t>
+              <a:t>10/11/2024</a:t>
             </a:fld>
             <a:endParaRPr lang="en-US" dirty="0"/>
           </a:p>
@@ -666,7 +666,7 @@
           <a:p>
             <a:fld id="{FD3D9895-3AFC-9E49-BB6B-D5AF81433D95}" type="datetimeFigureOut">
               <a:rPr lang="en-US" smtClean="0"/>
-              <a:t>9/10/2024</a:t>
+              <a:t>10/11/2024</a:t>
             </a:fld>
             <a:endParaRPr lang="en-US" dirty="0"/>
           </a:p>
@@ -827,7 +827,7 @@
           <a:p>
             <a:fld id="{1703F520-AAB7-4D20-958E-A456239933B0}" type="datetimeFigureOut">
               <a:rPr lang="en-US" smtClean="0"/>
-              <a:t>9/10/2024</a:t>
+              <a:t>10/11/2024</a:t>
             </a:fld>
             <a:endParaRPr lang="en-US" dirty="0"/>
           </a:p>
@@ -2005,10 +2005,10 @@
       </p:sp>
       <p:pic>
         <p:nvPicPr>
-          <p:cNvPr id="5" name="Picture 4">
+          <p:cNvPr id="4" name="Picture 3">
             <a:extLst>
               <a:ext uri="{FF2B5EF4-FFF2-40B4-BE49-F238E27FC236}">
-                <a16:creationId xmlns:a16="http://schemas.microsoft.com/office/drawing/2014/main" id="{EECD550B-5BC5-9A80-8CD9-F773958FBF39}"/>
+                <a16:creationId xmlns:a16="http://schemas.microsoft.com/office/drawing/2014/main" id="{A8879975-77D9-F62B-1E36-8B75E90F33AC}"/>
               </a:ext>
             </a:extLst>
           </p:cNvPr>
@@ -2017,15 +2017,16 @@
           </p:cNvPicPr>
           <p:nvPr/>
         </p:nvPicPr>
-        <p:blipFill rotWithShape="1">
+        <p:blipFill>
           <a:blip r:embed="rId2"/>
-          <a:srcRect t="4898" b="6531"/>
-          <a:stretch/>
+          <a:stretch>
+            <a:fillRect/>
+          </a:stretch>
         </p:blipFill>
         <p:spPr>
           <a:xfrm>
-            <a:off x="1804920" y="914400"/>
-            <a:ext cx="8863079" cy="5455920"/>
+            <a:off x="2656812" y="970384"/>
+            <a:ext cx="7284954" cy="5463716"/>
           </a:xfrm>
           <a:prstGeom prst="rect">
             <a:avLst/>

--- a/Project Presentation Template.pptx
+++ b/Project Presentation Template.pptx
@@ -5,7 +5,7 @@
     <p:sldMasterId id="2147483648" r:id="rId1"/>
   </p:sldMasterIdLst>
   <p:notesMasterIdLst>
-    <p:notesMasterId r:id="rId19"/>
+    <p:notesMasterId r:id="rId25"/>
   </p:notesMasterIdLst>
   <p:sldIdLst>
     <p:sldId id="3640" r:id="rId2"/>
@@ -23,8 +23,14 @@
     <p:sldId id="3702" r:id="rId14"/>
     <p:sldId id="3710" r:id="rId15"/>
     <p:sldId id="3711" r:id="rId16"/>
-    <p:sldId id="3706" r:id="rId17"/>
-    <p:sldId id="3641" r:id="rId18"/>
+    <p:sldId id="3720" r:id="rId17"/>
+    <p:sldId id="3717" r:id="rId18"/>
+    <p:sldId id="3721" r:id="rId19"/>
+    <p:sldId id="3722" r:id="rId20"/>
+    <p:sldId id="3718" r:id="rId21"/>
+    <p:sldId id="3719" r:id="rId22"/>
+    <p:sldId id="3706" r:id="rId23"/>
+    <p:sldId id="3641" r:id="rId24"/>
   </p:sldIdLst>
   <p:sldSz cx="12192000" cy="6858000"/>
   <p:notesSz cx="6858000" cy="9144000"/>
@@ -3071,8 +3077,8 @@
         </p:nvSpPr>
         <p:spPr>
           <a:xfrm>
-            <a:off x="325927" y="248626"/>
-            <a:ext cx="7530363" cy="584775"/>
+            <a:off x="363251" y="248626"/>
+            <a:ext cx="7530363" cy="1384995"/>
           </a:xfrm>
           <a:prstGeom prst="rect">
             <a:avLst/>
@@ -3086,444 +3092,88 @@
           <a:lstStyle/>
           <a:p>
             <a:r>
-              <a:rPr lang="en-IN" sz="3200" b="1" dirty="0">
+              <a:rPr lang="en-US" sz="3200" b="1" dirty="0">
                 <a:solidFill>
                   <a:srgbClr val="46B0FA"/>
                 </a:solidFill>
                 <a:latin typeface="Arial" panose="020B0604020202020204" pitchFamily="34" charset="0"/>
                 <a:cs typeface="Arial" panose="020B0604020202020204" pitchFamily="34" charset="0"/>
               </a:rPr>
-              <a:t>Reference</a:t>
-            </a:r>
+              <a:t>Methodology</a:t>
+            </a:r>
+          </a:p>
+          <a:p>
+            <a:endParaRPr lang="en-US" sz="3200" b="1" dirty="0">
+              <a:solidFill>
+                <a:srgbClr val="46B0FA"/>
+              </a:solidFill>
+              <a:latin typeface="Arial" panose="020B0604020202020204" pitchFamily="34" charset="0"/>
+              <a:cs typeface="Arial" panose="020B0604020202020204" pitchFamily="34" charset="0"/>
+            </a:endParaRPr>
+          </a:p>
+          <a:p>
+            <a:r>
+              <a:rPr lang="en-US" sz="2000" b="1" dirty="0">
+                <a:latin typeface="Arial" panose="020B0604020202020204" pitchFamily="34" charset="0"/>
+                <a:cs typeface="Arial" panose="020B0604020202020204" pitchFamily="34" charset="0"/>
+              </a:rPr>
+              <a:t>Deliverables at each step</a:t>
+            </a:r>
+            <a:endParaRPr lang="en-IN" sz="2000" b="1" dirty="0">
+              <a:latin typeface="Arial" panose="020B0604020202020204" pitchFamily="34" charset="0"/>
+              <a:cs typeface="Arial" panose="020B0604020202020204" pitchFamily="34" charset="0"/>
+            </a:endParaRPr>
           </a:p>
         </p:txBody>
       </p:sp>
-      <p:sp>
-        <p:nvSpPr>
-          <p:cNvPr id="3" name="TextBox 2">
+      <p:pic>
+        <p:nvPicPr>
+          <p:cNvPr id="3" name="Picture 2">
             <a:extLst>
               <a:ext uri="{FF2B5EF4-FFF2-40B4-BE49-F238E27FC236}">
-                <a16:creationId xmlns:a16="http://schemas.microsoft.com/office/drawing/2014/main" id="{66168532-D141-4AB0-BD29-1663F2877B3E}"/>
+                <a16:creationId xmlns:a16="http://schemas.microsoft.com/office/drawing/2014/main" id="{63DD0296-D6FB-14C6-B0A8-294418347EAE}"/>
               </a:ext>
             </a:extLst>
           </p:cNvPr>
-          <p:cNvSpPr txBox="1"/>
+          <p:cNvPicPr>
+            <a:picLocks noChangeAspect="1"/>
+          </p:cNvPicPr>
           <p:nvPr/>
-        </p:nvSpPr>
+        </p:nvPicPr>
+        <p:blipFill>
+          <a:blip r:embed="rId2"/>
+          <a:stretch>
+            <a:fillRect/>
+          </a:stretch>
+        </p:blipFill>
         <p:spPr>
           <a:xfrm>
-            <a:off x="393751" y="666333"/>
-            <a:ext cx="9901002" cy="1292662"/>
+            <a:off x="4245428" y="1949580"/>
+            <a:ext cx="5466183" cy="4369884"/>
           </a:xfrm>
           <a:prstGeom prst="rect">
             <a:avLst/>
           </a:prstGeom>
-          <a:noFill/>
+          <a:ln w="38100" cap="sq">
+            <a:solidFill>
+              <a:srgbClr val="000000"/>
+            </a:solidFill>
+            <a:prstDash val="solid"/>
+            <a:miter lim="800000"/>
+          </a:ln>
+          <a:effectLst>
+            <a:outerShdw blurRad="50800" dist="38100" dir="2700000" algn="tl" rotWithShape="0">
+              <a:srgbClr val="000000">
+                <a:alpha val="43000"/>
+              </a:srgbClr>
+            </a:outerShdw>
+          </a:effectLst>
         </p:spPr>
-        <p:txBody>
-          <a:bodyPr wrap="square" rtlCol="0">
-            <a:spAutoFit/>
-          </a:bodyPr>
-          <a:lstStyle/>
-          <a:p>
-            <a:endParaRPr lang="en-US" sz="2000" dirty="0">
-              <a:latin typeface="Arial" panose="020B0604020202020204" pitchFamily="34" charset="0"/>
-              <a:cs typeface="Arial" panose="020B0604020202020204" pitchFamily="34" charset="0"/>
-            </a:endParaRPr>
-          </a:p>
-          <a:p>
-            <a:r>
-              <a:rPr lang="en-US" sz="2000" dirty="0">
-                <a:solidFill>
-                  <a:srgbClr val="FF0000"/>
-                </a:solidFill>
-                <a:latin typeface="Arial" panose="020B0604020202020204" pitchFamily="34" charset="0"/>
-                <a:cs typeface="Arial" panose="020B0604020202020204" pitchFamily="34" charset="0"/>
-              </a:rPr>
-              <a:t>List of cited papers</a:t>
-            </a:r>
-          </a:p>
-          <a:p>
-            <a:endParaRPr lang="en-US" sz="2000" dirty="0">
-              <a:latin typeface="Arial" panose="020B0604020202020204" pitchFamily="34" charset="0"/>
-              <a:cs typeface="Arial" panose="020B0604020202020204" pitchFamily="34" charset="0"/>
-            </a:endParaRPr>
-          </a:p>
-          <a:p>
-            <a:endParaRPr lang="en-IN" dirty="0">
-              <a:latin typeface="Arial" panose="020B0604020202020204" pitchFamily="34" charset="0"/>
-              <a:cs typeface="Arial" panose="020B0604020202020204" pitchFamily="34" charset="0"/>
-            </a:endParaRPr>
-          </a:p>
-        </p:txBody>
-      </p:sp>
-      <p:sp>
-        <p:nvSpPr>
-          <p:cNvPr id="5" name="TextBox 4">
-            <a:extLst>
-              <a:ext uri="{FF2B5EF4-FFF2-40B4-BE49-F238E27FC236}">
-                <a16:creationId xmlns:a16="http://schemas.microsoft.com/office/drawing/2014/main" id="{A60AF694-9622-3237-4F89-0B816712D92F}"/>
-              </a:ext>
-            </a:extLst>
-          </p:cNvPr>
-          <p:cNvSpPr txBox="1"/>
-          <p:nvPr/>
-        </p:nvSpPr>
-        <p:spPr>
-          <a:xfrm>
-            <a:off x="793376" y="1509921"/>
-            <a:ext cx="10605247" cy="5078313"/>
-          </a:xfrm>
-          <a:prstGeom prst="rect">
-            <a:avLst/>
-          </a:prstGeom>
-          <a:noFill/>
-        </p:spPr>
-        <p:txBody>
-          <a:bodyPr wrap="square">
-            <a:spAutoFit/>
-          </a:bodyPr>
-          <a:lstStyle/>
-          <a:p>
-            <a:r>
-              <a:rPr lang="en-US" dirty="0">
-                <a:effectLst/>
-                <a:latin typeface="Times New Roman" panose="02020603050405020304" pitchFamily="18" charset="0"/>
-                <a:ea typeface="Times New Roman" panose="02020603050405020304" pitchFamily="18" charset="0"/>
-              </a:rPr>
-              <a:t>[1] Xu, J., Wang, Z., Li, X., Li, Z., &amp; Li, Z. (2024). Prediction of Daily Climate Using Long Short-Term Memory (LSTM) Model. International Journal of Innovative Science and Research Technology, 83-90.</a:t>
-            </a:r>
-            <a:endParaRPr lang="en-IN" dirty="0">
-              <a:effectLst/>
-              <a:latin typeface="Times New Roman" panose="02020603050405020304" pitchFamily="18" charset="0"/>
-              <a:ea typeface="Times New Roman" panose="02020603050405020304" pitchFamily="18" charset="0"/>
-            </a:endParaRPr>
-          </a:p>
-          <a:p>
-            <a:r>
-              <a:rPr lang="en-US" dirty="0">
-                <a:effectLst/>
-                <a:latin typeface="Times New Roman" panose="02020603050405020304" pitchFamily="18" charset="0"/>
-                <a:ea typeface="Times New Roman" panose="02020603050405020304" pitchFamily="18" charset="0"/>
-              </a:rPr>
-              <a:t> </a:t>
-            </a:r>
-            <a:endParaRPr lang="en-IN" dirty="0">
-              <a:effectLst/>
-              <a:latin typeface="Times New Roman" panose="02020603050405020304" pitchFamily="18" charset="0"/>
-              <a:ea typeface="Times New Roman" panose="02020603050405020304" pitchFamily="18" charset="0"/>
-            </a:endParaRPr>
-          </a:p>
-          <a:p>
-            <a:r>
-              <a:rPr lang="en-US" dirty="0">
-                <a:effectLst/>
-                <a:latin typeface="Times New Roman" panose="02020603050405020304" pitchFamily="18" charset="0"/>
-                <a:ea typeface="Times New Roman" panose="02020603050405020304" pitchFamily="18" charset="0"/>
-              </a:rPr>
-              <a:t>[2] Lai, Y., &amp; </a:t>
-            </a:r>
-            <a:r>
-              <a:rPr lang="en-US" dirty="0" err="1">
-                <a:effectLst/>
-                <a:latin typeface="Times New Roman" panose="02020603050405020304" pitchFamily="18" charset="0"/>
-                <a:ea typeface="Times New Roman" panose="02020603050405020304" pitchFamily="18" charset="0"/>
-              </a:rPr>
-              <a:t>Dzombak</a:t>
-            </a:r>
-            <a:r>
-              <a:rPr lang="en-US" dirty="0">
-                <a:effectLst/>
-                <a:latin typeface="Times New Roman" panose="02020603050405020304" pitchFamily="18" charset="0"/>
-                <a:ea typeface="Times New Roman" panose="02020603050405020304" pitchFamily="18" charset="0"/>
-              </a:rPr>
-              <a:t>, D. A. (2020). Use of the autoregressive integrated moving average (ARIMA) model to forecast near-term regional temperature and precipitation. Weather and forecasting, 35(3), 959-976.</a:t>
-            </a:r>
-            <a:endParaRPr lang="en-IN" dirty="0">
-              <a:effectLst/>
-              <a:latin typeface="Times New Roman" panose="02020603050405020304" pitchFamily="18" charset="0"/>
-              <a:ea typeface="Times New Roman" panose="02020603050405020304" pitchFamily="18" charset="0"/>
-            </a:endParaRPr>
-          </a:p>
-          <a:p>
-            <a:r>
-              <a:rPr lang="en-US" dirty="0">
-                <a:effectLst/>
-                <a:latin typeface="Times New Roman" panose="02020603050405020304" pitchFamily="18" charset="0"/>
-                <a:ea typeface="Times New Roman" panose="02020603050405020304" pitchFamily="18" charset="0"/>
-              </a:rPr>
-              <a:t> </a:t>
-            </a:r>
-            <a:endParaRPr lang="en-IN" dirty="0">
-              <a:effectLst/>
-              <a:latin typeface="Times New Roman" panose="02020603050405020304" pitchFamily="18" charset="0"/>
-              <a:ea typeface="Times New Roman" panose="02020603050405020304" pitchFamily="18" charset="0"/>
-            </a:endParaRPr>
-          </a:p>
-          <a:p>
-            <a:r>
-              <a:rPr lang="en-US" dirty="0">
-                <a:effectLst/>
-                <a:latin typeface="Times New Roman" panose="02020603050405020304" pitchFamily="18" charset="0"/>
-                <a:ea typeface="Times New Roman" panose="02020603050405020304" pitchFamily="18" charset="0"/>
-              </a:rPr>
-              <a:t>[3] </a:t>
-            </a:r>
-            <a:r>
-              <a:rPr lang="en-US" dirty="0" err="1">
-                <a:effectLst/>
-                <a:latin typeface="Times New Roman" panose="02020603050405020304" pitchFamily="18" charset="0"/>
-                <a:ea typeface="Times New Roman" panose="02020603050405020304" pitchFamily="18" charset="0"/>
-              </a:rPr>
-              <a:t>Bonate</a:t>
-            </a:r>
-            <a:r>
-              <a:rPr lang="en-US" dirty="0">
-                <a:effectLst/>
-                <a:latin typeface="Times New Roman" panose="02020603050405020304" pitchFamily="18" charset="0"/>
-                <a:ea typeface="Times New Roman" panose="02020603050405020304" pitchFamily="18" charset="0"/>
-              </a:rPr>
-              <a:t>, P. L. (2001). A brief introduction to Monte Carlo simulation. Clinical pharmacokinetics, 40, 15-22.</a:t>
-            </a:r>
-            <a:endParaRPr lang="en-IN" dirty="0">
-              <a:effectLst/>
-              <a:latin typeface="Times New Roman" panose="02020603050405020304" pitchFamily="18" charset="0"/>
-              <a:ea typeface="Times New Roman" panose="02020603050405020304" pitchFamily="18" charset="0"/>
-            </a:endParaRPr>
-          </a:p>
-          <a:p>
-            <a:r>
-              <a:rPr lang="en-US" dirty="0">
-                <a:effectLst/>
-                <a:latin typeface="Times New Roman" panose="02020603050405020304" pitchFamily="18" charset="0"/>
-                <a:ea typeface="Times New Roman" panose="02020603050405020304" pitchFamily="18" charset="0"/>
-              </a:rPr>
-              <a:t> </a:t>
-            </a:r>
-            <a:endParaRPr lang="en-IN" dirty="0">
-              <a:effectLst/>
-              <a:latin typeface="Times New Roman" panose="02020603050405020304" pitchFamily="18" charset="0"/>
-              <a:ea typeface="Times New Roman" panose="02020603050405020304" pitchFamily="18" charset="0"/>
-            </a:endParaRPr>
-          </a:p>
-          <a:p>
-            <a:r>
-              <a:rPr lang="en-US" dirty="0">
-                <a:effectLst/>
-                <a:latin typeface="Times New Roman" panose="02020603050405020304" pitchFamily="18" charset="0"/>
-                <a:ea typeface="Times New Roman" panose="02020603050405020304" pitchFamily="18" charset="0"/>
-              </a:rPr>
-              <a:t>[4]</a:t>
-            </a:r>
-            <a:r>
-              <a:rPr lang="en-US" dirty="0">
-                <a:solidFill>
-                  <a:srgbClr val="222222"/>
-                </a:solidFill>
-                <a:effectLst/>
-                <a:latin typeface="Arial" panose="020B0604020202020204" pitchFamily="34" charset="0"/>
-                <a:ea typeface="Times New Roman" panose="02020603050405020304" pitchFamily="18" charset="0"/>
-              </a:rPr>
-              <a:t> </a:t>
-            </a:r>
-            <a:r>
-              <a:rPr lang="en-US" dirty="0">
-                <a:effectLst/>
-                <a:latin typeface="Times New Roman" panose="02020603050405020304" pitchFamily="18" charset="0"/>
-                <a:ea typeface="Times New Roman" panose="02020603050405020304" pitchFamily="18" charset="0"/>
-              </a:rPr>
-              <a:t>Vo, T. Q., Kim, S. H., Nguyen, D. H., &amp; Bae, D. H. (2023). LSTM-CM: a hybrid approach for natural drought prediction based on deep learning and climate models. </a:t>
-            </a:r>
-            <a:r>
-              <a:rPr lang="en-US" i="1" dirty="0">
-                <a:effectLst/>
-                <a:latin typeface="Times New Roman" panose="02020603050405020304" pitchFamily="18" charset="0"/>
-                <a:ea typeface="Times New Roman" panose="02020603050405020304" pitchFamily="18" charset="0"/>
-              </a:rPr>
-              <a:t>Stochastic Environmental Research and Risk Assessment</a:t>
-            </a:r>
-            <a:r>
-              <a:rPr lang="en-US" dirty="0">
-                <a:effectLst/>
-                <a:latin typeface="Times New Roman" panose="02020603050405020304" pitchFamily="18" charset="0"/>
-                <a:ea typeface="Times New Roman" panose="02020603050405020304" pitchFamily="18" charset="0"/>
-              </a:rPr>
-              <a:t>, </a:t>
-            </a:r>
-            <a:r>
-              <a:rPr lang="en-US" i="1" dirty="0">
-                <a:effectLst/>
-                <a:latin typeface="Times New Roman" panose="02020603050405020304" pitchFamily="18" charset="0"/>
-                <a:ea typeface="Times New Roman" panose="02020603050405020304" pitchFamily="18" charset="0"/>
-              </a:rPr>
-              <a:t>37</a:t>
-            </a:r>
-            <a:r>
-              <a:rPr lang="en-US" dirty="0">
-                <a:effectLst/>
-                <a:latin typeface="Times New Roman" panose="02020603050405020304" pitchFamily="18" charset="0"/>
-                <a:ea typeface="Times New Roman" panose="02020603050405020304" pitchFamily="18" charset="0"/>
-              </a:rPr>
-              <a:t>(6), 2035-2051.</a:t>
-            </a:r>
-            <a:endParaRPr lang="en-IN" dirty="0">
-              <a:effectLst/>
-              <a:latin typeface="Times New Roman" panose="02020603050405020304" pitchFamily="18" charset="0"/>
-              <a:ea typeface="Times New Roman" panose="02020603050405020304" pitchFamily="18" charset="0"/>
-            </a:endParaRPr>
-          </a:p>
-          <a:p>
-            <a:r>
-              <a:rPr lang="en-US" dirty="0">
-                <a:effectLst/>
-                <a:latin typeface="Times New Roman" panose="02020603050405020304" pitchFamily="18" charset="0"/>
-                <a:ea typeface="Times New Roman" panose="02020603050405020304" pitchFamily="18" charset="0"/>
-              </a:rPr>
-              <a:t> </a:t>
-            </a:r>
-            <a:endParaRPr lang="en-IN" dirty="0">
-              <a:effectLst/>
-              <a:latin typeface="Times New Roman" panose="02020603050405020304" pitchFamily="18" charset="0"/>
-              <a:ea typeface="Times New Roman" panose="02020603050405020304" pitchFamily="18" charset="0"/>
-            </a:endParaRPr>
-          </a:p>
-          <a:p>
-            <a:r>
-              <a:rPr lang="en-US" dirty="0">
-                <a:effectLst/>
-                <a:latin typeface="Times New Roman" panose="02020603050405020304" pitchFamily="18" charset="0"/>
-                <a:ea typeface="Times New Roman" panose="02020603050405020304" pitchFamily="18" charset="0"/>
-              </a:rPr>
-              <a:t>[5] </a:t>
-            </a:r>
-            <a:r>
-              <a:rPr lang="en-US" dirty="0" err="1">
-                <a:effectLst/>
-                <a:latin typeface="Times New Roman" panose="02020603050405020304" pitchFamily="18" charset="0"/>
-                <a:ea typeface="Times New Roman" panose="02020603050405020304" pitchFamily="18" charset="0"/>
-              </a:rPr>
-              <a:t>Dimri</a:t>
-            </a:r>
-            <a:r>
-              <a:rPr lang="en-US" dirty="0">
-                <a:effectLst/>
-                <a:latin typeface="Times New Roman" panose="02020603050405020304" pitchFamily="18" charset="0"/>
-                <a:ea typeface="Times New Roman" panose="02020603050405020304" pitchFamily="18" charset="0"/>
-              </a:rPr>
-              <a:t>, T., Ahmad, S., &amp; Sharif, M. (2020). Time series analysis of climate variables using seasonal ARIMA approach. </a:t>
-            </a:r>
-            <a:r>
-              <a:rPr lang="en-US" i="1" dirty="0">
-                <a:effectLst/>
-                <a:latin typeface="Times New Roman" panose="02020603050405020304" pitchFamily="18" charset="0"/>
-                <a:ea typeface="Times New Roman" panose="02020603050405020304" pitchFamily="18" charset="0"/>
-              </a:rPr>
-              <a:t>Journal of Earth System Science</a:t>
-            </a:r>
-            <a:r>
-              <a:rPr lang="en-US" dirty="0">
-                <a:effectLst/>
-                <a:latin typeface="Times New Roman" panose="02020603050405020304" pitchFamily="18" charset="0"/>
-                <a:ea typeface="Times New Roman" panose="02020603050405020304" pitchFamily="18" charset="0"/>
-              </a:rPr>
-              <a:t>, </a:t>
-            </a:r>
-            <a:r>
-              <a:rPr lang="en-US" i="1" dirty="0">
-                <a:effectLst/>
-                <a:latin typeface="Times New Roman" panose="02020603050405020304" pitchFamily="18" charset="0"/>
-                <a:ea typeface="Times New Roman" panose="02020603050405020304" pitchFamily="18" charset="0"/>
-              </a:rPr>
-              <a:t>129</a:t>
-            </a:r>
-            <a:r>
-              <a:rPr lang="en-US" dirty="0">
-                <a:effectLst/>
-                <a:latin typeface="Times New Roman" panose="02020603050405020304" pitchFamily="18" charset="0"/>
-                <a:ea typeface="Times New Roman" panose="02020603050405020304" pitchFamily="18" charset="0"/>
-              </a:rPr>
-              <a:t>, 1-16.</a:t>
-            </a:r>
-            <a:endParaRPr lang="en-IN" dirty="0">
-              <a:effectLst/>
-              <a:latin typeface="Times New Roman" panose="02020603050405020304" pitchFamily="18" charset="0"/>
-              <a:ea typeface="Times New Roman" panose="02020603050405020304" pitchFamily="18" charset="0"/>
-            </a:endParaRPr>
-          </a:p>
-          <a:p>
-            <a:r>
-              <a:rPr lang="en-US" dirty="0">
-                <a:effectLst/>
-                <a:latin typeface="Times New Roman" panose="02020603050405020304" pitchFamily="18" charset="0"/>
-                <a:ea typeface="Times New Roman" panose="02020603050405020304" pitchFamily="18" charset="0"/>
-              </a:rPr>
-              <a:t> </a:t>
-            </a:r>
-            <a:endParaRPr lang="en-IN" dirty="0">
-              <a:effectLst/>
-              <a:latin typeface="Times New Roman" panose="02020603050405020304" pitchFamily="18" charset="0"/>
-              <a:ea typeface="Times New Roman" panose="02020603050405020304" pitchFamily="18" charset="0"/>
-            </a:endParaRPr>
-          </a:p>
-          <a:p>
-            <a:r>
-              <a:rPr lang="en-US" dirty="0">
-                <a:effectLst/>
-                <a:latin typeface="Times New Roman" panose="02020603050405020304" pitchFamily="18" charset="0"/>
-                <a:ea typeface="Times New Roman" panose="02020603050405020304" pitchFamily="18" charset="0"/>
-              </a:rPr>
-              <a:t>[6] New, M., &amp; Hulme, M. (2000). Representing uncertainty in climate change scenarios: a Monte-Carlo approach. </a:t>
-            </a:r>
-            <a:r>
-              <a:rPr lang="en-US" i="1" dirty="0">
-                <a:effectLst/>
-                <a:latin typeface="Times New Roman" panose="02020603050405020304" pitchFamily="18" charset="0"/>
-                <a:ea typeface="Times New Roman" panose="02020603050405020304" pitchFamily="18" charset="0"/>
-              </a:rPr>
-              <a:t>Integrated assessment</a:t>
-            </a:r>
-            <a:r>
-              <a:rPr lang="en-US" dirty="0">
-                <a:effectLst/>
-                <a:latin typeface="Times New Roman" panose="02020603050405020304" pitchFamily="18" charset="0"/>
-                <a:ea typeface="Times New Roman" panose="02020603050405020304" pitchFamily="18" charset="0"/>
-              </a:rPr>
-              <a:t>, </a:t>
-            </a:r>
-            <a:r>
-              <a:rPr lang="en-US" i="1" dirty="0">
-                <a:effectLst/>
-                <a:latin typeface="Times New Roman" panose="02020603050405020304" pitchFamily="18" charset="0"/>
-                <a:ea typeface="Times New Roman" panose="02020603050405020304" pitchFamily="18" charset="0"/>
-              </a:rPr>
-              <a:t>1</a:t>
-            </a:r>
-            <a:r>
-              <a:rPr lang="en-US" dirty="0">
-                <a:effectLst/>
-                <a:latin typeface="Times New Roman" panose="02020603050405020304" pitchFamily="18" charset="0"/>
-                <a:ea typeface="Times New Roman" panose="02020603050405020304" pitchFamily="18" charset="0"/>
-              </a:rPr>
-              <a:t>(3), 203-213.</a:t>
-            </a:r>
-            <a:endParaRPr lang="en-IN" dirty="0">
-              <a:effectLst/>
-              <a:latin typeface="Times New Roman" panose="02020603050405020304" pitchFamily="18" charset="0"/>
-              <a:ea typeface="Times New Roman" panose="02020603050405020304" pitchFamily="18" charset="0"/>
-            </a:endParaRPr>
-          </a:p>
-          <a:p>
-            <a:endParaRPr lang="en-US" dirty="0">
-              <a:latin typeface="Arial" panose="020B0604020202020204" pitchFamily="34" charset="0"/>
-              <a:cs typeface="Arial" panose="020B0604020202020204" pitchFamily="34" charset="0"/>
-            </a:endParaRPr>
-          </a:p>
-        </p:txBody>
-      </p:sp>
+      </p:pic>
     </p:spTree>
     <p:extLst>
       <p:ext uri="{BB962C8B-B14F-4D97-AF65-F5344CB8AC3E}">
-        <p14:creationId xmlns:p14="http://schemas.microsoft.com/office/powerpoint/2010/main" val="1359081233"/>
+        <p14:creationId xmlns:p14="http://schemas.microsoft.com/office/powerpoint/2010/main" val="2102447847"/>
       </p:ext>
     </p:extLst>
   </p:cSld>
@@ -3550,55 +3200,6 @@
           <a:chExt cx="0" cy="0"/>
         </a:xfrm>
       </p:grpSpPr>
-      <p:sp>
-        <p:nvSpPr>
-          <p:cNvPr id="2" name="TextBox 1">
-            <a:extLst>
-              <a:ext uri="{FF2B5EF4-FFF2-40B4-BE49-F238E27FC236}">
-                <a16:creationId xmlns:a16="http://schemas.microsoft.com/office/drawing/2014/main" id="{C39D82EA-6098-704F-AD4D-D13A499C492D}"/>
-              </a:ext>
-            </a:extLst>
-          </p:cNvPr>
-          <p:cNvSpPr txBox="1"/>
-          <p:nvPr/>
-        </p:nvSpPr>
-        <p:spPr>
-          <a:xfrm>
-            <a:off x="1895294" y="3601496"/>
-            <a:ext cx="8401412" cy="1200329"/>
-          </a:xfrm>
-          <a:prstGeom prst="rect">
-            <a:avLst/>
-          </a:prstGeom>
-          <a:noFill/>
-        </p:spPr>
-        <p:txBody>
-          <a:bodyPr wrap="square" rtlCol="0">
-            <a:spAutoFit/>
-          </a:bodyPr>
-          <a:lstStyle/>
-          <a:p>
-            <a:pPr algn="ctr"/>
-            <a:r>
-              <a:rPr lang="en-US" sz="7200" b="1" dirty="0">
-                <a:solidFill>
-                  <a:srgbClr val="46B0FA"/>
-                </a:solidFill>
-                <a:latin typeface="Arial" panose="020B0604020202020204" pitchFamily="34" charset="0"/>
-                <a:cs typeface="Arial" panose="020B0604020202020204" pitchFamily="34" charset="0"/>
-              </a:rPr>
-              <a:t>Thank You</a:t>
-            </a:r>
-            <a:endParaRPr lang="en-IN" sz="7200" b="1" dirty="0">
-              <a:solidFill>
-                <a:srgbClr val="46B0FA"/>
-              </a:solidFill>
-              <a:latin typeface="Arial" panose="020B0604020202020204" pitchFamily="34" charset="0"/>
-              <a:cs typeface="Arial" panose="020B0604020202020204" pitchFamily="34" charset="0"/>
-            </a:endParaRPr>
-          </a:p>
-        </p:txBody>
-      </p:sp>
       <p:sp>
         <p:nvSpPr>
           <p:cNvPr id="4" name="Rectangle 3">
@@ -3651,12 +3252,257 @@
           </a:p>
         </p:txBody>
       </p:sp>
+      <p:sp>
+        <p:nvSpPr>
+          <p:cNvPr id="8" name="TextBox 7">
+            <a:extLst>
+              <a:ext uri="{FF2B5EF4-FFF2-40B4-BE49-F238E27FC236}">
+                <a16:creationId xmlns:a16="http://schemas.microsoft.com/office/drawing/2014/main" id="{E53AB2D1-CD11-A45F-AF51-F606A7DA1C30}"/>
+              </a:ext>
+            </a:extLst>
+          </p:cNvPr>
+          <p:cNvSpPr txBox="1"/>
+          <p:nvPr/>
+        </p:nvSpPr>
+        <p:spPr>
+          <a:xfrm>
+            <a:off x="314908" y="287452"/>
+            <a:ext cx="6097554" cy="584775"/>
+          </a:xfrm>
+          <a:prstGeom prst="rect">
+            <a:avLst/>
+          </a:prstGeom>
+          <a:noFill/>
+        </p:spPr>
+        <p:txBody>
+          <a:bodyPr wrap="square">
+            <a:spAutoFit/>
+          </a:bodyPr>
+          <a:lstStyle/>
+          <a:p>
+            <a:pPr marL="0" marR="0" lvl="0" indent="0" algn="l" defTabSz="914400" rtl="0" eaLnBrk="1" fontAlgn="auto" latinLnBrk="0" hangingPunct="1">
+              <a:lnSpc>
+                <a:spcPct val="100000"/>
+              </a:lnSpc>
+              <a:spcBef>
+                <a:spcPts val="0"/>
+              </a:spcBef>
+              <a:spcAft>
+                <a:spcPts val="0"/>
+              </a:spcAft>
+              <a:buClrTx/>
+              <a:buSzTx/>
+              <a:buFontTx/>
+              <a:buNone/>
+              <a:tabLst/>
+              <a:defRPr/>
+            </a:pPr>
+            <a:r>
+              <a:rPr kumimoji="0" lang="en-US" sz="3200" b="1" i="0" u="none" strike="noStrike" kern="1200" cap="none" spc="0" normalizeH="0" baseline="0" noProof="0" dirty="0">
+                <a:ln>
+                  <a:noFill/>
+                </a:ln>
+                <a:solidFill>
+                  <a:srgbClr val="46B0FA"/>
+                </a:solidFill>
+                <a:effectLst/>
+                <a:uLnTx/>
+                <a:uFillTx/>
+                <a:latin typeface="Arial" panose="020B0604020202020204" pitchFamily="34" charset="0"/>
+                <a:ea typeface="+mn-ea"/>
+                <a:cs typeface="Arial" panose="020B0604020202020204" pitchFamily="34" charset="0"/>
+              </a:rPr>
+              <a:t>Working Model</a:t>
+            </a:r>
+            <a:endParaRPr kumimoji="0" lang="en-IN" sz="3200" b="1" i="0" u="none" strike="noStrike" kern="1200" cap="none" spc="0" normalizeH="0" baseline="0" noProof="0" dirty="0">
+              <a:ln>
+                <a:noFill/>
+              </a:ln>
+              <a:solidFill>
+                <a:srgbClr val="46B0FA"/>
+              </a:solidFill>
+              <a:effectLst/>
+              <a:uLnTx/>
+              <a:uFillTx/>
+              <a:latin typeface="Arial" panose="020B0604020202020204" pitchFamily="34" charset="0"/>
+              <a:ea typeface="+mn-ea"/>
+              <a:cs typeface="Arial" panose="020B0604020202020204" pitchFamily="34" charset="0"/>
+            </a:endParaRPr>
+          </a:p>
+        </p:txBody>
+      </p:sp>
+      <p:sp>
+        <p:nvSpPr>
+          <p:cNvPr id="10" name="TextBox 2">
+            <a:extLst>
+              <a:ext uri="{FF2B5EF4-FFF2-40B4-BE49-F238E27FC236}">
+                <a16:creationId xmlns:a16="http://schemas.microsoft.com/office/drawing/2014/main" id="{DF2AE4AB-FD20-6CA3-6C46-D14D540F5019}"/>
+              </a:ext>
+            </a:extLst>
+          </p:cNvPr>
+          <p:cNvSpPr txBox="1"/>
+          <p:nvPr/>
+        </p:nvSpPr>
+        <p:spPr>
+          <a:xfrm>
+            <a:off x="412540" y="1048148"/>
+            <a:ext cx="6093228" cy="1200329"/>
+          </a:xfrm>
+          <a:prstGeom prst="rect">
+            <a:avLst/>
+          </a:prstGeom>
+          <a:noFill/>
+        </p:spPr>
+        <p:txBody>
+          <a:bodyPr wrap="square">
+            <a:spAutoFit/>
+          </a:bodyPr>
+          <a:lstStyle>
+            <a:defPPr>
+              <a:defRPr lang="en-US"/>
+            </a:defPPr>
+            <a:lvl1pPr marL="0" algn="l" defTabSz="914400" rtl="0" eaLnBrk="1" latinLnBrk="0" hangingPunct="1">
+              <a:defRPr sz="1800" kern="1200">
+                <a:solidFill>
+                  <a:schemeClr val="tx1"/>
+                </a:solidFill>
+                <a:latin typeface="+mn-lt"/>
+                <a:ea typeface="+mn-ea"/>
+                <a:cs typeface="+mn-cs"/>
+              </a:defRPr>
+            </a:lvl1pPr>
+            <a:lvl2pPr marL="457200" algn="l" defTabSz="914400" rtl="0" eaLnBrk="1" latinLnBrk="0" hangingPunct="1">
+              <a:defRPr sz="1800" kern="1200">
+                <a:solidFill>
+                  <a:schemeClr val="tx1"/>
+                </a:solidFill>
+                <a:latin typeface="+mn-lt"/>
+                <a:ea typeface="+mn-ea"/>
+                <a:cs typeface="+mn-cs"/>
+              </a:defRPr>
+            </a:lvl2pPr>
+            <a:lvl3pPr marL="914400" algn="l" defTabSz="914400" rtl="0" eaLnBrk="1" latinLnBrk="0" hangingPunct="1">
+              <a:defRPr sz="1800" kern="1200">
+                <a:solidFill>
+                  <a:schemeClr val="tx1"/>
+                </a:solidFill>
+                <a:latin typeface="+mn-lt"/>
+                <a:ea typeface="+mn-ea"/>
+                <a:cs typeface="+mn-cs"/>
+              </a:defRPr>
+            </a:lvl3pPr>
+            <a:lvl4pPr marL="1371600" algn="l" defTabSz="914400" rtl="0" eaLnBrk="1" latinLnBrk="0" hangingPunct="1">
+              <a:defRPr sz="1800" kern="1200">
+                <a:solidFill>
+                  <a:schemeClr val="tx1"/>
+                </a:solidFill>
+                <a:latin typeface="+mn-lt"/>
+                <a:ea typeface="+mn-ea"/>
+                <a:cs typeface="+mn-cs"/>
+              </a:defRPr>
+            </a:lvl4pPr>
+            <a:lvl5pPr marL="1828800" algn="l" defTabSz="914400" rtl="0" eaLnBrk="1" latinLnBrk="0" hangingPunct="1">
+              <a:defRPr sz="1800" kern="1200">
+                <a:solidFill>
+                  <a:schemeClr val="tx1"/>
+                </a:solidFill>
+                <a:latin typeface="+mn-lt"/>
+                <a:ea typeface="+mn-ea"/>
+                <a:cs typeface="+mn-cs"/>
+              </a:defRPr>
+            </a:lvl5pPr>
+            <a:lvl6pPr marL="2286000" algn="l" defTabSz="914400" rtl="0" eaLnBrk="1" latinLnBrk="0" hangingPunct="1">
+              <a:defRPr sz="1800" kern="1200">
+                <a:solidFill>
+                  <a:schemeClr val="tx1"/>
+                </a:solidFill>
+                <a:latin typeface="+mn-lt"/>
+                <a:ea typeface="+mn-ea"/>
+                <a:cs typeface="+mn-cs"/>
+              </a:defRPr>
+            </a:lvl6pPr>
+            <a:lvl7pPr marL="2743200" algn="l" defTabSz="914400" rtl="0" eaLnBrk="1" latinLnBrk="0" hangingPunct="1">
+              <a:defRPr sz="1800" kern="1200">
+                <a:solidFill>
+                  <a:schemeClr val="tx1"/>
+                </a:solidFill>
+                <a:latin typeface="+mn-lt"/>
+                <a:ea typeface="+mn-ea"/>
+                <a:cs typeface="+mn-cs"/>
+              </a:defRPr>
+            </a:lvl7pPr>
+            <a:lvl8pPr marL="3200400" algn="l" defTabSz="914400" rtl="0" eaLnBrk="1" latinLnBrk="0" hangingPunct="1">
+              <a:defRPr sz="1800" kern="1200">
+                <a:solidFill>
+                  <a:schemeClr val="tx1"/>
+                </a:solidFill>
+                <a:latin typeface="+mn-lt"/>
+                <a:ea typeface="+mn-ea"/>
+                <a:cs typeface="+mn-cs"/>
+              </a:defRPr>
+            </a:lvl8pPr>
+            <a:lvl9pPr marL="3657600" algn="l" defTabSz="914400" rtl="0" eaLnBrk="1" latinLnBrk="0" hangingPunct="1">
+              <a:defRPr sz="1800" kern="1200">
+                <a:solidFill>
+                  <a:schemeClr val="tx1"/>
+                </a:solidFill>
+                <a:latin typeface="+mn-lt"/>
+                <a:ea typeface="+mn-ea"/>
+                <a:cs typeface="+mn-cs"/>
+              </a:defRPr>
+            </a:lvl9pPr>
+          </a:lstStyle>
+          <a:p>
+            <a:r>
+              <a:rPr lang="en-US" sz="1800" dirty="0">
+                <a:latin typeface="Arial" panose="020B0604020202020204" pitchFamily="34" charset="0"/>
+                <a:cs typeface="Arial" panose="020B0604020202020204" pitchFamily="34" charset="0"/>
+              </a:rPr>
+              <a:t>Requirement analysis (Link of SRS):</a:t>
+            </a:r>
+          </a:p>
+          <a:p>
+            <a:endParaRPr lang="en-US" sz="1800" dirty="0">
+              <a:latin typeface="Arial" panose="020B0604020202020204" pitchFamily="34" charset="0"/>
+              <a:cs typeface="Arial" panose="020B0604020202020204" pitchFamily="34" charset="0"/>
+            </a:endParaRPr>
+          </a:p>
+          <a:p>
+            <a:endParaRPr lang="en-US" sz="1800" dirty="0">
+              <a:latin typeface="Arial" panose="020B0604020202020204" pitchFamily="34" charset="0"/>
+              <a:cs typeface="Arial" panose="020B0604020202020204" pitchFamily="34" charset="0"/>
+            </a:endParaRPr>
+          </a:p>
+          <a:p>
+            <a:r>
+              <a:rPr lang="en-US" sz="1800" dirty="0">
+                <a:solidFill>
+                  <a:schemeClr val="accent2"/>
+                </a:solidFill>
+                <a:latin typeface="Arial" panose="020B0604020202020204" pitchFamily="34" charset="0"/>
+                <a:cs typeface="Arial" panose="020B0604020202020204" pitchFamily="34" charset="0"/>
+              </a:rPr>
+              <a:t>Technical Diagram</a:t>
+            </a:r>
+            <a:r>
+              <a:rPr lang="en-US" dirty="0">
+                <a:solidFill>
+                  <a:schemeClr val="accent2"/>
+                </a:solidFill>
+                <a:latin typeface="Arial" panose="020B0604020202020204" pitchFamily="34" charset="0"/>
+                <a:cs typeface="Arial" panose="020B0604020202020204" pitchFamily="34" charset="0"/>
+              </a:rPr>
+              <a:t>:  </a:t>
+            </a:r>
+          </a:p>
+        </p:txBody>
+      </p:sp>
       <p:pic>
         <p:nvPicPr>
-          <p:cNvPr id="5" name="Picture 4" descr="A picture containing text, clipart&#10;&#10;Description automatically generated">
+          <p:cNvPr id="11" name="Picture 10">
             <a:extLst>
               <a:ext uri="{FF2B5EF4-FFF2-40B4-BE49-F238E27FC236}">
-                <a16:creationId xmlns:a16="http://schemas.microsoft.com/office/drawing/2014/main" id="{B3B91EF5-66BF-4A12-80C1-98869846E0D6}"/>
+                <a16:creationId xmlns:a16="http://schemas.microsoft.com/office/drawing/2014/main" id="{EFC613F2-DC46-1365-5820-C3FB57ADDC69}"/>
               </a:ext>
             </a:extLst>
           </p:cNvPr>
@@ -3665,16 +3511,792 @@
           </p:cNvPicPr>
           <p:nvPr/>
         </p:nvPicPr>
-        <p:blipFill>
+        <p:blipFill rotWithShape="1">
           <a:blip r:embed="rId2"/>
-          <a:stretch>
-            <a:fillRect/>
-          </a:stretch>
+          <a:srcRect l="6818" t="10725" r="7866" b="12108"/>
+          <a:stretch/>
         </p:blipFill>
         <p:spPr>
           <a:xfrm>
-            <a:off x="3992880" y="1709987"/>
-            <a:ext cx="4206240" cy="1806854"/>
+            <a:off x="3045189" y="2525476"/>
+            <a:ext cx="6101622" cy="3638939"/>
+          </a:xfrm>
+          <a:prstGeom prst="rect">
+            <a:avLst/>
+          </a:prstGeom>
+          <a:ln w="38100" cap="sq">
+            <a:solidFill>
+              <a:srgbClr val="000000"/>
+            </a:solidFill>
+            <a:prstDash val="solid"/>
+            <a:miter lim="800000"/>
+          </a:ln>
+          <a:effectLst>
+            <a:outerShdw blurRad="50800" dist="38100" dir="2700000" algn="tl" rotWithShape="0">
+              <a:srgbClr val="000000">
+                <a:alpha val="43000"/>
+              </a:srgbClr>
+            </a:outerShdw>
+          </a:effectLst>
+        </p:spPr>
+      </p:pic>
+      <p:sp>
+        <p:nvSpPr>
+          <p:cNvPr id="13" name="TextBox 12">
+            <a:extLst>
+              <a:ext uri="{FF2B5EF4-FFF2-40B4-BE49-F238E27FC236}">
+                <a16:creationId xmlns:a16="http://schemas.microsoft.com/office/drawing/2014/main" id="{2E244B00-CE4D-67B7-D9D5-A93B3833F2CF}"/>
+              </a:ext>
+            </a:extLst>
+          </p:cNvPr>
+          <p:cNvSpPr txBox="1"/>
+          <p:nvPr/>
+        </p:nvSpPr>
+        <p:spPr>
+          <a:xfrm>
+            <a:off x="5261069" y="6256748"/>
+            <a:ext cx="6097554" cy="369332"/>
+          </a:xfrm>
+          <a:prstGeom prst="rect">
+            <a:avLst/>
+          </a:prstGeom>
+          <a:noFill/>
+        </p:spPr>
+        <p:txBody>
+          <a:bodyPr wrap="square">
+            <a:spAutoFit/>
+          </a:bodyPr>
+          <a:lstStyle/>
+          <a:p>
+            <a:r>
+              <a:rPr lang="en-US" dirty="0" err="1">
+                <a:latin typeface="Arial" panose="020B0604020202020204" pitchFamily="34" charset="0"/>
+                <a:cs typeface="Arial" panose="020B0604020202020204" pitchFamily="34" charset="0"/>
+              </a:rPr>
+              <a:t>Uml</a:t>
+            </a:r>
+            <a:r>
+              <a:rPr lang="en-US" dirty="0">
+                <a:latin typeface="Arial" panose="020B0604020202020204" pitchFamily="34" charset="0"/>
+                <a:cs typeface="Arial" panose="020B0604020202020204" pitchFamily="34" charset="0"/>
+              </a:rPr>
+              <a:t> </a:t>
+            </a:r>
+            <a:r>
+              <a:rPr lang="en-US" dirty="0" err="1">
+                <a:latin typeface="Arial" panose="020B0604020202020204" pitchFamily="34" charset="0"/>
+                <a:cs typeface="Arial" panose="020B0604020202020204" pitchFamily="34" charset="0"/>
+              </a:rPr>
+              <a:t>daigram</a:t>
+            </a:r>
+            <a:endParaRPr lang="en-IN" dirty="0"/>
+          </a:p>
+        </p:txBody>
+      </p:sp>
+    </p:spTree>
+    <p:extLst>
+      <p:ext uri="{BB962C8B-B14F-4D97-AF65-F5344CB8AC3E}">
+        <p14:creationId xmlns:p14="http://schemas.microsoft.com/office/powerpoint/2010/main" val="3645778289"/>
+      </p:ext>
+    </p:extLst>
+  </p:cSld>
+  <p:clrMapOvr>
+    <a:masterClrMapping/>
+  </p:clrMapOvr>
+</p:sld>
+</file>
+
+<file path=ppt/slides/slide18.xml><?xml version="1.0" encoding="utf-8"?>
+<p:sld xmlns:a="http://schemas.openxmlformats.org/drawingml/2006/main" xmlns:r="http://schemas.openxmlformats.org/officeDocument/2006/relationships" xmlns:p="http://schemas.openxmlformats.org/presentationml/2006/main">
+  <p:cSld>
+    <p:spTree>
+      <p:nvGrpSpPr>
+        <p:cNvPr id="1" name=""/>
+        <p:cNvGrpSpPr/>
+        <p:nvPr/>
+      </p:nvGrpSpPr>
+      <p:grpSpPr>
+        <a:xfrm>
+          <a:off x="0" y="0"/>
+          <a:ext cx="0" cy="0"/>
+          <a:chOff x="0" y="0"/>
+          <a:chExt cx="0" cy="0"/>
+        </a:xfrm>
+      </p:grpSpPr>
+      <p:sp>
+        <p:nvSpPr>
+          <p:cNvPr id="4" name="Rectangle 3">
+            <a:extLst>
+              <a:ext uri="{FF2B5EF4-FFF2-40B4-BE49-F238E27FC236}">
+                <a16:creationId xmlns:a16="http://schemas.microsoft.com/office/drawing/2014/main" id="{B7FBB1AB-6227-0A49-9677-D759BB97E908}"/>
+              </a:ext>
+            </a:extLst>
+          </p:cNvPr>
+          <p:cNvSpPr/>
+          <p:nvPr/>
+        </p:nvSpPr>
+        <p:spPr>
+          <a:xfrm>
+            <a:off x="10668000" y="150471"/>
+            <a:ext cx="1381246" cy="682906"/>
+          </a:xfrm>
+          <a:prstGeom prst="rect">
+            <a:avLst/>
+          </a:prstGeom>
+          <a:solidFill>
+            <a:schemeClr val="bg1"/>
+          </a:solidFill>
+          <a:ln>
+            <a:noFill/>
+          </a:ln>
+        </p:spPr>
+        <p:style>
+          <a:lnRef idx="2">
+            <a:schemeClr val="accent1">
+              <a:shade val="50000"/>
+            </a:schemeClr>
+          </a:lnRef>
+          <a:fillRef idx="1">
+            <a:schemeClr val="accent1"/>
+          </a:fillRef>
+          <a:effectRef idx="0">
+            <a:schemeClr val="accent1"/>
+          </a:effectRef>
+          <a:fontRef idx="minor">
+            <a:schemeClr val="lt1"/>
+          </a:fontRef>
+        </p:style>
+        <p:txBody>
+          <a:bodyPr rtlCol="0" anchor="ctr"/>
+          <a:lstStyle/>
+          <a:p>
+            <a:pPr algn="ctr"/>
+            <a:endParaRPr lang="en-US" dirty="0"/>
+          </a:p>
+        </p:txBody>
+      </p:sp>
+      <p:sp>
+        <p:nvSpPr>
+          <p:cNvPr id="8" name="TextBox 7">
+            <a:extLst>
+              <a:ext uri="{FF2B5EF4-FFF2-40B4-BE49-F238E27FC236}">
+                <a16:creationId xmlns:a16="http://schemas.microsoft.com/office/drawing/2014/main" id="{E53AB2D1-CD11-A45F-AF51-F606A7DA1C30}"/>
+              </a:ext>
+            </a:extLst>
+          </p:cNvPr>
+          <p:cNvSpPr txBox="1"/>
+          <p:nvPr/>
+        </p:nvSpPr>
+        <p:spPr>
+          <a:xfrm>
+            <a:off x="314908" y="287452"/>
+            <a:ext cx="6097554" cy="584775"/>
+          </a:xfrm>
+          <a:prstGeom prst="rect">
+            <a:avLst/>
+          </a:prstGeom>
+          <a:noFill/>
+        </p:spPr>
+        <p:txBody>
+          <a:bodyPr wrap="square">
+            <a:spAutoFit/>
+          </a:bodyPr>
+          <a:lstStyle/>
+          <a:p>
+            <a:pPr marL="0" marR="0" lvl="0" indent="0" algn="l" defTabSz="914400" rtl="0" eaLnBrk="1" fontAlgn="auto" latinLnBrk="0" hangingPunct="1">
+              <a:lnSpc>
+                <a:spcPct val="100000"/>
+              </a:lnSpc>
+              <a:spcBef>
+                <a:spcPts val="0"/>
+              </a:spcBef>
+              <a:spcAft>
+                <a:spcPts val="0"/>
+              </a:spcAft>
+              <a:buClrTx/>
+              <a:buSzTx/>
+              <a:buFontTx/>
+              <a:buNone/>
+              <a:tabLst/>
+              <a:defRPr/>
+            </a:pPr>
+            <a:r>
+              <a:rPr kumimoji="0" lang="en-US" sz="3200" b="1" i="0" u="none" strike="noStrike" kern="1200" cap="none" spc="0" normalizeH="0" baseline="0" noProof="0" dirty="0">
+                <a:ln>
+                  <a:noFill/>
+                </a:ln>
+                <a:solidFill>
+                  <a:srgbClr val="46B0FA"/>
+                </a:solidFill>
+                <a:effectLst/>
+                <a:uLnTx/>
+                <a:uFillTx/>
+                <a:latin typeface="Arial" panose="020B0604020202020204" pitchFamily="34" charset="0"/>
+                <a:ea typeface="+mn-ea"/>
+                <a:cs typeface="Arial" panose="020B0604020202020204" pitchFamily="34" charset="0"/>
+              </a:rPr>
+              <a:t>Working Model</a:t>
+            </a:r>
+            <a:endParaRPr kumimoji="0" lang="en-IN" sz="3200" b="1" i="0" u="none" strike="noStrike" kern="1200" cap="none" spc="0" normalizeH="0" baseline="0" noProof="0" dirty="0">
+              <a:ln>
+                <a:noFill/>
+              </a:ln>
+              <a:solidFill>
+                <a:srgbClr val="46B0FA"/>
+              </a:solidFill>
+              <a:effectLst/>
+              <a:uLnTx/>
+              <a:uFillTx/>
+              <a:latin typeface="Arial" panose="020B0604020202020204" pitchFamily="34" charset="0"/>
+              <a:ea typeface="+mn-ea"/>
+              <a:cs typeface="Arial" panose="020B0604020202020204" pitchFamily="34" charset="0"/>
+            </a:endParaRPr>
+          </a:p>
+        </p:txBody>
+      </p:sp>
+      <p:sp>
+        <p:nvSpPr>
+          <p:cNvPr id="2" name="TextBox 2">
+            <a:extLst>
+              <a:ext uri="{FF2B5EF4-FFF2-40B4-BE49-F238E27FC236}">
+                <a16:creationId xmlns:a16="http://schemas.microsoft.com/office/drawing/2014/main" id="{DF2AE4AB-FD20-6CA3-6C46-D14D540F5019}"/>
+              </a:ext>
+            </a:extLst>
+          </p:cNvPr>
+          <p:cNvSpPr txBox="1"/>
+          <p:nvPr/>
+        </p:nvSpPr>
+        <p:spPr>
+          <a:xfrm>
+            <a:off x="408823" y="1051640"/>
+            <a:ext cx="6093228" cy="369332"/>
+          </a:xfrm>
+          <a:prstGeom prst="rect">
+            <a:avLst/>
+          </a:prstGeom>
+          <a:noFill/>
+        </p:spPr>
+        <p:txBody>
+          <a:bodyPr wrap="square">
+            <a:spAutoFit/>
+          </a:bodyPr>
+          <a:lstStyle>
+            <a:defPPr>
+              <a:defRPr lang="en-US"/>
+            </a:defPPr>
+            <a:lvl1pPr marL="0" algn="l" defTabSz="914400" rtl="0" eaLnBrk="1" latinLnBrk="0" hangingPunct="1">
+              <a:defRPr sz="1800" kern="1200">
+                <a:solidFill>
+                  <a:schemeClr val="tx1"/>
+                </a:solidFill>
+                <a:latin typeface="+mn-lt"/>
+                <a:ea typeface="+mn-ea"/>
+                <a:cs typeface="+mn-cs"/>
+              </a:defRPr>
+            </a:lvl1pPr>
+            <a:lvl2pPr marL="457200" algn="l" defTabSz="914400" rtl="0" eaLnBrk="1" latinLnBrk="0" hangingPunct="1">
+              <a:defRPr sz="1800" kern="1200">
+                <a:solidFill>
+                  <a:schemeClr val="tx1"/>
+                </a:solidFill>
+                <a:latin typeface="+mn-lt"/>
+                <a:ea typeface="+mn-ea"/>
+                <a:cs typeface="+mn-cs"/>
+              </a:defRPr>
+            </a:lvl2pPr>
+            <a:lvl3pPr marL="914400" algn="l" defTabSz="914400" rtl="0" eaLnBrk="1" latinLnBrk="0" hangingPunct="1">
+              <a:defRPr sz="1800" kern="1200">
+                <a:solidFill>
+                  <a:schemeClr val="tx1"/>
+                </a:solidFill>
+                <a:latin typeface="+mn-lt"/>
+                <a:ea typeface="+mn-ea"/>
+                <a:cs typeface="+mn-cs"/>
+              </a:defRPr>
+            </a:lvl3pPr>
+            <a:lvl4pPr marL="1371600" algn="l" defTabSz="914400" rtl="0" eaLnBrk="1" latinLnBrk="0" hangingPunct="1">
+              <a:defRPr sz="1800" kern="1200">
+                <a:solidFill>
+                  <a:schemeClr val="tx1"/>
+                </a:solidFill>
+                <a:latin typeface="+mn-lt"/>
+                <a:ea typeface="+mn-ea"/>
+                <a:cs typeface="+mn-cs"/>
+              </a:defRPr>
+            </a:lvl4pPr>
+            <a:lvl5pPr marL="1828800" algn="l" defTabSz="914400" rtl="0" eaLnBrk="1" latinLnBrk="0" hangingPunct="1">
+              <a:defRPr sz="1800" kern="1200">
+                <a:solidFill>
+                  <a:schemeClr val="tx1"/>
+                </a:solidFill>
+                <a:latin typeface="+mn-lt"/>
+                <a:ea typeface="+mn-ea"/>
+                <a:cs typeface="+mn-cs"/>
+              </a:defRPr>
+            </a:lvl5pPr>
+            <a:lvl6pPr marL="2286000" algn="l" defTabSz="914400" rtl="0" eaLnBrk="1" latinLnBrk="0" hangingPunct="1">
+              <a:defRPr sz="1800" kern="1200">
+                <a:solidFill>
+                  <a:schemeClr val="tx1"/>
+                </a:solidFill>
+                <a:latin typeface="+mn-lt"/>
+                <a:ea typeface="+mn-ea"/>
+                <a:cs typeface="+mn-cs"/>
+              </a:defRPr>
+            </a:lvl6pPr>
+            <a:lvl7pPr marL="2743200" algn="l" defTabSz="914400" rtl="0" eaLnBrk="1" latinLnBrk="0" hangingPunct="1">
+              <a:defRPr sz="1800" kern="1200">
+                <a:solidFill>
+                  <a:schemeClr val="tx1"/>
+                </a:solidFill>
+                <a:latin typeface="+mn-lt"/>
+                <a:ea typeface="+mn-ea"/>
+                <a:cs typeface="+mn-cs"/>
+              </a:defRPr>
+            </a:lvl7pPr>
+            <a:lvl8pPr marL="3200400" algn="l" defTabSz="914400" rtl="0" eaLnBrk="1" latinLnBrk="0" hangingPunct="1">
+              <a:defRPr sz="1800" kern="1200">
+                <a:solidFill>
+                  <a:schemeClr val="tx1"/>
+                </a:solidFill>
+                <a:latin typeface="+mn-lt"/>
+                <a:ea typeface="+mn-ea"/>
+                <a:cs typeface="+mn-cs"/>
+              </a:defRPr>
+            </a:lvl8pPr>
+            <a:lvl9pPr marL="3657600" algn="l" defTabSz="914400" rtl="0" eaLnBrk="1" latinLnBrk="0" hangingPunct="1">
+              <a:defRPr sz="1800" kern="1200">
+                <a:solidFill>
+                  <a:schemeClr val="tx1"/>
+                </a:solidFill>
+                <a:latin typeface="+mn-lt"/>
+                <a:ea typeface="+mn-ea"/>
+                <a:cs typeface="+mn-cs"/>
+              </a:defRPr>
+            </a:lvl9pPr>
+          </a:lstStyle>
+          <a:p>
+            <a:r>
+              <a:rPr lang="en-US" sz="1800" dirty="0">
+                <a:solidFill>
+                  <a:schemeClr val="accent2"/>
+                </a:solidFill>
+                <a:latin typeface="Arial" panose="020B0604020202020204" pitchFamily="34" charset="0"/>
+                <a:cs typeface="Arial" panose="020B0604020202020204" pitchFamily="34" charset="0"/>
+              </a:rPr>
+              <a:t>Technical Diagram</a:t>
+            </a:r>
+            <a:r>
+              <a:rPr lang="en-US" dirty="0">
+                <a:solidFill>
+                  <a:schemeClr val="accent2"/>
+                </a:solidFill>
+                <a:latin typeface="Arial" panose="020B0604020202020204" pitchFamily="34" charset="0"/>
+                <a:cs typeface="Arial" panose="020B0604020202020204" pitchFamily="34" charset="0"/>
+              </a:rPr>
+              <a:t>:</a:t>
+            </a:r>
+          </a:p>
+        </p:txBody>
+      </p:sp>
+      <p:pic>
+        <p:nvPicPr>
+          <p:cNvPr id="6" name="Picture 5">
+            <a:extLst>
+              <a:ext uri="{FF2B5EF4-FFF2-40B4-BE49-F238E27FC236}">
+                <a16:creationId xmlns:a16="http://schemas.microsoft.com/office/drawing/2014/main" id="{2C9169CF-ECEA-9DF9-99BC-6DFEFAED2F54}"/>
+              </a:ext>
+            </a:extLst>
+          </p:cNvPr>
+          <p:cNvPicPr>
+            <a:picLocks noChangeAspect="1"/>
+          </p:cNvPicPr>
+          <p:nvPr/>
+        </p:nvPicPr>
+        <p:blipFill rotWithShape="1">
+          <a:blip r:embed="rId2"/>
+          <a:srcRect l="9286" t="13040" r="8552" b="7890"/>
+          <a:stretch/>
+        </p:blipFill>
+        <p:spPr>
+          <a:xfrm>
+            <a:off x="3833326" y="717684"/>
+            <a:ext cx="4525348" cy="5422632"/>
+          </a:xfrm>
+          <a:prstGeom prst="rect">
+            <a:avLst/>
+          </a:prstGeom>
+          <a:ln w="38100" cap="sq">
+            <a:solidFill>
+              <a:srgbClr val="000000"/>
+            </a:solidFill>
+            <a:prstDash val="solid"/>
+            <a:miter lim="800000"/>
+          </a:ln>
+          <a:effectLst>
+            <a:outerShdw blurRad="50800" dist="38100" dir="2700000" algn="tl" rotWithShape="0">
+              <a:srgbClr val="000000">
+                <a:alpha val="43000"/>
+              </a:srgbClr>
+            </a:outerShdw>
+          </a:effectLst>
+        </p:spPr>
+      </p:pic>
+      <p:sp>
+        <p:nvSpPr>
+          <p:cNvPr id="9" name="TextBox 8">
+            <a:extLst>
+              <a:ext uri="{FF2B5EF4-FFF2-40B4-BE49-F238E27FC236}">
+                <a16:creationId xmlns:a16="http://schemas.microsoft.com/office/drawing/2014/main" id="{A512F7D8-535C-9C66-78F0-417ACEE7CACB}"/>
+              </a:ext>
+            </a:extLst>
+          </p:cNvPr>
+          <p:cNvSpPr txBox="1"/>
+          <p:nvPr/>
+        </p:nvSpPr>
+        <p:spPr>
+          <a:xfrm>
+            <a:off x="5261069" y="6187220"/>
+            <a:ext cx="6097554" cy="369332"/>
+          </a:xfrm>
+          <a:prstGeom prst="rect">
+            <a:avLst/>
+          </a:prstGeom>
+          <a:noFill/>
+        </p:spPr>
+        <p:txBody>
+          <a:bodyPr wrap="square">
+            <a:spAutoFit/>
+          </a:bodyPr>
+          <a:lstStyle/>
+          <a:p>
+            <a:r>
+              <a:rPr lang="en-US" dirty="0">
+                <a:latin typeface="Arial" panose="020B0604020202020204" pitchFamily="34" charset="0"/>
+                <a:cs typeface="Arial" panose="020B0604020202020204" pitchFamily="34" charset="0"/>
+              </a:rPr>
+              <a:t>flowchart</a:t>
+            </a:r>
+            <a:endParaRPr lang="en-IN" dirty="0"/>
+          </a:p>
+        </p:txBody>
+      </p:sp>
+    </p:spTree>
+    <p:extLst>
+      <p:ext uri="{BB962C8B-B14F-4D97-AF65-F5344CB8AC3E}">
+        <p14:creationId xmlns:p14="http://schemas.microsoft.com/office/powerpoint/2010/main" val="562300036"/>
+      </p:ext>
+    </p:extLst>
+  </p:cSld>
+  <p:clrMapOvr>
+    <a:masterClrMapping/>
+  </p:clrMapOvr>
+</p:sld>
+</file>
+
+<file path=ppt/slides/slide19.xml><?xml version="1.0" encoding="utf-8"?>
+<p:sld xmlns:a="http://schemas.openxmlformats.org/drawingml/2006/main" xmlns:r="http://schemas.openxmlformats.org/officeDocument/2006/relationships" xmlns:p="http://schemas.openxmlformats.org/presentationml/2006/main">
+  <p:cSld>
+    <p:spTree>
+      <p:nvGrpSpPr>
+        <p:cNvPr id="1" name=""/>
+        <p:cNvGrpSpPr/>
+        <p:nvPr/>
+      </p:nvGrpSpPr>
+      <p:grpSpPr>
+        <a:xfrm>
+          <a:off x="0" y="0"/>
+          <a:ext cx="0" cy="0"/>
+          <a:chOff x="0" y="0"/>
+          <a:chExt cx="0" cy="0"/>
+        </a:xfrm>
+      </p:grpSpPr>
+      <p:sp>
+        <p:nvSpPr>
+          <p:cNvPr id="4" name="Rectangle 3">
+            <a:extLst>
+              <a:ext uri="{FF2B5EF4-FFF2-40B4-BE49-F238E27FC236}">
+                <a16:creationId xmlns:a16="http://schemas.microsoft.com/office/drawing/2014/main" id="{B7FBB1AB-6227-0A49-9677-D759BB97E908}"/>
+              </a:ext>
+            </a:extLst>
+          </p:cNvPr>
+          <p:cNvSpPr/>
+          <p:nvPr/>
+        </p:nvSpPr>
+        <p:spPr>
+          <a:xfrm>
+            <a:off x="10668000" y="150471"/>
+            <a:ext cx="1381246" cy="682906"/>
+          </a:xfrm>
+          <a:prstGeom prst="rect">
+            <a:avLst/>
+          </a:prstGeom>
+          <a:solidFill>
+            <a:schemeClr val="bg1"/>
+          </a:solidFill>
+          <a:ln>
+            <a:noFill/>
+          </a:ln>
+        </p:spPr>
+        <p:style>
+          <a:lnRef idx="2">
+            <a:schemeClr val="accent1">
+              <a:shade val="50000"/>
+            </a:schemeClr>
+          </a:lnRef>
+          <a:fillRef idx="1">
+            <a:schemeClr val="accent1"/>
+          </a:fillRef>
+          <a:effectRef idx="0">
+            <a:schemeClr val="accent1"/>
+          </a:effectRef>
+          <a:fontRef idx="minor">
+            <a:schemeClr val="lt1"/>
+          </a:fontRef>
+        </p:style>
+        <p:txBody>
+          <a:bodyPr rtlCol="0" anchor="ctr"/>
+          <a:lstStyle/>
+          <a:p>
+            <a:pPr algn="ctr"/>
+            <a:endParaRPr lang="en-US" dirty="0"/>
+          </a:p>
+        </p:txBody>
+      </p:sp>
+      <p:sp>
+        <p:nvSpPr>
+          <p:cNvPr id="8" name="TextBox 7">
+            <a:extLst>
+              <a:ext uri="{FF2B5EF4-FFF2-40B4-BE49-F238E27FC236}">
+                <a16:creationId xmlns:a16="http://schemas.microsoft.com/office/drawing/2014/main" id="{E53AB2D1-CD11-A45F-AF51-F606A7DA1C30}"/>
+              </a:ext>
+            </a:extLst>
+          </p:cNvPr>
+          <p:cNvSpPr txBox="1"/>
+          <p:nvPr/>
+        </p:nvSpPr>
+        <p:spPr>
+          <a:xfrm>
+            <a:off x="314908" y="287452"/>
+            <a:ext cx="6097554" cy="584775"/>
+          </a:xfrm>
+          <a:prstGeom prst="rect">
+            <a:avLst/>
+          </a:prstGeom>
+          <a:noFill/>
+        </p:spPr>
+        <p:txBody>
+          <a:bodyPr wrap="square">
+            <a:spAutoFit/>
+          </a:bodyPr>
+          <a:lstStyle/>
+          <a:p>
+            <a:pPr marL="0" marR="0" lvl="0" indent="0" algn="l" defTabSz="914400" rtl="0" eaLnBrk="1" fontAlgn="auto" latinLnBrk="0" hangingPunct="1">
+              <a:lnSpc>
+                <a:spcPct val="100000"/>
+              </a:lnSpc>
+              <a:spcBef>
+                <a:spcPts val="0"/>
+              </a:spcBef>
+              <a:spcAft>
+                <a:spcPts val="0"/>
+              </a:spcAft>
+              <a:buClrTx/>
+              <a:buSzTx/>
+              <a:buFontTx/>
+              <a:buNone/>
+              <a:tabLst/>
+              <a:defRPr/>
+            </a:pPr>
+            <a:r>
+              <a:rPr kumimoji="0" lang="en-US" sz="3200" b="1" i="0" u="none" strike="noStrike" kern="1200" cap="none" spc="0" normalizeH="0" baseline="0" noProof="0" dirty="0">
+                <a:ln>
+                  <a:noFill/>
+                </a:ln>
+                <a:solidFill>
+                  <a:srgbClr val="46B0FA"/>
+                </a:solidFill>
+                <a:effectLst/>
+                <a:uLnTx/>
+                <a:uFillTx/>
+                <a:latin typeface="Arial" panose="020B0604020202020204" pitchFamily="34" charset="0"/>
+                <a:ea typeface="+mn-ea"/>
+                <a:cs typeface="Arial" panose="020B0604020202020204" pitchFamily="34" charset="0"/>
+              </a:rPr>
+              <a:t>Working Model</a:t>
+            </a:r>
+            <a:endParaRPr kumimoji="0" lang="en-IN" sz="3200" b="1" i="0" u="none" strike="noStrike" kern="1200" cap="none" spc="0" normalizeH="0" baseline="0" noProof="0" dirty="0">
+              <a:ln>
+                <a:noFill/>
+              </a:ln>
+              <a:solidFill>
+                <a:srgbClr val="46B0FA"/>
+              </a:solidFill>
+              <a:effectLst/>
+              <a:uLnTx/>
+              <a:uFillTx/>
+              <a:latin typeface="Arial" panose="020B0604020202020204" pitchFamily="34" charset="0"/>
+              <a:ea typeface="+mn-ea"/>
+              <a:cs typeface="Arial" panose="020B0604020202020204" pitchFamily="34" charset="0"/>
+            </a:endParaRPr>
+          </a:p>
+        </p:txBody>
+      </p:sp>
+      <p:sp>
+        <p:nvSpPr>
+          <p:cNvPr id="3" name="TextBox 2">
+            <a:extLst>
+              <a:ext uri="{FF2B5EF4-FFF2-40B4-BE49-F238E27FC236}">
+                <a16:creationId xmlns:a16="http://schemas.microsoft.com/office/drawing/2014/main" id="{DF2AE4AB-FD20-6CA3-6C46-D14D540F5019}"/>
+              </a:ext>
+            </a:extLst>
+          </p:cNvPr>
+          <p:cNvSpPr txBox="1"/>
+          <p:nvPr/>
+        </p:nvSpPr>
+        <p:spPr>
+          <a:xfrm>
+            <a:off x="492798" y="1172938"/>
+            <a:ext cx="6093228" cy="369332"/>
+          </a:xfrm>
+          <a:prstGeom prst="rect">
+            <a:avLst/>
+          </a:prstGeom>
+          <a:noFill/>
+        </p:spPr>
+        <p:txBody>
+          <a:bodyPr wrap="square">
+            <a:spAutoFit/>
+          </a:bodyPr>
+          <a:lstStyle>
+            <a:defPPr>
+              <a:defRPr lang="en-US"/>
+            </a:defPPr>
+            <a:lvl1pPr marL="0" algn="l" defTabSz="914400" rtl="0" eaLnBrk="1" latinLnBrk="0" hangingPunct="1">
+              <a:defRPr sz="1800" kern="1200">
+                <a:solidFill>
+                  <a:schemeClr val="tx1"/>
+                </a:solidFill>
+                <a:latin typeface="+mn-lt"/>
+                <a:ea typeface="+mn-ea"/>
+                <a:cs typeface="+mn-cs"/>
+              </a:defRPr>
+            </a:lvl1pPr>
+            <a:lvl2pPr marL="457200" algn="l" defTabSz="914400" rtl="0" eaLnBrk="1" latinLnBrk="0" hangingPunct="1">
+              <a:defRPr sz="1800" kern="1200">
+                <a:solidFill>
+                  <a:schemeClr val="tx1"/>
+                </a:solidFill>
+                <a:latin typeface="+mn-lt"/>
+                <a:ea typeface="+mn-ea"/>
+                <a:cs typeface="+mn-cs"/>
+              </a:defRPr>
+            </a:lvl2pPr>
+            <a:lvl3pPr marL="914400" algn="l" defTabSz="914400" rtl="0" eaLnBrk="1" latinLnBrk="0" hangingPunct="1">
+              <a:defRPr sz="1800" kern="1200">
+                <a:solidFill>
+                  <a:schemeClr val="tx1"/>
+                </a:solidFill>
+                <a:latin typeface="+mn-lt"/>
+                <a:ea typeface="+mn-ea"/>
+                <a:cs typeface="+mn-cs"/>
+              </a:defRPr>
+            </a:lvl3pPr>
+            <a:lvl4pPr marL="1371600" algn="l" defTabSz="914400" rtl="0" eaLnBrk="1" latinLnBrk="0" hangingPunct="1">
+              <a:defRPr sz="1800" kern="1200">
+                <a:solidFill>
+                  <a:schemeClr val="tx1"/>
+                </a:solidFill>
+                <a:latin typeface="+mn-lt"/>
+                <a:ea typeface="+mn-ea"/>
+                <a:cs typeface="+mn-cs"/>
+              </a:defRPr>
+            </a:lvl4pPr>
+            <a:lvl5pPr marL="1828800" algn="l" defTabSz="914400" rtl="0" eaLnBrk="1" latinLnBrk="0" hangingPunct="1">
+              <a:defRPr sz="1800" kern="1200">
+                <a:solidFill>
+                  <a:schemeClr val="tx1"/>
+                </a:solidFill>
+                <a:latin typeface="+mn-lt"/>
+                <a:ea typeface="+mn-ea"/>
+                <a:cs typeface="+mn-cs"/>
+              </a:defRPr>
+            </a:lvl5pPr>
+            <a:lvl6pPr marL="2286000" algn="l" defTabSz="914400" rtl="0" eaLnBrk="1" latinLnBrk="0" hangingPunct="1">
+              <a:defRPr sz="1800" kern="1200">
+                <a:solidFill>
+                  <a:schemeClr val="tx1"/>
+                </a:solidFill>
+                <a:latin typeface="+mn-lt"/>
+                <a:ea typeface="+mn-ea"/>
+                <a:cs typeface="+mn-cs"/>
+              </a:defRPr>
+            </a:lvl6pPr>
+            <a:lvl7pPr marL="2743200" algn="l" defTabSz="914400" rtl="0" eaLnBrk="1" latinLnBrk="0" hangingPunct="1">
+              <a:defRPr sz="1800" kern="1200">
+                <a:solidFill>
+                  <a:schemeClr val="tx1"/>
+                </a:solidFill>
+                <a:latin typeface="+mn-lt"/>
+                <a:ea typeface="+mn-ea"/>
+                <a:cs typeface="+mn-cs"/>
+              </a:defRPr>
+            </a:lvl7pPr>
+            <a:lvl8pPr marL="3200400" algn="l" defTabSz="914400" rtl="0" eaLnBrk="1" latinLnBrk="0" hangingPunct="1">
+              <a:defRPr sz="1800" kern="1200">
+                <a:solidFill>
+                  <a:schemeClr val="tx1"/>
+                </a:solidFill>
+                <a:latin typeface="+mn-lt"/>
+                <a:ea typeface="+mn-ea"/>
+                <a:cs typeface="+mn-cs"/>
+              </a:defRPr>
+            </a:lvl8pPr>
+            <a:lvl9pPr marL="3657600" algn="l" defTabSz="914400" rtl="0" eaLnBrk="1" latinLnBrk="0" hangingPunct="1">
+              <a:defRPr sz="1800" kern="1200">
+                <a:solidFill>
+                  <a:schemeClr val="tx1"/>
+                </a:solidFill>
+                <a:latin typeface="+mn-lt"/>
+                <a:ea typeface="+mn-ea"/>
+                <a:cs typeface="+mn-cs"/>
+              </a:defRPr>
+            </a:lvl9pPr>
+          </a:lstStyle>
+          <a:p>
+            <a:r>
+              <a:rPr lang="en-US" sz="1800" dirty="0">
+                <a:latin typeface="Arial" panose="020B0604020202020204" pitchFamily="34" charset="0"/>
+                <a:cs typeface="Arial" panose="020B0604020202020204" pitchFamily="34" charset="0"/>
+              </a:rPr>
+              <a:t>Working Module:</a:t>
+            </a:r>
+          </a:p>
+        </p:txBody>
+      </p:sp>
+      <p:pic>
+        <p:nvPicPr>
+          <p:cNvPr id="5" name="Picture 4">
+            <a:extLst>
+              <a:ext uri="{FF2B5EF4-FFF2-40B4-BE49-F238E27FC236}">
+                <a16:creationId xmlns:a16="http://schemas.microsoft.com/office/drawing/2014/main" id="{0FDD1B6F-45C6-5F8D-F0CD-7A804CD3A441}"/>
+              </a:ext>
+            </a:extLst>
+          </p:cNvPr>
+          <p:cNvPicPr>
+            <a:picLocks noChangeAspect="1"/>
+          </p:cNvPicPr>
+          <p:nvPr/>
+        </p:nvPicPr>
+        <p:blipFill rotWithShape="1">
+          <a:blip r:embed="rId2"/>
+          <a:srcRect l="5848" t="6156" r="6825" b="7891"/>
+          <a:stretch/>
+        </p:blipFill>
+        <p:spPr>
+          <a:xfrm>
+            <a:off x="2965475" y="833377"/>
+            <a:ext cx="6074439" cy="5602274"/>
           </a:xfrm>
           <a:prstGeom prst="rect">
             <a:avLst/>
@@ -3684,7 +4306,7 @@
     </p:spTree>
     <p:extLst>
       <p:ext uri="{BB962C8B-B14F-4D97-AF65-F5344CB8AC3E}">
-        <p14:creationId xmlns:p14="http://schemas.microsoft.com/office/powerpoint/2010/main" val="3579348268"/>
+        <p14:creationId xmlns:p14="http://schemas.microsoft.com/office/powerpoint/2010/main" val="2534643527"/>
       </p:ext>
     </p:extLst>
   </p:cSld>
@@ -3774,7 +4396,7 @@
         <p:spPr>
           <a:xfrm>
             <a:off x="1071154" y="1247350"/>
-            <a:ext cx="4650377" cy="3139321"/>
+            <a:ext cx="4650377" cy="4985980"/>
           </a:xfrm>
           <a:prstGeom prst="rect">
             <a:avLst/>
@@ -3888,6 +4510,75 @@
                 <a:latin typeface="Arial" panose="020B0604020202020204" pitchFamily="34" charset="0"/>
                 <a:cs typeface="Arial" panose="020B0604020202020204" pitchFamily="34" charset="0"/>
               </a:rPr>
+              <a:t>Working Model</a:t>
+            </a:r>
+          </a:p>
+          <a:p>
+            <a:pPr marL="342900" indent="-342900">
+              <a:buFont typeface="Wingdings" panose="05000000000000000000" pitchFamily="2" charset="2"/>
+              <a:buChar char="§"/>
+            </a:pPr>
+            <a:endParaRPr lang="en-US" sz="2000" dirty="0">
+              <a:latin typeface="Arial" panose="020B0604020202020204" pitchFamily="34" charset="0"/>
+              <a:cs typeface="Arial" panose="020B0604020202020204" pitchFamily="34" charset="0"/>
+            </a:endParaRPr>
+          </a:p>
+          <a:p>
+            <a:pPr marL="342900" indent="-342900">
+              <a:buFont typeface="Wingdings" panose="05000000000000000000" pitchFamily="2" charset="2"/>
+              <a:buChar char="§"/>
+            </a:pPr>
+            <a:r>
+              <a:rPr lang="en-US" sz="2000" dirty="0">
+                <a:latin typeface="Arial" panose="020B0604020202020204" pitchFamily="34" charset="0"/>
+                <a:cs typeface="Arial" panose="020B0604020202020204" pitchFamily="34" charset="0"/>
+              </a:rPr>
+              <a:t>Results</a:t>
+            </a:r>
+          </a:p>
+          <a:p>
+            <a:pPr marL="342900" indent="-342900">
+              <a:buFont typeface="Wingdings" panose="05000000000000000000" pitchFamily="2" charset="2"/>
+              <a:buChar char="§"/>
+            </a:pPr>
+            <a:endParaRPr lang="en-US" sz="2000" dirty="0">
+              <a:latin typeface="Arial" panose="020B0604020202020204" pitchFamily="34" charset="0"/>
+              <a:cs typeface="Arial" panose="020B0604020202020204" pitchFamily="34" charset="0"/>
+            </a:endParaRPr>
+          </a:p>
+          <a:p>
+            <a:pPr marL="342900" indent="-342900">
+              <a:buFont typeface="Wingdings" panose="05000000000000000000" pitchFamily="2" charset="2"/>
+              <a:buChar char="§"/>
+            </a:pPr>
+            <a:r>
+              <a:rPr lang="en-US" sz="2000" dirty="0">
+                <a:latin typeface="Arial" panose="020B0604020202020204" pitchFamily="34" charset="0"/>
+                <a:cs typeface="Arial" panose="020B0604020202020204" pitchFamily="34" charset="0"/>
+              </a:rPr>
+              <a:t>Conclusions</a:t>
+            </a:r>
+          </a:p>
+          <a:p>
+            <a:pPr marL="342900" indent="-342900">
+              <a:buFont typeface="Wingdings" panose="05000000000000000000" pitchFamily="2" charset="2"/>
+              <a:buChar char="§"/>
+            </a:pPr>
+            <a:endParaRPr lang="en-US" sz="2000" dirty="0">
+              <a:latin typeface="Arial" panose="020B0604020202020204" pitchFamily="34" charset="0"/>
+              <a:cs typeface="Arial" panose="020B0604020202020204" pitchFamily="34" charset="0"/>
+            </a:endParaRPr>
+          </a:p>
+          <a:p>
+            <a:pPr marL="342900" indent="-342900">
+              <a:buFont typeface="Wingdings" panose="05000000000000000000" pitchFamily="2" charset="2"/>
+              <a:buChar char="§"/>
+            </a:pPr>
+            <a:r>
+              <a:rPr lang="en-US" sz="2000" dirty="0">
+                <a:latin typeface="Arial" panose="020B0604020202020204" pitchFamily="34" charset="0"/>
+                <a:cs typeface="Arial" panose="020B0604020202020204" pitchFamily="34" charset="0"/>
+              </a:rPr>
               <a:t>References </a:t>
             </a:r>
           </a:p>
@@ -3907,6 +4598,1270 @@
     <p:extLst>
       <p:ext uri="{BB962C8B-B14F-4D97-AF65-F5344CB8AC3E}">
         <p14:creationId xmlns:p14="http://schemas.microsoft.com/office/powerpoint/2010/main" val="3879729395"/>
+      </p:ext>
+    </p:extLst>
+  </p:cSld>
+  <p:clrMapOvr>
+    <a:masterClrMapping/>
+  </p:clrMapOvr>
+</p:sld>
+</file>
+
+<file path=ppt/slides/slide20.xml><?xml version="1.0" encoding="utf-8"?>
+<p:sld xmlns:a="http://schemas.openxmlformats.org/drawingml/2006/main" xmlns:r="http://schemas.openxmlformats.org/officeDocument/2006/relationships" xmlns:p="http://schemas.openxmlformats.org/presentationml/2006/main">
+  <p:cSld>
+    <p:spTree>
+      <p:nvGrpSpPr>
+        <p:cNvPr id="1" name=""/>
+        <p:cNvGrpSpPr/>
+        <p:nvPr/>
+      </p:nvGrpSpPr>
+      <p:grpSpPr>
+        <a:xfrm>
+          <a:off x="0" y="0"/>
+          <a:ext cx="0" cy="0"/>
+          <a:chOff x="0" y="0"/>
+          <a:chExt cx="0" cy="0"/>
+        </a:xfrm>
+      </p:grpSpPr>
+      <p:sp>
+        <p:nvSpPr>
+          <p:cNvPr id="4" name="Rectangle 3">
+            <a:extLst>
+              <a:ext uri="{FF2B5EF4-FFF2-40B4-BE49-F238E27FC236}">
+                <a16:creationId xmlns:a16="http://schemas.microsoft.com/office/drawing/2014/main" id="{B7FBB1AB-6227-0A49-9677-D759BB97E908}"/>
+              </a:ext>
+            </a:extLst>
+          </p:cNvPr>
+          <p:cNvSpPr/>
+          <p:nvPr/>
+        </p:nvSpPr>
+        <p:spPr>
+          <a:xfrm>
+            <a:off x="10668000" y="150471"/>
+            <a:ext cx="1381246" cy="682906"/>
+          </a:xfrm>
+          <a:prstGeom prst="rect">
+            <a:avLst/>
+          </a:prstGeom>
+          <a:solidFill>
+            <a:schemeClr val="bg1"/>
+          </a:solidFill>
+          <a:ln>
+            <a:noFill/>
+          </a:ln>
+        </p:spPr>
+        <p:style>
+          <a:lnRef idx="2">
+            <a:schemeClr val="accent1">
+              <a:shade val="50000"/>
+            </a:schemeClr>
+          </a:lnRef>
+          <a:fillRef idx="1">
+            <a:schemeClr val="accent1"/>
+          </a:fillRef>
+          <a:effectRef idx="0">
+            <a:schemeClr val="accent1"/>
+          </a:effectRef>
+          <a:fontRef idx="minor">
+            <a:schemeClr val="lt1"/>
+          </a:fontRef>
+        </p:style>
+        <p:txBody>
+          <a:bodyPr rtlCol="0" anchor="ctr"/>
+          <a:lstStyle/>
+          <a:p>
+            <a:pPr algn="ctr"/>
+            <a:endParaRPr lang="en-US" dirty="0"/>
+          </a:p>
+        </p:txBody>
+      </p:sp>
+      <p:sp>
+        <p:nvSpPr>
+          <p:cNvPr id="8" name="TextBox 7">
+            <a:extLst>
+              <a:ext uri="{FF2B5EF4-FFF2-40B4-BE49-F238E27FC236}">
+                <a16:creationId xmlns:a16="http://schemas.microsoft.com/office/drawing/2014/main" id="{E53AB2D1-CD11-A45F-AF51-F606A7DA1C30}"/>
+              </a:ext>
+            </a:extLst>
+          </p:cNvPr>
+          <p:cNvSpPr txBox="1"/>
+          <p:nvPr/>
+        </p:nvSpPr>
+        <p:spPr>
+          <a:xfrm>
+            <a:off x="314908" y="287452"/>
+            <a:ext cx="6097554" cy="584775"/>
+          </a:xfrm>
+          <a:prstGeom prst="rect">
+            <a:avLst/>
+          </a:prstGeom>
+          <a:noFill/>
+        </p:spPr>
+        <p:txBody>
+          <a:bodyPr wrap="square">
+            <a:spAutoFit/>
+          </a:bodyPr>
+          <a:lstStyle/>
+          <a:p>
+            <a:pPr marL="0" marR="0" lvl="0" indent="0" algn="l" defTabSz="914400" rtl="0" eaLnBrk="1" fontAlgn="auto" latinLnBrk="0" hangingPunct="1">
+              <a:lnSpc>
+                <a:spcPct val="100000"/>
+              </a:lnSpc>
+              <a:spcBef>
+                <a:spcPts val="0"/>
+              </a:spcBef>
+              <a:spcAft>
+                <a:spcPts val="0"/>
+              </a:spcAft>
+              <a:buClrTx/>
+              <a:buSzTx/>
+              <a:buFontTx/>
+              <a:buNone/>
+              <a:tabLst/>
+              <a:defRPr/>
+            </a:pPr>
+            <a:r>
+              <a:rPr lang="en-US" sz="3200" b="1" dirty="0">
+                <a:solidFill>
+                  <a:srgbClr val="46B0FA"/>
+                </a:solidFill>
+                <a:latin typeface="Arial" panose="020B0604020202020204" pitchFamily="34" charset="0"/>
+                <a:cs typeface="Arial" panose="020B0604020202020204" pitchFamily="34" charset="0"/>
+              </a:rPr>
+              <a:t>Results</a:t>
+            </a:r>
+            <a:endParaRPr kumimoji="0" lang="en-IN" sz="3200" b="1" i="0" u="none" strike="noStrike" kern="1200" cap="none" spc="0" normalizeH="0" baseline="0" noProof="0" dirty="0">
+              <a:ln>
+                <a:noFill/>
+              </a:ln>
+              <a:solidFill>
+                <a:srgbClr val="46B0FA"/>
+              </a:solidFill>
+              <a:effectLst/>
+              <a:uLnTx/>
+              <a:uFillTx/>
+              <a:latin typeface="Arial" panose="020B0604020202020204" pitchFamily="34" charset="0"/>
+              <a:ea typeface="+mn-ea"/>
+              <a:cs typeface="Arial" panose="020B0604020202020204" pitchFamily="34" charset="0"/>
+            </a:endParaRPr>
+          </a:p>
+        </p:txBody>
+      </p:sp>
+      <p:sp>
+        <p:nvSpPr>
+          <p:cNvPr id="3" name="TextBox 2">
+            <a:extLst>
+              <a:ext uri="{FF2B5EF4-FFF2-40B4-BE49-F238E27FC236}">
+                <a16:creationId xmlns:a16="http://schemas.microsoft.com/office/drawing/2014/main" id="{25C3F4E3-F5DC-AAD3-10F9-1A74D2796A47}"/>
+              </a:ext>
+            </a:extLst>
+          </p:cNvPr>
+          <p:cNvSpPr txBox="1"/>
+          <p:nvPr/>
+        </p:nvSpPr>
+        <p:spPr>
+          <a:xfrm>
+            <a:off x="482860" y="986326"/>
+            <a:ext cx="6097554" cy="369332"/>
+          </a:xfrm>
+          <a:prstGeom prst="rect">
+            <a:avLst/>
+          </a:prstGeom>
+          <a:noFill/>
+        </p:spPr>
+        <p:txBody>
+          <a:bodyPr wrap="square">
+            <a:spAutoFit/>
+          </a:bodyPr>
+          <a:lstStyle/>
+          <a:p>
+            <a:r>
+              <a:rPr lang="en-US" sz="1800" dirty="0">
+                <a:latin typeface="Arial" panose="020B0604020202020204" pitchFamily="34" charset="0"/>
+                <a:cs typeface="Arial" panose="020B0604020202020204" pitchFamily="34" charset="0"/>
+              </a:rPr>
+              <a:t>code:</a:t>
+            </a:r>
+          </a:p>
+        </p:txBody>
+      </p:sp>
+    </p:spTree>
+    <p:extLst>
+      <p:ext uri="{BB962C8B-B14F-4D97-AF65-F5344CB8AC3E}">
+        <p14:creationId xmlns:p14="http://schemas.microsoft.com/office/powerpoint/2010/main" val="853648532"/>
+      </p:ext>
+    </p:extLst>
+  </p:cSld>
+  <p:clrMapOvr>
+    <a:masterClrMapping/>
+  </p:clrMapOvr>
+</p:sld>
+</file>
+
+<file path=ppt/slides/slide21.xml><?xml version="1.0" encoding="utf-8"?>
+<p:sld xmlns:a="http://schemas.openxmlformats.org/drawingml/2006/main" xmlns:r="http://schemas.openxmlformats.org/officeDocument/2006/relationships" xmlns:p="http://schemas.openxmlformats.org/presentationml/2006/main">
+  <p:cSld>
+    <p:spTree>
+      <p:nvGrpSpPr>
+        <p:cNvPr id="1" name=""/>
+        <p:cNvGrpSpPr/>
+        <p:nvPr/>
+      </p:nvGrpSpPr>
+      <p:grpSpPr>
+        <a:xfrm>
+          <a:off x="0" y="0"/>
+          <a:ext cx="0" cy="0"/>
+          <a:chOff x="0" y="0"/>
+          <a:chExt cx="0" cy="0"/>
+        </a:xfrm>
+      </p:grpSpPr>
+      <p:sp>
+        <p:nvSpPr>
+          <p:cNvPr id="4" name="Rectangle 3">
+            <a:extLst>
+              <a:ext uri="{FF2B5EF4-FFF2-40B4-BE49-F238E27FC236}">
+                <a16:creationId xmlns:a16="http://schemas.microsoft.com/office/drawing/2014/main" id="{B7FBB1AB-6227-0A49-9677-D759BB97E908}"/>
+              </a:ext>
+            </a:extLst>
+          </p:cNvPr>
+          <p:cNvSpPr/>
+          <p:nvPr/>
+        </p:nvSpPr>
+        <p:spPr>
+          <a:xfrm>
+            <a:off x="10668000" y="150471"/>
+            <a:ext cx="1381246" cy="682906"/>
+          </a:xfrm>
+          <a:prstGeom prst="rect">
+            <a:avLst/>
+          </a:prstGeom>
+          <a:solidFill>
+            <a:schemeClr val="bg1"/>
+          </a:solidFill>
+          <a:ln>
+            <a:noFill/>
+          </a:ln>
+        </p:spPr>
+        <p:style>
+          <a:lnRef idx="2">
+            <a:schemeClr val="accent1">
+              <a:shade val="50000"/>
+            </a:schemeClr>
+          </a:lnRef>
+          <a:fillRef idx="1">
+            <a:schemeClr val="accent1"/>
+          </a:fillRef>
+          <a:effectRef idx="0">
+            <a:schemeClr val="accent1"/>
+          </a:effectRef>
+          <a:fontRef idx="minor">
+            <a:schemeClr val="lt1"/>
+          </a:fontRef>
+        </p:style>
+        <p:txBody>
+          <a:bodyPr rtlCol="0" anchor="ctr"/>
+          <a:lstStyle/>
+          <a:p>
+            <a:pPr algn="ctr"/>
+            <a:endParaRPr lang="en-US" dirty="0"/>
+          </a:p>
+        </p:txBody>
+      </p:sp>
+      <p:sp>
+        <p:nvSpPr>
+          <p:cNvPr id="8" name="TextBox 7">
+            <a:extLst>
+              <a:ext uri="{FF2B5EF4-FFF2-40B4-BE49-F238E27FC236}">
+                <a16:creationId xmlns:a16="http://schemas.microsoft.com/office/drawing/2014/main" id="{E53AB2D1-CD11-A45F-AF51-F606A7DA1C30}"/>
+              </a:ext>
+            </a:extLst>
+          </p:cNvPr>
+          <p:cNvSpPr txBox="1"/>
+          <p:nvPr/>
+        </p:nvSpPr>
+        <p:spPr>
+          <a:xfrm>
+            <a:off x="314908" y="287452"/>
+            <a:ext cx="6097554" cy="584775"/>
+          </a:xfrm>
+          <a:prstGeom prst="rect">
+            <a:avLst/>
+          </a:prstGeom>
+          <a:noFill/>
+        </p:spPr>
+        <p:txBody>
+          <a:bodyPr wrap="square">
+            <a:spAutoFit/>
+          </a:bodyPr>
+          <a:lstStyle/>
+          <a:p>
+            <a:pPr marL="0" marR="0" lvl="0" indent="0" algn="l" defTabSz="914400" rtl="0" eaLnBrk="1" fontAlgn="auto" latinLnBrk="0" hangingPunct="1">
+              <a:lnSpc>
+                <a:spcPct val="100000"/>
+              </a:lnSpc>
+              <a:spcBef>
+                <a:spcPts val="0"/>
+              </a:spcBef>
+              <a:spcAft>
+                <a:spcPts val="0"/>
+              </a:spcAft>
+              <a:buClrTx/>
+              <a:buSzTx/>
+              <a:buFontTx/>
+              <a:buNone/>
+              <a:tabLst/>
+              <a:defRPr/>
+            </a:pPr>
+            <a:r>
+              <a:rPr lang="en-IN" sz="3200" b="1" dirty="0">
+                <a:solidFill>
+                  <a:srgbClr val="46B0FA"/>
+                </a:solidFill>
+                <a:latin typeface="Arial" panose="020B0604020202020204" pitchFamily="34" charset="0"/>
+                <a:cs typeface="Arial" panose="020B0604020202020204" pitchFamily="34" charset="0"/>
+              </a:rPr>
+              <a:t>Conclusion</a:t>
+            </a:r>
+            <a:endParaRPr kumimoji="0" lang="en-IN" sz="3200" b="1" i="0" u="none" strike="noStrike" kern="1200" cap="none" spc="0" normalizeH="0" baseline="0" noProof="0" dirty="0">
+              <a:ln>
+                <a:noFill/>
+              </a:ln>
+              <a:solidFill>
+                <a:srgbClr val="46B0FA"/>
+              </a:solidFill>
+              <a:effectLst/>
+              <a:uLnTx/>
+              <a:uFillTx/>
+              <a:latin typeface="Arial" panose="020B0604020202020204" pitchFamily="34" charset="0"/>
+              <a:ea typeface="+mn-ea"/>
+              <a:cs typeface="Arial" panose="020B0604020202020204" pitchFamily="34" charset="0"/>
+            </a:endParaRPr>
+          </a:p>
+        </p:txBody>
+      </p:sp>
+      <p:graphicFrame>
+        <p:nvGraphicFramePr>
+          <p:cNvPr id="2" name="Table 1">
+            <a:extLst>
+              <a:ext uri="{FF2B5EF4-FFF2-40B4-BE49-F238E27FC236}">
+                <a16:creationId xmlns:a16="http://schemas.microsoft.com/office/drawing/2014/main" id="{377583EF-D87D-5FB2-5479-8086FC45F4F8}"/>
+              </a:ext>
+            </a:extLst>
+          </p:cNvPr>
+          <p:cNvGraphicFramePr>
+            <a:graphicFrameLocks noGrp="1"/>
+          </p:cNvGraphicFramePr>
+          <p:nvPr>
+            <p:extLst>
+              <p:ext uri="{D42A27DB-BD31-4B8C-83A1-F6EECF244321}">
+                <p14:modId xmlns:p14="http://schemas.microsoft.com/office/powerpoint/2010/main" val="2562512491"/>
+              </p:ext>
+            </p:extLst>
+          </p:nvPr>
+        </p:nvGraphicFramePr>
+        <p:xfrm>
+          <a:off x="756972" y="1466245"/>
+          <a:ext cx="10601651" cy="3497641"/>
+        </p:xfrm>
+        <a:graphic>
+          <a:graphicData uri="http://schemas.openxmlformats.org/drawingml/2006/table">
+            <a:tbl>
+              <a:tblPr firstRow="1" bandRow="1">
+                <a:tableStyleId>{D7AC3CCA-C797-4891-BE02-D94E43425B78}</a:tableStyleId>
+              </a:tblPr>
+              <a:tblGrid>
+                <a:gridCol w="2567993">
+                  <a:extLst>
+                    <a:ext uri="{9D8B030D-6E8A-4147-A177-3AD203B41FA5}">
+                      <a16:colId xmlns:a16="http://schemas.microsoft.com/office/drawing/2014/main" val="3707188200"/>
+                    </a:ext>
+                  </a:extLst>
+                </a:gridCol>
+                <a:gridCol w="2211355">
+                  <a:extLst>
+                    <a:ext uri="{9D8B030D-6E8A-4147-A177-3AD203B41FA5}">
+                      <a16:colId xmlns:a16="http://schemas.microsoft.com/office/drawing/2014/main" val="1915838118"/>
+                    </a:ext>
+                  </a:extLst>
+                </a:gridCol>
+                <a:gridCol w="2621903">
+                  <a:extLst>
+                    <a:ext uri="{9D8B030D-6E8A-4147-A177-3AD203B41FA5}">
+                      <a16:colId xmlns:a16="http://schemas.microsoft.com/office/drawing/2014/main" val="968135314"/>
+                    </a:ext>
+                  </a:extLst>
+                </a:gridCol>
+                <a:gridCol w="3200400">
+                  <a:extLst>
+                    <a:ext uri="{9D8B030D-6E8A-4147-A177-3AD203B41FA5}">
+                      <a16:colId xmlns:a16="http://schemas.microsoft.com/office/drawing/2014/main" val="1472564843"/>
+                    </a:ext>
+                  </a:extLst>
+                </a:gridCol>
+              </a:tblGrid>
+              <a:tr h="446530">
+                <a:tc>
+                  <a:txBody>
+                    <a:bodyPr/>
+                    <a:lstStyle/>
+                    <a:p>
+                      <a:r>
+                        <a:rPr lang="en-IN" dirty="0"/>
+                        <a:t>Model</a:t>
+                      </a:r>
+                    </a:p>
+                  </a:txBody>
+                  <a:tcPr/>
+                </a:tc>
+                <a:tc>
+                  <a:txBody>
+                    <a:bodyPr/>
+                    <a:lstStyle/>
+                    <a:p>
+                      <a:endParaRPr lang="en-IN"/>
+                    </a:p>
+                  </a:txBody>
+                  <a:tcPr/>
+                </a:tc>
+                <a:tc>
+                  <a:txBody>
+                    <a:bodyPr/>
+                    <a:lstStyle/>
+                    <a:p>
+                      <a:endParaRPr lang="en-IN"/>
+                    </a:p>
+                  </a:txBody>
+                  <a:tcPr/>
+                </a:tc>
+                <a:tc>
+                  <a:txBody>
+                    <a:bodyPr/>
+                    <a:lstStyle/>
+                    <a:p>
+                      <a:endParaRPr lang="en-IN"/>
+                    </a:p>
+                  </a:txBody>
+                  <a:tcPr/>
+                </a:tc>
+                <a:extLst>
+                  <a:ext uri="{0D108BD9-81ED-4DB2-BD59-A6C34878D82A}">
+                    <a16:rowId xmlns:a16="http://schemas.microsoft.com/office/drawing/2014/main" val="1765957556"/>
+                  </a:ext>
+                </a:extLst>
+              </a:tr>
+              <a:tr h="1002663">
+                <a:tc>
+                  <a:txBody>
+                    <a:bodyPr/>
+                    <a:lstStyle/>
+                    <a:p>
+                      <a:r>
+                        <a:rPr lang="en-IN" dirty="0"/>
+                        <a:t>LSTM</a:t>
+                      </a:r>
+                    </a:p>
+                  </a:txBody>
+                  <a:tcPr/>
+                </a:tc>
+                <a:tc>
+                  <a:txBody>
+                    <a:bodyPr/>
+                    <a:lstStyle/>
+                    <a:p>
+                      <a:endParaRPr lang="en-IN"/>
+                    </a:p>
+                  </a:txBody>
+                  <a:tcPr/>
+                </a:tc>
+                <a:tc>
+                  <a:txBody>
+                    <a:bodyPr/>
+                    <a:lstStyle/>
+                    <a:p>
+                      <a:endParaRPr lang="en-IN"/>
+                    </a:p>
+                  </a:txBody>
+                  <a:tcPr/>
+                </a:tc>
+                <a:tc>
+                  <a:txBody>
+                    <a:bodyPr/>
+                    <a:lstStyle/>
+                    <a:p>
+                      <a:endParaRPr lang="en-IN"/>
+                    </a:p>
+                  </a:txBody>
+                  <a:tcPr/>
+                </a:tc>
+                <a:extLst>
+                  <a:ext uri="{0D108BD9-81ED-4DB2-BD59-A6C34878D82A}">
+                    <a16:rowId xmlns:a16="http://schemas.microsoft.com/office/drawing/2014/main" val="586143007"/>
+                  </a:ext>
+                </a:extLst>
+              </a:tr>
+              <a:tr h="1002663">
+                <a:tc>
+                  <a:txBody>
+                    <a:bodyPr/>
+                    <a:lstStyle/>
+                    <a:p>
+                      <a:r>
+                        <a:rPr lang="en-IN" dirty="0"/>
+                        <a:t>ARIMA</a:t>
+                      </a:r>
+                    </a:p>
+                  </a:txBody>
+                  <a:tcPr/>
+                </a:tc>
+                <a:tc>
+                  <a:txBody>
+                    <a:bodyPr/>
+                    <a:lstStyle/>
+                    <a:p>
+                      <a:endParaRPr lang="en-IN"/>
+                    </a:p>
+                  </a:txBody>
+                  <a:tcPr/>
+                </a:tc>
+                <a:tc>
+                  <a:txBody>
+                    <a:bodyPr/>
+                    <a:lstStyle/>
+                    <a:p>
+                      <a:endParaRPr lang="en-IN"/>
+                    </a:p>
+                  </a:txBody>
+                  <a:tcPr/>
+                </a:tc>
+                <a:tc>
+                  <a:txBody>
+                    <a:bodyPr/>
+                    <a:lstStyle/>
+                    <a:p>
+                      <a:endParaRPr lang="en-IN" dirty="0"/>
+                    </a:p>
+                  </a:txBody>
+                  <a:tcPr/>
+                </a:tc>
+                <a:extLst>
+                  <a:ext uri="{0D108BD9-81ED-4DB2-BD59-A6C34878D82A}">
+                    <a16:rowId xmlns:a16="http://schemas.microsoft.com/office/drawing/2014/main" val="1093720222"/>
+                  </a:ext>
+                </a:extLst>
+              </a:tr>
+              <a:tr h="1045785">
+                <a:tc>
+                  <a:txBody>
+                    <a:bodyPr/>
+                    <a:lstStyle/>
+                    <a:p>
+                      <a:r>
+                        <a:rPr lang="en-IN" dirty="0"/>
+                        <a:t>Monte Carlo Simulation</a:t>
+                      </a:r>
+                    </a:p>
+                  </a:txBody>
+                  <a:tcPr/>
+                </a:tc>
+                <a:tc>
+                  <a:txBody>
+                    <a:bodyPr/>
+                    <a:lstStyle/>
+                    <a:p>
+                      <a:endParaRPr lang="en-IN"/>
+                    </a:p>
+                  </a:txBody>
+                  <a:tcPr/>
+                </a:tc>
+                <a:tc>
+                  <a:txBody>
+                    <a:bodyPr/>
+                    <a:lstStyle/>
+                    <a:p>
+                      <a:endParaRPr lang="en-IN"/>
+                    </a:p>
+                  </a:txBody>
+                  <a:tcPr/>
+                </a:tc>
+                <a:tc>
+                  <a:txBody>
+                    <a:bodyPr/>
+                    <a:lstStyle/>
+                    <a:p>
+                      <a:endParaRPr lang="en-IN" dirty="0"/>
+                    </a:p>
+                  </a:txBody>
+                  <a:tcPr/>
+                </a:tc>
+                <a:extLst>
+                  <a:ext uri="{0D108BD9-81ED-4DB2-BD59-A6C34878D82A}">
+                    <a16:rowId xmlns:a16="http://schemas.microsoft.com/office/drawing/2014/main" val="3413472058"/>
+                  </a:ext>
+                </a:extLst>
+              </a:tr>
+            </a:tbl>
+          </a:graphicData>
+        </a:graphic>
+      </p:graphicFrame>
+    </p:spTree>
+    <p:extLst>
+      <p:ext uri="{BB962C8B-B14F-4D97-AF65-F5344CB8AC3E}">
+        <p14:creationId xmlns:p14="http://schemas.microsoft.com/office/powerpoint/2010/main" val="2457683201"/>
+      </p:ext>
+    </p:extLst>
+  </p:cSld>
+  <p:clrMapOvr>
+    <a:masterClrMapping/>
+  </p:clrMapOvr>
+</p:sld>
+</file>
+
+<file path=ppt/slides/slide22.xml><?xml version="1.0" encoding="utf-8"?>
+<p:sld xmlns:a="http://schemas.openxmlformats.org/drawingml/2006/main" xmlns:r="http://schemas.openxmlformats.org/officeDocument/2006/relationships" xmlns:p="http://schemas.openxmlformats.org/presentationml/2006/main">
+  <p:cSld>
+    <p:spTree>
+      <p:nvGrpSpPr>
+        <p:cNvPr id="1" name=""/>
+        <p:cNvGrpSpPr/>
+        <p:nvPr/>
+      </p:nvGrpSpPr>
+      <p:grpSpPr>
+        <a:xfrm>
+          <a:off x="0" y="0"/>
+          <a:ext cx="0" cy="0"/>
+          <a:chOff x="0" y="0"/>
+          <a:chExt cx="0" cy="0"/>
+        </a:xfrm>
+      </p:grpSpPr>
+      <p:sp>
+        <p:nvSpPr>
+          <p:cNvPr id="2" name="TextBox 1">
+            <a:extLst>
+              <a:ext uri="{FF2B5EF4-FFF2-40B4-BE49-F238E27FC236}">
+                <a16:creationId xmlns:a16="http://schemas.microsoft.com/office/drawing/2014/main" id="{B2EC635B-D8A3-4A72-8304-20FFBA5D21A3}"/>
+              </a:ext>
+            </a:extLst>
+          </p:cNvPr>
+          <p:cNvSpPr txBox="1"/>
+          <p:nvPr/>
+        </p:nvSpPr>
+        <p:spPr>
+          <a:xfrm>
+            <a:off x="325927" y="248626"/>
+            <a:ext cx="7530363" cy="584775"/>
+          </a:xfrm>
+          <a:prstGeom prst="rect">
+            <a:avLst/>
+          </a:prstGeom>
+          <a:noFill/>
+        </p:spPr>
+        <p:txBody>
+          <a:bodyPr wrap="square" rtlCol="0">
+            <a:spAutoFit/>
+          </a:bodyPr>
+          <a:lstStyle/>
+          <a:p>
+            <a:r>
+              <a:rPr lang="en-IN" sz="3200" b="1" dirty="0">
+                <a:solidFill>
+                  <a:srgbClr val="46B0FA"/>
+                </a:solidFill>
+                <a:latin typeface="Arial" panose="020B0604020202020204" pitchFamily="34" charset="0"/>
+                <a:cs typeface="Arial" panose="020B0604020202020204" pitchFamily="34" charset="0"/>
+              </a:rPr>
+              <a:t>Reference</a:t>
+            </a:r>
+          </a:p>
+        </p:txBody>
+      </p:sp>
+      <p:sp>
+        <p:nvSpPr>
+          <p:cNvPr id="3" name="TextBox 2">
+            <a:extLst>
+              <a:ext uri="{FF2B5EF4-FFF2-40B4-BE49-F238E27FC236}">
+                <a16:creationId xmlns:a16="http://schemas.microsoft.com/office/drawing/2014/main" id="{66168532-D141-4AB0-BD29-1663F2877B3E}"/>
+              </a:ext>
+            </a:extLst>
+          </p:cNvPr>
+          <p:cNvSpPr txBox="1"/>
+          <p:nvPr/>
+        </p:nvSpPr>
+        <p:spPr>
+          <a:xfrm>
+            <a:off x="393751" y="666333"/>
+            <a:ext cx="9901002" cy="1292662"/>
+          </a:xfrm>
+          <a:prstGeom prst="rect">
+            <a:avLst/>
+          </a:prstGeom>
+          <a:noFill/>
+        </p:spPr>
+        <p:txBody>
+          <a:bodyPr wrap="square" rtlCol="0">
+            <a:spAutoFit/>
+          </a:bodyPr>
+          <a:lstStyle/>
+          <a:p>
+            <a:endParaRPr lang="en-US" sz="2000" dirty="0">
+              <a:latin typeface="Arial" panose="020B0604020202020204" pitchFamily="34" charset="0"/>
+              <a:cs typeface="Arial" panose="020B0604020202020204" pitchFamily="34" charset="0"/>
+            </a:endParaRPr>
+          </a:p>
+          <a:p>
+            <a:r>
+              <a:rPr lang="en-US" sz="2000" dirty="0">
+                <a:solidFill>
+                  <a:srgbClr val="FF0000"/>
+                </a:solidFill>
+                <a:latin typeface="Arial" panose="020B0604020202020204" pitchFamily="34" charset="0"/>
+                <a:cs typeface="Arial" panose="020B0604020202020204" pitchFamily="34" charset="0"/>
+              </a:rPr>
+              <a:t>List of cited papers</a:t>
+            </a:r>
+          </a:p>
+          <a:p>
+            <a:endParaRPr lang="en-US" sz="2000" dirty="0">
+              <a:latin typeface="Arial" panose="020B0604020202020204" pitchFamily="34" charset="0"/>
+              <a:cs typeface="Arial" panose="020B0604020202020204" pitchFamily="34" charset="0"/>
+            </a:endParaRPr>
+          </a:p>
+          <a:p>
+            <a:endParaRPr lang="en-IN" dirty="0">
+              <a:latin typeface="Arial" panose="020B0604020202020204" pitchFamily="34" charset="0"/>
+              <a:cs typeface="Arial" panose="020B0604020202020204" pitchFamily="34" charset="0"/>
+            </a:endParaRPr>
+          </a:p>
+        </p:txBody>
+      </p:sp>
+      <p:sp>
+        <p:nvSpPr>
+          <p:cNvPr id="5" name="TextBox 4">
+            <a:extLst>
+              <a:ext uri="{FF2B5EF4-FFF2-40B4-BE49-F238E27FC236}">
+                <a16:creationId xmlns:a16="http://schemas.microsoft.com/office/drawing/2014/main" id="{A60AF694-9622-3237-4F89-0B816712D92F}"/>
+              </a:ext>
+            </a:extLst>
+          </p:cNvPr>
+          <p:cNvSpPr txBox="1"/>
+          <p:nvPr/>
+        </p:nvSpPr>
+        <p:spPr>
+          <a:xfrm>
+            <a:off x="793376" y="1509921"/>
+            <a:ext cx="10605247" cy="5078313"/>
+          </a:xfrm>
+          <a:prstGeom prst="rect">
+            <a:avLst/>
+          </a:prstGeom>
+          <a:noFill/>
+        </p:spPr>
+        <p:txBody>
+          <a:bodyPr wrap="square">
+            <a:spAutoFit/>
+          </a:bodyPr>
+          <a:lstStyle/>
+          <a:p>
+            <a:r>
+              <a:rPr lang="en-US" dirty="0">
+                <a:effectLst/>
+                <a:latin typeface="Times New Roman" panose="02020603050405020304" pitchFamily="18" charset="0"/>
+                <a:ea typeface="Times New Roman" panose="02020603050405020304" pitchFamily="18" charset="0"/>
+              </a:rPr>
+              <a:t>[1] Xu, J., Wang, Z., Li, X., Li, Z., &amp; Li, Z. (2024). Prediction of Daily Climate Using Long Short-Term Memory (LSTM) Model. International Journal of Innovative Science and Research Technology, 83-90.</a:t>
+            </a:r>
+            <a:endParaRPr lang="en-IN" dirty="0">
+              <a:effectLst/>
+              <a:latin typeface="Times New Roman" panose="02020603050405020304" pitchFamily="18" charset="0"/>
+              <a:ea typeface="Times New Roman" panose="02020603050405020304" pitchFamily="18" charset="0"/>
+            </a:endParaRPr>
+          </a:p>
+          <a:p>
+            <a:r>
+              <a:rPr lang="en-US" dirty="0">
+                <a:effectLst/>
+                <a:latin typeface="Times New Roman" panose="02020603050405020304" pitchFamily="18" charset="0"/>
+                <a:ea typeface="Times New Roman" panose="02020603050405020304" pitchFamily="18" charset="0"/>
+              </a:rPr>
+              <a:t> </a:t>
+            </a:r>
+            <a:endParaRPr lang="en-IN" dirty="0">
+              <a:effectLst/>
+              <a:latin typeface="Times New Roman" panose="02020603050405020304" pitchFamily="18" charset="0"/>
+              <a:ea typeface="Times New Roman" panose="02020603050405020304" pitchFamily="18" charset="0"/>
+            </a:endParaRPr>
+          </a:p>
+          <a:p>
+            <a:r>
+              <a:rPr lang="en-US" dirty="0">
+                <a:effectLst/>
+                <a:latin typeface="Times New Roman" panose="02020603050405020304" pitchFamily="18" charset="0"/>
+                <a:ea typeface="Times New Roman" panose="02020603050405020304" pitchFamily="18" charset="0"/>
+              </a:rPr>
+              <a:t>[2] Lai, Y., &amp; </a:t>
+            </a:r>
+            <a:r>
+              <a:rPr lang="en-US" dirty="0" err="1">
+                <a:effectLst/>
+                <a:latin typeface="Times New Roman" panose="02020603050405020304" pitchFamily="18" charset="0"/>
+                <a:ea typeface="Times New Roman" panose="02020603050405020304" pitchFamily="18" charset="0"/>
+              </a:rPr>
+              <a:t>Dzombak</a:t>
+            </a:r>
+            <a:r>
+              <a:rPr lang="en-US" dirty="0">
+                <a:effectLst/>
+                <a:latin typeface="Times New Roman" panose="02020603050405020304" pitchFamily="18" charset="0"/>
+                <a:ea typeface="Times New Roman" panose="02020603050405020304" pitchFamily="18" charset="0"/>
+              </a:rPr>
+              <a:t>, D. A. (2020). Use of the autoregressive integrated moving average (ARIMA) model to forecast near-term regional temperature and precipitation. Weather and forecasting, 35(3), 959-976.</a:t>
+            </a:r>
+            <a:endParaRPr lang="en-IN" dirty="0">
+              <a:effectLst/>
+              <a:latin typeface="Times New Roman" panose="02020603050405020304" pitchFamily="18" charset="0"/>
+              <a:ea typeface="Times New Roman" panose="02020603050405020304" pitchFamily="18" charset="0"/>
+            </a:endParaRPr>
+          </a:p>
+          <a:p>
+            <a:r>
+              <a:rPr lang="en-US" dirty="0">
+                <a:effectLst/>
+                <a:latin typeface="Times New Roman" panose="02020603050405020304" pitchFamily="18" charset="0"/>
+                <a:ea typeface="Times New Roman" panose="02020603050405020304" pitchFamily="18" charset="0"/>
+              </a:rPr>
+              <a:t> </a:t>
+            </a:r>
+            <a:endParaRPr lang="en-IN" dirty="0">
+              <a:effectLst/>
+              <a:latin typeface="Times New Roman" panose="02020603050405020304" pitchFamily="18" charset="0"/>
+              <a:ea typeface="Times New Roman" panose="02020603050405020304" pitchFamily="18" charset="0"/>
+            </a:endParaRPr>
+          </a:p>
+          <a:p>
+            <a:r>
+              <a:rPr lang="en-US" dirty="0">
+                <a:effectLst/>
+                <a:latin typeface="Times New Roman" panose="02020603050405020304" pitchFamily="18" charset="0"/>
+                <a:ea typeface="Times New Roman" panose="02020603050405020304" pitchFamily="18" charset="0"/>
+              </a:rPr>
+              <a:t>[3] </a:t>
+            </a:r>
+            <a:r>
+              <a:rPr lang="en-US" dirty="0" err="1">
+                <a:effectLst/>
+                <a:latin typeface="Times New Roman" panose="02020603050405020304" pitchFamily="18" charset="0"/>
+                <a:ea typeface="Times New Roman" panose="02020603050405020304" pitchFamily="18" charset="0"/>
+              </a:rPr>
+              <a:t>Bonate</a:t>
+            </a:r>
+            <a:r>
+              <a:rPr lang="en-US" dirty="0">
+                <a:effectLst/>
+                <a:latin typeface="Times New Roman" panose="02020603050405020304" pitchFamily="18" charset="0"/>
+                <a:ea typeface="Times New Roman" panose="02020603050405020304" pitchFamily="18" charset="0"/>
+              </a:rPr>
+              <a:t>, P. L. (2001). A brief introduction to Monte Carlo simulation. Clinical pharmacokinetics, 40, 15-22.</a:t>
+            </a:r>
+            <a:endParaRPr lang="en-IN" dirty="0">
+              <a:effectLst/>
+              <a:latin typeface="Times New Roman" panose="02020603050405020304" pitchFamily="18" charset="0"/>
+              <a:ea typeface="Times New Roman" panose="02020603050405020304" pitchFamily="18" charset="0"/>
+            </a:endParaRPr>
+          </a:p>
+          <a:p>
+            <a:r>
+              <a:rPr lang="en-US" dirty="0">
+                <a:effectLst/>
+                <a:latin typeface="Times New Roman" panose="02020603050405020304" pitchFamily="18" charset="0"/>
+                <a:ea typeface="Times New Roman" panose="02020603050405020304" pitchFamily="18" charset="0"/>
+              </a:rPr>
+              <a:t> </a:t>
+            </a:r>
+            <a:endParaRPr lang="en-IN" dirty="0">
+              <a:effectLst/>
+              <a:latin typeface="Times New Roman" panose="02020603050405020304" pitchFamily="18" charset="0"/>
+              <a:ea typeface="Times New Roman" panose="02020603050405020304" pitchFamily="18" charset="0"/>
+            </a:endParaRPr>
+          </a:p>
+          <a:p>
+            <a:r>
+              <a:rPr lang="en-US" dirty="0">
+                <a:effectLst/>
+                <a:latin typeface="Times New Roman" panose="02020603050405020304" pitchFamily="18" charset="0"/>
+                <a:ea typeface="Times New Roman" panose="02020603050405020304" pitchFamily="18" charset="0"/>
+              </a:rPr>
+              <a:t>[4]</a:t>
+            </a:r>
+            <a:r>
+              <a:rPr lang="en-US" dirty="0">
+                <a:solidFill>
+                  <a:srgbClr val="222222"/>
+                </a:solidFill>
+                <a:effectLst/>
+                <a:latin typeface="Arial" panose="020B0604020202020204" pitchFamily="34" charset="0"/>
+                <a:ea typeface="Times New Roman" panose="02020603050405020304" pitchFamily="18" charset="0"/>
+              </a:rPr>
+              <a:t> </a:t>
+            </a:r>
+            <a:r>
+              <a:rPr lang="en-US" dirty="0">
+                <a:effectLst/>
+                <a:latin typeface="Times New Roman" panose="02020603050405020304" pitchFamily="18" charset="0"/>
+                <a:ea typeface="Times New Roman" panose="02020603050405020304" pitchFamily="18" charset="0"/>
+              </a:rPr>
+              <a:t>Vo, T. Q., Kim, S. H., Nguyen, D. H., &amp; Bae, D. H. (2023). LSTM-CM: a hybrid approach for natural drought prediction based on deep learning and climate models. </a:t>
+            </a:r>
+            <a:r>
+              <a:rPr lang="en-US" i="1" dirty="0">
+                <a:effectLst/>
+                <a:latin typeface="Times New Roman" panose="02020603050405020304" pitchFamily="18" charset="0"/>
+                <a:ea typeface="Times New Roman" panose="02020603050405020304" pitchFamily="18" charset="0"/>
+              </a:rPr>
+              <a:t>Stochastic Environmental Research and Risk Assessment</a:t>
+            </a:r>
+            <a:r>
+              <a:rPr lang="en-US" dirty="0">
+                <a:effectLst/>
+                <a:latin typeface="Times New Roman" panose="02020603050405020304" pitchFamily="18" charset="0"/>
+                <a:ea typeface="Times New Roman" panose="02020603050405020304" pitchFamily="18" charset="0"/>
+              </a:rPr>
+              <a:t>, </a:t>
+            </a:r>
+            <a:r>
+              <a:rPr lang="en-US" i="1" dirty="0">
+                <a:effectLst/>
+                <a:latin typeface="Times New Roman" panose="02020603050405020304" pitchFamily="18" charset="0"/>
+                <a:ea typeface="Times New Roman" panose="02020603050405020304" pitchFamily="18" charset="0"/>
+              </a:rPr>
+              <a:t>37</a:t>
+            </a:r>
+            <a:r>
+              <a:rPr lang="en-US" dirty="0">
+                <a:effectLst/>
+                <a:latin typeface="Times New Roman" panose="02020603050405020304" pitchFamily="18" charset="0"/>
+                <a:ea typeface="Times New Roman" panose="02020603050405020304" pitchFamily="18" charset="0"/>
+              </a:rPr>
+              <a:t>(6), 2035-2051.</a:t>
+            </a:r>
+            <a:endParaRPr lang="en-IN" dirty="0">
+              <a:effectLst/>
+              <a:latin typeface="Times New Roman" panose="02020603050405020304" pitchFamily="18" charset="0"/>
+              <a:ea typeface="Times New Roman" panose="02020603050405020304" pitchFamily="18" charset="0"/>
+            </a:endParaRPr>
+          </a:p>
+          <a:p>
+            <a:r>
+              <a:rPr lang="en-US" dirty="0">
+                <a:effectLst/>
+                <a:latin typeface="Times New Roman" panose="02020603050405020304" pitchFamily="18" charset="0"/>
+                <a:ea typeface="Times New Roman" panose="02020603050405020304" pitchFamily="18" charset="0"/>
+              </a:rPr>
+              <a:t> </a:t>
+            </a:r>
+            <a:endParaRPr lang="en-IN" dirty="0">
+              <a:effectLst/>
+              <a:latin typeface="Times New Roman" panose="02020603050405020304" pitchFamily="18" charset="0"/>
+              <a:ea typeface="Times New Roman" panose="02020603050405020304" pitchFamily="18" charset="0"/>
+            </a:endParaRPr>
+          </a:p>
+          <a:p>
+            <a:r>
+              <a:rPr lang="en-US" dirty="0">
+                <a:effectLst/>
+                <a:latin typeface="Times New Roman" panose="02020603050405020304" pitchFamily="18" charset="0"/>
+                <a:ea typeface="Times New Roman" panose="02020603050405020304" pitchFamily="18" charset="0"/>
+              </a:rPr>
+              <a:t>[5] </a:t>
+            </a:r>
+            <a:r>
+              <a:rPr lang="en-US" dirty="0" err="1">
+                <a:effectLst/>
+                <a:latin typeface="Times New Roman" panose="02020603050405020304" pitchFamily="18" charset="0"/>
+                <a:ea typeface="Times New Roman" panose="02020603050405020304" pitchFamily="18" charset="0"/>
+              </a:rPr>
+              <a:t>Dimri</a:t>
+            </a:r>
+            <a:r>
+              <a:rPr lang="en-US" dirty="0">
+                <a:effectLst/>
+                <a:latin typeface="Times New Roman" panose="02020603050405020304" pitchFamily="18" charset="0"/>
+                <a:ea typeface="Times New Roman" panose="02020603050405020304" pitchFamily="18" charset="0"/>
+              </a:rPr>
+              <a:t>, T., Ahmad, S., &amp; Sharif, M. (2020). Time series analysis of climate variables using seasonal ARIMA approach. </a:t>
+            </a:r>
+            <a:r>
+              <a:rPr lang="en-US" i="1" dirty="0">
+                <a:effectLst/>
+                <a:latin typeface="Times New Roman" panose="02020603050405020304" pitchFamily="18" charset="0"/>
+                <a:ea typeface="Times New Roman" panose="02020603050405020304" pitchFamily="18" charset="0"/>
+              </a:rPr>
+              <a:t>Journal of Earth System Science</a:t>
+            </a:r>
+            <a:r>
+              <a:rPr lang="en-US" dirty="0">
+                <a:effectLst/>
+                <a:latin typeface="Times New Roman" panose="02020603050405020304" pitchFamily="18" charset="0"/>
+                <a:ea typeface="Times New Roman" panose="02020603050405020304" pitchFamily="18" charset="0"/>
+              </a:rPr>
+              <a:t>, </a:t>
+            </a:r>
+            <a:r>
+              <a:rPr lang="en-US" i="1" dirty="0">
+                <a:effectLst/>
+                <a:latin typeface="Times New Roman" panose="02020603050405020304" pitchFamily="18" charset="0"/>
+                <a:ea typeface="Times New Roman" panose="02020603050405020304" pitchFamily="18" charset="0"/>
+              </a:rPr>
+              <a:t>129</a:t>
+            </a:r>
+            <a:r>
+              <a:rPr lang="en-US" dirty="0">
+                <a:effectLst/>
+                <a:latin typeface="Times New Roman" panose="02020603050405020304" pitchFamily="18" charset="0"/>
+                <a:ea typeface="Times New Roman" panose="02020603050405020304" pitchFamily="18" charset="0"/>
+              </a:rPr>
+              <a:t>, 1-16.</a:t>
+            </a:r>
+            <a:endParaRPr lang="en-IN" dirty="0">
+              <a:effectLst/>
+              <a:latin typeface="Times New Roman" panose="02020603050405020304" pitchFamily="18" charset="0"/>
+              <a:ea typeface="Times New Roman" panose="02020603050405020304" pitchFamily="18" charset="0"/>
+            </a:endParaRPr>
+          </a:p>
+          <a:p>
+            <a:r>
+              <a:rPr lang="en-US" dirty="0">
+                <a:effectLst/>
+                <a:latin typeface="Times New Roman" panose="02020603050405020304" pitchFamily="18" charset="0"/>
+                <a:ea typeface="Times New Roman" panose="02020603050405020304" pitchFamily="18" charset="0"/>
+              </a:rPr>
+              <a:t> </a:t>
+            </a:r>
+            <a:endParaRPr lang="en-IN" dirty="0">
+              <a:effectLst/>
+              <a:latin typeface="Times New Roman" panose="02020603050405020304" pitchFamily="18" charset="0"/>
+              <a:ea typeface="Times New Roman" panose="02020603050405020304" pitchFamily="18" charset="0"/>
+            </a:endParaRPr>
+          </a:p>
+          <a:p>
+            <a:r>
+              <a:rPr lang="en-US" dirty="0">
+                <a:effectLst/>
+                <a:latin typeface="Times New Roman" panose="02020603050405020304" pitchFamily="18" charset="0"/>
+                <a:ea typeface="Times New Roman" panose="02020603050405020304" pitchFamily="18" charset="0"/>
+              </a:rPr>
+              <a:t>[6] New, M., &amp; Hulme, M. (2000). Representing uncertainty in climate change scenarios: a Monte-Carlo approach. </a:t>
+            </a:r>
+            <a:r>
+              <a:rPr lang="en-US" i="1" dirty="0">
+                <a:effectLst/>
+                <a:latin typeface="Times New Roman" panose="02020603050405020304" pitchFamily="18" charset="0"/>
+                <a:ea typeface="Times New Roman" panose="02020603050405020304" pitchFamily="18" charset="0"/>
+              </a:rPr>
+              <a:t>Integrated assessment</a:t>
+            </a:r>
+            <a:r>
+              <a:rPr lang="en-US" dirty="0">
+                <a:effectLst/>
+                <a:latin typeface="Times New Roman" panose="02020603050405020304" pitchFamily="18" charset="0"/>
+                <a:ea typeface="Times New Roman" panose="02020603050405020304" pitchFamily="18" charset="0"/>
+              </a:rPr>
+              <a:t>, </a:t>
+            </a:r>
+            <a:r>
+              <a:rPr lang="en-US" i="1" dirty="0">
+                <a:effectLst/>
+                <a:latin typeface="Times New Roman" panose="02020603050405020304" pitchFamily="18" charset="0"/>
+                <a:ea typeface="Times New Roman" panose="02020603050405020304" pitchFamily="18" charset="0"/>
+              </a:rPr>
+              <a:t>1</a:t>
+            </a:r>
+            <a:r>
+              <a:rPr lang="en-US" dirty="0">
+                <a:effectLst/>
+                <a:latin typeface="Times New Roman" panose="02020603050405020304" pitchFamily="18" charset="0"/>
+                <a:ea typeface="Times New Roman" panose="02020603050405020304" pitchFamily="18" charset="0"/>
+              </a:rPr>
+              <a:t>(3), 203-213.</a:t>
+            </a:r>
+            <a:endParaRPr lang="en-IN" dirty="0">
+              <a:effectLst/>
+              <a:latin typeface="Times New Roman" panose="02020603050405020304" pitchFamily="18" charset="0"/>
+              <a:ea typeface="Times New Roman" panose="02020603050405020304" pitchFamily="18" charset="0"/>
+            </a:endParaRPr>
+          </a:p>
+          <a:p>
+            <a:endParaRPr lang="en-US" dirty="0">
+              <a:latin typeface="Arial" panose="020B0604020202020204" pitchFamily="34" charset="0"/>
+              <a:cs typeface="Arial" panose="020B0604020202020204" pitchFamily="34" charset="0"/>
+            </a:endParaRPr>
+          </a:p>
+        </p:txBody>
+      </p:sp>
+    </p:spTree>
+    <p:extLst>
+      <p:ext uri="{BB962C8B-B14F-4D97-AF65-F5344CB8AC3E}">
+        <p14:creationId xmlns:p14="http://schemas.microsoft.com/office/powerpoint/2010/main" val="1359081233"/>
+      </p:ext>
+    </p:extLst>
+  </p:cSld>
+  <p:clrMapOvr>
+    <a:masterClrMapping/>
+  </p:clrMapOvr>
+</p:sld>
+</file>
+
+<file path=ppt/slides/slide23.xml><?xml version="1.0" encoding="utf-8"?>
+<p:sld xmlns:a="http://schemas.openxmlformats.org/drawingml/2006/main" xmlns:r="http://schemas.openxmlformats.org/officeDocument/2006/relationships" xmlns:p="http://schemas.openxmlformats.org/presentationml/2006/main">
+  <p:cSld>
+    <p:spTree>
+      <p:nvGrpSpPr>
+        <p:cNvPr id="1" name=""/>
+        <p:cNvGrpSpPr/>
+        <p:nvPr/>
+      </p:nvGrpSpPr>
+      <p:grpSpPr>
+        <a:xfrm>
+          <a:off x="0" y="0"/>
+          <a:ext cx="0" cy="0"/>
+          <a:chOff x="0" y="0"/>
+          <a:chExt cx="0" cy="0"/>
+        </a:xfrm>
+      </p:grpSpPr>
+      <p:sp>
+        <p:nvSpPr>
+          <p:cNvPr id="2" name="TextBox 1">
+            <a:extLst>
+              <a:ext uri="{FF2B5EF4-FFF2-40B4-BE49-F238E27FC236}">
+                <a16:creationId xmlns:a16="http://schemas.microsoft.com/office/drawing/2014/main" id="{C39D82EA-6098-704F-AD4D-D13A499C492D}"/>
+              </a:ext>
+            </a:extLst>
+          </p:cNvPr>
+          <p:cNvSpPr txBox="1"/>
+          <p:nvPr/>
+        </p:nvSpPr>
+        <p:spPr>
+          <a:xfrm>
+            <a:off x="1895294" y="3601496"/>
+            <a:ext cx="8401412" cy="1200329"/>
+          </a:xfrm>
+          <a:prstGeom prst="rect">
+            <a:avLst/>
+          </a:prstGeom>
+          <a:noFill/>
+        </p:spPr>
+        <p:txBody>
+          <a:bodyPr wrap="square" rtlCol="0">
+            <a:spAutoFit/>
+          </a:bodyPr>
+          <a:lstStyle/>
+          <a:p>
+            <a:pPr algn="ctr"/>
+            <a:r>
+              <a:rPr lang="en-US" sz="7200" b="1" dirty="0">
+                <a:solidFill>
+                  <a:srgbClr val="46B0FA"/>
+                </a:solidFill>
+                <a:latin typeface="Arial" panose="020B0604020202020204" pitchFamily="34" charset="0"/>
+                <a:cs typeface="Arial" panose="020B0604020202020204" pitchFamily="34" charset="0"/>
+              </a:rPr>
+              <a:t>Thank You</a:t>
+            </a:r>
+            <a:endParaRPr lang="en-IN" sz="7200" b="1" dirty="0">
+              <a:solidFill>
+                <a:srgbClr val="46B0FA"/>
+              </a:solidFill>
+              <a:latin typeface="Arial" panose="020B0604020202020204" pitchFamily="34" charset="0"/>
+              <a:cs typeface="Arial" panose="020B0604020202020204" pitchFamily="34" charset="0"/>
+            </a:endParaRPr>
+          </a:p>
+        </p:txBody>
+      </p:sp>
+      <p:sp>
+        <p:nvSpPr>
+          <p:cNvPr id="4" name="Rectangle 3">
+            <a:extLst>
+              <a:ext uri="{FF2B5EF4-FFF2-40B4-BE49-F238E27FC236}">
+                <a16:creationId xmlns:a16="http://schemas.microsoft.com/office/drawing/2014/main" id="{B7FBB1AB-6227-0A49-9677-D759BB97E908}"/>
+              </a:ext>
+            </a:extLst>
+          </p:cNvPr>
+          <p:cNvSpPr/>
+          <p:nvPr/>
+        </p:nvSpPr>
+        <p:spPr>
+          <a:xfrm>
+            <a:off x="10668000" y="150471"/>
+            <a:ext cx="1381246" cy="682906"/>
+          </a:xfrm>
+          <a:prstGeom prst="rect">
+            <a:avLst/>
+          </a:prstGeom>
+          <a:solidFill>
+            <a:schemeClr val="bg1"/>
+          </a:solidFill>
+          <a:ln>
+            <a:noFill/>
+          </a:ln>
+        </p:spPr>
+        <p:style>
+          <a:lnRef idx="2">
+            <a:schemeClr val="accent1">
+              <a:shade val="50000"/>
+            </a:schemeClr>
+          </a:lnRef>
+          <a:fillRef idx="1">
+            <a:schemeClr val="accent1"/>
+          </a:fillRef>
+          <a:effectRef idx="0">
+            <a:schemeClr val="accent1"/>
+          </a:effectRef>
+          <a:fontRef idx="minor">
+            <a:schemeClr val="lt1"/>
+          </a:fontRef>
+        </p:style>
+        <p:txBody>
+          <a:bodyPr rtlCol="0" anchor="ctr"/>
+          <a:lstStyle/>
+          <a:p>
+            <a:pPr algn="ctr"/>
+            <a:endParaRPr lang="en-US" dirty="0"/>
+          </a:p>
+        </p:txBody>
+      </p:sp>
+      <p:pic>
+        <p:nvPicPr>
+          <p:cNvPr id="5" name="Picture 4" descr="A picture containing text, clipart&#10;&#10;Description automatically generated">
+            <a:extLst>
+              <a:ext uri="{FF2B5EF4-FFF2-40B4-BE49-F238E27FC236}">
+                <a16:creationId xmlns:a16="http://schemas.microsoft.com/office/drawing/2014/main" id="{B3B91EF5-66BF-4A12-80C1-98869846E0D6}"/>
+              </a:ext>
+            </a:extLst>
+          </p:cNvPr>
+          <p:cNvPicPr>
+            <a:picLocks noChangeAspect="1"/>
+          </p:cNvPicPr>
+          <p:nvPr/>
+        </p:nvPicPr>
+        <p:blipFill>
+          <a:blip r:embed="rId2"/>
+          <a:stretch>
+            <a:fillRect/>
+          </a:stretch>
+        </p:blipFill>
+        <p:spPr>
+          <a:xfrm>
+            <a:off x="3992880" y="1709987"/>
+            <a:ext cx="4206240" cy="1806854"/>
+          </a:xfrm>
+          <a:prstGeom prst="rect">
+            <a:avLst/>
+          </a:prstGeom>
+        </p:spPr>
+      </p:pic>
+    </p:spTree>
+    <p:extLst>
+      <p:ext uri="{BB962C8B-B14F-4D97-AF65-F5344CB8AC3E}">
+        <p14:creationId xmlns:p14="http://schemas.microsoft.com/office/powerpoint/2010/main" val="3579348268"/>
       </p:ext>
     </p:extLst>
   </p:cSld>

--- a/Project Presentation Template.pptx
+++ b/Project Presentation Template.pptx
@@ -242,7 +242,7 @@
           <a:p>
             <a:fld id="{73E9D15D-1C13-CC45-BE09-4D54E9A973B4}" type="datetimeFigureOut">
               <a:rPr lang="en-US" smtClean="0"/>
-              <a:t>10/11/2024</a:t>
+              <a:t>10/16/2024</a:t>
             </a:fld>
             <a:endParaRPr lang="en-US" dirty="0"/>
           </a:p>
@@ -672,7 +672,7 @@
           <a:p>
             <a:fld id="{FD3D9895-3AFC-9E49-BB6B-D5AF81433D95}" type="datetimeFigureOut">
               <a:rPr lang="en-US" smtClean="0"/>
-              <a:t>10/11/2024</a:t>
+              <a:t>10/16/2024</a:t>
             </a:fld>
             <a:endParaRPr lang="en-US" dirty="0"/>
           </a:p>
@@ -833,7 +833,7 @@
           <a:p>
             <a:fld id="{1703F520-AAB7-4D20-958E-A456239933B0}" type="datetimeFigureOut">
               <a:rPr lang="en-US" smtClean="0"/>
-              <a:t>10/11/2024</a:t>
+              <a:t>10/16/2024</a:t>
             </a:fld>
             <a:endParaRPr lang="en-US" dirty="0"/>
           </a:p>
@@ -3458,7 +3458,22 @@
                 <a:latin typeface="Arial" panose="020B0604020202020204" pitchFamily="34" charset="0"/>
                 <a:cs typeface="Arial" panose="020B0604020202020204" pitchFamily="34" charset="0"/>
               </a:rPr>
-              <a:t>Requirement analysis (Link of SRS):</a:t>
+              <a:t>Requirement analysis (Link of SRS): </a:t>
+            </a:r>
+            <a:r>
+              <a:rPr lang="en-US" sz="1800" dirty="0">
+                <a:latin typeface="Arial" panose="020B0604020202020204" pitchFamily="34" charset="0"/>
+                <a:cs typeface="Arial" panose="020B0604020202020204" pitchFamily="34" charset="0"/>
+                <a:hlinkClick r:id="rId2"/>
+              </a:rPr>
+              <a:t>SRS</a:t>
+            </a:r>
+            <a:r>
+              <a:rPr lang="en-US" sz="1800" dirty="0">
+                <a:latin typeface="Arial" panose="020B0604020202020204" pitchFamily="34" charset="0"/>
+                <a:cs typeface="Arial" panose="020B0604020202020204" pitchFamily="34" charset="0"/>
+              </a:rPr>
+              <a:t> </a:t>
             </a:r>
           </a:p>
           <a:p>
@@ -3497,12 +3512,51 @@
           </a:p>
         </p:txBody>
       </p:sp>
+      <p:sp>
+        <p:nvSpPr>
+          <p:cNvPr id="13" name="TextBox 12">
+            <a:extLst>
+              <a:ext uri="{FF2B5EF4-FFF2-40B4-BE49-F238E27FC236}">
+                <a16:creationId xmlns:a16="http://schemas.microsoft.com/office/drawing/2014/main" id="{2E244B00-CE4D-67B7-D9D5-A93B3833F2CF}"/>
+              </a:ext>
+            </a:extLst>
+          </p:cNvPr>
+          <p:cNvSpPr txBox="1"/>
+          <p:nvPr/>
+        </p:nvSpPr>
+        <p:spPr>
+          <a:xfrm>
+            <a:off x="412540" y="2396211"/>
+            <a:ext cx="6097554" cy="369332"/>
+          </a:xfrm>
+          <a:prstGeom prst="rect">
+            <a:avLst/>
+          </a:prstGeom>
+          <a:noFill/>
+        </p:spPr>
+        <p:txBody>
+          <a:bodyPr wrap="square">
+            <a:spAutoFit/>
+          </a:bodyPr>
+          <a:lstStyle/>
+          <a:p>
+            <a:r>
+              <a:rPr lang="en-US" dirty="0">
+                <a:latin typeface="Arial" panose="020B0604020202020204" pitchFamily="34" charset="0"/>
+                <a:cs typeface="Arial" panose="020B0604020202020204" pitchFamily="34" charset="0"/>
+              </a:rPr>
+              <a:t>UML Diagram:</a:t>
+            </a:r>
+            <a:endParaRPr lang="en-IN" dirty="0"/>
+          </a:p>
+        </p:txBody>
+      </p:sp>
       <p:pic>
         <p:nvPicPr>
-          <p:cNvPr id="11" name="Picture 10">
+          <p:cNvPr id="3" name="Picture 2">
             <a:extLst>
               <a:ext uri="{FF2B5EF4-FFF2-40B4-BE49-F238E27FC236}">
-                <a16:creationId xmlns:a16="http://schemas.microsoft.com/office/drawing/2014/main" id="{EFC613F2-DC46-1365-5820-C3FB57ADDC69}"/>
+                <a16:creationId xmlns:a16="http://schemas.microsoft.com/office/drawing/2014/main" id="{7A022FAE-D45D-BD4B-2177-BE1195551453}"/>
               </a:ext>
             </a:extLst>
           </p:cNvPr>
@@ -3511,15 +3565,16 @@
           </p:cNvPicPr>
           <p:nvPr/>
         </p:nvPicPr>
-        <p:blipFill rotWithShape="1">
-          <a:blip r:embed="rId2"/>
-          <a:srcRect l="6818" t="10725" r="7866" b="12108"/>
-          <a:stretch/>
+        <p:blipFill>
+          <a:blip r:embed="rId3"/>
+          <a:stretch>
+            <a:fillRect/>
+          </a:stretch>
         </p:blipFill>
         <p:spPr>
           <a:xfrm>
-            <a:off x="3045189" y="2525476"/>
-            <a:ext cx="6101622" cy="3638939"/>
+            <a:off x="3553042" y="2248477"/>
+            <a:ext cx="5085915" cy="4229092"/>
           </a:xfrm>
           <a:prstGeom prst="rect">
             <a:avLst/>
@@ -3540,59 +3595,6 @@
           </a:effectLst>
         </p:spPr>
       </p:pic>
-      <p:sp>
-        <p:nvSpPr>
-          <p:cNvPr id="13" name="TextBox 12">
-            <a:extLst>
-              <a:ext uri="{FF2B5EF4-FFF2-40B4-BE49-F238E27FC236}">
-                <a16:creationId xmlns:a16="http://schemas.microsoft.com/office/drawing/2014/main" id="{2E244B00-CE4D-67B7-D9D5-A93B3833F2CF}"/>
-              </a:ext>
-            </a:extLst>
-          </p:cNvPr>
-          <p:cNvSpPr txBox="1"/>
-          <p:nvPr/>
-        </p:nvSpPr>
-        <p:spPr>
-          <a:xfrm>
-            <a:off x="5261069" y="6256748"/>
-            <a:ext cx="6097554" cy="369332"/>
-          </a:xfrm>
-          <a:prstGeom prst="rect">
-            <a:avLst/>
-          </a:prstGeom>
-          <a:noFill/>
-        </p:spPr>
-        <p:txBody>
-          <a:bodyPr wrap="square">
-            <a:spAutoFit/>
-          </a:bodyPr>
-          <a:lstStyle/>
-          <a:p>
-            <a:r>
-              <a:rPr lang="en-US" dirty="0" err="1">
-                <a:latin typeface="Arial" panose="020B0604020202020204" pitchFamily="34" charset="0"/>
-                <a:cs typeface="Arial" panose="020B0604020202020204" pitchFamily="34" charset="0"/>
-              </a:rPr>
-              <a:t>Uml</a:t>
-            </a:r>
-            <a:r>
-              <a:rPr lang="en-US" dirty="0">
-                <a:latin typeface="Arial" panose="020B0604020202020204" pitchFamily="34" charset="0"/>
-                <a:cs typeface="Arial" panose="020B0604020202020204" pitchFamily="34" charset="0"/>
-              </a:rPr>
-              <a:t> </a:t>
-            </a:r>
-            <a:r>
-              <a:rPr lang="en-US" dirty="0" err="1">
-                <a:latin typeface="Arial" panose="020B0604020202020204" pitchFamily="34" charset="0"/>
-                <a:cs typeface="Arial" panose="020B0604020202020204" pitchFamily="34" charset="0"/>
-              </a:rPr>
-              <a:t>daigram</a:t>
-            </a:r>
-            <a:endParaRPr lang="en-IN" dirty="0"/>
-          </a:p>
-        </p:txBody>
-      </p:sp>
     </p:spTree>
     <p:extLst>
       <p:ext uri="{BB962C8B-B14F-4D97-AF65-F5344CB8AC3E}">
@@ -3899,12 +3901,51 @@
           </a:p>
         </p:txBody>
       </p:sp>
+      <p:sp>
+        <p:nvSpPr>
+          <p:cNvPr id="9" name="TextBox 8">
+            <a:extLst>
+              <a:ext uri="{FF2B5EF4-FFF2-40B4-BE49-F238E27FC236}">
+                <a16:creationId xmlns:a16="http://schemas.microsoft.com/office/drawing/2014/main" id="{A512F7D8-535C-9C66-78F0-417ACEE7CACB}"/>
+              </a:ext>
+            </a:extLst>
+          </p:cNvPr>
+          <p:cNvSpPr txBox="1"/>
+          <p:nvPr/>
+        </p:nvSpPr>
+        <p:spPr>
+          <a:xfrm>
+            <a:off x="410094" y="1600385"/>
+            <a:ext cx="1240982" cy="369332"/>
+          </a:xfrm>
+          <a:prstGeom prst="rect">
+            <a:avLst/>
+          </a:prstGeom>
+          <a:noFill/>
+        </p:spPr>
+        <p:txBody>
+          <a:bodyPr wrap="square">
+            <a:spAutoFit/>
+          </a:bodyPr>
+          <a:lstStyle/>
+          <a:p>
+            <a:r>
+              <a:rPr lang="en-US" dirty="0">
+                <a:latin typeface="Arial" panose="020B0604020202020204" pitchFamily="34" charset="0"/>
+                <a:cs typeface="Arial" panose="020B0604020202020204" pitchFamily="34" charset="0"/>
+              </a:rPr>
+              <a:t>Flowchart:</a:t>
+            </a:r>
+            <a:endParaRPr lang="en-IN" dirty="0"/>
+          </a:p>
+        </p:txBody>
+      </p:sp>
       <p:pic>
         <p:nvPicPr>
-          <p:cNvPr id="6" name="Picture 5">
+          <p:cNvPr id="12" name="Picture 11">
             <a:extLst>
               <a:ext uri="{FF2B5EF4-FFF2-40B4-BE49-F238E27FC236}">
-                <a16:creationId xmlns:a16="http://schemas.microsoft.com/office/drawing/2014/main" id="{2C9169CF-ECEA-9DF9-99BC-6DFEFAED2F54}"/>
+                <a16:creationId xmlns:a16="http://schemas.microsoft.com/office/drawing/2014/main" id="{3D909C5A-C49F-3844-064C-910DF7AD4F7C}"/>
               </a:ext>
             </a:extLst>
           </p:cNvPr>
@@ -3913,15 +3954,16 @@
           </p:cNvPicPr>
           <p:nvPr/>
         </p:nvPicPr>
-        <p:blipFill rotWithShape="1">
+        <p:blipFill>
           <a:blip r:embed="rId2"/>
-          <a:srcRect l="9286" t="13040" r="8552" b="7890"/>
-          <a:stretch/>
+          <a:stretch>
+            <a:fillRect/>
+          </a:stretch>
         </p:blipFill>
         <p:spPr>
           <a:xfrm>
-            <a:off x="3833326" y="717684"/>
-            <a:ext cx="4525348" cy="5422632"/>
+            <a:off x="4476524" y="491924"/>
+            <a:ext cx="3238952" cy="6106377"/>
           </a:xfrm>
           <a:prstGeom prst="rect">
             <a:avLst/>
@@ -3942,45 +3984,6 @@
           </a:effectLst>
         </p:spPr>
       </p:pic>
-      <p:sp>
-        <p:nvSpPr>
-          <p:cNvPr id="9" name="TextBox 8">
-            <a:extLst>
-              <a:ext uri="{FF2B5EF4-FFF2-40B4-BE49-F238E27FC236}">
-                <a16:creationId xmlns:a16="http://schemas.microsoft.com/office/drawing/2014/main" id="{A512F7D8-535C-9C66-78F0-417ACEE7CACB}"/>
-              </a:ext>
-            </a:extLst>
-          </p:cNvPr>
-          <p:cNvSpPr txBox="1"/>
-          <p:nvPr/>
-        </p:nvSpPr>
-        <p:spPr>
-          <a:xfrm>
-            <a:off x="5261069" y="6187220"/>
-            <a:ext cx="6097554" cy="369332"/>
-          </a:xfrm>
-          <a:prstGeom prst="rect">
-            <a:avLst/>
-          </a:prstGeom>
-          <a:noFill/>
-        </p:spPr>
-        <p:txBody>
-          <a:bodyPr wrap="square">
-            <a:spAutoFit/>
-          </a:bodyPr>
-          <a:lstStyle/>
-          <a:p>
-            <a:r>
-              <a:rPr lang="en-US" dirty="0">
-                <a:latin typeface="Arial" panose="020B0604020202020204" pitchFamily="34" charset="0"/>
-                <a:cs typeface="Arial" panose="020B0604020202020204" pitchFamily="34" charset="0"/>
-              </a:rPr>
-              <a:t>flowchart</a:t>
-            </a:r>
-            <a:endParaRPr lang="en-IN" dirty="0"/>
-          </a:p>
-        </p:txBody>
-      </p:sp>
     </p:spTree>
     <p:extLst>
       <p:ext uri="{BB962C8B-B14F-4D97-AF65-F5344CB8AC3E}">
@@ -4276,10 +4279,10 @@
       </p:sp>
       <p:pic>
         <p:nvPicPr>
-          <p:cNvPr id="5" name="Picture 4">
+          <p:cNvPr id="6" name="Picture 5">
             <a:extLst>
               <a:ext uri="{FF2B5EF4-FFF2-40B4-BE49-F238E27FC236}">
-                <a16:creationId xmlns:a16="http://schemas.microsoft.com/office/drawing/2014/main" id="{0FDD1B6F-45C6-5F8D-F0CD-7A804CD3A441}"/>
+                <a16:creationId xmlns:a16="http://schemas.microsoft.com/office/drawing/2014/main" id="{14A0749C-EF0C-3736-C0E5-81113BF20F39}"/>
               </a:ext>
             </a:extLst>
           </p:cNvPr>
@@ -4288,19 +4291,34 @@
           </p:cNvPicPr>
           <p:nvPr/>
         </p:nvPicPr>
-        <p:blipFill rotWithShape="1">
+        <p:blipFill>
           <a:blip r:embed="rId2"/>
-          <a:srcRect l="5848" t="6156" r="6825" b="7891"/>
-          <a:stretch/>
+          <a:stretch>
+            <a:fillRect/>
+          </a:stretch>
         </p:blipFill>
         <p:spPr>
           <a:xfrm>
-            <a:off x="2965475" y="833377"/>
-            <a:ext cx="6074439" cy="5602274"/>
+            <a:off x="3217417" y="1047523"/>
+            <a:ext cx="5757166" cy="5518567"/>
           </a:xfrm>
           <a:prstGeom prst="rect">
             <a:avLst/>
           </a:prstGeom>
+          <a:ln w="38100" cap="sq">
+            <a:solidFill>
+              <a:srgbClr val="000000"/>
+            </a:solidFill>
+            <a:prstDash val="solid"/>
+            <a:miter lim="800000"/>
+          </a:ln>
+          <a:effectLst>
+            <a:outerShdw blurRad="50800" dist="38100" dir="2700000" algn="tl" rotWithShape="0">
+              <a:srgbClr val="000000">
+                <a:alpha val="43000"/>
+              </a:srgbClr>
+            </a:outerShdw>
+          </a:effectLst>
         </p:spPr>
       </p:pic>
     </p:spTree>
